--- a/Gestao Estrategica TI/Estrategia Empresarial/Meu estudo.pptx
+++ b/Gestao Estrategica TI/Estrategia Empresarial/Meu estudo.pptx
@@ -9423,15 +9423,7 @@
                 <a:schemeClr val="bg1"/>
               </a:solidFill>
             </a:rPr>
-            <a:t>Negócio, Missão</a:t>
-          </a:r>
-          <a:r>
-            <a:rPr lang="pt-BR" sz="1400" dirty="0" smtClean="0">
-              <a:solidFill>
-                <a:schemeClr val="bg1"/>
-              </a:solidFill>
-            </a:rPr>
-            <a:t>, Visão, Valores </a:t>
+            <a:t>Negócio, Missão, Visão, Valores </a:t>
           </a:r>
           <a:endParaRPr lang="pt-BR" sz="1400" dirty="0">
             <a:solidFill>
@@ -10175,31 +10167,31 @@
     </dgm:pt>
   </dgm:ptLst>
   <dgm:cxnLst>
-    <dgm:cxn modelId="{657D20CD-D118-48DE-861C-C81C88487F62}" type="presOf" srcId="{5F6E9507-E9C4-48B5-BE39-92B528C9CD28}" destId="{896B29AC-37A8-4CDA-A2AF-69A070EA1311}" srcOrd="0" destOrd="0" presId="urn:microsoft.com/office/officeart/2005/8/layout/vList5"/>
+    <dgm:cxn modelId="{F6F6B686-7B20-4B44-8A42-4A7A6D60469A}" type="presOf" srcId="{4B502B79-2676-4FF7-91F9-42DAF0AD80CF}" destId="{0C25F599-2E82-4F49-B192-B59CAF50628E}" srcOrd="0" destOrd="0" presId="urn:microsoft.com/office/officeart/2005/8/layout/vList5"/>
+    <dgm:cxn modelId="{64F09020-309D-428C-BE1B-CE03053579F3}" srcId="{72FE2D84-F11C-4F04-A071-5FE2E42A5FA0}" destId="{F86C4A92-F069-4440-81D2-A8F820D2CBEC}" srcOrd="1" destOrd="0" parTransId="{3491CAA4-B7C7-4BE2-BEC1-D3E0377D05C5}" sibTransId="{2EE1A6A3-3DBB-479E-88D9-72ADB068701E}"/>
+    <dgm:cxn modelId="{DCA45962-B2A7-4B3B-93DB-3F0472C03174}" srcId="{29624614-86CC-49F8-895B-53F42FF4351F}" destId="{27F6A0D5-F716-40F2-A11C-BA891D5493FD}" srcOrd="0" destOrd="0" parTransId="{F1AF8107-523E-479D-AAA8-98B5DE6915BF}" sibTransId="{4193C63A-A727-4E60-8CE7-D51B913B07E3}"/>
+    <dgm:cxn modelId="{D4BEE6AD-D0F1-4DCC-AA1B-DE1DD8C13B5C}" srcId="{72FE2D84-F11C-4F04-A071-5FE2E42A5FA0}" destId="{3E188B9D-ABBD-4EEE-BA62-C68173A55066}" srcOrd="2" destOrd="0" parTransId="{95FB7486-8889-4CA9-A041-854FDAFF1A56}" sibTransId="{F02641B1-209D-493F-8335-D0C49A8DAA42}"/>
+    <dgm:cxn modelId="{5C99E565-3A09-4543-B01C-DAD43F532D92}" srcId="{3E188B9D-ABBD-4EEE-BA62-C68173A55066}" destId="{5BEFC331-3A31-4C98-9F1E-37089477266F}" srcOrd="0" destOrd="0" parTransId="{C98A95BA-0A82-4F69-BCBF-CE757CE835D1}" sibTransId="{AA0EA059-30CE-4677-94AF-3A9C42984A8B}"/>
     <dgm:cxn modelId="{A8775C05-1922-4F7A-844C-F43DE18013B3}" srcId="{72FE2D84-F11C-4F04-A071-5FE2E42A5FA0}" destId="{3C4B0C0B-ADB8-4E4B-932E-236B8B45C506}" srcOrd="4" destOrd="0" parTransId="{3959525E-59E8-4AC8-81E9-EE8D453DDB69}" sibTransId="{37BF4AA7-CD87-4F35-B830-3D5AE5045BCA}"/>
-    <dgm:cxn modelId="{178F2964-D56A-486A-895B-55F5ADBCAC70}" srcId="{72FE2D84-F11C-4F04-A071-5FE2E42A5FA0}" destId="{5F6E9507-E9C4-48B5-BE39-92B528C9CD28}" srcOrd="3" destOrd="0" parTransId="{D268F6FD-2B34-4399-8ACE-3E755C8B1A90}" sibTransId="{9D3340FB-407F-4E90-ADE6-537A6F879836}"/>
-    <dgm:cxn modelId="{C0BCE0C6-B782-4473-A2C9-3F46F4034897}" type="presOf" srcId="{29624614-86CC-49F8-895B-53F42FF4351F}" destId="{404009E2-52E2-4FBD-8A06-2B3B9B79AB2A}" srcOrd="0" destOrd="0" presId="urn:microsoft.com/office/officeart/2005/8/layout/vList5"/>
-    <dgm:cxn modelId="{B20C1574-C7C1-4F76-A73B-40CF0D2F0828}" type="presOf" srcId="{F86C4A92-F069-4440-81D2-A8F820D2CBEC}" destId="{B27C1B24-E235-4511-8BCB-482FBE1E642D}" srcOrd="0" destOrd="0" presId="urn:microsoft.com/office/officeart/2005/8/layout/vList5"/>
-    <dgm:cxn modelId="{CEFADC55-8ED4-4821-AE47-E1400A2E4AD9}" srcId="{29624614-86CC-49F8-895B-53F42FF4351F}" destId="{9B098DAA-F9A2-4784-9F39-73585BC8E5A5}" srcOrd="2" destOrd="0" parTransId="{BBED1482-56BA-4529-A9B6-3D0EDDA5B211}" sibTransId="{841AAFC2-F24B-4BD6-8120-9F8878D46F3C}"/>
+    <dgm:cxn modelId="{59D36D82-68AE-4C23-AA0F-65902B37CFFE}" type="presOf" srcId="{0B8A6F9C-084F-49E5-BE2E-9C7BE29265A7}" destId="{CF554BA7-8537-42CC-8DE8-375356E525EE}" srcOrd="0" destOrd="0" presId="urn:microsoft.com/office/officeart/2005/8/layout/vList5"/>
     <dgm:cxn modelId="{9C0275D5-31F1-4906-ABA5-D6BEF400372A}" srcId="{F86C4A92-F069-4440-81D2-A8F820D2CBEC}" destId="{C5204820-2E29-4D23-B968-ED4BBF16FE38}" srcOrd="0" destOrd="0" parTransId="{54B08E49-35F8-4DCD-B046-3F36C603BFEE}" sibTransId="{E04BEDAA-490A-4350-804F-E4311EE217DD}"/>
-    <dgm:cxn modelId="{A972344A-6BF8-4F6A-9C20-EF1CF7D28302}" srcId="{72FE2D84-F11C-4F04-A071-5FE2E42A5FA0}" destId="{29624614-86CC-49F8-895B-53F42FF4351F}" srcOrd="0" destOrd="0" parTransId="{E08C3CF6-CC5D-4556-924B-43021B51E7FC}" sibTransId="{C00213DE-DD48-4615-8631-3BB0674B34F1}"/>
-    <dgm:cxn modelId="{EDB1D709-42AA-4822-BCA3-D20E578A3EE9}" type="presOf" srcId="{3C4B0C0B-ADB8-4E4B-932E-236B8B45C506}" destId="{F48CEC02-FE9B-4CA2-ADC0-10BD5C6936C7}" srcOrd="0" destOrd="0" presId="urn:microsoft.com/office/officeart/2005/8/layout/vList5"/>
-    <dgm:cxn modelId="{59D36D82-68AE-4C23-AA0F-65902B37CFFE}" type="presOf" srcId="{0B8A6F9C-084F-49E5-BE2E-9C7BE29265A7}" destId="{CF554BA7-8537-42CC-8DE8-375356E525EE}" srcOrd="0" destOrd="0" presId="urn:microsoft.com/office/officeart/2005/8/layout/vList5"/>
-    <dgm:cxn modelId="{F6F6B686-7B20-4B44-8A42-4A7A6D60469A}" type="presOf" srcId="{4B502B79-2676-4FF7-91F9-42DAF0AD80CF}" destId="{0C25F599-2E82-4F49-B192-B59CAF50628E}" srcOrd="0" destOrd="0" presId="urn:microsoft.com/office/officeart/2005/8/layout/vList5"/>
-    <dgm:cxn modelId="{B5DA490F-AB7E-4D01-A45B-7F94EBFBC239}" type="presOf" srcId="{27F6A0D5-F716-40F2-A11C-BA891D5493FD}" destId="{F5E68069-5C75-4F52-B3B6-076EA21298D7}" srcOrd="0" destOrd="0" presId="urn:microsoft.com/office/officeart/2005/8/layout/vList5"/>
-    <dgm:cxn modelId="{64F09020-309D-428C-BE1B-CE03053579F3}" srcId="{72FE2D84-F11C-4F04-A071-5FE2E42A5FA0}" destId="{F86C4A92-F069-4440-81D2-A8F820D2CBEC}" srcOrd="1" destOrd="0" parTransId="{3491CAA4-B7C7-4BE2-BEC1-D3E0377D05C5}" sibTransId="{2EE1A6A3-3DBB-479E-88D9-72ADB068701E}"/>
-    <dgm:cxn modelId="{DFC89609-F978-478E-8A29-235CE9BAADB8}" srcId="{3C4B0C0B-ADB8-4E4B-932E-236B8B45C506}" destId="{4B502B79-2676-4FF7-91F9-42DAF0AD80CF}" srcOrd="0" destOrd="0" parTransId="{CA083685-5232-4987-BD71-95E3CBFF35B8}" sibTransId="{A3751BCB-59C3-450F-8047-203484DB3E75}"/>
-    <dgm:cxn modelId="{5C99E565-3A09-4543-B01C-DAD43F532D92}" srcId="{3E188B9D-ABBD-4EEE-BA62-C68173A55066}" destId="{5BEFC331-3A31-4C98-9F1E-37089477266F}" srcOrd="0" destOrd="0" parTransId="{C98A95BA-0A82-4F69-BCBF-CE757CE835D1}" sibTransId="{AA0EA059-30CE-4677-94AF-3A9C42984A8B}"/>
-    <dgm:cxn modelId="{67AC60E3-7DDC-49C0-80F8-027BB7EAE54E}" type="presOf" srcId="{72FE2D84-F11C-4F04-A071-5FE2E42A5FA0}" destId="{CAA7098C-9373-48A6-89B8-2CA204F7A109}" srcOrd="0" destOrd="0" presId="urn:microsoft.com/office/officeart/2005/8/layout/vList5"/>
-    <dgm:cxn modelId="{39DBA0D9-9ABC-4ECF-94A6-0F183492F4B4}" type="presOf" srcId="{5BEFC331-3A31-4C98-9F1E-37089477266F}" destId="{F3BDE4F4-7BE2-41A2-B6DB-9077B3E9C21C}" srcOrd="0" destOrd="0" presId="urn:microsoft.com/office/officeart/2005/8/layout/vList5"/>
-    <dgm:cxn modelId="{450CB440-6FA2-4D97-BCE3-0368EEDEBF86}" type="presOf" srcId="{9B098DAA-F9A2-4784-9F39-73585BC8E5A5}" destId="{F5E68069-5C75-4F52-B3B6-076EA21298D7}" srcOrd="0" destOrd="2" presId="urn:microsoft.com/office/officeart/2005/8/layout/vList5"/>
-    <dgm:cxn modelId="{2BCE6349-D3D0-4491-B990-4F38CF07E3B7}" type="presOf" srcId="{1A9695E4-561B-4D75-8F9C-4EC662C43318}" destId="{F5E68069-5C75-4F52-B3B6-076EA21298D7}" srcOrd="0" destOrd="1" presId="urn:microsoft.com/office/officeart/2005/8/layout/vList5"/>
     <dgm:cxn modelId="{AE60FC95-8620-4902-B5D5-1FD09C6473C8}" type="presOf" srcId="{C5204820-2E29-4D23-B968-ED4BBF16FE38}" destId="{E5206532-7C8F-4EFA-ADED-2A331D524BCC}" srcOrd="0" destOrd="0" presId="urn:microsoft.com/office/officeart/2005/8/layout/vList5"/>
     <dgm:cxn modelId="{D7006A4D-9778-4FC6-84FD-F9BC6E3C0201}" type="presOf" srcId="{3E188B9D-ABBD-4EEE-BA62-C68173A55066}" destId="{2A524A9B-0EA8-40FE-A47A-7E87EFB1A635}" srcOrd="0" destOrd="0" presId="urn:microsoft.com/office/officeart/2005/8/layout/vList5"/>
+    <dgm:cxn modelId="{A972344A-6BF8-4F6A-9C20-EF1CF7D28302}" srcId="{72FE2D84-F11C-4F04-A071-5FE2E42A5FA0}" destId="{29624614-86CC-49F8-895B-53F42FF4351F}" srcOrd="0" destOrd="0" parTransId="{E08C3CF6-CC5D-4556-924B-43021B51E7FC}" sibTransId="{C00213DE-DD48-4615-8631-3BB0674B34F1}"/>
+    <dgm:cxn modelId="{C0BCE0C6-B782-4473-A2C9-3F46F4034897}" type="presOf" srcId="{29624614-86CC-49F8-895B-53F42FF4351F}" destId="{404009E2-52E2-4FBD-8A06-2B3B9B79AB2A}" srcOrd="0" destOrd="0" presId="urn:microsoft.com/office/officeart/2005/8/layout/vList5"/>
     <dgm:cxn modelId="{48C37A8D-A51B-4080-97A2-98678222C0D1}" srcId="{5F6E9507-E9C4-48B5-BE39-92B528C9CD28}" destId="{0B8A6F9C-084F-49E5-BE2E-9C7BE29265A7}" srcOrd="0" destOrd="0" parTransId="{511153F8-ADB5-429C-A462-0007A5144440}" sibTransId="{BA59A3E4-A5A9-475E-9B03-F10FD4BF32FF}"/>
-    <dgm:cxn modelId="{DCA45962-B2A7-4B3B-93DB-3F0472C03174}" srcId="{29624614-86CC-49F8-895B-53F42FF4351F}" destId="{27F6A0D5-F716-40F2-A11C-BA891D5493FD}" srcOrd="0" destOrd="0" parTransId="{F1AF8107-523E-479D-AAA8-98B5DE6915BF}" sibTransId="{4193C63A-A727-4E60-8CE7-D51B913B07E3}"/>
-    <dgm:cxn modelId="{D4BEE6AD-D0F1-4DCC-AA1B-DE1DD8C13B5C}" srcId="{72FE2D84-F11C-4F04-A071-5FE2E42A5FA0}" destId="{3E188B9D-ABBD-4EEE-BA62-C68173A55066}" srcOrd="2" destOrd="0" parTransId="{95FB7486-8889-4CA9-A041-854FDAFF1A56}" sibTransId="{F02641B1-209D-493F-8335-D0C49A8DAA42}"/>
+    <dgm:cxn modelId="{2BCE6349-D3D0-4491-B990-4F38CF07E3B7}" type="presOf" srcId="{1A9695E4-561B-4D75-8F9C-4EC662C43318}" destId="{F5E68069-5C75-4F52-B3B6-076EA21298D7}" srcOrd="0" destOrd="1" presId="urn:microsoft.com/office/officeart/2005/8/layout/vList5"/>
+    <dgm:cxn modelId="{178F2964-D56A-486A-895B-55F5ADBCAC70}" srcId="{72FE2D84-F11C-4F04-A071-5FE2E42A5FA0}" destId="{5F6E9507-E9C4-48B5-BE39-92B528C9CD28}" srcOrd="3" destOrd="0" parTransId="{D268F6FD-2B34-4399-8ACE-3E755C8B1A90}" sibTransId="{9D3340FB-407F-4E90-ADE6-537A6F879836}"/>
     <dgm:cxn modelId="{A4A212A0-0EB8-4A63-866F-A9293B1B968F}" srcId="{29624614-86CC-49F8-895B-53F42FF4351F}" destId="{1A9695E4-561B-4D75-8F9C-4EC662C43318}" srcOrd="1" destOrd="0" parTransId="{1DF50571-3911-448F-B56D-7FFCAB6AA85B}" sibTransId="{AF00FA8F-4591-45C7-964F-4901532E9BEC}"/>
+    <dgm:cxn modelId="{DFC89609-F978-478E-8A29-235CE9BAADB8}" srcId="{3C4B0C0B-ADB8-4E4B-932E-236B8B45C506}" destId="{4B502B79-2676-4FF7-91F9-42DAF0AD80CF}" srcOrd="0" destOrd="0" parTransId="{CA083685-5232-4987-BD71-95E3CBFF35B8}" sibTransId="{A3751BCB-59C3-450F-8047-203484DB3E75}"/>
+    <dgm:cxn modelId="{657D20CD-D118-48DE-861C-C81C88487F62}" type="presOf" srcId="{5F6E9507-E9C4-48B5-BE39-92B528C9CD28}" destId="{896B29AC-37A8-4CDA-A2AF-69A070EA1311}" srcOrd="0" destOrd="0" presId="urn:microsoft.com/office/officeart/2005/8/layout/vList5"/>
+    <dgm:cxn modelId="{EDB1D709-42AA-4822-BCA3-D20E578A3EE9}" type="presOf" srcId="{3C4B0C0B-ADB8-4E4B-932E-236B8B45C506}" destId="{F48CEC02-FE9B-4CA2-ADC0-10BD5C6936C7}" srcOrd="0" destOrd="0" presId="urn:microsoft.com/office/officeart/2005/8/layout/vList5"/>
+    <dgm:cxn modelId="{67AC60E3-7DDC-49C0-80F8-027BB7EAE54E}" type="presOf" srcId="{72FE2D84-F11C-4F04-A071-5FE2E42A5FA0}" destId="{CAA7098C-9373-48A6-89B8-2CA204F7A109}" srcOrd="0" destOrd="0" presId="urn:microsoft.com/office/officeart/2005/8/layout/vList5"/>
+    <dgm:cxn modelId="{450CB440-6FA2-4D97-BCE3-0368EEDEBF86}" type="presOf" srcId="{9B098DAA-F9A2-4784-9F39-73585BC8E5A5}" destId="{F5E68069-5C75-4F52-B3B6-076EA21298D7}" srcOrd="0" destOrd="2" presId="urn:microsoft.com/office/officeart/2005/8/layout/vList5"/>
+    <dgm:cxn modelId="{B20C1574-C7C1-4F76-A73B-40CF0D2F0828}" type="presOf" srcId="{F86C4A92-F069-4440-81D2-A8F820D2CBEC}" destId="{B27C1B24-E235-4511-8BCB-482FBE1E642D}" srcOrd="0" destOrd="0" presId="urn:microsoft.com/office/officeart/2005/8/layout/vList5"/>
+    <dgm:cxn modelId="{B5DA490F-AB7E-4D01-A45B-7F94EBFBC239}" type="presOf" srcId="{27F6A0D5-F716-40F2-A11C-BA891D5493FD}" destId="{F5E68069-5C75-4F52-B3B6-076EA21298D7}" srcOrd="0" destOrd="0" presId="urn:microsoft.com/office/officeart/2005/8/layout/vList5"/>
+    <dgm:cxn modelId="{39DBA0D9-9ABC-4ECF-94A6-0F183492F4B4}" type="presOf" srcId="{5BEFC331-3A31-4C98-9F1E-37089477266F}" destId="{F3BDE4F4-7BE2-41A2-B6DB-9077B3E9C21C}" srcOrd="0" destOrd="0" presId="urn:microsoft.com/office/officeart/2005/8/layout/vList5"/>
+    <dgm:cxn modelId="{CEFADC55-8ED4-4821-AE47-E1400A2E4AD9}" srcId="{29624614-86CC-49F8-895B-53F42FF4351F}" destId="{9B098DAA-F9A2-4784-9F39-73585BC8E5A5}" srcOrd="2" destOrd="0" parTransId="{BBED1482-56BA-4529-A9B6-3D0EDDA5B211}" sibTransId="{841AAFC2-F24B-4BD6-8120-9F8878D46F3C}"/>
     <dgm:cxn modelId="{16CB791E-9535-4027-AFB1-127F6C49FD8C}" type="presParOf" srcId="{CAA7098C-9373-48A6-89B8-2CA204F7A109}" destId="{92265B3B-669C-4072-BDFF-F2127508F0E4}" srcOrd="0" destOrd="0" presId="urn:microsoft.com/office/officeart/2005/8/layout/vList5"/>
     <dgm:cxn modelId="{A6826F5E-7DCF-46DD-8736-9591B778011F}" type="presParOf" srcId="{92265B3B-669C-4072-BDFF-F2127508F0E4}" destId="{404009E2-52E2-4FBD-8A06-2B3B9B79AB2A}" srcOrd="0" destOrd="0" presId="urn:microsoft.com/office/officeart/2005/8/layout/vList5"/>
     <dgm:cxn modelId="{661A13F0-3651-4E93-8642-7404BB1D5AB1}" type="presParOf" srcId="{92265B3B-669C-4072-BDFF-F2127508F0E4}" destId="{F5E68069-5C75-4F52-B3B6-076EA21298D7}" srcOrd="1" destOrd="0" presId="urn:microsoft.com/office/officeart/2005/8/layout/vList5"/>
@@ -10314,15 +10306,7 @@
                 <a:schemeClr val="bg1"/>
               </a:solidFill>
             </a:rPr>
-            <a:t>Negócio, Missão</a:t>
-          </a:r>
-          <a:r>
-            <a:rPr lang="pt-BR" sz="1400" dirty="0" smtClean="0">
-              <a:solidFill>
-                <a:schemeClr val="bg1"/>
-              </a:solidFill>
-            </a:rPr>
-            <a:t>, Visão, Valores </a:t>
+            <a:t>Negócio, Missão, Visão, Valores </a:t>
           </a:r>
           <a:endParaRPr lang="pt-BR" sz="1400" dirty="0">
             <a:solidFill>
@@ -11070,31 +11054,31 @@
     </dgm:pt>
   </dgm:ptLst>
   <dgm:cxnLst>
-    <dgm:cxn modelId="{A5E07F83-C379-4D53-AB54-1EC3F5797E47}" type="presOf" srcId="{9B098DAA-F9A2-4784-9F39-73585BC8E5A5}" destId="{F5E68069-5C75-4F52-B3B6-076EA21298D7}" srcOrd="0" destOrd="2" presId="urn:microsoft.com/office/officeart/2005/8/layout/vList5"/>
+    <dgm:cxn modelId="{64F09020-309D-428C-BE1B-CE03053579F3}" srcId="{72FE2D84-F11C-4F04-A071-5FE2E42A5FA0}" destId="{F86C4A92-F069-4440-81D2-A8F820D2CBEC}" srcOrd="1" destOrd="0" parTransId="{3491CAA4-B7C7-4BE2-BEC1-D3E0377D05C5}" sibTransId="{2EE1A6A3-3DBB-479E-88D9-72ADB068701E}"/>
+    <dgm:cxn modelId="{DCA45962-B2A7-4B3B-93DB-3F0472C03174}" srcId="{29624614-86CC-49F8-895B-53F42FF4351F}" destId="{27F6A0D5-F716-40F2-A11C-BA891D5493FD}" srcOrd="0" destOrd="0" parTransId="{F1AF8107-523E-479D-AAA8-98B5DE6915BF}" sibTransId="{4193C63A-A727-4E60-8CE7-D51B913B07E3}"/>
+    <dgm:cxn modelId="{D4BEE6AD-D0F1-4DCC-AA1B-DE1DD8C13B5C}" srcId="{72FE2D84-F11C-4F04-A071-5FE2E42A5FA0}" destId="{3E188B9D-ABBD-4EEE-BA62-C68173A55066}" srcOrd="2" destOrd="0" parTransId="{95FB7486-8889-4CA9-A041-854FDAFF1A56}" sibTransId="{F02641B1-209D-493F-8335-D0C49A8DAA42}"/>
     <dgm:cxn modelId="{1DF12EEC-ECDA-4257-9921-7137C763F70A}" type="presOf" srcId="{3E188B9D-ABBD-4EEE-BA62-C68173A55066}" destId="{2A524A9B-0EA8-40FE-A47A-7E87EFB1A635}" srcOrd="0" destOrd="0" presId="urn:microsoft.com/office/officeart/2005/8/layout/vList5"/>
+    <dgm:cxn modelId="{5C99E565-3A09-4543-B01C-DAD43F532D92}" srcId="{3E188B9D-ABBD-4EEE-BA62-C68173A55066}" destId="{5BEFC331-3A31-4C98-9F1E-37089477266F}" srcOrd="0" destOrd="0" parTransId="{C98A95BA-0A82-4F69-BCBF-CE757CE835D1}" sibTransId="{AA0EA059-30CE-4677-94AF-3A9C42984A8B}"/>
     <dgm:cxn modelId="{A8775C05-1922-4F7A-844C-F43DE18013B3}" srcId="{72FE2D84-F11C-4F04-A071-5FE2E42A5FA0}" destId="{3C4B0C0B-ADB8-4E4B-932E-236B8B45C506}" srcOrd="4" destOrd="0" parTransId="{3959525E-59E8-4AC8-81E9-EE8D453DDB69}" sibTransId="{37BF4AA7-CD87-4F35-B830-3D5AE5045BCA}"/>
-    <dgm:cxn modelId="{178F2964-D56A-486A-895B-55F5ADBCAC70}" srcId="{72FE2D84-F11C-4F04-A071-5FE2E42A5FA0}" destId="{5F6E9507-E9C4-48B5-BE39-92B528C9CD28}" srcOrd="3" destOrd="0" parTransId="{D268F6FD-2B34-4399-8ACE-3E755C8B1A90}" sibTransId="{9D3340FB-407F-4E90-ADE6-537A6F879836}"/>
-    <dgm:cxn modelId="{279542D8-883E-43C9-BA78-729EE0BDEBB0}" type="presOf" srcId="{3C4B0C0B-ADB8-4E4B-932E-236B8B45C506}" destId="{F48CEC02-FE9B-4CA2-ADC0-10BD5C6936C7}" srcOrd="0" destOrd="0" presId="urn:microsoft.com/office/officeart/2005/8/layout/vList5"/>
-    <dgm:cxn modelId="{DE2F6CF4-1C94-44C6-AE2D-1E335C6297C4}" type="presOf" srcId="{5F6E9507-E9C4-48B5-BE39-92B528C9CD28}" destId="{896B29AC-37A8-4CDA-A2AF-69A070EA1311}" srcOrd="0" destOrd="0" presId="urn:microsoft.com/office/officeart/2005/8/layout/vList5"/>
-    <dgm:cxn modelId="{4969821D-8253-4B81-A60C-0CC6C299E352}" type="presOf" srcId="{C5204820-2E29-4D23-B968-ED4BBF16FE38}" destId="{E5206532-7C8F-4EFA-ADED-2A331D524BCC}" srcOrd="0" destOrd="0" presId="urn:microsoft.com/office/officeart/2005/8/layout/vList5"/>
-    <dgm:cxn modelId="{CEFADC55-8ED4-4821-AE47-E1400A2E4AD9}" srcId="{29624614-86CC-49F8-895B-53F42FF4351F}" destId="{9B098DAA-F9A2-4784-9F39-73585BC8E5A5}" srcOrd="2" destOrd="0" parTransId="{BBED1482-56BA-4529-A9B6-3D0EDDA5B211}" sibTransId="{841AAFC2-F24B-4BD6-8120-9F8878D46F3C}"/>
-    <dgm:cxn modelId="{B54E4942-FB2C-473F-B144-F3CE70A6615B}" type="presOf" srcId="{F86C4A92-F069-4440-81D2-A8F820D2CBEC}" destId="{B27C1B24-E235-4511-8BCB-482FBE1E642D}" srcOrd="0" destOrd="0" presId="urn:microsoft.com/office/officeart/2005/8/layout/vList5"/>
-    <dgm:cxn modelId="{334A99CD-35A1-40C1-9717-1E2323749A4F}" type="presOf" srcId="{27F6A0D5-F716-40F2-A11C-BA891D5493FD}" destId="{F5E68069-5C75-4F52-B3B6-076EA21298D7}" srcOrd="0" destOrd="0" presId="urn:microsoft.com/office/officeart/2005/8/layout/vList5"/>
     <dgm:cxn modelId="{BFB3AE1B-F5BB-4F66-BF2F-A1A4682B9B5E}" type="presOf" srcId="{29624614-86CC-49F8-895B-53F42FF4351F}" destId="{404009E2-52E2-4FBD-8A06-2B3B9B79AB2A}" srcOrd="0" destOrd="0" presId="urn:microsoft.com/office/officeart/2005/8/layout/vList5"/>
     <dgm:cxn modelId="{9C0275D5-31F1-4906-ABA5-D6BEF400372A}" srcId="{F86C4A92-F069-4440-81D2-A8F820D2CBEC}" destId="{C5204820-2E29-4D23-B968-ED4BBF16FE38}" srcOrd="0" destOrd="0" parTransId="{54B08E49-35F8-4DCD-B046-3F36C603BFEE}" sibTransId="{E04BEDAA-490A-4350-804F-E4311EE217DD}"/>
+    <dgm:cxn modelId="{804DA39E-29C9-4BAC-AAE6-3704795F62D5}" type="presOf" srcId="{4B502B79-2676-4FF7-91F9-42DAF0AD80CF}" destId="{0C25F599-2E82-4F49-B192-B59CAF50628E}" srcOrd="0" destOrd="0" presId="urn:microsoft.com/office/officeart/2005/8/layout/vList5"/>
     <dgm:cxn modelId="{A972344A-6BF8-4F6A-9C20-EF1CF7D28302}" srcId="{72FE2D84-F11C-4F04-A071-5FE2E42A5FA0}" destId="{29624614-86CC-49F8-895B-53F42FF4351F}" srcOrd="0" destOrd="0" parTransId="{E08C3CF6-CC5D-4556-924B-43021B51E7FC}" sibTransId="{C00213DE-DD48-4615-8631-3BB0674B34F1}"/>
-    <dgm:cxn modelId="{64F09020-309D-428C-BE1B-CE03053579F3}" srcId="{72FE2D84-F11C-4F04-A071-5FE2E42A5FA0}" destId="{F86C4A92-F069-4440-81D2-A8F820D2CBEC}" srcOrd="1" destOrd="0" parTransId="{3491CAA4-B7C7-4BE2-BEC1-D3E0377D05C5}" sibTransId="{2EE1A6A3-3DBB-479E-88D9-72ADB068701E}"/>
+    <dgm:cxn modelId="{48C37A8D-A51B-4080-97A2-98678222C0D1}" srcId="{5F6E9507-E9C4-48B5-BE39-92B528C9CD28}" destId="{0B8A6F9C-084F-49E5-BE2E-9C7BE29265A7}" srcOrd="0" destOrd="0" parTransId="{511153F8-ADB5-429C-A462-0007A5144440}" sibTransId="{BA59A3E4-A5A9-475E-9B03-F10FD4BF32FF}"/>
+    <dgm:cxn modelId="{DE2F6CF4-1C94-44C6-AE2D-1E335C6297C4}" type="presOf" srcId="{5F6E9507-E9C4-48B5-BE39-92B528C9CD28}" destId="{896B29AC-37A8-4CDA-A2AF-69A070EA1311}" srcOrd="0" destOrd="0" presId="urn:microsoft.com/office/officeart/2005/8/layout/vList5"/>
+    <dgm:cxn modelId="{360544E2-D584-4829-A4D3-D3031B069142}" type="presOf" srcId="{5BEFC331-3A31-4C98-9F1E-37089477266F}" destId="{F3BDE4F4-7BE2-41A2-B6DB-9077B3E9C21C}" srcOrd="0" destOrd="0" presId="urn:microsoft.com/office/officeart/2005/8/layout/vList5"/>
+    <dgm:cxn modelId="{178F2964-D56A-486A-895B-55F5ADBCAC70}" srcId="{72FE2D84-F11C-4F04-A071-5FE2E42A5FA0}" destId="{5F6E9507-E9C4-48B5-BE39-92B528C9CD28}" srcOrd="3" destOrd="0" parTransId="{D268F6FD-2B34-4399-8ACE-3E755C8B1A90}" sibTransId="{9D3340FB-407F-4E90-ADE6-537A6F879836}"/>
+    <dgm:cxn modelId="{4969821D-8253-4B81-A60C-0CC6C299E352}" type="presOf" srcId="{C5204820-2E29-4D23-B968-ED4BBF16FE38}" destId="{E5206532-7C8F-4EFA-ADED-2A331D524BCC}" srcOrd="0" destOrd="0" presId="urn:microsoft.com/office/officeart/2005/8/layout/vList5"/>
+    <dgm:cxn modelId="{334A99CD-35A1-40C1-9717-1E2323749A4F}" type="presOf" srcId="{27F6A0D5-F716-40F2-A11C-BA891D5493FD}" destId="{F5E68069-5C75-4F52-B3B6-076EA21298D7}" srcOrd="0" destOrd="0" presId="urn:microsoft.com/office/officeart/2005/8/layout/vList5"/>
+    <dgm:cxn modelId="{A5E07F83-C379-4D53-AB54-1EC3F5797E47}" type="presOf" srcId="{9B098DAA-F9A2-4784-9F39-73585BC8E5A5}" destId="{F5E68069-5C75-4F52-B3B6-076EA21298D7}" srcOrd="0" destOrd="2" presId="urn:microsoft.com/office/officeart/2005/8/layout/vList5"/>
+    <dgm:cxn modelId="{279542D8-883E-43C9-BA78-729EE0BDEBB0}" type="presOf" srcId="{3C4B0C0B-ADB8-4E4B-932E-236B8B45C506}" destId="{F48CEC02-FE9B-4CA2-ADC0-10BD5C6936C7}" srcOrd="0" destOrd="0" presId="urn:microsoft.com/office/officeart/2005/8/layout/vList5"/>
+    <dgm:cxn modelId="{A4A212A0-0EB8-4A63-866F-A9293B1B968F}" srcId="{29624614-86CC-49F8-895B-53F42FF4351F}" destId="{1A9695E4-561B-4D75-8F9C-4EC662C43318}" srcOrd="1" destOrd="0" parTransId="{1DF50571-3911-448F-B56D-7FFCAB6AA85B}" sibTransId="{AF00FA8F-4591-45C7-964F-4901532E9BEC}"/>
     <dgm:cxn modelId="{DFC89609-F978-478E-8A29-235CE9BAADB8}" srcId="{3C4B0C0B-ADB8-4E4B-932E-236B8B45C506}" destId="{4B502B79-2676-4FF7-91F9-42DAF0AD80CF}" srcOrd="0" destOrd="0" parTransId="{CA083685-5232-4987-BD71-95E3CBFF35B8}" sibTransId="{A3751BCB-59C3-450F-8047-203484DB3E75}"/>
+    <dgm:cxn modelId="{D161091B-D074-4BB1-945B-451B2D770110}" type="presOf" srcId="{0B8A6F9C-084F-49E5-BE2E-9C7BE29265A7}" destId="{CF554BA7-8537-42CC-8DE8-375356E525EE}" srcOrd="0" destOrd="0" presId="urn:microsoft.com/office/officeart/2005/8/layout/vList5"/>
+    <dgm:cxn modelId="{B54E4942-FB2C-473F-B144-F3CE70A6615B}" type="presOf" srcId="{F86C4A92-F069-4440-81D2-A8F820D2CBEC}" destId="{B27C1B24-E235-4511-8BCB-482FBE1E642D}" srcOrd="0" destOrd="0" presId="urn:microsoft.com/office/officeart/2005/8/layout/vList5"/>
+    <dgm:cxn modelId="{24663115-B952-43C4-9D85-4A0A780AF38A}" type="presOf" srcId="{72FE2D84-F11C-4F04-A071-5FE2E42A5FA0}" destId="{CAA7098C-9373-48A6-89B8-2CA204F7A109}" srcOrd="0" destOrd="0" presId="urn:microsoft.com/office/officeart/2005/8/layout/vList5"/>
+    <dgm:cxn modelId="{CEFADC55-8ED4-4821-AE47-E1400A2E4AD9}" srcId="{29624614-86CC-49F8-895B-53F42FF4351F}" destId="{9B098DAA-F9A2-4784-9F39-73585BC8E5A5}" srcOrd="2" destOrd="0" parTransId="{BBED1482-56BA-4529-A9B6-3D0EDDA5B211}" sibTransId="{841AAFC2-F24B-4BD6-8120-9F8878D46F3C}"/>
     <dgm:cxn modelId="{725A800B-BA6A-4DAD-BE68-98B6C095B74B}" type="presOf" srcId="{1A9695E4-561B-4D75-8F9C-4EC662C43318}" destId="{F5E68069-5C75-4F52-B3B6-076EA21298D7}" srcOrd="0" destOrd="1" presId="urn:microsoft.com/office/officeart/2005/8/layout/vList5"/>
-    <dgm:cxn modelId="{D161091B-D074-4BB1-945B-451B2D770110}" type="presOf" srcId="{0B8A6F9C-084F-49E5-BE2E-9C7BE29265A7}" destId="{CF554BA7-8537-42CC-8DE8-375356E525EE}" srcOrd="0" destOrd="0" presId="urn:microsoft.com/office/officeart/2005/8/layout/vList5"/>
-    <dgm:cxn modelId="{360544E2-D584-4829-A4D3-D3031B069142}" type="presOf" srcId="{5BEFC331-3A31-4C98-9F1E-37089477266F}" destId="{F3BDE4F4-7BE2-41A2-B6DB-9077B3E9C21C}" srcOrd="0" destOrd="0" presId="urn:microsoft.com/office/officeart/2005/8/layout/vList5"/>
-    <dgm:cxn modelId="{24663115-B952-43C4-9D85-4A0A780AF38A}" type="presOf" srcId="{72FE2D84-F11C-4F04-A071-5FE2E42A5FA0}" destId="{CAA7098C-9373-48A6-89B8-2CA204F7A109}" srcOrd="0" destOrd="0" presId="urn:microsoft.com/office/officeart/2005/8/layout/vList5"/>
-    <dgm:cxn modelId="{5C99E565-3A09-4543-B01C-DAD43F532D92}" srcId="{3E188B9D-ABBD-4EEE-BA62-C68173A55066}" destId="{5BEFC331-3A31-4C98-9F1E-37089477266F}" srcOrd="0" destOrd="0" parTransId="{C98A95BA-0A82-4F69-BCBF-CE757CE835D1}" sibTransId="{AA0EA059-30CE-4677-94AF-3A9C42984A8B}"/>
-    <dgm:cxn modelId="{804DA39E-29C9-4BAC-AAE6-3704795F62D5}" type="presOf" srcId="{4B502B79-2676-4FF7-91F9-42DAF0AD80CF}" destId="{0C25F599-2E82-4F49-B192-B59CAF50628E}" srcOrd="0" destOrd="0" presId="urn:microsoft.com/office/officeart/2005/8/layout/vList5"/>
-    <dgm:cxn modelId="{48C37A8D-A51B-4080-97A2-98678222C0D1}" srcId="{5F6E9507-E9C4-48B5-BE39-92B528C9CD28}" destId="{0B8A6F9C-084F-49E5-BE2E-9C7BE29265A7}" srcOrd="0" destOrd="0" parTransId="{511153F8-ADB5-429C-A462-0007A5144440}" sibTransId="{BA59A3E4-A5A9-475E-9B03-F10FD4BF32FF}"/>
-    <dgm:cxn modelId="{DCA45962-B2A7-4B3B-93DB-3F0472C03174}" srcId="{29624614-86CC-49F8-895B-53F42FF4351F}" destId="{27F6A0D5-F716-40F2-A11C-BA891D5493FD}" srcOrd="0" destOrd="0" parTransId="{F1AF8107-523E-479D-AAA8-98B5DE6915BF}" sibTransId="{4193C63A-A727-4E60-8CE7-D51B913B07E3}"/>
-    <dgm:cxn modelId="{D4BEE6AD-D0F1-4DCC-AA1B-DE1DD8C13B5C}" srcId="{72FE2D84-F11C-4F04-A071-5FE2E42A5FA0}" destId="{3E188B9D-ABBD-4EEE-BA62-C68173A55066}" srcOrd="2" destOrd="0" parTransId="{95FB7486-8889-4CA9-A041-854FDAFF1A56}" sibTransId="{F02641B1-209D-493F-8335-D0C49A8DAA42}"/>
-    <dgm:cxn modelId="{A4A212A0-0EB8-4A63-866F-A9293B1B968F}" srcId="{29624614-86CC-49F8-895B-53F42FF4351F}" destId="{1A9695E4-561B-4D75-8F9C-4EC662C43318}" srcOrd="1" destOrd="0" parTransId="{1DF50571-3911-448F-B56D-7FFCAB6AA85B}" sibTransId="{AF00FA8F-4591-45C7-964F-4901532E9BEC}"/>
     <dgm:cxn modelId="{6231B20D-D93A-460C-AD5F-71D06F441492}" type="presParOf" srcId="{CAA7098C-9373-48A6-89B8-2CA204F7A109}" destId="{92265B3B-669C-4072-BDFF-F2127508F0E4}" srcOrd="0" destOrd="0" presId="urn:microsoft.com/office/officeart/2005/8/layout/vList5"/>
     <dgm:cxn modelId="{B72380BE-28AA-4567-B625-5361475F8B2A}" type="presParOf" srcId="{92265B3B-669C-4072-BDFF-F2127508F0E4}" destId="{404009E2-52E2-4FBD-8A06-2B3B9B79AB2A}" srcOrd="0" destOrd="0" presId="urn:microsoft.com/office/officeart/2005/8/layout/vList5"/>
     <dgm:cxn modelId="{70AA2060-20E5-4E03-AB84-546BCB8704E7}" type="presParOf" srcId="{92265B3B-669C-4072-BDFF-F2127508F0E4}" destId="{F5E68069-5C75-4F52-B3B6-076EA21298D7}" srcOrd="1" destOrd="0" presId="urn:microsoft.com/office/officeart/2005/8/layout/vList5"/>
@@ -11209,15 +11193,7 @@
                 <a:schemeClr val="bg1"/>
               </a:solidFill>
             </a:rPr>
-            <a:t>Negócio, Missão</a:t>
-          </a:r>
-          <a:r>
-            <a:rPr lang="pt-BR" sz="1400" dirty="0" smtClean="0">
-              <a:solidFill>
-                <a:schemeClr val="bg1"/>
-              </a:solidFill>
-            </a:rPr>
-            <a:t>, Visão, Valores </a:t>
+            <a:t>Negócio, Missão, Visão, Valores </a:t>
           </a:r>
           <a:endParaRPr lang="pt-BR" sz="1400" dirty="0">
             <a:solidFill>
@@ -11674,15 +11650,7 @@
                 <a:schemeClr val="bg1"/>
               </a:solidFill>
             </a:rPr>
-            <a:t>Estratégias de </a:t>
-          </a:r>
-          <a:r>
-            <a:rPr lang="pt-BR" dirty="0" smtClean="0">
-              <a:solidFill>
-                <a:schemeClr val="bg1"/>
-              </a:solidFill>
-            </a:rPr>
-            <a:t>Implementação;</a:t>
+            <a:t>Estratégias de Implementação;</a:t>
           </a:r>
           <a:endParaRPr lang="pt-BR" dirty="0">
             <a:solidFill>
@@ -11735,15 +11703,7 @@
                 <a:schemeClr val="tx1"/>
               </a:solidFill>
             </a:rPr>
-            <a:t>Produtos, Estrutura </a:t>
-          </a:r>
-          <a:r>
-            <a:rPr lang="pt-BR" dirty="0" smtClean="0">
-              <a:solidFill>
-                <a:schemeClr val="tx1"/>
-              </a:solidFill>
-            </a:rPr>
-            <a:t>tecnológica</a:t>
+            <a:t>Produtos, Estrutura tecnológica</a:t>
           </a:r>
           <a:endParaRPr lang="pt-BR" dirty="0">
             <a:solidFill>
@@ -12044,15 +12004,15 @@
     <dgm:cxn modelId="{C53613F5-C273-4EF0-BBD3-4C682CB2B2D0}" type="presOf" srcId="{9B098DAA-F9A2-4784-9F39-73585BC8E5A5}" destId="{F5E68069-5C75-4F52-B3B6-076EA21298D7}" srcOrd="0" destOrd="2" presId="urn:microsoft.com/office/officeart/2005/8/layout/vList5"/>
     <dgm:cxn modelId="{592D8F93-816F-4FA1-9331-8E3C53AA75BF}" type="presOf" srcId="{0B8A6F9C-084F-49E5-BE2E-9C7BE29265A7}" destId="{CF554BA7-8537-42CC-8DE8-375356E525EE}" srcOrd="0" destOrd="0" presId="urn:microsoft.com/office/officeart/2005/8/layout/vList5"/>
     <dgm:cxn modelId="{CEFADC55-8ED4-4821-AE47-E1400A2E4AD9}" srcId="{29624614-86CC-49F8-895B-53F42FF4351F}" destId="{9B098DAA-F9A2-4784-9F39-73585BC8E5A5}" srcOrd="2" destOrd="0" parTransId="{BBED1482-56BA-4529-A9B6-3D0EDDA5B211}" sibTransId="{841AAFC2-F24B-4BD6-8120-9F8878D46F3C}"/>
+    <dgm:cxn modelId="{B9FA2E7C-888E-4529-973E-E66E3F24FA01}" srcId="{3C4B0C0B-ADB8-4E4B-932E-236B8B45C506}" destId="{3726775F-72AA-4CE1-AA2C-56FF91B36172}" srcOrd="1" destOrd="0" parTransId="{31A9EFEB-A538-4439-8098-7873F40D610B}" sibTransId="{B5370BD4-660A-4F74-A6BA-91227586A525}"/>
     <dgm:cxn modelId="{1FC381B9-D196-44C2-B0BC-4767E27756AE}" type="presOf" srcId="{5BEFC331-3A31-4C98-9F1E-37089477266F}" destId="{F3BDE4F4-7BE2-41A2-B6DB-9077B3E9C21C}" srcOrd="0" destOrd="0" presId="urn:microsoft.com/office/officeart/2005/8/layout/vList5"/>
-    <dgm:cxn modelId="{B9FA2E7C-888E-4529-973E-E66E3F24FA01}" srcId="{3C4B0C0B-ADB8-4E4B-932E-236B8B45C506}" destId="{3726775F-72AA-4CE1-AA2C-56FF91B36172}" srcOrd="1" destOrd="0" parTransId="{31A9EFEB-A538-4439-8098-7873F40D610B}" sibTransId="{B5370BD4-660A-4F74-A6BA-91227586A525}"/>
     <dgm:cxn modelId="{690B117E-194F-4A90-8437-1368AC0FE6D5}" type="presOf" srcId="{C5204820-2E29-4D23-B968-ED4BBF16FE38}" destId="{E5206532-7C8F-4EFA-ADED-2A331D524BCC}" srcOrd="0" destOrd="0" presId="urn:microsoft.com/office/officeart/2005/8/layout/vList5"/>
     <dgm:cxn modelId="{1B95E016-3DAA-4709-BB62-CAE866BF5182}" type="presOf" srcId="{1A9695E4-561B-4D75-8F9C-4EC662C43318}" destId="{F5E68069-5C75-4F52-B3B6-076EA21298D7}" srcOrd="0" destOrd="1" presId="urn:microsoft.com/office/officeart/2005/8/layout/vList5"/>
     <dgm:cxn modelId="{9C0275D5-31F1-4906-ABA5-D6BEF400372A}" srcId="{F86C4A92-F069-4440-81D2-A8F820D2CBEC}" destId="{C5204820-2E29-4D23-B968-ED4BBF16FE38}" srcOrd="0" destOrd="0" parTransId="{54B08E49-35F8-4DCD-B046-3F36C603BFEE}" sibTransId="{E04BEDAA-490A-4350-804F-E4311EE217DD}"/>
     <dgm:cxn modelId="{A972344A-6BF8-4F6A-9C20-EF1CF7D28302}" srcId="{72FE2D84-F11C-4F04-A071-5FE2E42A5FA0}" destId="{29624614-86CC-49F8-895B-53F42FF4351F}" srcOrd="0" destOrd="0" parTransId="{E08C3CF6-CC5D-4556-924B-43021B51E7FC}" sibTransId="{C00213DE-DD48-4615-8631-3BB0674B34F1}"/>
     <dgm:cxn modelId="{64F09020-309D-428C-BE1B-CE03053579F3}" srcId="{72FE2D84-F11C-4F04-A071-5FE2E42A5FA0}" destId="{F86C4A92-F069-4440-81D2-A8F820D2CBEC}" srcOrd="1" destOrd="0" parTransId="{3491CAA4-B7C7-4BE2-BEC1-D3E0377D05C5}" sibTransId="{2EE1A6A3-3DBB-479E-88D9-72ADB068701E}"/>
+    <dgm:cxn modelId="{0557DE15-E479-4A78-977E-E66C8E5E4C00}" type="presOf" srcId="{4B502B79-2676-4FF7-91F9-42DAF0AD80CF}" destId="{0C25F599-2E82-4F49-B192-B59CAF50628E}" srcOrd="0" destOrd="0" presId="urn:microsoft.com/office/officeart/2005/8/layout/vList5"/>
     <dgm:cxn modelId="{00D6BD47-7AA0-4124-ABC0-B1530FF211E4}" type="presOf" srcId="{29624614-86CC-49F8-895B-53F42FF4351F}" destId="{404009E2-52E2-4FBD-8A06-2B3B9B79AB2A}" srcOrd="0" destOrd="0" presId="urn:microsoft.com/office/officeart/2005/8/layout/vList5"/>
-    <dgm:cxn modelId="{0557DE15-E479-4A78-977E-E66C8E5E4C00}" type="presOf" srcId="{4B502B79-2676-4FF7-91F9-42DAF0AD80CF}" destId="{0C25F599-2E82-4F49-B192-B59CAF50628E}" srcOrd="0" destOrd="0" presId="urn:microsoft.com/office/officeart/2005/8/layout/vList5"/>
     <dgm:cxn modelId="{DFC89609-F978-478E-8A29-235CE9BAADB8}" srcId="{3C4B0C0B-ADB8-4E4B-932E-236B8B45C506}" destId="{4B502B79-2676-4FF7-91F9-42DAF0AD80CF}" srcOrd="0" destOrd="0" parTransId="{CA083685-5232-4987-BD71-95E3CBFF35B8}" sibTransId="{A3751BCB-59C3-450F-8047-203484DB3E75}"/>
     <dgm:cxn modelId="{583901C1-A978-43A4-B05D-DF3A9FD04C79}" type="presOf" srcId="{F86C4A92-F069-4440-81D2-A8F820D2CBEC}" destId="{B27C1B24-E235-4511-8BCB-482FBE1E642D}" srcOrd="0" destOrd="0" presId="urn:microsoft.com/office/officeart/2005/8/layout/vList5"/>
     <dgm:cxn modelId="{EC52F7CA-1680-4BE0-B110-E60DE68F2C11}" type="presOf" srcId="{3C4B0C0B-ADB8-4E4B-932E-236B8B45C506}" destId="{F48CEC02-FE9B-4CA2-ADC0-10BD5C6936C7}" srcOrd="0" destOrd="0" presId="urn:microsoft.com/office/officeart/2005/8/layout/vList5"/>
@@ -12644,6 +12604,13 @@
         </dgm:presLayoutVars>
       </dgm:prSet>
       <dgm:spPr/>
+      <dgm:t>
+        <a:bodyPr/>
+        <a:lstStyle/>
+        <a:p>
+          <a:endParaRPr lang="pt-BR"/>
+        </a:p>
+      </dgm:t>
     </dgm:pt>
     <dgm:pt modelId="{B9455D32-4FA6-478B-9DDF-BC17341D25C2}" type="pres">
       <dgm:prSet presAssocID="{3FD4EA5B-D059-468E-8D4C-3B02488660E8}" presName="outerBox" presStyleCnt="0"/>
@@ -12652,6 +12619,13 @@
     <dgm:pt modelId="{B21EA3F0-827F-495C-9160-844DF3BD41DC}" type="pres">
       <dgm:prSet presAssocID="{3FD4EA5B-D059-468E-8D4C-3B02488660E8}" presName="outerBoxParent" presStyleLbl="node1" presStyleIdx="0" presStyleCnt="2"/>
       <dgm:spPr/>
+      <dgm:t>
+        <a:bodyPr/>
+        <a:lstStyle/>
+        <a:p>
+          <a:endParaRPr lang="pt-BR"/>
+        </a:p>
+      </dgm:t>
     </dgm:pt>
     <dgm:pt modelId="{06DDC185-1EAC-4DF9-9E2B-FDD97A076BEF}" type="pres">
       <dgm:prSet presAssocID="{3FD4EA5B-D059-468E-8D4C-3B02488660E8}" presName="outerBoxChildren" presStyleCnt="0"/>
@@ -12664,6 +12638,13 @@
         </dgm:presLayoutVars>
       </dgm:prSet>
       <dgm:spPr/>
+      <dgm:t>
+        <a:bodyPr/>
+        <a:lstStyle/>
+        <a:p>
+          <a:endParaRPr lang="pt-BR"/>
+        </a:p>
+      </dgm:t>
     </dgm:pt>
     <dgm:pt modelId="{CCE30880-1E3F-4BD0-8059-B463802AC7F4}" type="pres">
       <dgm:prSet presAssocID="{1E3A2CAD-0EF6-4F47-876A-6632997BEC4C}" presName="outerSibTrans" presStyleCnt="0"/>
@@ -12676,6 +12657,13 @@
         </dgm:presLayoutVars>
       </dgm:prSet>
       <dgm:spPr/>
+      <dgm:t>
+        <a:bodyPr/>
+        <a:lstStyle/>
+        <a:p>
+          <a:endParaRPr lang="pt-BR"/>
+        </a:p>
+      </dgm:t>
     </dgm:pt>
     <dgm:pt modelId="{54A813A4-3695-409F-A5B8-F45C594E3F82}" type="pres">
       <dgm:prSet presAssocID="{3FD4EA5B-D059-468E-8D4C-3B02488660E8}" presName="middleBox" presStyleCnt="0"/>
@@ -12684,6 +12672,13 @@
     <dgm:pt modelId="{153E78D2-DA40-402B-B7F3-9F1B75094352}" type="pres">
       <dgm:prSet presAssocID="{3FD4EA5B-D059-468E-8D4C-3B02488660E8}" presName="middleBoxParent" presStyleLbl="node1" presStyleIdx="1" presStyleCnt="2"/>
       <dgm:spPr/>
+      <dgm:t>
+        <a:bodyPr/>
+        <a:lstStyle/>
+        <a:p>
+          <a:endParaRPr lang="pt-BR"/>
+        </a:p>
+      </dgm:t>
     </dgm:pt>
     <dgm:pt modelId="{9C353056-529A-4576-9AC6-B54642141DC7}" type="pres">
       <dgm:prSet presAssocID="{3FD4EA5B-D059-468E-8D4C-3B02488660E8}" presName="middleBoxChildren" presStyleCnt="0"/>
@@ -12696,6 +12691,13 @@
         </dgm:presLayoutVars>
       </dgm:prSet>
       <dgm:spPr/>
+      <dgm:t>
+        <a:bodyPr/>
+        <a:lstStyle/>
+        <a:p>
+          <a:endParaRPr lang="pt-BR"/>
+        </a:p>
+      </dgm:t>
     </dgm:pt>
     <dgm:pt modelId="{5ADD1546-B637-4328-A411-465B686914D8}" type="pres">
       <dgm:prSet presAssocID="{B8EA2A67-0D51-4FB1-A4FF-E122E2E95FFC}" presName="middleSibTrans" presStyleCnt="0"/>
@@ -12708,22 +12710,29 @@
         </dgm:presLayoutVars>
       </dgm:prSet>
       <dgm:spPr/>
+      <dgm:t>
+        <a:bodyPr/>
+        <a:lstStyle/>
+        <a:p>
+          <a:endParaRPr lang="pt-BR"/>
+        </a:p>
+      </dgm:t>
     </dgm:pt>
   </dgm:ptLst>
   <dgm:cxnLst>
+    <dgm:cxn modelId="{DD43D1CA-7538-4104-A56F-50196CBF22A5}" type="presOf" srcId="{3FD4EA5B-D059-468E-8D4C-3B02488660E8}" destId="{AFD1D351-8397-4685-92E5-63EA13BBF638}" srcOrd="0" destOrd="0" presId="urn:microsoft.com/office/officeart/2005/8/layout/target2"/>
+    <dgm:cxn modelId="{2332E853-745D-4D15-B0C0-CC7A80E91B7D}" type="presOf" srcId="{AB50E648-6CF4-4D7F-802C-BC94735C508A}" destId="{EBCC40E9-45D7-41E5-93D8-D990146C1CB8}" srcOrd="0" destOrd="0" presId="urn:microsoft.com/office/officeart/2005/8/layout/target2"/>
+    <dgm:cxn modelId="{6D0001CF-522E-4FA0-B880-2C878F87F892}" srcId="{68CF70DF-4E9F-4CEC-9417-CF1ED9040394}" destId="{D15090DC-16A1-4B19-AB5B-1B81A974BA9B}" srcOrd="0" destOrd="0" parTransId="{1FAE58A2-F88F-4680-8C45-5D70CA2F9FD3}" sibTransId="{1E3A2CAD-0EF6-4F47-876A-6632997BEC4C}"/>
+    <dgm:cxn modelId="{FA65EF8F-F1FF-4E47-BFBE-17DCB946A1FE}" type="presOf" srcId="{61AF90E0-6659-4287-AF60-8E4E62606A72}" destId="{A7CC4B98-0491-4DF8-8A30-56FE3DB4F6E9}" srcOrd="0" destOrd="0" presId="urn:microsoft.com/office/officeart/2005/8/layout/target2"/>
+    <dgm:cxn modelId="{F84CFC78-1CEF-440A-98BB-0FDC84B086D3}" srcId="{68CF70DF-4E9F-4CEC-9417-CF1ED9040394}" destId="{FD2F3CB5-5A47-4E9D-BDA6-515F6FC62656}" srcOrd="1" destOrd="0" parTransId="{101A4EF7-CB0E-491E-8A8A-BC99D3465C2B}" sibTransId="{236F66FD-3B85-46AD-95DF-1BC15DBE1A2B}"/>
     <dgm:cxn modelId="{AF8ECD9F-9D41-4CB3-A46B-46DC93DC1D50}" srcId="{3FD4EA5B-D059-468E-8D4C-3B02488660E8}" destId="{0AF89721-18BE-4B3E-AF64-7A92C8182040}" srcOrd="1" destOrd="0" parTransId="{B3EB3F7F-B8A2-40EE-B689-4F02AAA31B27}" sibTransId="{794443F8-2309-4F14-81F8-9CEEC03A3B15}"/>
-    <dgm:cxn modelId="{2332E853-745D-4D15-B0C0-CC7A80E91B7D}" type="presOf" srcId="{AB50E648-6CF4-4D7F-802C-BC94735C508A}" destId="{EBCC40E9-45D7-41E5-93D8-D990146C1CB8}" srcOrd="0" destOrd="0" presId="urn:microsoft.com/office/officeart/2005/8/layout/target2"/>
+    <dgm:cxn modelId="{552E6BBD-A908-4ACA-9317-DBDDA09634CC}" srcId="{3FD4EA5B-D059-468E-8D4C-3B02488660E8}" destId="{68CF70DF-4E9F-4CEC-9417-CF1ED9040394}" srcOrd="0" destOrd="0" parTransId="{88FEA8FD-ABFA-4E1E-AF66-84DFEF12EB44}" sibTransId="{04C34C7C-AF98-43B4-9E42-BF203B15F221}"/>
+    <dgm:cxn modelId="{A620426D-93FB-41BF-8AA8-F71BE0471ABA}" srcId="{0AF89721-18BE-4B3E-AF64-7A92C8182040}" destId="{AB50E648-6CF4-4D7F-802C-BC94735C508A}" srcOrd="1" destOrd="0" parTransId="{A979AB73-DFBA-4769-A386-D0E867749888}" sibTransId="{F474CCAE-685C-4D58-988A-AD72C2C18057}"/>
+    <dgm:cxn modelId="{E07EFB6B-F09F-4D87-8F63-C54040EF1BB0}" type="presOf" srcId="{FD2F3CB5-5A47-4E9D-BDA6-515F6FC62656}" destId="{4AFBEAF3-51DE-440B-B4D8-84AE3A75344A}" srcOrd="0" destOrd="0" presId="urn:microsoft.com/office/officeart/2005/8/layout/target2"/>
+    <dgm:cxn modelId="{28F9035A-108C-4EF4-94DC-354BCDA8809D}" srcId="{0AF89721-18BE-4B3E-AF64-7A92C8182040}" destId="{61AF90E0-6659-4287-AF60-8E4E62606A72}" srcOrd="0" destOrd="0" parTransId="{46875B98-B76F-4321-B2DE-18CCC65CCDBC}" sibTransId="{B8EA2A67-0D51-4FB1-A4FF-E122E2E95FFC}"/>
+    <dgm:cxn modelId="{3CC0B765-EFBE-4878-AAD5-287C8FABB93A}" type="presOf" srcId="{68CF70DF-4E9F-4CEC-9417-CF1ED9040394}" destId="{B21EA3F0-827F-495C-9160-844DF3BD41DC}" srcOrd="0" destOrd="0" presId="urn:microsoft.com/office/officeart/2005/8/layout/target2"/>
+    <dgm:cxn modelId="{7C507A9C-96B1-4D3B-81F2-E71CD00CF53F}" type="presOf" srcId="{D15090DC-16A1-4B19-AB5B-1B81A974BA9B}" destId="{FE7C91A5-98BA-4D0B-9179-914B9BB3B50A}" srcOrd="0" destOrd="0" presId="urn:microsoft.com/office/officeart/2005/8/layout/target2"/>
     <dgm:cxn modelId="{417D9624-4EC5-4C66-98B2-F614C20C8C3E}" type="presOf" srcId="{0AF89721-18BE-4B3E-AF64-7A92C8182040}" destId="{153E78D2-DA40-402B-B7F3-9F1B75094352}" srcOrd="0" destOrd="0" presId="urn:microsoft.com/office/officeart/2005/8/layout/target2"/>
-    <dgm:cxn modelId="{F84CFC78-1CEF-440A-98BB-0FDC84B086D3}" srcId="{68CF70DF-4E9F-4CEC-9417-CF1ED9040394}" destId="{FD2F3CB5-5A47-4E9D-BDA6-515F6FC62656}" srcOrd="1" destOrd="0" parTransId="{101A4EF7-CB0E-491E-8A8A-BC99D3465C2B}" sibTransId="{236F66FD-3B85-46AD-95DF-1BC15DBE1A2B}"/>
-    <dgm:cxn modelId="{6D0001CF-522E-4FA0-B880-2C878F87F892}" srcId="{68CF70DF-4E9F-4CEC-9417-CF1ED9040394}" destId="{D15090DC-16A1-4B19-AB5B-1B81A974BA9B}" srcOrd="0" destOrd="0" parTransId="{1FAE58A2-F88F-4680-8C45-5D70CA2F9FD3}" sibTransId="{1E3A2CAD-0EF6-4F47-876A-6632997BEC4C}"/>
-    <dgm:cxn modelId="{A620426D-93FB-41BF-8AA8-F71BE0471ABA}" srcId="{0AF89721-18BE-4B3E-AF64-7A92C8182040}" destId="{AB50E648-6CF4-4D7F-802C-BC94735C508A}" srcOrd="1" destOrd="0" parTransId="{A979AB73-DFBA-4769-A386-D0E867749888}" sibTransId="{F474CCAE-685C-4D58-988A-AD72C2C18057}"/>
-    <dgm:cxn modelId="{552E6BBD-A908-4ACA-9317-DBDDA09634CC}" srcId="{3FD4EA5B-D059-468E-8D4C-3B02488660E8}" destId="{68CF70DF-4E9F-4CEC-9417-CF1ED9040394}" srcOrd="0" destOrd="0" parTransId="{88FEA8FD-ABFA-4E1E-AF66-84DFEF12EB44}" sibTransId="{04C34C7C-AF98-43B4-9E42-BF203B15F221}"/>
-    <dgm:cxn modelId="{28F9035A-108C-4EF4-94DC-354BCDA8809D}" srcId="{0AF89721-18BE-4B3E-AF64-7A92C8182040}" destId="{61AF90E0-6659-4287-AF60-8E4E62606A72}" srcOrd="0" destOrd="0" parTransId="{46875B98-B76F-4321-B2DE-18CCC65CCDBC}" sibTransId="{B8EA2A67-0D51-4FB1-A4FF-E122E2E95FFC}"/>
-    <dgm:cxn modelId="{FA65EF8F-F1FF-4E47-BFBE-17DCB946A1FE}" type="presOf" srcId="{61AF90E0-6659-4287-AF60-8E4E62606A72}" destId="{A7CC4B98-0491-4DF8-8A30-56FE3DB4F6E9}" srcOrd="0" destOrd="0" presId="urn:microsoft.com/office/officeart/2005/8/layout/target2"/>
-    <dgm:cxn modelId="{E07EFB6B-F09F-4D87-8F63-C54040EF1BB0}" type="presOf" srcId="{FD2F3CB5-5A47-4E9D-BDA6-515F6FC62656}" destId="{4AFBEAF3-51DE-440B-B4D8-84AE3A75344A}" srcOrd="0" destOrd="0" presId="urn:microsoft.com/office/officeart/2005/8/layout/target2"/>
-    <dgm:cxn modelId="{7C507A9C-96B1-4D3B-81F2-E71CD00CF53F}" type="presOf" srcId="{D15090DC-16A1-4B19-AB5B-1B81A974BA9B}" destId="{FE7C91A5-98BA-4D0B-9179-914B9BB3B50A}" srcOrd="0" destOrd="0" presId="urn:microsoft.com/office/officeart/2005/8/layout/target2"/>
-    <dgm:cxn modelId="{DD43D1CA-7538-4104-A56F-50196CBF22A5}" type="presOf" srcId="{3FD4EA5B-D059-468E-8D4C-3B02488660E8}" destId="{AFD1D351-8397-4685-92E5-63EA13BBF638}" srcOrd="0" destOrd="0" presId="urn:microsoft.com/office/officeart/2005/8/layout/target2"/>
-    <dgm:cxn modelId="{3CC0B765-EFBE-4878-AAD5-287C8FABB93A}" type="presOf" srcId="{68CF70DF-4E9F-4CEC-9417-CF1ED9040394}" destId="{B21EA3F0-827F-495C-9160-844DF3BD41DC}" srcOrd="0" destOrd="0" presId="urn:microsoft.com/office/officeart/2005/8/layout/target2"/>
     <dgm:cxn modelId="{7C9B91F5-C79A-4BFE-A886-0812AD880711}" type="presParOf" srcId="{AFD1D351-8397-4685-92E5-63EA13BBF638}" destId="{B9455D32-4FA6-478B-9DDF-BC17341D25C2}" srcOrd="0" destOrd="0" presId="urn:microsoft.com/office/officeart/2005/8/layout/target2"/>
     <dgm:cxn modelId="{DF2A4D37-626A-45BD-A14A-9B5320A5972C}" type="presParOf" srcId="{B9455D32-4FA6-478B-9DDF-BC17341D25C2}" destId="{B21EA3F0-827F-495C-9160-844DF3BD41DC}" srcOrd="0" destOrd="0" presId="urn:microsoft.com/office/officeart/2005/8/layout/target2"/>
     <dgm:cxn modelId="{A99951FD-E373-4107-9E6D-EA8BABAE3999}" type="presParOf" srcId="{B9455D32-4FA6-478B-9DDF-BC17341D25C2}" destId="{06DDC185-1EAC-4DF9-9E2B-FDD97A076BEF}" srcOrd="1" destOrd="0" presId="urn:microsoft.com/office/officeart/2005/8/layout/target2"/>
@@ -13175,11 +13184,7 @@
         <a:p>
           <a:r>
             <a:rPr lang="pt-BR" sz="1400" dirty="0" smtClean="0"/>
-            <a:t>Negócio, Missão</a:t>
-          </a:r>
-          <a:r>
-            <a:rPr lang="pt-BR" sz="1400" dirty="0" smtClean="0"/>
-            <a:t>, Visão, Valores </a:t>
+            <a:t>Negócio, Missão, Visão, Valores </a:t>
           </a:r>
           <a:endParaRPr lang="pt-BR" sz="1400" dirty="0"/>
         </a:p>
@@ -13902,11 +13907,7 @@
         <a:p>
           <a:r>
             <a:rPr lang="pt-BR" sz="1400" dirty="0" smtClean="0"/>
-            <a:t>Negócio, Missão</a:t>
-          </a:r>
-          <a:r>
-            <a:rPr lang="pt-BR" sz="1400" dirty="0" smtClean="0"/>
-            <a:t>, Visão, Valores </a:t>
+            <a:t>Negócio, Missão, Visão, Valores </a:t>
           </a:r>
           <a:endParaRPr lang="pt-BR" sz="1400" dirty="0"/>
         </a:p>
@@ -14765,15 +14766,7 @@
                 <a:schemeClr val="bg1"/>
               </a:solidFill>
             </a:rPr>
-            <a:t>Negócio, Missão</a:t>
-          </a:r>
-          <a:r>
-            <a:rPr lang="pt-BR" sz="1400" dirty="0" smtClean="0">
-              <a:solidFill>
-                <a:schemeClr val="bg1"/>
-              </a:solidFill>
-            </a:rPr>
-            <a:t>, Visão, Valores </a:t>
+            <a:t>Negócio, Missão, Visão, Valores </a:t>
           </a:r>
           <a:endParaRPr lang="pt-BR" sz="1400" dirty="0">
             <a:solidFill>
@@ -15497,31 +15490,31 @@
     </dgm:pt>
   </dgm:ptLst>
   <dgm:cxnLst>
-    <dgm:cxn modelId="{67530C00-D407-4DB4-995C-DAD89996109B}" type="presOf" srcId="{C5204820-2E29-4D23-B968-ED4BBF16FE38}" destId="{E5206532-7C8F-4EFA-ADED-2A331D524BCC}" srcOrd="0" destOrd="0" presId="urn:microsoft.com/office/officeart/2005/8/layout/vList5"/>
-    <dgm:cxn modelId="{8209E55A-BC62-42B6-AC92-974A3C67CFB6}" type="presOf" srcId="{4B502B79-2676-4FF7-91F9-42DAF0AD80CF}" destId="{0C25F599-2E82-4F49-B192-B59CAF50628E}" srcOrd="0" destOrd="0" presId="urn:microsoft.com/office/officeart/2005/8/layout/vList5"/>
+    <dgm:cxn modelId="{64F09020-309D-428C-BE1B-CE03053579F3}" srcId="{72FE2D84-F11C-4F04-A071-5FE2E42A5FA0}" destId="{F86C4A92-F069-4440-81D2-A8F820D2CBEC}" srcOrd="1" destOrd="0" parTransId="{3491CAA4-B7C7-4BE2-BEC1-D3E0377D05C5}" sibTransId="{2EE1A6A3-3DBB-479E-88D9-72ADB068701E}"/>
+    <dgm:cxn modelId="{DCA45962-B2A7-4B3B-93DB-3F0472C03174}" srcId="{29624614-86CC-49F8-895B-53F42FF4351F}" destId="{27F6A0D5-F716-40F2-A11C-BA891D5493FD}" srcOrd="0" destOrd="0" parTransId="{F1AF8107-523E-479D-AAA8-98B5DE6915BF}" sibTransId="{4193C63A-A727-4E60-8CE7-D51B913B07E3}"/>
+    <dgm:cxn modelId="{23C939F9-0ABA-47C8-AAAA-2A57F257CED7}" type="presOf" srcId="{1A9695E4-561B-4D75-8F9C-4EC662C43318}" destId="{F5E68069-5C75-4F52-B3B6-076EA21298D7}" srcOrd="0" destOrd="1" presId="urn:microsoft.com/office/officeart/2005/8/layout/vList5"/>
+    <dgm:cxn modelId="{D4BEE6AD-D0F1-4DCC-AA1B-DE1DD8C13B5C}" srcId="{72FE2D84-F11C-4F04-A071-5FE2E42A5FA0}" destId="{3E188B9D-ABBD-4EEE-BA62-C68173A55066}" srcOrd="2" destOrd="0" parTransId="{95FB7486-8889-4CA9-A041-854FDAFF1A56}" sibTransId="{F02641B1-209D-493F-8335-D0C49A8DAA42}"/>
+    <dgm:cxn modelId="{5C99E565-3A09-4543-B01C-DAD43F532D92}" srcId="{3E188B9D-ABBD-4EEE-BA62-C68173A55066}" destId="{5BEFC331-3A31-4C98-9F1E-37089477266F}" srcOrd="0" destOrd="0" parTransId="{C98A95BA-0A82-4F69-BCBF-CE757CE835D1}" sibTransId="{AA0EA059-30CE-4677-94AF-3A9C42984A8B}"/>
+    <dgm:cxn modelId="{A8775C05-1922-4F7A-844C-F43DE18013B3}" srcId="{72FE2D84-F11C-4F04-A071-5FE2E42A5FA0}" destId="{3C4B0C0B-ADB8-4E4B-932E-236B8B45C506}" srcOrd="4" destOrd="0" parTransId="{3959525E-59E8-4AC8-81E9-EE8D453DDB69}" sibTransId="{37BF4AA7-CD87-4F35-B830-3D5AE5045BCA}"/>
+    <dgm:cxn modelId="{8EFD3B55-1934-420D-9907-392FF7B8B180}" type="presOf" srcId="{0B8A6F9C-084F-49E5-BE2E-9C7BE29265A7}" destId="{CF554BA7-8537-42CC-8DE8-375356E525EE}" srcOrd="0" destOrd="0" presId="urn:microsoft.com/office/officeart/2005/8/layout/vList5"/>
     <dgm:cxn modelId="{BCDAD06B-5231-4B74-A77B-62D5FE33EB66}" type="presOf" srcId="{9B098DAA-F9A2-4784-9F39-73585BC8E5A5}" destId="{F5E68069-5C75-4F52-B3B6-076EA21298D7}" srcOrd="0" destOrd="2" presId="urn:microsoft.com/office/officeart/2005/8/layout/vList5"/>
     <dgm:cxn modelId="{E59B2F15-9458-4ADF-89D0-95EE5CF30C6A}" type="presOf" srcId="{5F6E9507-E9C4-48B5-BE39-92B528C9CD28}" destId="{896B29AC-37A8-4CDA-A2AF-69A070EA1311}" srcOrd="0" destOrd="0" presId="urn:microsoft.com/office/officeart/2005/8/layout/vList5"/>
+    <dgm:cxn modelId="{8209E55A-BC62-42B6-AC92-974A3C67CFB6}" type="presOf" srcId="{4B502B79-2676-4FF7-91F9-42DAF0AD80CF}" destId="{0C25F599-2E82-4F49-B192-B59CAF50628E}" srcOrd="0" destOrd="0" presId="urn:microsoft.com/office/officeart/2005/8/layout/vList5"/>
     <dgm:cxn modelId="{59A92CB1-6FB0-44B6-9802-F23590D2AF45}" type="presOf" srcId="{29624614-86CC-49F8-895B-53F42FF4351F}" destId="{404009E2-52E2-4FBD-8A06-2B3B9B79AB2A}" srcOrd="0" destOrd="0" presId="urn:microsoft.com/office/officeart/2005/8/layout/vList5"/>
+    <dgm:cxn modelId="{9C0275D5-31F1-4906-ABA5-D6BEF400372A}" srcId="{F86C4A92-F069-4440-81D2-A8F820D2CBEC}" destId="{C5204820-2E29-4D23-B968-ED4BBF16FE38}" srcOrd="0" destOrd="0" parTransId="{54B08E49-35F8-4DCD-B046-3F36C603BFEE}" sibTransId="{E04BEDAA-490A-4350-804F-E4311EE217DD}"/>
+    <dgm:cxn modelId="{E02E3A9A-FA15-44B6-B9AA-6178E92454F9}" type="presOf" srcId="{3E188B9D-ABBD-4EEE-BA62-C68173A55066}" destId="{2A524A9B-0EA8-40FE-A47A-7E87EFB1A635}" srcOrd="0" destOrd="0" presId="urn:microsoft.com/office/officeart/2005/8/layout/vList5"/>
+    <dgm:cxn modelId="{A972344A-6BF8-4F6A-9C20-EF1CF7D28302}" srcId="{72FE2D84-F11C-4F04-A071-5FE2E42A5FA0}" destId="{29624614-86CC-49F8-895B-53F42FF4351F}" srcOrd="0" destOrd="0" parTransId="{E08C3CF6-CC5D-4556-924B-43021B51E7FC}" sibTransId="{C00213DE-DD48-4615-8631-3BB0674B34F1}"/>
     <dgm:cxn modelId="{383B6AB3-32C4-4EF2-A331-23DD193ED348}" type="presOf" srcId="{F86C4A92-F069-4440-81D2-A8F820D2CBEC}" destId="{B27C1B24-E235-4511-8BCB-482FBE1E642D}" srcOrd="0" destOrd="0" presId="urn:microsoft.com/office/officeart/2005/8/layout/vList5"/>
-    <dgm:cxn modelId="{23C939F9-0ABA-47C8-AAAA-2A57F257CED7}" type="presOf" srcId="{1A9695E4-561B-4D75-8F9C-4EC662C43318}" destId="{F5E68069-5C75-4F52-B3B6-076EA21298D7}" srcOrd="0" destOrd="1" presId="urn:microsoft.com/office/officeart/2005/8/layout/vList5"/>
     <dgm:cxn modelId="{48C37A8D-A51B-4080-97A2-98678222C0D1}" srcId="{5F6E9507-E9C4-48B5-BE39-92B528C9CD28}" destId="{0B8A6F9C-084F-49E5-BE2E-9C7BE29265A7}" srcOrd="0" destOrd="0" parTransId="{511153F8-ADB5-429C-A462-0007A5144440}" sibTransId="{BA59A3E4-A5A9-475E-9B03-F10FD4BF32FF}"/>
-    <dgm:cxn modelId="{8EFD3B55-1934-420D-9907-392FF7B8B180}" type="presOf" srcId="{0B8A6F9C-084F-49E5-BE2E-9C7BE29265A7}" destId="{CF554BA7-8537-42CC-8DE8-375356E525EE}" srcOrd="0" destOrd="0" presId="urn:microsoft.com/office/officeart/2005/8/layout/vList5"/>
+    <dgm:cxn modelId="{178F2964-D56A-486A-895B-55F5ADBCAC70}" srcId="{72FE2D84-F11C-4F04-A071-5FE2E42A5FA0}" destId="{5F6E9507-E9C4-48B5-BE39-92B528C9CD28}" srcOrd="3" destOrd="0" parTransId="{D268F6FD-2B34-4399-8ACE-3E755C8B1A90}" sibTransId="{9D3340FB-407F-4E90-ADE6-537A6F879836}"/>
+    <dgm:cxn modelId="{A4A212A0-0EB8-4A63-866F-A9293B1B968F}" srcId="{29624614-86CC-49F8-895B-53F42FF4351F}" destId="{1A9695E4-561B-4D75-8F9C-4EC662C43318}" srcOrd="1" destOrd="0" parTransId="{1DF50571-3911-448F-B56D-7FFCAB6AA85B}" sibTransId="{AF00FA8F-4591-45C7-964F-4901532E9BEC}"/>
     <dgm:cxn modelId="{DFC89609-F978-478E-8A29-235CE9BAADB8}" srcId="{3C4B0C0B-ADB8-4E4B-932E-236B8B45C506}" destId="{4B502B79-2676-4FF7-91F9-42DAF0AD80CF}" srcOrd="0" destOrd="0" parTransId="{CA083685-5232-4987-BD71-95E3CBFF35B8}" sibTransId="{A3751BCB-59C3-450F-8047-203484DB3E75}"/>
+    <dgm:cxn modelId="{68B08545-6B70-47D5-A9BD-97CEC981F2D7}" type="presOf" srcId="{5BEFC331-3A31-4C98-9F1E-37089477266F}" destId="{F3BDE4F4-7BE2-41A2-B6DB-9077B3E9C21C}" srcOrd="0" destOrd="0" presId="urn:microsoft.com/office/officeart/2005/8/layout/vList5"/>
     <dgm:cxn modelId="{3C54C1F7-4462-473E-98F7-9502DB8FA290}" type="presOf" srcId="{27F6A0D5-F716-40F2-A11C-BA891D5493FD}" destId="{F5E68069-5C75-4F52-B3B6-076EA21298D7}" srcOrd="0" destOrd="0" presId="urn:microsoft.com/office/officeart/2005/8/layout/vList5"/>
-    <dgm:cxn modelId="{A4A212A0-0EB8-4A63-866F-A9293B1B968F}" srcId="{29624614-86CC-49F8-895B-53F42FF4351F}" destId="{1A9695E4-561B-4D75-8F9C-4EC662C43318}" srcOrd="1" destOrd="0" parTransId="{1DF50571-3911-448F-B56D-7FFCAB6AA85B}" sibTransId="{AF00FA8F-4591-45C7-964F-4901532E9BEC}"/>
-    <dgm:cxn modelId="{68B08545-6B70-47D5-A9BD-97CEC981F2D7}" type="presOf" srcId="{5BEFC331-3A31-4C98-9F1E-37089477266F}" destId="{F3BDE4F4-7BE2-41A2-B6DB-9077B3E9C21C}" srcOrd="0" destOrd="0" presId="urn:microsoft.com/office/officeart/2005/8/layout/vList5"/>
-    <dgm:cxn modelId="{178F2964-D56A-486A-895B-55F5ADBCAC70}" srcId="{72FE2D84-F11C-4F04-A071-5FE2E42A5FA0}" destId="{5F6E9507-E9C4-48B5-BE39-92B528C9CD28}" srcOrd="3" destOrd="0" parTransId="{D268F6FD-2B34-4399-8ACE-3E755C8B1A90}" sibTransId="{9D3340FB-407F-4E90-ADE6-537A6F879836}"/>
-    <dgm:cxn modelId="{DCA45962-B2A7-4B3B-93DB-3F0472C03174}" srcId="{29624614-86CC-49F8-895B-53F42FF4351F}" destId="{27F6A0D5-F716-40F2-A11C-BA891D5493FD}" srcOrd="0" destOrd="0" parTransId="{F1AF8107-523E-479D-AAA8-98B5DE6915BF}" sibTransId="{4193C63A-A727-4E60-8CE7-D51B913B07E3}"/>
+    <dgm:cxn modelId="{507593A1-771A-43C0-985A-A9F03B2E786D}" type="presOf" srcId="{3C4B0C0B-ADB8-4E4B-932E-236B8B45C506}" destId="{F48CEC02-FE9B-4CA2-ADC0-10BD5C6936C7}" srcOrd="0" destOrd="0" presId="urn:microsoft.com/office/officeart/2005/8/layout/vList5"/>
+    <dgm:cxn modelId="{CEFADC55-8ED4-4821-AE47-E1400A2E4AD9}" srcId="{29624614-86CC-49F8-895B-53F42FF4351F}" destId="{9B098DAA-F9A2-4784-9F39-73585BC8E5A5}" srcOrd="2" destOrd="0" parTransId="{BBED1482-56BA-4529-A9B6-3D0EDDA5B211}" sibTransId="{841AAFC2-F24B-4BD6-8120-9F8878D46F3C}"/>
+    <dgm:cxn modelId="{67530C00-D407-4DB4-995C-DAD89996109B}" type="presOf" srcId="{C5204820-2E29-4D23-B968-ED4BBF16FE38}" destId="{E5206532-7C8F-4EFA-ADED-2A331D524BCC}" srcOrd="0" destOrd="0" presId="urn:microsoft.com/office/officeart/2005/8/layout/vList5"/>
     <dgm:cxn modelId="{8796A767-D365-46D8-A207-74CC8C282F20}" type="presOf" srcId="{72FE2D84-F11C-4F04-A071-5FE2E42A5FA0}" destId="{CAA7098C-9373-48A6-89B8-2CA204F7A109}" srcOrd="0" destOrd="0" presId="urn:microsoft.com/office/officeart/2005/8/layout/vList5"/>
-    <dgm:cxn modelId="{A972344A-6BF8-4F6A-9C20-EF1CF7D28302}" srcId="{72FE2D84-F11C-4F04-A071-5FE2E42A5FA0}" destId="{29624614-86CC-49F8-895B-53F42FF4351F}" srcOrd="0" destOrd="0" parTransId="{E08C3CF6-CC5D-4556-924B-43021B51E7FC}" sibTransId="{C00213DE-DD48-4615-8631-3BB0674B34F1}"/>
-    <dgm:cxn modelId="{E02E3A9A-FA15-44B6-B9AA-6178E92454F9}" type="presOf" srcId="{3E188B9D-ABBD-4EEE-BA62-C68173A55066}" destId="{2A524A9B-0EA8-40FE-A47A-7E87EFB1A635}" srcOrd="0" destOrd="0" presId="urn:microsoft.com/office/officeart/2005/8/layout/vList5"/>
-    <dgm:cxn modelId="{D4BEE6AD-D0F1-4DCC-AA1B-DE1DD8C13B5C}" srcId="{72FE2D84-F11C-4F04-A071-5FE2E42A5FA0}" destId="{3E188B9D-ABBD-4EEE-BA62-C68173A55066}" srcOrd="2" destOrd="0" parTransId="{95FB7486-8889-4CA9-A041-854FDAFF1A56}" sibTransId="{F02641B1-209D-493F-8335-D0C49A8DAA42}"/>
-    <dgm:cxn modelId="{A8775C05-1922-4F7A-844C-F43DE18013B3}" srcId="{72FE2D84-F11C-4F04-A071-5FE2E42A5FA0}" destId="{3C4B0C0B-ADB8-4E4B-932E-236B8B45C506}" srcOrd="4" destOrd="0" parTransId="{3959525E-59E8-4AC8-81E9-EE8D453DDB69}" sibTransId="{37BF4AA7-CD87-4F35-B830-3D5AE5045BCA}"/>
-    <dgm:cxn modelId="{9C0275D5-31F1-4906-ABA5-D6BEF400372A}" srcId="{F86C4A92-F069-4440-81D2-A8F820D2CBEC}" destId="{C5204820-2E29-4D23-B968-ED4BBF16FE38}" srcOrd="0" destOrd="0" parTransId="{54B08E49-35F8-4DCD-B046-3F36C603BFEE}" sibTransId="{E04BEDAA-490A-4350-804F-E4311EE217DD}"/>
-    <dgm:cxn modelId="{CEFADC55-8ED4-4821-AE47-E1400A2E4AD9}" srcId="{29624614-86CC-49F8-895B-53F42FF4351F}" destId="{9B098DAA-F9A2-4784-9F39-73585BC8E5A5}" srcOrd="2" destOrd="0" parTransId="{BBED1482-56BA-4529-A9B6-3D0EDDA5B211}" sibTransId="{841AAFC2-F24B-4BD6-8120-9F8878D46F3C}"/>
-    <dgm:cxn modelId="{64F09020-309D-428C-BE1B-CE03053579F3}" srcId="{72FE2D84-F11C-4F04-A071-5FE2E42A5FA0}" destId="{F86C4A92-F069-4440-81D2-A8F820D2CBEC}" srcOrd="1" destOrd="0" parTransId="{3491CAA4-B7C7-4BE2-BEC1-D3E0377D05C5}" sibTransId="{2EE1A6A3-3DBB-479E-88D9-72ADB068701E}"/>
-    <dgm:cxn modelId="{5C99E565-3A09-4543-B01C-DAD43F532D92}" srcId="{3E188B9D-ABBD-4EEE-BA62-C68173A55066}" destId="{5BEFC331-3A31-4C98-9F1E-37089477266F}" srcOrd="0" destOrd="0" parTransId="{C98A95BA-0A82-4F69-BCBF-CE757CE835D1}" sibTransId="{AA0EA059-30CE-4677-94AF-3A9C42984A8B}"/>
-    <dgm:cxn modelId="{507593A1-771A-43C0-985A-A9F03B2E786D}" type="presOf" srcId="{3C4B0C0B-ADB8-4E4B-932E-236B8B45C506}" destId="{F48CEC02-FE9B-4CA2-ADC0-10BD5C6936C7}" srcOrd="0" destOrd="0" presId="urn:microsoft.com/office/officeart/2005/8/layout/vList5"/>
     <dgm:cxn modelId="{97E4CDF1-A0D9-4430-8928-96C9FF2679FA}" type="presParOf" srcId="{CAA7098C-9373-48A6-89B8-2CA204F7A109}" destId="{92265B3B-669C-4072-BDFF-F2127508F0E4}" srcOrd="0" destOrd="0" presId="urn:microsoft.com/office/officeart/2005/8/layout/vList5"/>
     <dgm:cxn modelId="{3E323A85-2882-46C5-A2B6-D8953FD10DE5}" type="presParOf" srcId="{92265B3B-669C-4072-BDFF-F2127508F0E4}" destId="{404009E2-52E2-4FBD-8A06-2B3B9B79AB2A}" srcOrd="0" destOrd="0" presId="urn:microsoft.com/office/officeart/2005/8/layout/vList5"/>
     <dgm:cxn modelId="{00EA42BF-608F-4598-9FC8-13DFD032C0F1}" type="presParOf" srcId="{92265B3B-669C-4072-BDFF-F2127508F0E4}" destId="{F5E68069-5C75-4F52-B3B6-076EA21298D7}" srcOrd="1" destOrd="0" presId="urn:microsoft.com/office/officeart/2005/8/layout/vList5"/>
@@ -16063,6 +16056,13 @@
         </dgm:presLayoutVars>
       </dgm:prSet>
       <dgm:spPr/>
+      <dgm:t>
+        <a:bodyPr/>
+        <a:lstStyle/>
+        <a:p>
+          <a:endParaRPr lang="pt-BR"/>
+        </a:p>
+      </dgm:t>
     </dgm:pt>
     <dgm:pt modelId="{E78F7487-5A3A-48CA-85D8-C3CE7EE0D84C}" type="pres">
       <dgm:prSet presAssocID="{B414E841-B83A-49CC-81FC-4A14C3AF8831}" presName="triangle1" presStyleLbl="node1" presStyleIdx="0" presStyleCnt="4">
@@ -16071,6 +16071,13 @@
         </dgm:presLayoutVars>
       </dgm:prSet>
       <dgm:spPr/>
+      <dgm:t>
+        <a:bodyPr/>
+        <a:lstStyle/>
+        <a:p>
+          <a:endParaRPr lang="pt-BR"/>
+        </a:p>
+      </dgm:t>
     </dgm:pt>
     <dgm:pt modelId="{1C6A6C70-95C4-4130-9512-1CDA32E28B0B}" type="pres">
       <dgm:prSet presAssocID="{B414E841-B83A-49CC-81FC-4A14C3AF8831}" presName="triangle2" presStyleLbl="node1" presStyleIdx="1" presStyleCnt="4">
@@ -16094,6 +16101,13 @@
         </dgm:presLayoutVars>
       </dgm:prSet>
       <dgm:spPr/>
+      <dgm:t>
+        <a:bodyPr/>
+        <a:lstStyle/>
+        <a:p>
+          <a:endParaRPr lang="pt-BR"/>
+        </a:p>
+      </dgm:t>
     </dgm:pt>
     <dgm:pt modelId="{807B0EEA-6F61-4822-8854-C5280B34A5E5}" type="pres">
       <dgm:prSet presAssocID="{B414E841-B83A-49CC-81FC-4A14C3AF8831}" presName="triangle4" presStyleLbl="node1" presStyleIdx="3" presStyleCnt="4">
@@ -16112,15 +16126,15 @@
     </dgm:pt>
   </dgm:ptLst>
   <dgm:cxnLst>
+    <dgm:cxn modelId="{D4362822-A6FC-4141-8DB4-D29067EFB42A}" srcId="{B414E841-B83A-49CC-81FC-4A14C3AF8831}" destId="{1E09D4AD-B3FA-4747-92AF-7E9212BDFD09}" srcOrd="3" destOrd="0" parTransId="{BB611CB7-CAF9-4EFB-A485-4CE239292734}" sibTransId="{6A32392E-20B2-454B-B642-02F12301D8F4}"/>
+    <dgm:cxn modelId="{AC504898-6410-4468-8705-BDD989C31D4F}" type="presOf" srcId="{1E09D4AD-B3FA-4747-92AF-7E9212BDFD09}" destId="{807B0EEA-6F61-4822-8854-C5280B34A5E5}" srcOrd="0" destOrd="0" presId="urn:microsoft.com/office/officeart/2005/8/layout/pyramid4"/>
+    <dgm:cxn modelId="{7CE15464-7CCC-4D17-A738-8D690B3F7C64}" type="presOf" srcId="{B414E841-B83A-49CC-81FC-4A14C3AF8831}" destId="{65B2D662-4EC6-4881-B6F8-53693E55A335}" srcOrd="0" destOrd="0" presId="urn:microsoft.com/office/officeart/2005/8/layout/pyramid4"/>
+    <dgm:cxn modelId="{56403CF5-8CFD-49B8-9E40-6B95DA6BCDBE}" type="presOf" srcId="{EE5026A7-CB98-41B3-9D51-1DC4564B5CB6}" destId="{42CE9E7E-D308-4A1E-AC05-6D15951EA01D}" srcOrd="0" destOrd="0" presId="urn:microsoft.com/office/officeart/2005/8/layout/pyramid4"/>
+    <dgm:cxn modelId="{B8CED5E7-B7A8-42C7-BF27-45293CDEE558}" type="presOf" srcId="{82C902C7-DD93-48C7-89B3-BD7470ED9D6D}" destId="{E78F7487-5A3A-48CA-85D8-C3CE7EE0D84C}" srcOrd="0" destOrd="0" presId="urn:microsoft.com/office/officeart/2005/8/layout/pyramid4"/>
     <dgm:cxn modelId="{4D799558-5EDA-4E7B-8DF1-0CC9D0C344BC}" srcId="{B414E841-B83A-49CC-81FC-4A14C3AF8831}" destId="{181D74B0-4D97-451D-90BB-0A4172F3DFAF}" srcOrd="1" destOrd="0" parTransId="{727639BC-DA5E-4181-85B1-BAD006A46043}" sibTransId="{109AA809-F0F9-47AB-848B-889BC020C4D0}"/>
+    <dgm:cxn modelId="{02F890BB-1F02-4A6F-A378-73279B0A87BD}" srcId="{B414E841-B83A-49CC-81FC-4A14C3AF8831}" destId="{82C902C7-DD93-48C7-89B3-BD7470ED9D6D}" srcOrd="0" destOrd="0" parTransId="{D9DFB2B1-893F-47B7-9BA6-646538F47788}" sibTransId="{6C0FA9AB-805C-4119-995A-5B83179356BF}"/>
     <dgm:cxn modelId="{F9D1EDFF-7561-435E-89D2-E9840E516625}" type="presOf" srcId="{181D74B0-4D97-451D-90BB-0A4172F3DFAF}" destId="{1C6A6C70-95C4-4130-9512-1CDA32E28B0B}" srcOrd="0" destOrd="0" presId="urn:microsoft.com/office/officeart/2005/8/layout/pyramid4"/>
-    <dgm:cxn modelId="{AC504898-6410-4468-8705-BDD989C31D4F}" type="presOf" srcId="{1E09D4AD-B3FA-4747-92AF-7E9212BDFD09}" destId="{807B0EEA-6F61-4822-8854-C5280B34A5E5}" srcOrd="0" destOrd="0" presId="urn:microsoft.com/office/officeart/2005/8/layout/pyramid4"/>
     <dgm:cxn modelId="{9EB4CCC9-281D-4087-A9F4-2594242A7024}" srcId="{B414E841-B83A-49CC-81FC-4A14C3AF8831}" destId="{EE5026A7-CB98-41B3-9D51-1DC4564B5CB6}" srcOrd="2" destOrd="0" parTransId="{B737676A-74BE-4B09-BBEE-B0314A34F664}" sibTransId="{8000B6E9-98F1-4397-8F09-0B370B6CC536}"/>
-    <dgm:cxn modelId="{02F890BB-1F02-4A6F-A378-73279B0A87BD}" srcId="{B414E841-B83A-49CC-81FC-4A14C3AF8831}" destId="{82C902C7-DD93-48C7-89B3-BD7470ED9D6D}" srcOrd="0" destOrd="0" parTransId="{D9DFB2B1-893F-47B7-9BA6-646538F47788}" sibTransId="{6C0FA9AB-805C-4119-995A-5B83179356BF}"/>
-    <dgm:cxn modelId="{B8CED5E7-B7A8-42C7-BF27-45293CDEE558}" type="presOf" srcId="{82C902C7-DD93-48C7-89B3-BD7470ED9D6D}" destId="{E78F7487-5A3A-48CA-85D8-C3CE7EE0D84C}" srcOrd="0" destOrd="0" presId="urn:microsoft.com/office/officeart/2005/8/layout/pyramid4"/>
-    <dgm:cxn modelId="{56403CF5-8CFD-49B8-9E40-6B95DA6BCDBE}" type="presOf" srcId="{EE5026A7-CB98-41B3-9D51-1DC4564B5CB6}" destId="{42CE9E7E-D308-4A1E-AC05-6D15951EA01D}" srcOrd="0" destOrd="0" presId="urn:microsoft.com/office/officeart/2005/8/layout/pyramid4"/>
-    <dgm:cxn modelId="{D4362822-A6FC-4141-8DB4-D29067EFB42A}" srcId="{B414E841-B83A-49CC-81FC-4A14C3AF8831}" destId="{1E09D4AD-B3FA-4747-92AF-7E9212BDFD09}" srcOrd="3" destOrd="0" parTransId="{BB611CB7-CAF9-4EFB-A485-4CE239292734}" sibTransId="{6A32392E-20B2-454B-B642-02F12301D8F4}"/>
-    <dgm:cxn modelId="{7CE15464-7CCC-4D17-A738-8D690B3F7C64}" type="presOf" srcId="{B414E841-B83A-49CC-81FC-4A14C3AF8831}" destId="{65B2D662-4EC6-4881-B6F8-53693E55A335}" srcOrd="0" destOrd="0" presId="urn:microsoft.com/office/officeart/2005/8/layout/pyramid4"/>
     <dgm:cxn modelId="{B8DE382D-2F66-466E-99A3-0F92A365F3F7}" type="presParOf" srcId="{65B2D662-4EC6-4881-B6F8-53693E55A335}" destId="{E78F7487-5A3A-48CA-85D8-C3CE7EE0D84C}" srcOrd="0" destOrd="0" presId="urn:microsoft.com/office/officeart/2005/8/layout/pyramid4"/>
     <dgm:cxn modelId="{B81E0B1D-966B-4D2C-972B-26F9DDBD1A31}" type="presParOf" srcId="{65B2D662-4EC6-4881-B6F8-53693E55A335}" destId="{1C6A6C70-95C4-4130-9512-1CDA32E28B0B}" srcOrd="1" destOrd="0" presId="urn:microsoft.com/office/officeart/2005/8/layout/pyramid4"/>
     <dgm:cxn modelId="{105F5350-FB51-4F0B-884D-8CAD819C02A5}" type="presParOf" srcId="{65B2D662-4EC6-4881-B6F8-53693E55A335}" destId="{42CE9E7E-D308-4A1E-AC05-6D15951EA01D}" srcOrd="2" destOrd="0" presId="urn:microsoft.com/office/officeart/2005/8/layout/pyramid4"/>
@@ -16427,885 +16441,6 @@
       <dsp:cNvGrpSpPr/>
     </dsp:nvGrpSpPr>
     <dsp:grpSpPr/>
-    <dsp:sp modelId="{F5E68069-5C75-4F52-B3B6-076EA21298D7}">
-      <dsp:nvSpPr>
-        <dsp:cNvPr id="0" name=""/>
-        <dsp:cNvSpPr/>
-      </dsp:nvSpPr>
-      <dsp:spPr>
-        <a:xfrm rot="5400000">
-          <a:off x="5553183" y="-2283037"/>
-          <a:ext cx="841199" cy="5622384"/>
-        </a:xfrm>
-        <a:prstGeom prst="round2SameRect">
-          <a:avLst/>
-        </a:prstGeom>
-        <a:solidFill>
-          <a:schemeClr val="accent1">
-            <a:alpha val="20000"/>
-          </a:schemeClr>
-        </a:solidFill>
-        <a:ln w="25400" cap="flat" cmpd="sng" algn="ctr">
-          <a:solidFill>
-            <a:schemeClr val="accent1">
-              <a:alpha val="90000"/>
-              <a:tint val="40000"/>
-              <a:hueOff val="0"/>
-              <a:satOff val="0"/>
-              <a:lumOff val="0"/>
-              <a:alphaOff val="0"/>
-            </a:schemeClr>
-          </a:solidFill>
-          <a:prstDash val="solid"/>
-        </a:ln>
-        <a:effectLst/>
-      </dsp:spPr>
-      <dsp:style>
-        <a:lnRef idx="2">
-          <a:scrgbClr r="0" g="0" b="0"/>
-        </a:lnRef>
-        <a:fillRef idx="1">
-          <a:scrgbClr r="0" g="0" b="0"/>
-        </a:fillRef>
-        <a:effectRef idx="0">
-          <a:scrgbClr r="0" g="0" b="0"/>
-        </a:effectRef>
-        <a:fontRef idx="minor"/>
-      </dsp:style>
-      <dsp:txBody>
-        <a:bodyPr spcFirstLastPara="0" vert="horz" wrap="square" lIns="106680" tIns="53340" rIns="106680" bIns="53340" numCol="1" spcCol="1270" anchor="ctr" anchorCtr="0">
-          <a:noAutofit/>
-        </a:bodyPr>
-        <a:lstStyle/>
-        <a:p>
-          <a:pPr marL="114300" lvl="1" indent="-114300" algn="l" defTabSz="622300">
-            <a:lnSpc>
-              <a:spcPct val="90000"/>
-            </a:lnSpc>
-            <a:spcBef>
-              <a:spcPct val="0"/>
-            </a:spcBef>
-            <a:spcAft>
-              <a:spcPct val="15000"/>
-            </a:spcAft>
-            <a:buChar char="••"/>
-          </a:pPr>
-          <a:r>
-            <a:rPr lang="pt-BR" sz="1400" kern="1200" dirty="0" smtClean="0">
-              <a:solidFill>
-                <a:schemeClr val="bg1"/>
-              </a:solidFill>
-            </a:rPr>
-            <a:t>Negócio, Missão</a:t>
-          </a:r>
-          <a:r>
-            <a:rPr lang="pt-BR" sz="1400" kern="1200" dirty="0" smtClean="0">
-              <a:solidFill>
-                <a:schemeClr val="bg1"/>
-              </a:solidFill>
-            </a:rPr>
-            <a:t>, Visão, Valores </a:t>
-          </a:r>
-          <a:endParaRPr lang="pt-BR" sz="1400" kern="1200" dirty="0">
-            <a:solidFill>
-              <a:schemeClr val="bg1"/>
-            </a:solidFill>
-          </a:endParaRPr>
-        </a:p>
-        <a:p>
-          <a:pPr marL="114300" lvl="1" indent="-114300" algn="l" defTabSz="622300">
-            <a:lnSpc>
-              <a:spcPct val="90000"/>
-            </a:lnSpc>
-            <a:spcBef>
-              <a:spcPct val="0"/>
-            </a:spcBef>
-            <a:spcAft>
-              <a:spcPct val="15000"/>
-            </a:spcAft>
-            <a:buChar char="••"/>
-          </a:pPr>
-          <a:r>
-            <a:rPr lang="pt-BR" sz="1400" kern="1200" dirty="0" smtClean="0">
-              <a:solidFill>
-                <a:schemeClr val="bg1"/>
-              </a:solidFill>
-            </a:rPr>
-            <a:t>Pedra fundamental, Postura da Instituição</a:t>
-          </a:r>
-          <a:endParaRPr lang="pt-BR" sz="1400" kern="1200" dirty="0">
-            <a:solidFill>
-              <a:schemeClr val="bg1"/>
-            </a:solidFill>
-          </a:endParaRPr>
-        </a:p>
-        <a:p>
-          <a:pPr marL="114300" lvl="1" indent="-114300" algn="l" defTabSz="622300">
-            <a:lnSpc>
-              <a:spcPct val="90000"/>
-            </a:lnSpc>
-            <a:spcBef>
-              <a:spcPct val="0"/>
-            </a:spcBef>
-            <a:spcAft>
-              <a:spcPct val="15000"/>
-            </a:spcAft>
-            <a:buChar char="••"/>
-          </a:pPr>
-          <a:r>
-            <a:rPr lang="pt-BR" sz="1400" kern="1200" dirty="0" smtClean="0">
-              <a:solidFill>
-                <a:schemeClr val="bg1"/>
-              </a:solidFill>
-            </a:rPr>
-            <a:t>Não são Executáveis, apenas estabelecem direcionamento e “freios” às possibilidades</a:t>
-          </a:r>
-          <a:endParaRPr lang="pt-BR" sz="1400" kern="1200" dirty="0">
-            <a:solidFill>
-              <a:schemeClr val="bg1"/>
-            </a:solidFill>
-          </a:endParaRPr>
-        </a:p>
-      </dsp:txBody>
-      <dsp:txXfrm rot="-5400000">
-        <a:off x="3162591" y="148619"/>
-        <a:ext cx="5581320" cy="759071"/>
-      </dsp:txXfrm>
-    </dsp:sp>
-    <dsp:sp modelId="{404009E2-52E2-4FBD-8A06-2B3B9B79AB2A}">
-      <dsp:nvSpPr>
-        <dsp:cNvPr id="0" name=""/>
-        <dsp:cNvSpPr/>
-      </dsp:nvSpPr>
-      <dsp:spPr>
-        <a:xfrm>
-          <a:off x="0" y="2404"/>
-          <a:ext cx="3162591" cy="1051499"/>
-        </a:xfrm>
-        <a:prstGeom prst="roundRect">
-          <a:avLst/>
-        </a:prstGeom>
-        <a:solidFill>
-          <a:schemeClr val="accent1">
-            <a:alpha val="20000"/>
-          </a:schemeClr>
-        </a:solidFill>
-        <a:ln w="25400" cap="flat" cmpd="sng" algn="ctr">
-          <a:solidFill>
-            <a:schemeClr val="lt1">
-              <a:hueOff val="0"/>
-              <a:satOff val="0"/>
-              <a:lumOff val="0"/>
-              <a:alphaOff val="0"/>
-            </a:schemeClr>
-          </a:solidFill>
-          <a:prstDash val="solid"/>
-        </a:ln>
-        <a:effectLst/>
-      </dsp:spPr>
-      <dsp:style>
-        <a:lnRef idx="2">
-          <a:scrgbClr r="0" g="0" b="0"/>
-        </a:lnRef>
-        <a:fillRef idx="1">
-          <a:scrgbClr r="0" g="0" b="0"/>
-        </a:fillRef>
-        <a:effectRef idx="0">
-          <a:scrgbClr r="0" g="0" b="0"/>
-        </a:effectRef>
-        <a:fontRef idx="minor">
-          <a:schemeClr val="lt1"/>
-        </a:fontRef>
-      </dsp:style>
-      <dsp:txBody>
-        <a:bodyPr spcFirstLastPara="0" vert="horz" wrap="square" lIns="95250" tIns="47625" rIns="95250" bIns="47625" numCol="1" spcCol="1270" anchor="ctr" anchorCtr="0">
-          <a:noAutofit/>
-        </a:bodyPr>
-        <a:lstStyle/>
-        <a:p>
-          <a:pPr lvl="0" algn="ctr" defTabSz="1111250">
-            <a:lnSpc>
-              <a:spcPct val="90000"/>
-            </a:lnSpc>
-            <a:spcBef>
-              <a:spcPct val="0"/>
-            </a:spcBef>
-            <a:spcAft>
-              <a:spcPct val="35000"/>
-            </a:spcAft>
-          </a:pPr>
-          <a:r>
-            <a:rPr lang="pt-BR" sz="2500" kern="1200" dirty="0" smtClean="0">
-              <a:solidFill>
-                <a:schemeClr val="bg1"/>
-              </a:solidFill>
-            </a:rPr>
-            <a:t>Estratégias Direcionais</a:t>
-          </a:r>
-          <a:endParaRPr lang="pt-BR" sz="2500" kern="1200" dirty="0">
-            <a:solidFill>
-              <a:schemeClr val="bg1"/>
-            </a:solidFill>
-          </a:endParaRPr>
-        </a:p>
-      </dsp:txBody>
-      <dsp:txXfrm>
-        <a:off x="51330" y="53734"/>
-        <a:ext cx="3059931" cy="948839"/>
-      </dsp:txXfrm>
-    </dsp:sp>
-    <dsp:sp modelId="{E5206532-7C8F-4EFA-ADED-2A331D524BCC}">
-      <dsp:nvSpPr>
-        <dsp:cNvPr id="0" name=""/>
-        <dsp:cNvSpPr/>
-      </dsp:nvSpPr>
-      <dsp:spPr>
-        <a:xfrm rot="5400000">
-          <a:off x="5553183" y="-1178962"/>
-          <a:ext cx="841199" cy="5622384"/>
-        </a:xfrm>
-        <a:prstGeom prst="round2SameRect">
-          <a:avLst/>
-        </a:prstGeom>
-        <a:solidFill>
-          <a:schemeClr val="accent1">
-            <a:alpha val="20000"/>
-          </a:schemeClr>
-        </a:solidFill>
-        <a:ln w="25400" cap="flat" cmpd="sng" algn="ctr">
-          <a:solidFill>
-            <a:schemeClr val="accent1">
-              <a:alpha val="90000"/>
-              <a:tint val="40000"/>
-              <a:hueOff val="0"/>
-              <a:satOff val="0"/>
-              <a:lumOff val="0"/>
-              <a:alphaOff val="0"/>
-            </a:schemeClr>
-          </a:solidFill>
-          <a:prstDash val="solid"/>
-        </a:ln>
-        <a:effectLst/>
-      </dsp:spPr>
-      <dsp:style>
-        <a:lnRef idx="2">
-          <a:scrgbClr r="0" g="0" b="0"/>
-        </a:lnRef>
-        <a:fillRef idx="1">
-          <a:scrgbClr r="0" g="0" b="0"/>
-        </a:fillRef>
-        <a:effectRef idx="0">
-          <a:scrgbClr r="0" g="0" b="0"/>
-        </a:effectRef>
-        <a:fontRef idx="minor"/>
-      </dsp:style>
-      <dsp:txBody>
-        <a:bodyPr spcFirstLastPara="0" vert="horz" wrap="square" lIns="106680" tIns="53340" rIns="106680" bIns="53340" numCol="1" spcCol="1270" anchor="ctr" anchorCtr="0">
-          <a:noAutofit/>
-        </a:bodyPr>
-        <a:lstStyle/>
-        <a:p>
-          <a:pPr marL="285750" lvl="1" indent="-285750" algn="l" defTabSz="1244600">
-            <a:lnSpc>
-              <a:spcPct val="90000"/>
-            </a:lnSpc>
-            <a:spcBef>
-              <a:spcPct val="0"/>
-            </a:spcBef>
-            <a:spcAft>
-              <a:spcPct val="15000"/>
-            </a:spcAft>
-            <a:buChar char="••"/>
-          </a:pPr>
-          <a:r>
-            <a:rPr lang="pt-BR" sz="2800" kern="1200" dirty="0" smtClean="0">
-              <a:solidFill>
-                <a:schemeClr val="bg1"/>
-              </a:solidFill>
-            </a:rPr>
-            <a:t>Diversificação, Integração Vertical</a:t>
-          </a:r>
-          <a:endParaRPr lang="pt-BR" sz="2800" kern="1200" dirty="0">
-            <a:solidFill>
-              <a:schemeClr val="bg1"/>
-            </a:solidFill>
-          </a:endParaRPr>
-        </a:p>
-      </dsp:txBody>
-      <dsp:txXfrm rot="-5400000">
-        <a:off x="3162591" y="1252694"/>
-        <a:ext cx="5581320" cy="759071"/>
-      </dsp:txXfrm>
-    </dsp:sp>
-    <dsp:sp modelId="{B27C1B24-E235-4511-8BCB-482FBE1E642D}">
-      <dsp:nvSpPr>
-        <dsp:cNvPr id="0" name=""/>
-        <dsp:cNvSpPr/>
-      </dsp:nvSpPr>
-      <dsp:spPr>
-        <a:xfrm>
-          <a:off x="0" y="1106479"/>
-          <a:ext cx="3162591" cy="1051499"/>
-        </a:xfrm>
-        <a:prstGeom prst="roundRect">
-          <a:avLst/>
-        </a:prstGeom>
-        <a:solidFill>
-          <a:schemeClr val="accent1">
-            <a:alpha val="20000"/>
-          </a:schemeClr>
-        </a:solidFill>
-        <a:ln w="25400" cap="flat" cmpd="sng" algn="ctr">
-          <a:solidFill>
-            <a:schemeClr val="lt1">
-              <a:hueOff val="0"/>
-              <a:satOff val="0"/>
-              <a:lumOff val="0"/>
-              <a:alphaOff val="0"/>
-            </a:schemeClr>
-          </a:solidFill>
-          <a:prstDash val="solid"/>
-        </a:ln>
-        <a:effectLst/>
-      </dsp:spPr>
-      <dsp:style>
-        <a:lnRef idx="2">
-          <a:scrgbClr r="0" g="0" b="0"/>
-        </a:lnRef>
-        <a:fillRef idx="1">
-          <a:scrgbClr r="0" g="0" b="0"/>
-        </a:fillRef>
-        <a:effectRef idx="0">
-          <a:scrgbClr r="0" g="0" b="0"/>
-        </a:effectRef>
-        <a:fontRef idx="minor">
-          <a:schemeClr val="lt1"/>
-        </a:fontRef>
-      </dsp:style>
-      <dsp:txBody>
-        <a:bodyPr spcFirstLastPara="0" vert="horz" wrap="square" lIns="95250" tIns="47625" rIns="95250" bIns="47625" numCol="1" spcCol="1270" anchor="ctr" anchorCtr="0">
-          <a:noAutofit/>
-        </a:bodyPr>
-        <a:lstStyle/>
-        <a:p>
-          <a:pPr lvl="0" algn="ctr" defTabSz="1111250">
-            <a:lnSpc>
-              <a:spcPct val="90000"/>
-            </a:lnSpc>
-            <a:spcBef>
-              <a:spcPct val="0"/>
-            </a:spcBef>
-            <a:spcAft>
-              <a:spcPct val="35000"/>
-            </a:spcAft>
-          </a:pPr>
-          <a:r>
-            <a:rPr lang="pt-BR" sz="2500" kern="1200" dirty="0" smtClean="0"/>
-            <a:t>Estratégias de Escopo Organizacional</a:t>
-          </a:r>
-          <a:endParaRPr lang="pt-BR" sz="2500" kern="1200" dirty="0"/>
-        </a:p>
-      </dsp:txBody>
-      <dsp:txXfrm>
-        <a:off x="51330" y="1157809"/>
-        <a:ext cx="3059931" cy="948839"/>
-      </dsp:txXfrm>
-    </dsp:sp>
-    <dsp:sp modelId="{F3BDE4F4-7BE2-41A2-B6DB-9077B3E9C21C}">
-      <dsp:nvSpPr>
-        <dsp:cNvPr id="0" name=""/>
-        <dsp:cNvSpPr/>
-      </dsp:nvSpPr>
-      <dsp:spPr>
-        <a:xfrm rot="5400000">
-          <a:off x="5553183" y="-74888"/>
-          <a:ext cx="841199" cy="5622384"/>
-        </a:xfrm>
-        <a:prstGeom prst="round2SameRect">
-          <a:avLst/>
-        </a:prstGeom>
-        <a:solidFill>
-          <a:schemeClr val="tx2">
-            <a:lumMod val="40000"/>
-            <a:lumOff val="60000"/>
-            <a:alpha val="90000"/>
-          </a:schemeClr>
-        </a:solidFill>
-        <a:ln w="25400" cap="flat" cmpd="sng" algn="ctr">
-          <a:solidFill>
-            <a:schemeClr val="accent1">
-              <a:alpha val="90000"/>
-              <a:tint val="40000"/>
-              <a:hueOff val="0"/>
-              <a:satOff val="0"/>
-              <a:lumOff val="0"/>
-              <a:alphaOff val="0"/>
-            </a:schemeClr>
-          </a:solidFill>
-          <a:prstDash val="solid"/>
-        </a:ln>
-        <a:effectLst/>
-      </dsp:spPr>
-      <dsp:style>
-        <a:lnRef idx="2">
-          <a:scrgbClr r="0" g="0" b="0"/>
-        </a:lnRef>
-        <a:fillRef idx="1">
-          <a:scrgbClr r="0" g="0" b="0"/>
-        </a:fillRef>
-        <a:effectRef idx="0">
-          <a:scrgbClr r="0" g="0" b="0"/>
-        </a:effectRef>
-        <a:fontRef idx="minor"/>
-      </dsp:style>
-      <dsp:txBody>
-        <a:bodyPr spcFirstLastPara="0" vert="horz" wrap="square" lIns="106680" tIns="53340" rIns="106680" bIns="53340" numCol="1" spcCol="1270" anchor="ctr" anchorCtr="0">
-          <a:noAutofit/>
-        </a:bodyPr>
-        <a:lstStyle/>
-        <a:p>
-          <a:pPr marL="285750" lvl="1" indent="-285750" algn="l" defTabSz="1244600">
-            <a:lnSpc>
-              <a:spcPct val="90000"/>
-            </a:lnSpc>
-            <a:spcBef>
-              <a:spcPct val="0"/>
-            </a:spcBef>
-            <a:spcAft>
-              <a:spcPct val="15000"/>
-            </a:spcAft>
-            <a:buChar char="••"/>
-          </a:pPr>
-          <a:r>
-            <a:rPr lang="pt-BR" sz="2800" kern="1200" dirty="0" smtClean="0">
-              <a:solidFill>
-                <a:schemeClr val="tx1"/>
-              </a:solidFill>
-            </a:rPr>
-            <a:t>Aceleração, Alianças, Fusões</a:t>
-          </a:r>
-          <a:endParaRPr lang="pt-BR" sz="2800" kern="1200" dirty="0">
-            <a:solidFill>
-              <a:schemeClr val="tx1"/>
-            </a:solidFill>
-          </a:endParaRPr>
-        </a:p>
-      </dsp:txBody>
-      <dsp:txXfrm rot="-5400000">
-        <a:off x="3162591" y="2356768"/>
-        <a:ext cx="5581320" cy="759071"/>
-      </dsp:txXfrm>
-    </dsp:sp>
-    <dsp:sp modelId="{2A524A9B-0EA8-40FE-A47A-7E87EFB1A635}">
-      <dsp:nvSpPr>
-        <dsp:cNvPr id="0" name=""/>
-        <dsp:cNvSpPr/>
-      </dsp:nvSpPr>
-      <dsp:spPr>
-        <a:xfrm>
-          <a:off x="0" y="2210554"/>
-          <a:ext cx="3162591" cy="1051499"/>
-        </a:xfrm>
-        <a:prstGeom prst="roundRect">
-          <a:avLst/>
-        </a:prstGeom>
-        <a:solidFill>
-          <a:schemeClr val="accent1"/>
-        </a:solidFill>
-        <a:ln w="25400" cap="flat" cmpd="sng" algn="ctr">
-          <a:solidFill>
-            <a:schemeClr val="lt1">
-              <a:hueOff val="0"/>
-              <a:satOff val="0"/>
-              <a:lumOff val="0"/>
-              <a:alphaOff val="0"/>
-            </a:schemeClr>
-          </a:solidFill>
-          <a:prstDash val="solid"/>
-        </a:ln>
-        <a:effectLst/>
-      </dsp:spPr>
-      <dsp:style>
-        <a:lnRef idx="2">
-          <a:scrgbClr r="0" g="0" b="0"/>
-        </a:lnRef>
-        <a:fillRef idx="1">
-          <a:scrgbClr r="0" g="0" b="0"/>
-        </a:fillRef>
-        <a:effectRef idx="0">
-          <a:scrgbClr r="0" g="0" b="0"/>
-        </a:effectRef>
-        <a:fontRef idx="minor">
-          <a:schemeClr val="lt1"/>
-        </a:fontRef>
-      </dsp:style>
-      <dsp:txBody>
-        <a:bodyPr spcFirstLastPara="0" vert="horz" wrap="square" lIns="95250" tIns="47625" rIns="95250" bIns="47625" numCol="1" spcCol="1270" anchor="ctr" anchorCtr="0">
-          <a:noAutofit/>
-        </a:bodyPr>
-        <a:lstStyle/>
-        <a:p>
-          <a:pPr lvl="0" algn="ctr" defTabSz="1111250">
-            <a:lnSpc>
-              <a:spcPct val="90000"/>
-            </a:lnSpc>
-            <a:spcBef>
-              <a:spcPct val="0"/>
-            </a:spcBef>
-            <a:spcAft>
-              <a:spcPct val="35000"/>
-            </a:spcAft>
-          </a:pPr>
-          <a:r>
-            <a:rPr lang="pt-BR" sz="2500" kern="1200" dirty="0" smtClean="0">
-              <a:solidFill>
-                <a:schemeClr val="bg1"/>
-              </a:solidFill>
-            </a:rPr>
-            <a:t>Estratégias de Entrada de Mercado</a:t>
-          </a:r>
-          <a:endParaRPr lang="pt-BR" sz="2500" kern="1200" dirty="0">
-            <a:solidFill>
-              <a:schemeClr val="bg1"/>
-            </a:solidFill>
-          </a:endParaRPr>
-        </a:p>
-      </dsp:txBody>
-      <dsp:txXfrm>
-        <a:off x="51330" y="2261884"/>
-        <a:ext cx="3059931" cy="948839"/>
-      </dsp:txXfrm>
-    </dsp:sp>
-    <dsp:sp modelId="{CF554BA7-8537-42CC-8DE8-375356E525EE}">
-      <dsp:nvSpPr>
-        <dsp:cNvPr id="0" name=""/>
-        <dsp:cNvSpPr/>
-      </dsp:nvSpPr>
-      <dsp:spPr>
-        <a:xfrm rot="5400000">
-          <a:off x="5553183" y="1029186"/>
-          <a:ext cx="841199" cy="5622384"/>
-        </a:xfrm>
-        <a:prstGeom prst="round2SameRect">
-          <a:avLst/>
-        </a:prstGeom>
-        <a:solidFill>
-          <a:schemeClr val="accent1">
-            <a:alpha val="20000"/>
-          </a:schemeClr>
-        </a:solidFill>
-        <a:ln w="25400" cap="flat" cmpd="sng" algn="ctr">
-          <a:solidFill>
-            <a:schemeClr val="accent1">
-              <a:alpha val="90000"/>
-              <a:tint val="40000"/>
-              <a:hueOff val="0"/>
-              <a:satOff val="0"/>
-              <a:lumOff val="0"/>
-              <a:alphaOff val="0"/>
-            </a:schemeClr>
-          </a:solidFill>
-          <a:prstDash val="solid"/>
-        </a:ln>
-        <a:effectLst/>
-      </dsp:spPr>
-      <dsp:style>
-        <a:lnRef idx="2">
-          <a:scrgbClr r="0" g="0" b="0"/>
-        </a:lnRef>
-        <a:fillRef idx="1">
-          <a:scrgbClr r="0" g="0" b="0"/>
-        </a:fillRef>
-        <a:effectRef idx="0">
-          <a:scrgbClr r="0" g="0" b="0"/>
-        </a:effectRef>
-        <a:fontRef idx="minor"/>
-      </dsp:style>
-      <dsp:txBody>
-        <a:bodyPr spcFirstLastPara="0" vert="horz" wrap="square" lIns="106680" tIns="53340" rIns="106680" bIns="53340" numCol="1" spcCol="1270" anchor="ctr" anchorCtr="0">
-          <a:noAutofit/>
-        </a:bodyPr>
-        <a:lstStyle/>
-        <a:p>
-          <a:pPr marL="285750" lvl="1" indent="-285750" algn="l" defTabSz="1244600">
-            <a:lnSpc>
-              <a:spcPct val="90000"/>
-            </a:lnSpc>
-            <a:spcBef>
-              <a:spcPct val="0"/>
-            </a:spcBef>
-            <a:spcAft>
-              <a:spcPct val="15000"/>
-            </a:spcAft>
-            <a:buChar char="••"/>
-          </a:pPr>
-          <a:r>
-            <a:rPr lang="pt-BR" sz="2800" kern="1200" dirty="0" smtClean="0">
-              <a:solidFill>
-                <a:schemeClr val="bg1"/>
-              </a:solidFill>
-            </a:rPr>
-            <a:t>Liderança em custo, Diferenciação</a:t>
-          </a:r>
-          <a:endParaRPr lang="pt-BR" sz="2800" kern="1200" dirty="0">
-            <a:solidFill>
-              <a:schemeClr val="bg1"/>
-            </a:solidFill>
-          </a:endParaRPr>
-        </a:p>
-      </dsp:txBody>
-      <dsp:txXfrm rot="-5400000">
-        <a:off x="3162591" y="3460842"/>
-        <a:ext cx="5581320" cy="759071"/>
-      </dsp:txXfrm>
-    </dsp:sp>
-    <dsp:sp modelId="{896B29AC-37A8-4CDA-A2AF-69A070EA1311}">
-      <dsp:nvSpPr>
-        <dsp:cNvPr id="0" name=""/>
-        <dsp:cNvSpPr/>
-      </dsp:nvSpPr>
-      <dsp:spPr>
-        <a:xfrm>
-          <a:off x="0" y="3314628"/>
-          <a:ext cx="3162591" cy="1051499"/>
-        </a:xfrm>
-        <a:prstGeom prst="roundRect">
-          <a:avLst/>
-        </a:prstGeom>
-        <a:solidFill>
-          <a:schemeClr val="accent1">
-            <a:alpha val="20000"/>
-          </a:schemeClr>
-        </a:solidFill>
-        <a:ln w="25400" cap="flat" cmpd="sng" algn="ctr">
-          <a:solidFill>
-            <a:schemeClr val="lt1">
-              <a:hueOff val="0"/>
-              <a:satOff val="0"/>
-              <a:lumOff val="0"/>
-              <a:alphaOff val="0"/>
-            </a:schemeClr>
-          </a:solidFill>
-          <a:prstDash val="solid"/>
-        </a:ln>
-        <a:effectLst/>
-      </dsp:spPr>
-      <dsp:style>
-        <a:lnRef idx="2">
-          <a:scrgbClr r="0" g="0" b="0"/>
-        </a:lnRef>
-        <a:fillRef idx="1">
-          <a:scrgbClr r="0" g="0" b="0"/>
-        </a:fillRef>
-        <a:effectRef idx="0">
-          <a:scrgbClr r="0" g="0" b="0"/>
-        </a:effectRef>
-        <a:fontRef idx="minor">
-          <a:schemeClr val="lt1"/>
-        </a:fontRef>
-      </dsp:style>
-      <dsp:txBody>
-        <a:bodyPr spcFirstLastPara="0" vert="horz" wrap="square" lIns="95250" tIns="47625" rIns="95250" bIns="47625" numCol="1" spcCol="1270" anchor="ctr" anchorCtr="0">
-          <a:noAutofit/>
-        </a:bodyPr>
-        <a:lstStyle/>
-        <a:p>
-          <a:pPr lvl="0" algn="ctr" defTabSz="1111250">
-            <a:lnSpc>
-              <a:spcPct val="90000"/>
-            </a:lnSpc>
-            <a:spcBef>
-              <a:spcPct val="0"/>
-            </a:spcBef>
-            <a:spcAft>
-              <a:spcPct val="35000"/>
-            </a:spcAft>
-          </a:pPr>
-          <a:r>
-            <a:rPr lang="pt-BR" sz="2500" kern="1200" dirty="0" smtClean="0">
-              <a:solidFill>
-                <a:schemeClr val="bg1"/>
-              </a:solidFill>
-            </a:rPr>
-            <a:t>Estratégia Corporativa</a:t>
-          </a:r>
-          <a:endParaRPr lang="pt-BR" sz="2500" kern="1200" dirty="0">
-            <a:solidFill>
-              <a:schemeClr val="bg1"/>
-            </a:solidFill>
-          </a:endParaRPr>
-        </a:p>
-      </dsp:txBody>
-      <dsp:txXfrm>
-        <a:off x="51330" y="3365958"/>
-        <a:ext cx="3059931" cy="948839"/>
-      </dsp:txXfrm>
-    </dsp:sp>
-    <dsp:sp modelId="{0C25F599-2E82-4F49-B192-B59CAF50628E}">
-      <dsp:nvSpPr>
-        <dsp:cNvPr id="0" name=""/>
-        <dsp:cNvSpPr/>
-      </dsp:nvSpPr>
-      <dsp:spPr>
-        <a:xfrm rot="5400000">
-          <a:off x="5553183" y="2133260"/>
-          <a:ext cx="841199" cy="5622384"/>
-        </a:xfrm>
-        <a:prstGeom prst="round2SameRect">
-          <a:avLst/>
-        </a:prstGeom>
-        <a:solidFill>
-          <a:schemeClr val="accent1">
-            <a:alpha val="20000"/>
-          </a:schemeClr>
-        </a:solidFill>
-        <a:ln w="25400" cap="flat" cmpd="sng" algn="ctr">
-          <a:solidFill>
-            <a:schemeClr val="accent1">
-              <a:alpha val="90000"/>
-              <a:tint val="40000"/>
-              <a:hueOff val="0"/>
-              <a:satOff val="0"/>
-              <a:lumOff val="0"/>
-              <a:alphaOff val="0"/>
-            </a:schemeClr>
-          </a:solidFill>
-          <a:prstDash val="solid"/>
-        </a:ln>
-        <a:effectLst/>
-      </dsp:spPr>
-      <dsp:style>
-        <a:lnRef idx="2">
-          <a:scrgbClr r="0" g="0" b="0"/>
-        </a:lnRef>
-        <a:fillRef idx="1">
-          <a:scrgbClr r="0" g="0" b="0"/>
-        </a:fillRef>
-        <a:effectRef idx="0">
-          <a:scrgbClr r="0" g="0" b="0"/>
-        </a:effectRef>
-        <a:fontRef idx="minor"/>
-      </dsp:style>
-      <dsp:txBody>
-        <a:bodyPr spcFirstLastPara="0" vert="horz" wrap="square" lIns="106680" tIns="53340" rIns="106680" bIns="53340" numCol="1" spcCol="1270" anchor="ctr" anchorCtr="0">
-          <a:noAutofit/>
-        </a:bodyPr>
-        <a:lstStyle/>
-        <a:p>
-          <a:pPr marL="285750" lvl="1" indent="-285750" algn="l" defTabSz="1244600">
-            <a:lnSpc>
-              <a:spcPct val="90000"/>
-            </a:lnSpc>
-            <a:spcBef>
-              <a:spcPct val="0"/>
-            </a:spcBef>
-            <a:spcAft>
-              <a:spcPct val="15000"/>
-            </a:spcAft>
-            <a:buChar char="••"/>
-          </a:pPr>
-          <a:r>
-            <a:rPr lang="pt-BR" sz="2800" kern="1200" dirty="0" smtClean="0">
-              <a:solidFill>
-                <a:schemeClr val="bg1"/>
-              </a:solidFill>
-            </a:rPr>
-            <a:t>Produtos, Estrutura tecnológica</a:t>
-          </a:r>
-          <a:endParaRPr lang="pt-BR" sz="2800" kern="1200" dirty="0">
-            <a:solidFill>
-              <a:schemeClr val="bg1"/>
-            </a:solidFill>
-          </a:endParaRPr>
-        </a:p>
-      </dsp:txBody>
-      <dsp:txXfrm rot="-5400000">
-        <a:off x="3162591" y="4564916"/>
-        <a:ext cx="5581320" cy="759071"/>
-      </dsp:txXfrm>
-    </dsp:sp>
-    <dsp:sp modelId="{F48CEC02-FE9B-4CA2-ADC0-10BD5C6936C7}">
-      <dsp:nvSpPr>
-        <dsp:cNvPr id="0" name=""/>
-        <dsp:cNvSpPr/>
-      </dsp:nvSpPr>
-      <dsp:spPr>
-        <a:xfrm>
-          <a:off x="0" y="4418703"/>
-          <a:ext cx="3162591" cy="1051499"/>
-        </a:xfrm>
-        <a:prstGeom prst="roundRect">
-          <a:avLst/>
-        </a:prstGeom>
-        <a:solidFill>
-          <a:schemeClr val="accent1">
-            <a:alpha val="20000"/>
-          </a:schemeClr>
-        </a:solidFill>
-        <a:ln w="25400" cap="flat" cmpd="sng" algn="ctr">
-          <a:solidFill>
-            <a:schemeClr val="lt1">
-              <a:hueOff val="0"/>
-              <a:satOff val="0"/>
-              <a:lumOff val="0"/>
-              <a:alphaOff val="0"/>
-            </a:schemeClr>
-          </a:solidFill>
-          <a:prstDash val="solid"/>
-        </a:ln>
-        <a:effectLst/>
-      </dsp:spPr>
-      <dsp:style>
-        <a:lnRef idx="2">
-          <a:scrgbClr r="0" g="0" b="0"/>
-        </a:lnRef>
-        <a:fillRef idx="1">
-          <a:scrgbClr r="0" g="0" b="0"/>
-        </a:fillRef>
-        <a:effectRef idx="0">
-          <a:scrgbClr r="0" g="0" b="0"/>
-        </a:effectRef>
-        <a:fontRef idx="minor">
-          <a:schemeClr val="lt1"/>
-        </a:fontRef>
-      </dsp:style>
-      <dsp:txBody>
-        <a:bodyPr spcFirstLastPara="0" vert="horz" wrap="square" lIns="95250" tIns="47625" rIns="95250" bIns="47625" numCol="1" spcCol="1270" anchor="ctr" anchorCtr="0">
-          <a:noAutofit/>
-        </a:bodyPr>
-        <a:lstStyle/>
-        <a:p>
-          <a:pPr lvl="0" algn="ctr" defTabSz="1111250">
-            <a:lnSpc>
-              <a:spcPct val="90000"/>
-            </a:lnSpc>
-            <a:spcBef>
-              <a:spcPct val="0"/>
-            </a:spcBef>
-            <a:spcAft>
-              <a:spcPct val="35000"/>
-            </a:spcAft>
-          </a:pPr>
-          <a:r>
-            <a:rPr lang="pt-BR" sz="2500" kern="1200" dirty="0" smtClean="0">
-              <a:solidFill>
-                <a:schemeClr val="bg1"/>
-              </a:solidFill>
-            </a:rPr>
-            <a:t>Estratégias de Implementação</a:t>
-          </a:r>
-          <a:endParaRPr lang="pt-BR" sz="2500" kern="1200" dirty="0">
-            <a:solidFill>
-              <a:schemeClr val="bg1"/>
-            </a:solidFill>
-          </a:endParaRPr>
-        </a:p>
-      </dsp:txBody>
-      <dsp:txXfrm>
-        <a:off x="51330" y="4470033"/>
-        <a:ext cx="3059931" cy="948839"/>
-      </dsp:txXfrm>
-    </dsp:sp>
   </dsp:spTree>
 </dsp:drawing>
 </file>
@@ -17318,889 +16453,6 @@
       <dsp:cNvGrpSpPr/>
     </dsp:nvGrpSpPr>
     <dsp:grpSpPr/>
-    <dsp:sp modelId="{F5E68069-5C75-4F52-B3B6-076EA21298D7}">
-      <dsp:nvSpPr>
-        <dsp:cNvPr id="0" name=""/>
-        <dsp:cNvSpPr/>
-      </dsp:nvSpPr>
-      <dsp:spPr>
-        <a:xfrm rot="5400000">
-          <a:off x="5553183" y="-2283037"/>
-          <a:ext cx="841199" cy="5622384"/>
-        </a:xfrm>
-        <a:prstGeom prst="round2SameRect">
-          <a:avLst/>
-        </a:prstGeom>
-        <a:solidFill>
-          <a:schemeClr val="accent1">
-            <a:alpha val="20000"/>
-          </a:schemeClr>
-        </a:solidFill>
-        <a:ln w="25400" cap="flat" cmpd="sng" algn="ctr">
-          <a:solidFill>
-            <a:schemeClr val="accent1">
-              <a:alpha val="90000"/>
-              <a:tint val="40000"/>
-              <a:hueOff val="0"/>
-              <a:satOff val="0"/>
-              <a:lumOff val="0"/>
-              <a:alphaOff val="0"/>
-            </a:schemeClr>
-          </a:solidFill>
-          <a:prstDash val="solid"/>
-        </a:ln>
-        <a:effectLst/>
-      </dsp:spPr>
-      <dsp:style>
-        <a:lnRef idx="2">
-          <a:scrgbClr r="0" g="0" b="0"/>
-        </a:lnRef>
-        <a:fillRef idx="1">
-          <a:scrgbClr r="0" g="0" b="0"/>
-        </a:fillRef>
-        <a:effectRef idx="0">
-          <a:scrgbClr r="0" g="0" b="0"/>
-        </a:effectRef>
-        <a:fontRef idx="minor"/>
-      </dsp:style>
-      <dsp:txBody>
-        <a:bodyPr spcFirstLastPara="0" vert="horz" wrap="square" lIns="106680" tIns="53340" rIns="106680" bIns="53340" numCol="1" spcCol="1270" anchor="ctr" anchorCtr="0">
-          <a:noAutofit/>
-        </a:bodyPr>
-        <a:lstStyle/>
-        <a:p>
-          <a:pPr marL="114300" lvl="1" indent="-114300" algn="l" defTabSz="622300">
-            <a:lnSpc>
-              <a:spcPct val="90000"/>
-            </a:lnSpc>
-            <a:spcBef>
-              <a:spcPct val="0"/>
-            </a:spcBef>
-            <a:spcAft>
-              <a:spcPct val="15000"/>
-            </a:spcAft>
-            <a:buChar char="••"/>
-          </a:pPr>
-          <a:r>
-            <a:rPr lang="pt-BR" sz="1400" kern="1200" dirty="0" smtClean="0">
-              <a:solidFill>
-                <a:schemeClr val="bg1"/>
-              </a:solidFill>
-            </a:rPr>
-            <a:t>Negócio, Missão</a:t>
-          </a:r>
-          <a:r>
-            <a:rPr lang="pt-BR" sz="1400" kern="1200" dirty="0" smtClean="0">
-              <a:solidFill>
-                <a:schemeClr val="bg1"/>
-              </a:solidFill>
-            </a:rPr>
-            <a:t>, Visão, Valores </a:t>
-          </a:r>
-          <a:endParaRPr lang="pt-BR" sz="1400" kern="1200" dirty="0">
-            <a:solidFill>
-              <a:schemeClr val="bg1"/>
-            </a:solidFill>
-          </a:endParaRPr>
-        </a:p>
-        <a:p>
-          <a:pPr marL="114300" lvl="1" indent="-114300" algn="l" defTabSz="622300">
-            <a:lnSpc>
-              <a:spcPct val="90000"/>
-            </a:lnSpc>
-            <a:spcBef>
-              <a:spcPct val="0"/>
-            </a:spcBef>
-            <a:spcAft>
-              <a:spcPct val="15000"/>
-            </a:spcAft>
-            <a:buChar char="••"/>
-          </a:pPr>
-          <a:r>
-            <a:rPr lang="pt-BR" sz="1400" kern="1200" dirty="0" smtClean="0">
-              <a:solidFill>
-                <a:schemeClr val="bg1"/>
-              </a:solidFill>
-            </a:rPr>
-            <a:t>Pedra fundamental, Postura da Instituição</a:t>
-          </a:r>
-          <a:endParaRPr lang="pt-BR" sz="1400" kern="1200" dirty="0">
-            <a:solidFill>
-              <a:schemeClr val="bg1"/>
-            </a:solidFill>
-          </a:endParaRPr>
-        </a:p>
-        <a:p>
-          <a:pPr marL="114300" lvl="1" indent="-114300" algn="l" defTabSz="622300">
-            <a:lnSpc>
-              <a:spcPct val="90000"/>
-            </a:lnSpc>
-            <a:spcBef>
-              <a:spcPct val="0"/>
-            </a:spcBef>
-            <a:spcAft>
-              <a:spcPct val="15000"/>
-            </a:spcAft>
-            <a:buChar char="••"/>
-          </a:pPr>
-          <a:r>
-            <a:rPr lang="pt-BR" sz="1400" kern="1200" dirty="0" smtClean="0">
-              <a:solidFill>
-                <a:schemeClr val="bg1"/>
-              </a:solidFill>
-            </a:rPr>
-            <a:t>Não são Executáveis, apenas estabelecem direcionamento e “freios” às possibilidades</a:t>
-          </a:r>
-          <a:endParaRPr lang="pt-BR" sz="1400" kern="1200" dirty="0">
-            <a:solidFill>
-              <a:schemeClr val="bg1"/>
-            </a:solidFill>
-          </a:endParaRPr>
-        </a:p>
-      </dsp:txBody>
-      <dsp:txXfrm rot="-5400000">
-        <a:off x="3162591" y="148619"/>
-        <a:ext cx="5581320" cy="759071"/>
-      </dsp:txXfrm>
-    </dsp:sp>
-    <dsp:sp modelId="{404009E2-52E2-4FBD-8A06-2B3B9B79AB2A}">
-      <dsp:nvSpPr>
-        <dsp:cNvPr id="0" name=""/>
-        <dsp:cNvSpPr/>
-      </dsp:nvSpPr>
-      <dsp:spPr>
-        <a:xfrm>
-          <a:off x="0" y="2404"/>
-          <a:ext cx="3162591" cy="1051499"/>
-        </a:xfrm>
-        <a:prstGeom prst="roundRect">
-          <a:avLst/>
-        </a:prstGeom>
-        <a:solidFill>
-          <a:schemeClr val="accent1">
-            <a:alpha val="20000"/>
-          </a:schemeClr>
-        </a:solidFill>
-        <a:ln w="25400" cap="flat" cmpd="sng" algn="ctr">
-          <a:solidFill>
-            <a:schemeClr val="lt1">
-              <a:hueOff val="0"/>
-              <a:satOff val="0"/>
-              <a:lumOff val="0"/>
-              <a:alphaOff val="0"/>
-            </a:schemeClr>
-          </a:solidFill>
-          <a:prstDash val="solid"/>
-        </a:ln>
-        <a:effectLst/>
-      </dsp:spPr>
-      <dsp:style>
-        <a:lnRef idx="2">
-          <a:scrgbClr r="0" g="0" b="0"/>
-        </a:lnRef>
-        <a:fillRef idx="1">
-          <a:scrgbClr r="0" g="0" b="0"/>
-        </a:fillRef>
-        <a:effectRef idx="0">
-          <a:scrgbClr r="0" g="0" b="0"/>
-        </a:effectRef>
-        <a:fontRef idx="minor">
-          <a:schemeClr val="lt1"/>
-        </a:fontRef>
-      </dsp:style>
-      <dsp:txBody>
-        <a:bodyPr spcFirstLastPara="0" vert="horz" wrap="square" lIns="95250" tIns="47625" rIns="95250" bIns="47625" numCol="1" spcCol="1270" anchor="ctr" anchorCtr="0">
-          <a:noAutofit/>
-        </a:bodyPr>
-        <a:lstStyle/>
-        <a:p>
-          <a:pPr lvl="0" algn="ctr" defTabSz="1111250">
-            <a:lnSpc>
-              <a:spcPct val="90000"/>
-            </a:lnSpc>
-            <a:spcBef>
-              <a:spcPct val="0"/>
-            </a:spcBef>
-            <a:spcAft>
-              <a:spcPct val="35000"/>
-            </a:spcAft>
-          </a:pPr>
-          <a:r>
-            <a:rPr lang="pt-BR" sz="2500" kern="1200" dirty="0" smtClean="0">
-              <a:solidFill>
-                <a:schemeClr val="bg1"/>
-              </a:solidFill>
-            </a:rPr>
-            <a:t>Estratégias Direcionais</a:t>
-          </a:r>
-          <a:endParaRPr lang="pt-BR" sz="2500" kern="1200" dirty="0">
-            <a:solidFill>
-              <a:schemeClr val="bg1"/>
-            </a:solidFill>
-          </a:endParaRPr>
-        </a:p>
-      </dsp:txBody>
-      <dsp:txXfrm>
-        <a:off x="51330" y="53734"/>
-        <a:ext cx="3059931" cy="948839"/>
-      </dsp:txXfrm>
-    </dsp:sp>
-    <dsp:sp modelId="{E5206532-7C8F-4EFA-ADED-2A331D524BCC}">
-      <dsp:nvSpPr>
-        <dsp:cNvPr id="0" name=""/>
-        <dsp:cNvSpPr/>
-      </dsp:nvSpPr>
-      <dsp:spPr>
-        <a:xfrm rot="5400000">
-          <a:off x="5553183" y="-1178962"/>
-          <a:ext cx="841199" cy="5622384"/>
-        </a:xfrm>
-        <a:prstGeom prst="round2SameRect">
-          <a:avLst/>
-        </a:prstGeom>
-        <a:solidFill>
-          <a:schemeClr val="accent1">
-            <a:alpha val="20000"/>
-          </a:schemeClr>
-        </a:solidFill>
-        <a:ln w="25400" cap="flat" cmpd="sng" algn="ctr">
-          <a:solidFill>
-            <a:schemeClr val="accent1">
-              <a:alpha val="90000"/>
-              <a:tint val="40000"/>
-              <a:hueOff val="0"/>
-              <a:satOff val="0"/>
-              <a:lumOff val="0"/>
-              <a:alphaOff val="0"/>
-            </a:schemeClr>
-          </a:solidFill>
-          <a:prstDash val="solid"/>
-        </a:ln>
-        <a:effectLst/>
-      </dsp:spPr>
-      <dsp:style>
-        <a:lnRef idx="2">
-          <a:scrgbClr r="0" g="0" b="0"/>
-        </a:lnRef>
-        <a:fillRef idx="1">
-          <a:scrgbClr r="0" g="0" b="0"/>
-        </a:fillRef>
-        <a:effectRef idx="0">
-          <a:scrgbClr r="0" g="0" b="0"/>
-        </a:effectRef>
-        <a:fontRef idx="minor"/>
-      </dsp:style>
-      <dsp:txBody>
-        <a:bodyPr spcFirstLastPara="0" vert="horz" wrap="square" lIns="106680" tIns="53340" rIns="106680" bIns="53340" numCol="1" spcCol="1270" anchor="ctr" anchorCtr="0">
-          <a:noAutofit/>
-        </a:bodyPr>
-        <a:lstStyle/>
-        <a:p>
-          <a:pPr marL="285750" lvl="1" indent="-285750" algn="l" defTabSz="1244600">
-            <a:lnSpc>
-              <a:spcPct val="90000"/>
-            </a:lnSpc>
-            <a:spcBef>
-              <a:spcPct val="0"/>
-            </a:spcBef>
-            <a:spcAft>
-              <a:spcPct val="15000"/>
-            </a:spcAft>
-            <a:buChar char="••"/>
-          </a:pPr>
-          <a:r>
-            <a:rPr lang="pt-BR" sz="2800" kern="1200" dirty="0" smtClean="0">
-              <a:solidFill>
-                <a:schemeClr val="bg1"/>
-              </a:solidFill>
-            </a:rPr>
-            <a:t>Diversificação, Integração Vertical</a:t>
-          </a:r>
-          <a:endParaRPr lang="pt-BR" sz="2800" kern="1200" dirty="0">
-            <a:solidFill>
-              <a:schemeClr val="bg1"/>
-            </a:solidFill>
-          </a:endParaRPr>
-        </a:p>
-      </dsp:txBody>
-      <dsp:txXfrm rot="-5400000">
-        <a:off x="3162591" y="1252694"/>
-        <a:ext cx="5581320" cy="759071"/>
-      </dsp:txXfrm>
-    </dsp:sp>
-    <dsp:sp modelId="{B27C1B24-E235-4511-8BCB-482FBE1E642D}">
-      <dsp:nvSpPr>
-        <dsp:cNvPr id="0" name=""/>
-        <dsp:cNvSpPr/>
-      </dsp:nvSpPr>
-      <dsp:spPr>
-        <a:xfrm>
-          <a:off x="0" y="1106479"/>
-          <a:ext cx="3162591" cy="1051499"/>
-        </a:xfrm>
-        <a:prstGeom prst="roundRect">
-          <a:avLst/>
-        </a:prstGeom>
-        <a:solidFill>
-          <a:schemeClr val="accent1">
-            <a:alpha val="20000"/>
-          </a:schemeClr>
-        </a:solidFill>
-        <a:ln w="25400" cap="flat" cmpd="sng" algn="ctr">
-          <a:solidFill>
-            <a:schemeClr val="lt1">
-              <a:hueOff val="0"/>
-              <a:satOff val="0"/>
-              <a:lumOff val="0"/>
-              <a:alphaOff val="0"/>
-            </a:schemeClr>
-          </a:solidFill>
-          <a:prstDash val="solid"/>
-        </a:ln>
-        <a:effectLst/>
-      </dsp:spPr>
-      <dsp:style>
-        <a:lnRef idx="2">
-          <a:scrgbClr r="0" g="0" b="0"/>
-        </a:lnRef>
-        <a:fillRef idx="1">
-          <a:scrgbClr r="0" g="0" b="0"/>
-        </a:fillRef>
-        <a:effectRef idx="0">
-          <a:scrgbClr r="0" g="0" b="0"/>
-        </a:effectRef>
-        <a:fontRef idx="minor">
-          <a:schemeClr val="lt1"/>
-        </a:fontRef>
-      </dsp:style>
-      <dsp:txBody>
-        <a:bodyPr spcFirstLastPara="0" vert="horz" wrap="square" lIns="95250" tIns="47625" rIns="95250" bIns="47625" numCol="1" spcCol="1270" anchor="ctr" anchorCtr="0">
-          <a:noAutofit/>
-        </a:bodyPr>
-        <a:lstStyle/>
-        <a:p>
-          <a:pPr lvl="0" algn="ctr" defTabSz="1111250">
-            <a:lnSpc>
-              <a:spcPct val="90000"/>
-            </a:lnSpc>
-            <a:spcBef>
-              <a:spcPct val="0"/>
-            </a:spcBef>
-            <a:spcAft>
-              <a:spcPct val="35000"/>
-            </a:spcAft>
-          </a:pPr>
-          <a:r>
-            <a:rPr lang="pt-BR" sz="2500" kern="1200" dirty="0" smtClean="0"/>
-            <a:t>Estratégias de Escopo Organizacional</a:t>
-          </a:r>
-          <a:endParaRPr lang="pt-BR" sz="2500" kern="1200" dirty="0"/>
-        </a:p>
-      </dsp:txBody>
-      <dsp:txXfrm>
-        <a:off x="51330" y="1157809"/>
-        <a:ext cx="3059931" cy="948839"/>
-      </dsp:txXfrm>
-    </dsp:sp>
-    <dsp:sp modelId="{F3BDE4F4-7BE2-41A2-B6DB-9077B3E9C21C}">
-      <dsp:nvSpPr>
-        <dsp:cNvPr id="0" name=""/>
-        <dsp:cNvSpPr/>
-      </dsp:nvSpPr>
-      <dsp:spPr>
-        <a:xfrm rot="5400000">
-          <a:off x="5553183" y="-74888"/>
-          <a:ext cx="841199" cy="5622384"/>
-        </a:xfrm>
-        <a:prstGeom prst="round2SameRect">
-          <a:avLst/>
-        </a:prstGeom>
-        <a:solidFill>
-          <a:schemeClr val="tx2">
-            <a:lumMod val="40000"/>
-            <a:lumOff val="60000"/>
-            <a:alpha val="20000"/>
-          </a:schemeClr>
-        </a:solidFill>
-        <a:ln w="25400" cap="flat" cmpd="sng" algn="ctr">
-          <a:solidFill>
-            <a:schemeClr val="accent1">
-              <a:alpha val="90000"/>
-              <a:tint val="40000"/>
-              <a:hueOff val="0"/>
-              <a:satOff val="0"/>
-              <a:lumOff val="0"/>
-              <a:alphaOff val="0"/>
-            </a:schemeClr>
-          </a:solidFill>
-          <a:prstDash val="solid"/>
-        </a:ln>
-        <a:effectLst/>
-      </dsp:spPr>
-      <dsp:style>
-        <a:lnRef idx="2">
-          <a:scrgbClr r="0" g="0" b="0"/>
-        </a:lnRef>
-        <a:fillRef idx="1">
-          <a:scrgbClr r="0" g="0" b="0"/>
-        </a:fillRef>
-        <a:effectRef idx="0">
-          <a:scrgbClr r="0" g="0" b="0"/>
-        </a:effectRef>
-        <a:fontRef idx="minor"/>
-      </dsp:style>
-      <dsp:txBody>
-        <a:bodyPr spcFirstLastPara="0" vert="horz" wrap="square" lIns="106680" tIns="53340" rIns="106680" bIns="53340" numCol="1" spcCol="1270" anchor="ctr" anchorCtr="0">
-          <a:noAutofit/>
-        </a:bodyPr>
-        <a:lstStyle/>
-        <a:p>
-          <a:pPr marL="285750" lvl="1" indent="-285750" algn="l" defTabSz="1244600">
-            <a:lnSpc>
-              <a:spcPct val="90000"/>
-            </a:lnSpc>
-            <a:spcBef>
-              <a:spcPct val="0"/>
-            </a:spcBef>
-            <a:spcAft>
-              <a:spcPct val="15000"/>
-            </a:spcAft>
-            <a:buChar char="••"/>
-          </a:pPr>
-          <a:r>
-            <a:rPr lang="pt-BR" sz="2800" kern="1200" dirty="0" smtClean="0">
-              <a:solidFill>
-                <a:schemeClr val="bg1"/>
-              </a:solidFill>
-            </a:rPr>
-            <a:t>Aceleração, Alianças, Fusões</a:t>
-          </a:r>
-          <a:endParaRPr lang="pt-BR" sz="2800" kern="1200" dirty="0">
-            <a:solidFill>
-              <a:schemeClr val="bg1"/>
-            </a:solidFill>
-          </a:endParaRPr>
-        </a:p>
-      </dsp:txBody>
-      <dsp:txXfrm rot="-5400000">
-        <a:off x="3162591" y="2356768"/>
-        <a:ext cx="5581320" cy="759071"/>
-      </dsp:txXfrm>
-    </dsp:sp>
-    <dsp:sp modelId="{2A524A9B-0EA8-40FE-A47A-7E87EFB1A635}">
-      <dsp:nvSpPr>
-        <dsp:cNvPr id="0" name=""/>
-        <dsp:cNvSpPr/>
-      </dsp:nvSpPr>
-      <dsp:spPr>
-        <a:xfrm>
-          <a:off x="0" y="2210554"/>
-          <a:ext cx="3162591" cy="1051499"/>
-        </a:xfrm>
-        <a:prstGeom prst="roundRect">
-          <a:avLst/>
-        </a:prstGeom>
-        <a:solidFill>
-          <a:schemeClr val="tx2">
-            <a:lumMod val="40000"/>
-            <a:lumOff val="60000"/>
-            <a:alpha val="20000"/>
-          </a:schemeClr>
-        </a:solidFill>
-        <a:ln w="25400" cap="flat" cmpd="sng" algn="ctr">
-          <a:solidFill>
-            <a:schemeClr val="lt1">
-              <a:hueOff val="0"/>
-              <a:satOff val="0"/>
-              <a:lumOff val="0"/>
-              <a:alphaOff val="0"/>
-            </a:schemeClr>
-          </a:solidFill>
-          <a:prstDash val="solid"/>
-        </a:ln>
-        <a:effectLst/>
-      </dsp:spPr>
-      <dsp:style>
-        <a:lnRef idx="2">
-          <a:scrgbClr r="0" g="0" b="0"/>
-        </a:lnRef>
-        <a:fillRef idx="1">
-          <a:scrgbClr r="0" g="0" b="0"/>
-        </a:fillRef>
-        <a:effectRef idx="0">
-          <a:scrgbClr r="0" g="0" b="0"/>
-        </a:effectRef>
-        <a:fontRef idx="minor">
-          <a:schemeClr val="lt1"/>
-        </a:fontRef>
-      </dsp:style>
-      <dsp:txBody>
-        <a:bodyPr spcFirstLastPara="0" vert="horz" wrap="square" lIns="95250" tIns="47625" rIns="95250" bIns="47625" numCol="1" spcCol="1270" anchor="ctr" anchorCtr="0">
-          <a:noAutofit/>
-        </a:bodyPr>
-        <a:lstStyle/>
-        <a:p>
-          <a:pPr lvl="0" algn="ctr" defTabSz="1111250">
-            <a:lnSpc>
-              <a:spcPct val="90000"/>
-            </a:lnSpc>
-            <a:spcBef>
-              <a:spcPct val="0"/>
-            </a:spcBef>
-            <a:spcAft>
-              <a:spcPct val="35000"/>
-            </a:spcAft>
-          </a:pPr>
-          <a:r>
-            <a:rPr lang="pt-BR" sz="2500" kern="1200" dirty="0" smtClean="0">
-              <a:solidFill>
-                <a:schemeClr val="bg1"/>
-              </a:solidFill>
-            </a:rPr>
-            <a:t>Estratégias de Entrada de Mercado</a:t>
-          </a:r>
-          <a:endParaRPr lang="pt-BR" sz="2500" kern="1200" dirty="0">
-            <a:solidFill>
-              <a:schemeClr val="bg1"/>
-            </a:solidFill>
-          </a:endParaRPr>
-        </a:p>
-      </dsp:txBody>
-      <dsp:txXfrm>
-        <a:off x="51330" y="2261884"/>
-        <a:ext cx="3059931" cy="948839"/>
-      </dsp:txXfrm>
-    </dsp:sp>
-    <dsp:sp modelId="{CF554BA7-8537-42CC-8DE8-375356E525EE}">
-      <dsp:nvSpPr>
-        <dsp:cNvPr id="0" name=""/>
-        <dsp:cNvSpPr/>
-      </dsp:nvSpPr>
-      <dsp:spPr>
-        <a:xfrm rot="5400000">
-          <a:off x="5553183" y="1029186"/>
-          <a:ext cx="841199" cy="5622384"/>
-        </a:xfrm>
-        <a:prstGeom prst="round2SameRect">
-          <a:avLst/>
-        </a:prstGeom>
-        <a:solidFill>
-          <a:schemeClr val="tx2">
-            <a:lumMod val="40000"/>
-            <a:lumOff val="60000"/>
-            <a:alpha val="90000"/>
-          </a:schemeClr>
-        </a:solidFill>
-        <a:ln w="25400" cap="flat" cmpd="sng" algn="ctr">
-          <a:solidFill>
-            <a:schemeClr val="accent1">
-              <a:alpha val="90000"/>
-              <a:tint val="40000"/>
-              <a:hueOff val="0"/>
-              <a:satOff val="0"/>
-              <a:lumOff val="0"/>
-              <a:alphaOff val="0"/>
-            </a:schemeClr>
-          </a:solidFill>
-          <a:prstDash val="solid"/>
-        </a:ln>
-        <a:effectLst/>
-      </dsp:spPr>
-      <dsp:style>
-        <a:lnRef idx="2">
-          <a:scrgbClr r="0" g="0" b="0"/>
-        </a:lnRef>
-        <a:fillRef idx="1">
-          <a:scrgbClr r="0" g="0" b="0"/>
-        </a:fillRef>
-        <a:effectRef idx="0">
-          <a:scrgbClr r="0" g="0" b="0"/>
-        </a:effectRef>
-        <a:fontRef idx="minor"/>
-      </dsp:style>
-      <dsp:txBody>
-        <a:bodyPr spcFirstLastPara="0" vert="horz" wrap="square" lIns="106680" tIns="53340" rIns="106680" bIns="53340" numCol="1" spcCol="1270" anchor="ctr" anchorCtr="0">
-          <a:noAutofit/>
-        </a:bodyPr>
-        <a:lstStyle/>
-        <a:p>
-          <a:pPr marL="285750" lvl="1" indent="-285750" algn="l" defTabSz="1244600">
-            <a:lnSpc>
-              <a:spcPct val="90000"/>
-            </a:lnSpc>
-            <a:spcBef>
-              <a:spcPct val="0"/>
-            </a:spcBef>
-            <a:spcAft>
-              <a:spcPct val="15000"/>
-            </a:spcAft>
-            <a:buChar char="••"/>
-          </a:pPr>
-          <a:r>
-            <a:rPr lang="pt-BR" sz="2800" kern="1200" dirty="0" smtClean="0">
-              <a:solidFill>
-                <a:schemeClr val="tx1"/>
-              </a:solidFill>
-            </a:rPr>
-            <a:t>Liderança em custo, Diferenciação</a:t>
-          </a:r>
-          <a:endParaRPr lang="pt-BR" sz="2800" kern="1200" dirty="0">
-            <a:solidFill>
-              <a:schemeClr val="tx1"/>
-            </a:solidFill>
-          </a:endParaRPr>
-        </a:p>
-      </dsp:txBody>
-      <dsp:txXfrm rot="-5400000">
-        <a:off x="3162591" y="3460842"/>
-        <a:ext cx="5581320" cy="759071"/>
-      </dsp:txXfrm>
-    </dsp:sp>
-    <dsp:sp modelId="{896B29AC-37A8-4CDA-A2AF-69A070EA1311}">
-      <dsp:nvSpPr>
-        <dsp:cNvPr id="0" name=""/>
-        <dsp:cNvSpPr/>
-      </dsp:nvSpPr>
-      <dsp:spPr>
-        <a:xfrm>
-          <a:off x="0" y="3314628"/>
-          <a:ext cx="3162591" cy="1051499"/>
-        </a:xfrm>
-        <a:prstGeom prst="roundRect">
-          <a:avLst/>
-        </a:prstGeom>
-        <a:solidFill>
-          <a:schemeClr val="accent1"/>
-        </a:solidFill>
-        <a:ln w="25400" cap="flat" cmpd="sng" algn="ctr">
-          <a:solidFill>
-            <a:schemeClr val="lt1">
-              <a:hueOff val="0"/>
-              <a:satOff val="0"/>
-              <a:lumOff val="0"/>
-              <a:alphaOff val="0"/>
-            </a:schemeClr>
-          </a:solidFill>
-          <a:prstDash val="solid"/>
-        </a:ln>
-        <a:effectLst/>
-      </dsp:spPr>
-      <dsp:style>
-        <a:lnRef idx="2">
-          <a:scrgbClr r="0" g="0" b="0"/>
-        </a:lnRef>
-        <a:fillRef idx="1">
-          <a:scrgbClr r="0" g="0" b="0"/>
-        </a:fillRef>
-        <a:effectRef idx="0">
-          <a:scrgbClr r="0" g="0" b="0"/>
-        </a:effectRef>
-        <a:fontRef idx="minor">
-          <a:schemeClr val="lt1"/>
-        </a:fontRef>
-      </dsp:style>
-      <dsp:txBody>
-        <a:bodyPr spcFirstLastPara="0" vert="horz" wrap="square" lIns="95250" tIns="47625" rIns="95250" bIns="47625" numCol="1" spcCol="1270" anchor="ctr" anchorCtr="0">
-          <a:noAutofit/>
-        </a:bodyPr>
-        <a:lstStyle/>
-        <a:p>
-          <a:pPr lvl="0" algn="ctr" defTabSz="1111250">
-            <a:lnSpc>
-              <a:spcPct val="90000"/>
-            </a:lnSpc>
-            <a:spcBef>
-              <a:spcPct val="0"/>
-            </a:spcBef>
-            <a:spcAft>
-              <a:spcPct val="35000"/>
-            </a:spcAft>
-          </a:pPr>
-          <a:r>
-            <a:rPr lang="pt-BR" sz="2500" kern="1200" dirty="0" smtClean="0">
-              <a:solidFill>
-                <a:schemeClr val="bg1"/>
-              </a:solidFill>
-            </a:rPr>
-            <a:t>Estratégia Corporativa</a:t>
-          </a:r>
-          <a:endParaRPr lang="pt-BR" sz="2500" kern="1200" dirty="0">
-            <a:solidFill>
-              <a:schemeClr val="bg1"/>
-            </a:solidFill>
-          </a:endParaRPr>
-        </a:p>
-      </dsp:txBody>
-      <dsp:txXfrm>
-        <a:off x="51330" y="3365958"/>
-        <a:ext cx="3059931" cy="948839"/>
-      </dsp:txXfrm>
-    </dsp:sp>
-    <dsp:sp modelId="{0C25F599-2E82-4F49-B192-B59CAF50628E}">
-      <dsp:nvSpPr>
-        <dsp:cNvPr id="0" name=""/>
-        <dsp:cNvSpPr/>
-      </dsp:nvSpPr>
-      <dsp:spPr>
-        <a:xfrm rot="5400000">
-          <a:off x="5553183" y="2133260"/>
-          <a:ext cx="841199" cy="5622384"/>
-        </a:xfrm>
-        <a:prstGeom prst="round2SameRect">
-          <a:avLst/>
-        </a:prstGeom>
-        <a:solidFill>
-          <a:schemeClr val="accent1">
-            <a:alpha val="20000"/>
-          </a:schemeClr>
-        </a:solidFill>
-        <a:ln w="25400" cap="flat" cmpd="sng" algn="ctr">
-          <a:solidFill>
-            <a:schemeClr val="accent1">
-              <a:alpha val="90000"/>
-              <a:tint val="40000"/>
-              <a:hueOff val="0"/>
-              <a:satOff val="0"/>
-              <a:lumOff val="0"/>
-              <a:alphaOff val="0"/>
-            </a:schemeClr>
-          </a:solidFill>
-          <a:prstDash val="solid"/>
-        </a:ln>
-        <a:effectLst/>
-      </dsp:spPr>
-      <dsp:style>
-        <a:lnRef idx="2">
-          <a:scrgbClr r="0" g="0" b="0"/>
-        </a:lnRef>
-        <a:fillRef idx="1">
-          <a:scrgbClr r="0" g="0" b="0"/>
-        </a:fillRef>
-        <a:effectRef idx="0">
-          <a:scrgbClr r="0" g="0" b="0"/>
-        </a:effectRef>
-        <a:fontRef idx="minor"/>
-      </dsp:style>
-      <dsp:txBody>
-        <a:bodyPr spcFirstLastPara="0" vert="horz" wrap="square" lIns="106680" tIns="53340" rIns="106680" bIns="53340" numCol="1" spcCol="1270" anchor="ctr" anchorCtr="0">
-          <a:noAutofit/>
-        </a:bodyPr>
-        <a:lstStyle/>
-        <a:p>
-          <a:pPr marL="285750" lvl="1" indent="-285750" algn="l" defTabSz="1244600">
-            <a:lnSpc>
-              <a:spcPct val="90000"/>
-            </a:lnSpc>
-            <a:spcBef>
-              <a:spcPct val="0"/>
-            </a:spcBef>
-            <a:spcAft>
-              <a:spcPct val="15000"/>
-            </a:spcAft>
-            <a:buChar char="••"/>
-          </a:pPr>
-          <a:r>
-            <a:rPr lang="pt-BR" sz="2800" kern="1200" dirty="0" smtClean="0">
-              <a:solidFill>
-                <a:schemeClr val="bg1"/>
-              </a:solidFill>
-            </a:rPr>
-            <a:t>Produtos, Estrutura tecnológica</a:t>
-          </a:r>
-          <a:endParaRPr lang="pt-BR" sz="2800" kern="1200" dirty="0">
-            <a:solidFill>
-              <a:schemeClr val="bg1"/>
-            </a:solidFill>
-          </a:endParaRPr>
-        </a:p>
-      </dsp:txBody>
-      <dsp:txXfrm rot="-5400000">
-        <a:off x="3162591" y="4564916"/>
-        <a:ext cx="5581320" cy="759071"/>
-      </dsp:txXfrm>
-    </dsp:sp>
-    <dsp:sp modelId="{F48CEC02-FE9B-4CA2-ADC0-10BD5C6936C7}">
-      <dsp:nvSpPr>
-        <dsp:cNvPr id="0" name=""/>
-        <dsp:cNvSpPr/>
-      </dsp:nvSpPr>
-      <dsp:spPr>
-        <a:xfrm>
-          <a:off x="0" y="4418703"/>
-          <a:ext cx="3162591" cy="1051499"/>
-        </a:xfrm>
-        <a:prstGeom prst="roundRect">
-          <a:avLst/>
-        </a:prstGeom>
-        <a:solidFill>
-          <a:schemeClr val="accent1">
-            <a:alpha val="20000"/>
-          </a:schemeClr>
-        </a:solidFill>
-        <a:ln w="25400" cap="flat" cmpd="sng" algn="ctr">
-          <a:solidFill>
-            <a:schemeClr val="lt1">
-              <a:hueOff val="0"/>
-              <a:satOff val="0"/>
-              <a:lumOff val="0"/>
-              <a:alphaOff val="0"/>
-            </a:schemeClr>
-          </a:solidFill>
-          <a:prstDash val="solid"/>
-        </a:ln>
-        <a:effectLst/>
-      </dsp:spPr>
-      <dsp:style>
-        <a:lnRef idx="2">
-          <a:scrgbClr r="0" g="0" b="0"/>
-        </a:lnRef>
-        <a:fillRef idx="1">
-          <a:scrgbClr r="0" g="0" b="0"/>
-        </a:fillRef>
-        <a:effectRef idx="0">
-          <a:scrgbClr r="0" g="0" b="0"/>
-        </a:effectRef>
-        <a:fontRef idx="minor">
-          <a:schemeClr val="lt1"/>
-        </a:fontRef>
-      </dsp:style>
-      <dsp:txBody>
-        <a:bodyPr spcFirstLastPara="0" vert="horz" wrap="square" lIns="95250" tIns="47625" rIns="95250" bIns="47625" numCol="1" spcCol="1270" anchor="ctr" anchorCtr="0">
-          <a:noAutofit/>
-        </a:bodyPr>
-        <a:lstStyle/>
-        <a:p>
-          <a:pPr lvl="0" algn="ctr" defTabSz="1111250">
-            <a:lnSpc>
-              <a:spcPct val="90000"/>
-            </a:lnSpc>
-            <a:spcBef>
-              <a:spcPct val="0"/>
-            </a:spcBef>
-            <a:spcAft>
-              <a:spcPct val="35000"/>
-            </a:spcAft>
-          </a:pPr>
-          <a:r>
-            <a:rPr lang="pt-BR" sz="2500" kern="1200" dirty="0" smtClean="0">
-              <a:solidFill>
-                <a:schemeClr val="bg1"/>
-              </a:solidFill>
-            </a:rPr>
-            <a:t>Estratégias de Implementação</a:t>
-          </a:r>
-          <a:endParaRPr lang="pt-BR" sz="2500" kern="1200" dirty="0">
-            <a:solidFill>
-              <a:schemeClr val="bg1"/>
-            </a:solidFill>
-          </a:endParaRPr>
-        </a:p>
-      </dsp:txBody>
-      <dsp:txXfrm>
-        <a:off x="51330" y="4470033"/>
-        <a:ext cx="3059931" cy="948839"/>
-      </dsp:txXfrm>
-    </dsp:sp>
   </dsp:spTree>
 </dsp:drawing>
 </file>
@@ -18213,936 +16465,6 @@
       <dsp:cNvGrpSpPr/>
     </dsp:nvGrpSpPr>
     <dsp:grpSpPr/>
-    <dsp:sp modelId="{F5E68069-5C75-4F52-B3B6-076EA21298D7}">
-      <dsp:nvSpPr>
-        <dsp:cNvPr id="0" name=""/>
-        <dsp:cNvSpPr/>
-      </dsp:nvSpPr>
-      <dsp:spPr>
-        <a:xfrm rot="5400000">
-          <a:off x="5553183" y="-2283037"/>
-          <a:ext cx="841199" cy="5622384"/>
-        </a:xfrm>
-        <a:prstGeom prst="round2SameRect">
-          <a:avLst/>
-        </a:prstGeom>
-        <a:solidFill>
-          <a:schemeClr val="accent1">
-            <a:alpha val="20000"/>
-          </a:schemeClr>
-        </a:solidFill>
-        <a:ln w="25400" cap="flat" cmpd="sng" algn="ctr">
-          <a:solidFill>
-            <a:schemeClr val="accent1">
-              <a:alpha val="90000"/>
-              <a:tint val="40000"/>
-              <a:hueOff val="0"/>
-              <a:satOff val="0"/>
-              <a:lumOff val="0"/>
-              <a:alphaOff val="0"/>
-            </a:schemeClr>
-          </a:solidFill>
-          <a:prstDash val="solid"/>
-        </a:ln>
-        <a:effectLst/>
-      </dsp:spPr>
-      <dsp:style>
-        <a:lnRef idx="2">
-          <a:scrgbClr r="0" g="0" b="0"/>
-        </a:lnRef>
-        <a:fillRef idx="1">
-          <a:scrgbClr r="0" g="0" b="0"/>
-        </a:fillRef>
-        <a:effectRef idx="0">
-          <a:scrgbClr r="0" g="0" b="0"/>
-        </a:effectRef>
-        <a:fontRef idx="minor"/>
-      </dsp:style>
-      <dsp:txBody>
-        <a:bodyPr spcFirstLastPara="0" vert="horz" wrap="square" lIns="83820" tIns="41910" rIns="83820" bIns="41910" numCol="1" spcCol="1270" anchor="ctr" anchorCtr="0">
-          <a:noAutofit/>
-        </a:bodyPr>
-        <a:lstStyle/>
-        <a:p>
-          <a:pPr marL="114300" lvl="1" indent="-114300" algn="l" defTabSz="622300">
-            <a:lnSpc>
-              <a:spcPct val="90000"/>
-            </a:lnSpc>
-            <a:spcBef>
-              <a:spcPct val="0"/>
-            </a:spcBef>
-            <a:spcAft>
-              <a:spcPct val="15000"/>
-            </a:spcAft>
-            <a:buChar char="••"/>
-          </a:pPr>
-          <a:r>
-            <a:rPr lang="pt-BR" sz="1400" kern="1200" dirty="0" smtClean="0">
-              <a:solidFill>
-                <a:schemeClr val="bg1"/>
-              </a:solidFill>
-            </a:rPr>
-            <a:t>Negócio, Missão</a:t>
-          </a:r>
-          <a:r>
-            <a:rPr lang="pt-BR" sz="1400" kern="1200" dirty="0" smtClean="0">
-              <a:solidFill>
-                <a:schemeClr val="bg1"/>
-              </a:solidFill>
-            </a:rPr>
-            <a:t>, Visão, Valores </a:t>
-          </a:r>
-          <a:endParaRPr lang="pt-BR" sz="1400" kern="1200" dirty="0">
-            <a:solidFill>
-              <a:schemeClr val="bg1"/>
-            </a:solidFill>
-          </a:endParaRPr>
-        </a:p>
-        <a:p>
-          <a:pPr marL="114300" lvl="1" indent="-114300" algn="l" defTabSz="622300">
-            <a:lnSpc>
-              <a:spcPct val="90000"/>
-            </a:lnSpc>
-            <a:spcBef>
-              <a:spcPct val="0"/>
-            </a:spcBef>
-            <a:spcAft>
-              <a:spcPct val="15000"/>
-            </a:spcAft>
-            <a:buChar char="••"/>
-          </a:pPr>
-          <a:r>
-            <a:rPr lang="pt-BR" sz="1400" kern="1200" dirty="0" smtClean="0">
-              <a:solidFill>
-                <a:schemeClr val="bg1"/>
-              </a:solidFill>
-            </a:rPr>
-            <a:t>Pedra fundamental, Postura da Instituição</a:t>
-          </a:r>
-          <a:endParaRPr lang="pt-BR" sz="1400" kern="1200" dirty="0">
-            <a:solidFill>
-              <a:schemeClr val="bg1"/>
-            </a:solidFill>
-          </a:endParaRPr>
-        </a:p>
-        <a:p>
-          <a:pPr marL="114300" lvl="1" indent="-114300" algn="l" defTabSz="622300">
-            <a:lnSpc>
-              <a:spcPct val="90000"/>
-            </a:lnSpc>
-            <a:spcBef>
-              <a:spcPct val="0"/>
-            </a:spcBef>
-            <a:spcAft>
-              <a:spcPct val="15000"/>
-            </a:spcAft>
-            <a:buChar char="••"/>
-          </a:pPr>
-          <a:r>
-            <a:rPr lang="pt-BR" sz="1400" kern="1200" dirty="0" smtClean="0">
-              <a:solidFill>
-                <a:schemeClr val="bg1"/>
-              </a:solidFill>
-            </a:rPr>
-            <a:t>Não são Executáveis, apenas estabelecem direcionamento e “freios” às possibilidades</a:t>
-          </a:r>
-          <a:endParaRPr lang="pt-BR" sz="1400" kern="1200" dirty="0">
-            <a:solidFill>
-              <a:schemeClr val="bg1"/>
-            </a:solidFill>
-          </a:endParaRPr>
-        </a:p>
-      </dsp:txBody>
-      <dsp:txXfrm rot="-5400000">
-        <a:off x="3162591" y="148619"/>
-        <a:ext cx="5581320" cy="759071"/>
-      </dsp:txXfrm>
-    </dsp:sp>
-    <dsp:sp modelId="{404009E2-52E2-4FBD-8A06-2B3B9B79AB2A}">
-      <dsp:nvSpPr>
-        <dsp:cNvPr id="0" name=""/>
-        <dsp:cNvSpPr/>
-      </dsp:nvSpPr>
-      <dsp:spPr>
-        <a:xfrm>
-          <a:off x="0" y="2404"/>
-          <a:ext cx="3162591" cy="1051499"/>
-        </a:xfrm>
-        <a:prstGeom prst="roundRect">
-          <a:avLst/>
-        </a:prstGeom>
-        <a:solidFill>
-          <a:schemeClr val="accent1">
-            <a:alpha val="20000"/>
-          </a:schemeClr>
-        </a:solidFill>
-        <a:ln w="25400" cap="flat" cmpd="sng" algn="ctr">
-          <a:solidFill>
-            <a:schemeClr val="lt1">
-              <a:hueOff val="0"/>
-              <a:satOff val="0"/>
-              <a:lumOff val="0"/>
-              <a:alphaOff val="0"/>
-            </a:schemeClr>
-          </a:solidFill>
-          <a:prstDash val="solid"/>
-        </a:ln>
-        <a:effectLst/>
-      </dsp:spPr>
-      <dsp:style>
-        <a:lnRef idx="2">
-          <a:scrgbClr r="0" g="0" b="0"/>
-        </a:lnRef>
-        <a:fillRef idx="1">
-          <a:scrgbClr r="0" g="0" b="0"/>
-        </a:fillRef>
-        <a:effectRef idx="0">
-          <a:scrgbClr r="0" g="0" b="0"/>
-        </a:effectRef>
-        <a:fontRef idx="minor">
-          <a:schemeClr val="lt1"/>
-        </a:fontRef>
-      </dsp:style>
-      <dsp:txBody>
-        <a:bodyPr spcFirstLastPara="0" vert="horz" wrap="square" lIns="95250" tIns="47625" rIns="95250" bIns="47625" numCol="1" spcCol="1270" anchor="ctr" anchorCtr="0">
-          <a:noAutofit/>
-        </a:bodyPr>
-        <a:lstStyle/>
-        <a:p>
-          <a:pPr lvl="0" algn="ctr" defTabSz="1111250">
-            <a:lnSpc>
-              <a:spcPct val="90000"/>
-            </a:lnSpc>
-            <a:spcBef>
-              <a:spcPct val="0"/>
-            </a:spcBef>
-            <a:spcAft>
-              <a:spcPct val="35000"/>
-            </a:spcAft>
-          </a:pPr>
-          <a:r>
-            <a:rPr lang="pt-BR" sz="2500" kern="1200" dirty="0" smtClean="0">
-              <a:solidFill>
-                <a:schemeClr val="bg1"/>
-              </a:solidFill>
-            </a:rPr>
-            <a:t>Estratégias Direcionais</a:t>
-          </a:r>
-          <a:endParaRPr lang="pt-BR" sz="2500" kern="1200" dirty="0">
-            <a:solidFill>
-              <a:schemeClr val="bg1"/>
-            </a:solidFill>
-          </a:endParaRPr>
-        </a:p>
-      </dsp:txBody>
-      <dsp:txXfrm>
-        <a:off x="51330" y="53734"/>
-        <a:ext cx="3059931" cy="948839"/>
-      </dsp:txXfrm>
-    </dsp:sp>
-    <dsp:sp modelId="{E5206532-7C8F-4EFA-ADED-2A331D524BCC}">
-      <dsp:nvSpPr>
-        <dsp:cNvPr id="0" name=""/>
-        <dsp:cNvSpPr/>
-      </dsp:nvSpPr>
-      <dsp:spPr>
-        <a:xfrm rot="5400000">
-          <a:off x="5553183" y="-1178962"/>
-          <a:ext cx="841199" cy="5622384"/>
-        </a:xfrm>
-        <a:prstGeom prst="round2SameRect">
-          <a:avLst/>
-        </a:prstGeom>
-        <a:solidFill>
-          <a:schemeClr val="accent1">
-            <a:alpha val="20000"/>
-          </a:schemeClr>
-        </a:solidFill>
-        <a:ln w="25400" cap="flat" cmpd="sng" algn="ctr">
-          <a:solidFill>
-            <a:schemeClr val="accent1">
-              <a:alpha val="90000"/>
-              <a:tint val="40000"/>
-              <a:hueOff val="0"/>
-              <a:satOff val="0"/>
-              <a:lumOff val="0"/>
-              <a:alphaOff val="0"/>
-            </a:schemeClr>
-          </a:solidFill>
-          <a:prstDash val="solid"/>
-        </a:ln>
-        <a:effectLst/>
-      </dsp:spPr>
-      <dsp:style>
-        <a:lnRef idx="2">
-          <a:scrgbClr r="0" g="0" b="0"/>
-        </a:lnRef>
-        <a:fillRef idx="1">
-          <a:scrgbClr r="0" g="0" b="0"/>
-        </a:fillRef>
-        <a:effectRef idx="0">
-          <a:scrgbClr r="0" g="0" b="0"/>
-        </a:effectRef>
-        <a:fontRef idx="minor"/>
-      </dsp:style>
-      <dsp:txBody>
-        <a:bodyPr spcFirstLastPara="0" vert="horz" wrap="square" lIns="83820" tIns="41910" rIns="83820" bIns="41910" numCol="1" spcCol="1270" anchor="ctr" anchorCtr="0">
-          <a:noAutofit/>
-        </a:bodyPr>
-        <a:lstStyle/>
-        <a:p>
-          <a:pPr marL="228600" lvl="1" indent="-228600" algn="l" defTabSz="977900">
-            <a:lnSpc>
-              <a:spcPct val="90000"/>
-            </a:lnSpc>
-            <a:spcBef>
-              <a:spcPct val="0"/>
-            </a:spcBef>
-            <a:spcAft>
-              <a:spcPct val="15000"/>
-            </a:spcAft>
-            <a:buChar char="••"/>
-          </a:pPr>
-          <a:r>
-            <a:rPr lang="pt-BR" sz="2200" kern="1200" dirty="0" smtClean="0">
-              <a:solidFill>
-                <a:schemeClr val="bg1"/>
-              </a:solidFill>
-            </a:rPr>
-            <a:t>Diversificação, Integração Vertical</a:t>
-          </a:r>
-          <a:endParaRPr lang="pt-BR" sz="2200" kern="1200" dirty="0">
-            <a:solidFill>
-              <a:schemeClr val="bg1"/>
-            </a:solidFill>
-          </a:endParaRPr>
-        </a:p>
-      </dsp:txBody>
-      <dsp:txXfrm rot="-5400000">
-        <a:off x="3162591" y="1252694"/>
-        <a:ext cx="5581320" cy="759071"/>
-      </dsp:txXfrm>
-    </dsp:sp>
-    <dsp:sp modelId="{B27C1B24-E235-4511-8BCB-482FBE1E642D}">
-      <dsp:nvSpPr>
-        <dsp:cNvPr id="0" name=""/>
-        <dsp:cNvSpPr/>
-      </dsp:nvSpPr>
-      <dsp:spPr>
-        <a:xfrm>
-          <a:off x="0" y="1106479"/>
-          <a:ext cx="3162591" cy="1051499"/>
-        </a:xfrm>
-        <a:prstGeom prst="roundRect">
-          <a:avLst/>
-        </a:prstGeom>
-        <a:solidFill>
-          <a:schemeClr val="accent1">
-            <a:alpha val="20000"/>
-          </a:schemeClr>
-        </a:solidFill>
-        <a:ln w="25400" cap="flat" cmpd="sng" algn="ctr">
-          <a:solidFill>
-            <a:schemeClr val="lt1">
-              <a:hueOff val="0"/>
-              <a:satOff val="0"/>
-              <a:lumOff val="0"/>
-              <a:alphaOff val="0"/>
-            </a:schemeClr>
-          </a:solidFill>
-          <a:prstDash val="solid"/>
-        </a:ln>
-        <a:effectLst/>
-      </dsp:spPr>
-      <dsp:style>
-        <a:lnRef idx="2">
-          <a:scrgbClr r="0" g="0" b="0"/>
-        </a:lnRef>
-        <a:fillRef idx="1">
-          <a:scrgbClr r="0" g="0" b="0"/>
-        </a:fillRef>
-        <a:effectRef idx="0">
-          <a:scrgbClr r="0" g="0" b="0"/>
-        </a:effectRef>
-        <a:fontRef idx="minor">
-          <a:schemeClr val="lt1"/>
-        </a:fontRef>
-      </dsp:style>
-      <dsp:txBody>
-        <a:bodyPr spcFirstLastPara="0" vert="horz" wrap="square" lIns="95250" tIns="47625" rIns="95250" bIns="47625" numCol="1" spcCol="1270" anchor="ctr" anchorCtr="0">
-          <a:noAutofit/>
-        </a:bodyPr>
-        <a:lstStyle/>
-        <a:p>
-          <a:pPr lvl="0" algn="ctr" defTabSz="1111250">
-            <a:lnSpc>
-              <a:spcPct val="90000"/>
-            </a:lnSpc>
-            <a:spcBef>
-              <a:spcPct val="0"/>
-            </a:spcBef>
-            <a:spcAft>
-              <a:spcPct val="35000"/>
-            </a:spcAft>
-          </a:pPr>
-          <a:r>
-            <a:rPr lang="pt-BR" sz="2500" kern="1200" dirty="0" smtClean="0"/>
-            <a:t>Estratégias de Escopo Organizacional</a:t>
-          </a:r>
-          <a:endParaRPr lang="pt-BR" sz="2500" kern="1200" dirty="0"/>
-        </a:p>
-      </dsp:txBody>
-      <dsp:txXfrm>
-        <a:off x="51330" y="1157809"/>
-        <a:ext cx="3059931" cy="948839"/>
-      </dsp:txXfrm>
-    </dsp:sp>
-    <dsp:sp modelId="{F3BDE4F4-7BE2-41A2-B6DB-9077B3E9C21C}">
-      <dsp:nvSpPr>
-        <dsp:cNvPr id="0" name=""/>
-        <dsp:cNvSpPr/>
-      </dsp:nvSpPr>
-      <dsp:spPr>
-        <a:xfrm rot="5400000">
-          <a:off x="5553183" y="-74888"/>
-          <a:ext cx="841199" cy="5622384"/>
-        </a:xfrm>
-        <a:prstGeom prst="round2SameRect">
-          <a:avLst/>
-        </a:prstGeom>
-        <a:solidFill>
-          <a:schemeClr val="tx2">
-            <a:lumMod val="40000"/>
-            <a:lumOff val="60000"/>
-            <a:alpha val="20000"/>
-          </a:schemeClr>
-        </a:solidFill>
-        <a:ln w="25400" cap="flat" cmpd="sng" algn="ctr">
-          <a:solidFill>
-            <a:schemeClr val="accent1">
-              <a:alpha val="90000"/>
-              <a:tint val="40000"/>
-              <a:hueOff val="0"/>
-              <a:satOff val="0"/>
-              <a:lumOff val="0"/>
-              <a:alphaOff val="0"/>
-            </a:schemeClr>
-          </a:solidFill>
-          <a:prstDash val="solid"/>
-        </a:ln>
-        <a:effectLst/>
-      </dsp:spPr>
-      <dsp:style>
-        <a:lnRef idx="2">
-          <a:scrgbClr r="0" g="0" b="0"/>
-        </a:lnRef>
-        <a:fillRef idx="1">
-          <a:scrgbClr r="0" g="0" b="0"/>
-        </a:fillRef>
-        <a:effectRef idx="0">
-          <a:scrgbClr r="0" g="0" b="0"/>
-        </a:effectRef>
-        <a:fontRef idx="minor"/>
-      </dsp:style>
-      <dsp:txBody>
-        <a:bodyPr spcFirstLastPara="0" vert="horz" wrap="square" lIns="83820" tIns="41910" rIns="83820" bIns="41910" numCol="1" spcCol="1270" anchor="ctr" anchorCtr="0">
-          <a:noAutofit/>
-        </a:bodyPr>
-        <a:lstStyle/>
-        <a:p>
-          <a:pPr marL="228600" lvl="1" indent="-228600" algn="l" defTabSz="977900">
-            <a:lnSpc>
-              <a:spcPct val="90000"/>
-            </a:lnSpc>
-            <a:spcBef>
-              <a:spcPct val="0"/>
-            </a:spcBef>
-            <a:spcAft>
-              <a:spcPct val="15000"/>
-            </a:spcAft>
-            <a:buChar char="••"/>
-          </a:pPr>
-          <a:r>
-            <a:rPr lang="pt-BR" sz="2200" kern="1200" dirty="0" smtClean="0">
-              <a:solidFill>
-                <a:schemeClr val="bg1"/>
-              </a:solidFill>
-            </a:rPr>
-            <a:t>Aceleração, Alianças, Fusões</a:t>
-          </a:r>
-          <a:endParaRPr lang="pt-BR" sz="2200" kern="1200" dirty="0">
-            <a:solidFill>
-              <a:schemeClr val="bg1"/>
-            </a:solidFill>
-          </a:endParaRPr>
-        </a:p>
-      </dsp:txBody>
-      <dsp:txXfrm rot="-5400000">
-        <a:off x="3162591" y="2356768"/>
-        <a:ext cx="5581320" cy="759071"/>
-      </dsp:txXfrm>
-    </dsp:sp>
-    <dsp:sp modelId="{2A524A9B-0EA8-40FE-A47A-7E87EFB1A635}">
-      <dsp:nvSpPr>
-        <dsp:cNvPr id="0" name=""/>
-        <dsp:cNvSpPr/>
-      </dsp:nvSpPr>
-      <dsp:spPr>
-        <a:xfrm>
-          <a:off x="0" y="2210554"/>
-          <a:ext cx="3162591" cy="1051499"/>
-        </a:xfrm>
-        <a:prstGeom prst="roundRect">
-          <a:avLst/>
-        </a:prstGeom>
-        <a:solidFill>
-          <a:schemeClr val="tx2">
-            <a:lumMod val="40000"/>
-            <a:lumOff val="60000"/>
-            <a:alpha val="20000"/>
-          </a:schemeClr>
-        </a:solidFill>
-        <a:ln w="25400" cap="flat" cmpd="sng" algn="ctr">
-          <a:solidFill>
-            <a:schemeClr val="lt1">
-              <a:hueOff val="0"/>
-              <a:satOff val="0"/>
-              <a:lumOff val="0"/>
-              <a:alphaOff val="0"/>
-            </a:schemeClr>
-          </a:solidFill>
-          <a:prstDash val="solid"/>
-        </a:ln>
-        <a:effectLst/>
-      </dsp:spPr>
-      <dsp:style>
-        <a:lnRef idx="2">
-          <a:scrgbClr r="0" g="0" b="0"/>
-        </a:lnRef>
-        <a:fillRef idx="1">
-          <a:scrgbClr r="0" g="0" b="0"/>
-        </a:fillRef>
-        <a:effectRef idx="0">
-          <a:scrgbClr r="0" g="0" b="0"/>
-        </a:effectRef>
-        <a:fontRef idx="minor">
-          <a:schemeClr val="lt1"/>
-        </a:fontRef>
-      </dsp:style>
-      <dsp:txBody>
-        <a:bodyPr spcFirstLastPara="0" vert="horz" wrap="square" lIns="95250" tIns="47625" rIns="95250" bIns="47625" numCol="1" spcCol="1270" anchor="ctr" anchorCtr="0">
-          <a:noAutofit/>
-        </a:bodyPr>
-        <a:lstStyle/>
-        <a:p>
-          <a:pPr lvl="0" algn="ctr" defTabSz="1111250">
-            <a:lnSpc>
-              <a:spcPct val="90000"/>
-            </a:lnSpc>
-            <a:spcBef>
-              <a:spcPct val="0"/>
-            </a:spcBef>
-            <a:spcAft>
-              <a:spcPct val="35000"/>
-            </a:spcAft>
-          </a:pPr>
-          <a:r>
-            <a:rPr lang="pt-BR" sz="2500" kern="1200" dirty="0" smtClean="0">
-              <a:solidFill>
-                <a:schemeClr val="bg1"/>
-              </a:solidFill>
-            </a:rPr>
-            <a:t>Estratégias de Entrada de Mercado</a:t>
-          </a:r>
-          <a:endParaRPr lang="pt-BR" sz="2500" kern="1200" dirty="0">
-            <a:solidFill>
-              <a:schemeClr val="bg1"/>
-            </a:solidFill>
-          </a:endParaRPr>
-        </a:p>
-      </dsp:txBody>
-      <dsp:txXfrm>
-        <a:off x="51330" y="2261884"/>
-        <a:ext cx="3059931" cy="948839"/>
-      </dsp:txXfrm>
-    </dsp:sp>
-    <dsp:sp modelId="{CF554BA7-8537-42CC-8DE8-375356E525EE}">
-      <dsp:nvSpPr>
-        <dsp:cNvPr id="0" name=""/>
-        <dsp:cNvSpPr/>
-      </dsp:nvSpPr>
-      <dsp:spPr>
-        <a:xfrm rot="5400000">
-          <a:off x="5553183" y="1029186"/>
-          <a:ext cx="841199" cy="5622384"/>
-        </a:xfrm>
-        <a:prstGeom prst="round2SameRect">
-          <a:avLst/>
-        </a:prstGeom>
-        <a:solidFill>
-          <a:schemeClr val="tx2">
-            <a:lumMod val="40000"/>
-            <a:lumOff val="60000"/>
-            <a:alpha val="20000"/>
-          </a:schemeClr>
-        </a:solidFill>
-        <a:ln w="25400" cap="flat" cmpd="sng" algn="ctr">
-          <a:solidFill>
-            <a:schemeClr val="accent1">
-              <a:alpha val="90000"/>
-              <a:tint val="40000"/>
-              <a:hueOff val="0"/>
-              <a:satOff val="0"/>
-              <a:lumOff val="0"/>
-              <a:alphaOff val="0"/>
-            </a:schemeClr>
-          </a:solidFill>
-          <a:prstDash val="solid"/>
-        </a:ln>
-        <a:effectLst/>
-      </dsp:spPr>
-      <dsp:style>
-        <a:lnRef idx="2">
-          <a:scrgbClr r="0" g="0" b="0"/>
-        </a:lnRef>
-        <a:fillRef idx="1">
-          <a:scrgbClr r="0" g="0" b="0"/>
-        </a:fillRef>
-        <a:effectRef idx="0">
-          <a:scrgbClr r="0" g="0" b="0"/>
-        </a:effectRef>
-        <a:fontRef idx="minor"/>
-      </dsp:style>
-      <dsp:txBody>
-        <a:bodyPr spcFirstLastPara="0" vert="horz" wrap="square" lIns="83820" tIns="41910" rIns="83820" bIns="41910" numCol="1" spcCol="1270" anchor="ctr" anchorCtr="0">
-          <a:noAutofit/>
-        </a:bodyPr>
-        <a:lstStyle/>
-        <a:p>
-          <a:pPr marL="228600" lvl="1" indent="-228600" algn="l" defTabSz="977900">
-            <a:lnSpc>
-              <a:spcPct val="90000"/>
-            </a:lnSpc>
-            <a:spcBef>
-              <a:spcPct val="0"/>
-            </a:spcBef>
-            <a:spcAft>
-              <a:spcPct val="15000"/>
-            </a:spcAft>
-            <a:buChar char="••"/>
-          </a:pPr>
-          <a:r>
-            <a:rPr lang="pt-BR" sz="2200" kern="1200" dirty="0" smtClean="0">
-              <a:solidFill>
-                <a:schemeClr val="bg1"/>
-              </a:solidFill>
-            </a:rPr>
-            <a:t>Liderança em custo, Diferenciação</a:t>
-          </a:r>
-          <a:endParaRPr lang="pt-BR" sz="2200" kern="1200" dirty="0">
-            <a:solidFill>
-              <a:schemeClr val="bg1"/>
-            </a:solidFill>
-          </a:endParaRPr>
-        </a:p>
-      </dsp:txBody>
-      <dsp:txXfrm rot="-5400000">
-        <a:off x="3162591" y="3460842"/>
-        <a:ext cx="5581320" cy="759071"/>
-      </dsp:txXfrm>
-    </dsp:sp>
-    <dsp:sp modelId="{896B29AC-37A8-4CDA-A2AF-69A070EA1311}">
-      <dsp:nvSpPr>
-        <dsp:cNvPr id="0" name=""/>
-        <dsp:cNvSpPr/>
-      </dsp:nvSpPr>
-      <dsp:spPr>
-        <a:xfrm>
-          <a:off x="0" y="3314628"/>
-          <a:ext cx="3162591" cy="1051499"/>
-        </a:xfrm>
-        <a:prstGeom prst="roundRect">
-          <a:avLst/>
-        </a:prstGeom>
-        <a:solidFill>
-          <a:schemeClr val="tx2">
-            <a:lumMod val="40000"/>
-            <a:lumOff val="60000"/>
-            <a:alpha val="20000"/>
-          </a:schemeClr>
-        </a:solidFill>
-        <a:ln w="25400" cap="flat" cmpd="sng" algn="ctr">
-          <a:solidFill>
-            <a:schemeClr val="lt1">
-              <a:hueOff val="0"/>
-              <a:satOff val="0"/>
-              <a:lumOff val="0"/>
-              <a:alphaOff val="0"/>
-            </a:schemeClr>
-          </a:solidFill>
-          <a:prstDash val="solid"/>
-        </a:ln>
-        <a:effectLst/>
-      </dsp:spPr>
-      <dsp:style>
-        <a:lnRef idx="2">
-          <a:scrgbClr r="0" g="0" b="0"/>
-        </a:lnRef>
-        <a:fillRef idx="1">
-          <a:scrgbClr r="0" g="0" b="0"/>
-        </a:fillRef>
-        <a:effectRef idx="0">
-          <a:scrgbClr r="0" g="0" b="0"/>
-        </a:effectRef>
-        <a:fontRef idx="minor">
-          <a:schemeClr val="lt1"/>
-        </a:fontRef>
-      </dsp:style>
-      <dsp:txBody>
-        <a:bodyPr spcFirstLastPara="0" vert="horz" wrap="square" lIns="95250" tIns="47625" rIns="95250" bIns="47625" numCol="1" spcCol="1270" anchor="ctr" anchorCtr="0">
-          <a:noAutofit/>
-        </a:bodyPr>
-        <a:lstStyle/>
-        <a:p>
-          <a:pPr lvl="0" algn="ctr" defTabSz="1111250">
-            <a:lnSpc>
-              <a:spcPct val="90000"/>
-            </a:lnSpc>
-            <a:spcBef>
-              <a:spcPct val="0"/>
-            </a:spcBef>
-            <a:spcAft>
-              <a:spcPct val="35000"/>
-            </a:spcAft>
-          </a:pPr>
-          <a:r>
-            <a:rPr lang="pt-BR" sz="2500" kern="1200" dirty="0" smtClean="0">
-              <a:solidFill>
-                <a:schemeClr val="bg1"/>
-              </a:solidFill>
-            </a:rPr>
-            <a:t>Estratégia Corporativa</a:t>
-          </a:r>
-          <a:endParaRPr lang="pt-BR" sz="2500" kern="1200" dirty="0">
-            <a:solidFill>
-              <a:schemeClr val="bg1"/>
-            </a:solidFill>
-          </a:endParaRPr>
-        </a:p>
-      </dsp:txBody>
-      <dsp:txXfrm>
-        <a:off x="51330" y="3365958"/>
-        <a:ext cx="3059931" cy="948839"/>
-      </dsp:txXfrm>
-    </dsp:sp>
-    <dsp:sp modelId="{0C25F599-2E82-4F49-B192-B59CAF50628E}">
-      <dsp:nvSpPr>
-        <dsp:cNvPr id="0" name=""/>
-        <dsp:cNvSpPr/>
-      </dsp:nvSpPr>
-      <dsp:spPr>
-        <a:xfrm rot="5400000">
-          <a:off x="5553183" y="2133260"/>
-          <a:ext cx="841199" cy="5622384"/>
-        </a:xfrm>
-        <a:prstGeom prst="round2SameRect">
-          <a:avLst/>
-        </a:prstGeom>
-        <a:solidFill>
-          <a:schemeClr val="tx2">
-            <a:lumMod val="40000"/>
-            <a:lumOff val="60000"/>
-            <a:alpha val="90000"/>
-          </a:schemeClr>
-        </a:solidFill>
-        <a:ln w="25400" cap="flat" cmpd="sng" algn="ctr">
-          <a:solidFill>
-            <a:schemeClr val="accent1">
-              <a:alpha val="90000"/>
-              <a:tint val="40000"/>
-              <a:hueOff val="0"/>
-              <a:satOff val="0"/>
-              <a:lumOff val="0"/>
-              <a:alphaOff val="0"/>
-            </a:schemeClr>
-          </a:solidFill>
-          <a:prstDash val="solid"/>
-        </a:ln>
-        <a:effectLst/>
-      </dsp:spPr>
-      <dsp:style>
-        <a:lnRef idx="2">
-          <a:scrgbClr r="0" g="0" b="0"/>
-        </a:lnRef>
-        <a:fillRef idx="1">
-          <a:scrgbClr r="0" g="0" b="0"/>
-        </a:fillRef>
-        <a:effectRef idx="0">
-          <a:scrgbClr r="0" g="0" b="0"/>
-        </a:effectRef>
-        <a:fontRef idx="minor"/>
-      </dsp:style>
-      <dsp:txBody>
-        <a:bodyPr spcFirstLastPara="0" vert="horz" wrap="square" lIns="83820" tIns="41910" rIns="83820" bIns="41910" numCol="1" spcCol="1270" anchor="ctr" anchorCtr="0">
-          <a:noAutofit/>
-        </a:bodyPr>
-        <a:lstStyle/>
-        <a:p>
-          <a:pPr marL="228600" lvl="1" indent="-228600" algn="l" defTabSz="977900">
-            <a:lnSpc>
-              <a:spcPct val="90000"/>
-            </a:lnSpc>
-            <a:spcBef>
-              <a:spcPct val="0"/>
-            </a:spcBef>
-            <a:spcAft>
-              <a:spcPct val="15000"/>
-            </a:spcAft>
-            <a:buChar char="••"/>
-          </a:pPr>
-          <a:r>
-            <a:rPr lang="pt-BR" sz="2200" kern="1200" dirty="0" smtClean="0">
-              <a:solidFill>
-                <a:schemeClr val="tx1"/>
-              </a:solidFill>
-            </a:rPr>
-            <a:t>Produtos, Estrutura </a:t>
-          </a:r>
-          <a:r>
-            <a:rPr lang="pt-BR" sz="2200" kern="1200" dirty="0" smtClean="0">
-              <a:solidFill>
-                <a:schemeClr val="tx1"/>
-              </a:solidFill>
-            </a:rPr>
-            <a:t>tecnológica</a:t>
-          </a:r>
-          <a:endParaRPr lang="pt-BR" sz="2200" kern="1200" dirty="0">
-            <a:solidFill>
-              <a:schemeClr val="tx1"/>
-            </a:solidFill>
-          </a:endParaRPr>
-        </a:p>
-        <a:p>
-          <a:pPr marL="228600" lvl="1" indent="-228600" algn="l" defTabSz="977900">
-            <a:lnSpc>
-              <a:spcPct val="90000"/>
-            </a:lnSpc>
-            <a:spcBef>
-              <a:spcPct val="0"/>
-            </a:spcBef>
-            <a:spcAft>
-              <a:spcPct val="15000"/>
-            </a:spcAft>
-            <a:buChar char="••"/>
-          </a:pPr>
-          <a:r>
-            <a:rPr lang="pt-BR" sz="2200" kern="1200" dirty="0" smtClean="0">
-              <a:solidFill>
-                <a:schemeClr val="tx1"/>
-              </a:solidFill>
-            </a:rPr>
-            <a:t>Como eu implemento a estratégia</a:t>
-          </a:r>
-          <a:endParaRPr lang="pt-BR" sz="2200" kern="1200" dirty="0">
-            <a:solidFill>
-              <a:schemeClr val="tx1"/>
-            </a:solidFill>
-          </a:endParaRPr>
-        </a:p>
-      </dsp:txBody>
-      <dsp:txXfrm rot="-5400000">
-        <a:off x="3162591" y="4564916"/>
-        <a:ext cx="5581320" cy="759071"/>
-      </dsp:txXfrm>
-    </dsp:sp>
-    <dsp:sp modelId="{F48CEC02-FE9B-4CA2-ADC0-10BD5C6936C7}">
-      <dsp:nvSpPr>
-        <dsp:cNvPr id="0" name=""/>
-        <dsp:cNvSpPr/>
-      </dsp:nvSpPr>
-      <dsp:spPr>
-        <a:xfrm>
-          <a:off x="0" y="4418703"/>
-          <a:ext cx="3162591" cy="1051499"/>
-        </a:xfrm>
-        <a:prstGeom prst="roundRect">
-          <a:avLst/>
-        </a:prstGeom>
-        <a:solidFill>
-          <a:schemeClr val="accent1"/>
-        </a:solidFill>
-        <a:ln w="25400" cap="flat" cmpd="sng" algn="ctr">
-          <a:solidFill>
-            <a:schemeClr val="lt1">
-              <a:hueOff val="0"/>
-              <a:satOff val="0"/>
-              <a:lumOff val="0"/>
-              <a:alphaOff val="0"/>
-            </a:schemeClr>
-          </a:solidFill>
-          <a:prstDash val="solid"/>
-        </a:ln>
-        <a:effectLst/>
-      </dsp:spPr>
-      <dsp:style>
-        <a:lnRef idx="2">
-          <a:scrgbClr r="0" g="0" b="0"/>
-        </a:lnRef>
-        <a:fillRef idx="1">
-          <a:scrgbClr r="0" g="0" b="0"/>
-        </a:fillRef>
-        <a:effectRef idx="0">
-          <a:scrgbClr r="0" g="0" b="0"/>
-        </a:effectRef>
-        <a:fontRef idx="minor">
-          <a:schemeClr val="lt1"/>
-        </a:fontRef>
-      </dsp:style>
-      <dsp:txBody>
-        <a:bodyPr spcFirstLastPara="0" vert="horz" wrap="square" lIns="95250" tIns="47625" rIns="95250" bIns="47625" numCol="1" spcCol="1270" anchor="ctr" anchorCtr="0">
-          <a:noAutofit/>
-        </a:bodyPr>
-        <a:lstStyle/>
-        <a:p>
-          <a:pPr lvl="0" algn="ctr" defTabSz="1111250">
-            <a:lnSpc>
-              <a:spcPct val="90000"/>
-            </a:lnSpc>
-            <a:spcBef>
-              <a:spcPct val="0"/>
-            </a:spcBef>
-            <a:spcAft>
-              <a:spcPct val="35000"/>
-            </a:spcAft>
-          </a:pPr>
-          <a:r>
-            <a:rPr lang="pt-BR" sz="2500" kern="1200" dirty="0" smtClean="0">
-              <a:solidFill>
-                <a:schemeClr val="bg1"/>
-              </a:solidFill>
-            </a:rPr>
-            <a:t>Estratégias de </a:t>
-          </a:r>
-          <a:r>
-            <a:rPr lang="pt-BR" sz="2500" kern="1200" dirty="0" smtClean="0">
-              <a:solidFill>
-                <a:schemeClr val="bg1"/>
-              </a:solidFill>
-            </a:rPr>
-            <a:t>Implementação;</a:t>
-          </a:r>
-          <a:endParaRPr lang="pt-BR" sz="2500" kern="1200" dirty="0">
-            <a:solidFill>
-              <a:schemeClr val="bg1"/>
-            </a:solidFill>
-          </a:endParaRPr>
-        </a:p>
-      </dsp:txBody>
-      <dsp:txXfrm>
-        <a:off x="51330" y="4470033"/>
-        <a:ext cx="3059931" cy="948839"/>
-      </dsp:txXfrm>
-    </dsp:sp>
   </dsp:spTree>
 </dsp:drawing>
 </file>
@@ -20708,11 +18030,7 @@
           </a:pPr>
           <a:r>
             <a:rPr lang="pt-BR" sz="1400" kern="1200" dirty="0" smtClean="0"/>
-            <a:t>Negócio, Missão</a:t>
-          </a:r>
-          <a:r>
-            <a:rPr lang="pt-BR" sz="1400" kern="1200" dirty="0" smtClean="0"/>
-            <a:t>, Visão, Valores </a:t>
+            <a:t>Negócio, Missão, Visão, Valores </a:t>
           </a:r>
           <a:endParaRPr lang="pt-BR" sz="1400" kern="1200" dirty="0"/>
         </a:p>
@@ -21477,865 +18795,6 @@
       <dsp:cNvGrpSpPr/>
     </dsp:nvGrpSpPr>
     <dsp:grpSpPr/>
-    <dsp:sp modelId="{F5E68069-5C75-4F52-B3B6-076EA21298D7}">
-      <dsp:nvSpPr>
-        <dsp:cNvPr id="0" name=""/>
-        <dsp:cNvSpPr/>
-      </dsp:nvSpPr>
-      <dsp:spPr>
-        <a:xfrm rot="5400000">
-          <a:off x="5553183" y="-2283037"/>
-          <a:ext cx="841199" cy="5622384"/>
-        </a:xfrm>
-        <a:prstGeom prst="round2SameRect">
-          <a:avLst/>
-        </a:prstGeom>
-        <a:solidFill>
-          <a:schemeClr val="accent1">
-            <a:alpha val="90000"/>
-            <a:tint val="40000"/>
-            <a:hueOff val="0"/>
-            <a:satOff val="0"/>
-            <a:lumOff val="0"/>
-            <a:alphaOff val="0"/>
-          </a:schemeClr>
-        </a:solidFill>
-        <a:ln w="25400" cap="flat" cmpd="sng" algn="ctr">
-          <a:solidFill>
-            <a:schemeClr val="accent1">
-              <a:alpha val="90000"/>
-              <a:tint val="40000"/>
-              <a:hueOff val="0"/>
-              <a:satOff val="0"/>
-              <a:lumOff val="0"/>
-              <a:alphaOff val="0"/>
-            </a:schemeClr>
-          </a:solidFill>
-          <a:prstDash val="solid"/>
-        </a:ln>
-        <a:effectLst/>
-      </dsp:spPr>
-      <dsp:style>
-        <a:lnRef idx="2">
-          <a:scrgbClr r="0" g="0" b="0"/>
-        </a:lnRef>
-        <a:fillRef idx="1">
-          <a:scrgbClr r="0" g="0" b="0"/>
-        </a:fillRef>
-        <a:effectRef idx="0">
-          <a:scrgbClr r="0" g="0" b="0"/>
-        </a:effectRef>
-        <a:fontRef idx="minor"/>
-      </dsp:style>
-      <dsp:txBody>
-        <a:bodyPr spcFirstLastPara="0" vert="horz" wrap="square" lIns="106680" tIns="53340" rIns="106680" bIns="53340" numCol="1" spcCol="1270" anchor="ctr" anchorCtr="0">
-          <a:noAutofit/>
-        </a:bodyPr>
-        <a:lstStyle/>
-        <a:p>
-          <a:pPr marL="114300" lvl="1" indent="-114300" algn="l" defTabSz="622300">
-            <a:lnSpc>
-              <a:spcPct val="90000"/>
-            </a:lnSpc>
-            <a:spcBef>
-              <a:spcPct val="0"/>
-            </a:spcBef>
-            <a:spcAft>
-              <a:spcPct val="15000"/>
-            </a:spcAft>
-            <a:buChar char="••"/>
-          </a:pPr>
-          <a:r>
-            <a:rPr lang="pt-BR" sz="1400" kern="1200" dirty="0" smtClean="0"/>
-            <a:t>Negócio, Missão</a:t>
-          </a:r>
-          <a:r>
-            <a:rPr lang="pt-BR" sz="1400" kern="1200" dirty="0" smtClean="0"/>
-            <a:t>, Visão, Valores </a:t>
-          </a:r>
-          <a:endParaRPr lang="pt-BR" sz="1400" kern="1200" dirty="0"/>
-        </a:p>
-        <a:p>
-          <a:pPr marL="114300" lvl="1" indent="-114300" algn="l" defTabSz="622300">
-            <a:lnSpc>
-              <a:spcPct val="90000"/>
-            </a:lnSpc>
-            <a:spcBef>
-              <a:spcPct val="0"/>
-            </a:spcBef>
-            <a:spcAft>
-              <a:spcPct val="15000"/>
-            </a:spcAft>
-            <a:buChar char="••"/>
-          </a:pPr>
-          <a:r>
-            <a:rPr lang="pt-BR" sz="1400" kern="1200" dirty="0" smtClean="0"/>
-            <a:t>Pedra fundamental, Postura da Instituição</a:t>
-          </a:r>
-          <a:endParaRPr lang="pt-BR" sz="1400" kern="1200" dirty="0"/>
-        </a:p>
-        <a:p>
-          <a:pPr marL="114300" lvl="1" indent="-114300" algn="l" defTabSz="622300">
-            <a:lnSpc>
-              <a:spcPct val="90000"/>
-            </a:lnSpc>
-            <a:spcBef>
-              <a:spcPct val="0"/>
-            </a:spcBef>
-            <a:spcAft>
-              <a:spcPct val="15000"/>
-            </a:spcAft>
-            <a:buChar char="••"/>
-          </a:pPr>
-          <a:r>
-            <a:rPr lang="pt-BR" sz="1400" kern="1200" dirty="0" smtClean="0"/>
-            <a:t>Não são Executáveis, apenas estabelecem direcionamento e “freios” às possibilidades</a:t>
-          </a:r>
-          <a:endParaRPr lang="pt-BR" sz="1400" kern="1200" dirty="0"/>
-        </a:p>
-      </dsp:txBody>
-      <dsp:txXfrm rot="-5400000">
-        <a:off x="3162591" y="148619"/>
-        <a:ext cx="5581320" cy="759071"/>
-      </dsp:txXfrm>
-    </dsp:sp>
-    <dsp:sp modelId="{404009E2-52E2-4FBD-8A06-2B3B9B79AB2A}">
-      <dsp:nvSpPr>
-        <dsp:cNvPr id="0" name=""/>
-        <dsp:cNvSpPr/>
-      </dsp:nvSpPr>
-      <dsp:spPr>
-        <a:xfrm>
-          <a:off x="0" y="2404"/>
-          <a:ext cx="3162591" cy="1051499"/>
-        </a:xfrm>
-        <a:prstGeom prst="roundRect">
-          <a:avLst/>
-        </a:prstGeom>
-        <a:solidFill>
-          <a:schemeClr val="accent1">
-            <a:hueOff val="0"/>
-            <a:satOff val="0"/>
-            <a:lumOff val="0"/>
-            <a:alphaOff val="0"/>
-          </a:schemeClr>
-        </a:solidFill>
-        <a:ln w="25400" cap="flat" cmpd="sng" algn="ctr">
-          <a:solidFill>
-            <a:schemeClr val="lt1">
-              <a:hueOff val="0"/>
-              <a:satOff val="0"/>
-              <a:lumOff val="0"/>
-              <a:alphaOff val="0"/>
-            </a:schemeClr>
-          </a:solidFill>
-          <a:prstDash val="solid"/>
-        </a:ln>
-        <a:effectLst/>
-      </dsp:spPr>
-      <dsp:style>
-        <a:lnRef idx="2">
-          <a:scrgbClr r="0" g="0" b="0"/>
-        </a:lnRef>
-        <a:fillRef idx="1">
-          <a:scrgbClr r="0" g="0" b="0"/>
-        </a:fillRef>
-        <a:effectRef idx="0">
-          <a:scrgbClr r="0" g="0" b="0"/>
-        </a:effectRef>
-        <a:fontRef idx="minor">
-          <a:schemeClr val="lt1"/>
-        </a:fontRef>
-      </dsp:style>
-      <dsp:txBody>
-        <a:bodyPr spcFirstLastPara="0" vert="horz" wrap="square" lIns="95250" tIns="47625" rIns="95250" bIns="47625" numCol="1" spcCol="1270" anchor="ctr" anchorCtr="0">
-          <a:noAutofit/>
-        </a:bodyPr>
-        <a:lstStyle/>
-        <a:p>
-          <a:pPr lvl="0" algn="ctr" defTabSz="1111250">
-            <a:lnSpc>
-              <a:spcPct val="90000"/>
-            </a:lnSpc>
-            <a:spcBef>
-              <a:spcPct val="0"/>
-            </a:spcBef>
-            <a:spcAft>
-              <a:spcPct val="35000"/>
-            </a:spcAft>
-          </a:pPr>
-          <a:r>
-            <a:rPr lang="pt-BR" sz="2500" kern="1200" dirty="0" smtClean="0"/>
-            <a:t>Estratégias Direcionais</a:t>
-          </a:r>
-          <a:endParaRPr lang="pt-BR" sz="2500" kern="1200" dirty="0"/>
-        </a:p>
-      </dsp:txBody>
-      <dsp:txXfrm>
-        <a:off x="51330" y="53734"/>
-        <a:ext cx="3059931" cy="948839"/>
-      </dsp:txXfrm>
-    </dsp:sp>
-    <dsp:sp modelId="{E5206532-7C8F-4EFA-ADED-2A331D524BCC}">
-      <dsp:nvSpPr>
-        <dsp:cNvPr id="0" name=""/>
-        <dsp:cNvSpPr/>
-      </dsp:nvSpPr>
-      <dsp:spPr>
-        <a:xfrm rot="5400000">
-          <a:off x="5553183" y="-1178962"/>
-          <a:ext cx="841199" cy="5622384"/>
-        </a:xfrm>
-        <a:prstGeom prst="round2SameRect">
-          <a:avLst/>
-        </a:prstGeom>
-        <a:solidFill>
-          <a:schemeClr val="accent1">
-            <a:alpha val="46000"/>
-          </a:schemeClr>
-        </a:solidFill>
-        <a:ln w="25400" cap="flat" cmpd="sng" algn="ctr">
-          <a:solidFill>
-            <a:schemeClr val="accent1">
-              <a:alpha val="90000"/>
-              <a:tint val="40000"/>
-              <a:hueOff val="0"/>
-              <a:satOff val="0"/>
-              <a:lumOff val="0"/>
-              <a:alphaOff val="0"/>
-            </a:schemeClr>
-          </a:solidFill>
-          <a:prstDash val="solid"/>
-        </a:ln>
-        <a:effectLst/>
-      </dsp:spPr>
-      <dsp:style>
-        <a:lnRef idx="2">
-          <a:scrgbClr r="0" g="0" b="0"/>
-        </a:lnRef>
-        <a:fillRef idx="1">
-          <a:scrgbClr r="0" g="0" b="0"/>
-        </a:fillRef>
-        <a:effectRef idx="0">
-          <a:scrgbClr r="0" g="0" b="0"/>
-        </a:effectRef>
-        <a:fontRef idx="minor"/>
-      </dsp:style>
-      <dsp:txBody>
-        <a:bodyPr spcFirstLastPara="0" vert="horz" wrap="square" lIns="106680" tIns="53340" rIns="106680" bIns="53340" numCol="1" spcCol="1270" anchor="ctr" anchorCtr="0">
-          <a:noAutofit/>
-        </a:bodyPr>
-        <a:lstStyle/>
-        <a:p>
-          <a:pPr marL="285750" lvl="1" indent="-285750" algn="l" defTabSz="1244600">
-            <a:lnSpc>
-              <a:spcPct val="90000"/>
-            </a:lnSpc>
-            <a:spcBef>
-              <a:spcPct val="0"/>
-            </a:spcBef>
-            <a:spcAft>
-              <a:spcPct val="15000"/>
-            </a:spcAft>
-            <a:buChar char="••"/>
-          </a:pPr>
-          <a:r>
-            <a:rPr lang="pt-BR" sz="2800" kern="1200" dirty="0" smtClean="0">
-              <a:solidFill>
-                <a:schemeClr val="bg1"/>
-              </a:solidFill>
-            </a:rPr>
-            <a:t>Diversificação, Integração Vertical</a:t>
-          </a:r>
-          <a:endParaRPr lang="pt-BR" sz="2800" kern="1200" dirty="0">
-            <a:solidFill>
-              <a:schemeClr val="bg1"/>
-            </a:solidFill>
-          </a:endParaRPr>
-        </a:p>
-      </dsp:txBody>
-      <dsp:txXfrm rot="-5400000">
-        <a:off x="3162591" y="1252694"/>
-        <a:ext cx="5581320" cy="759071"/>
-      </dsp:txXfrm>
-    </dsp:sp>
-    <dsp:sp modelId="{B27C1B24-E235-4511-8BCB-482FBE1E642D}">
-      <dsp:nvSpPr>
-        <dsp:cNvPr id="0" name=""/>
-        <dsp:cNvSpPr/>
-      </dsp:nvSpPr>
-      <dsp:spPr>
-        <a:xfrm>
-          <a:off x="0" y="1106479"/>
-          <a:ext cx="3162591" cy="1051499"/>
-        </a:xfrm>
-        <a:prstGeom prst="roundRect">
-          <a:avLst/>
-        </a:prstGeom>
-        <a:solidFill>
-          <a:schemeClr val="accent1">
-            <a:alpha val="46000"/>
-          </a:schemeClr>
-        </a:solidFill>
-        <a:ln w="25400" cap="flat" cmpd="sng" algn="ctr">
-          <a:solidFill>
-            <a:schemeClr val="lt1">
-              <a:hueOff val="0"/>
-              <a:satOff val="0"/>
-              <a:lumOff val="0"/>
-              <a:alphaOff val="0"/>
-            </a:schemeClr>
-          </a:solidFill>
-          <a:prstDash val="solid"/>
-        </a:ln>
-        <a:effectLst/>
-      </dsp:spPr>
-      <dsp:style>
-        <a:lnRef idx="2">
-          <a:scrgbClr r="0" g="0" b="0"/>
-        </a:lnRef>
-        <a:fillRef idx="1">
-          <a:scrgbClr r="0" g="0" b="0"/>
-        </a:fillRef>
-        <a:effectRef idx="0">
-          <a:scrgbClr r="0" g="0" b="0"/>
-        </a:effectRef>
-        <a:fontRef idx="minor">
-          <a:schemeClr val="lt1"/>
-        </a:fontRef>
-      </dsp:style>
-      <dsp:txBody>
-        <a:bodyPr spcFirstLastPara="0" vert="horz" wrap="square" lIns="95250" tIns="47625" rIns="95250" bIns="47625" numCol="1" spcCol="1270" anchor="ctr" anchorCtr="0">
-          <a:noAutofit/>
-        </a:bodyPr>
-        <a:lstStyle/>
-        <a:p>
-          <a:pPr lvl="0" algn="ctr" defTabSz="1111250">
-            <a:lnSpc>
-              <a:spcPct val="90000"/>
-            </a:lnSpc>
-            <a:spcBef>
-              <a:spcPct val="0"/>
-            </a:spcBef>
-            <a:spcAft>
-              <a:spcPct val="35000"/>
-            </a:spcAft>
-          </a:pPr>
-          <a:r>
-            <a:rPr lang="pt-BR" sz="2500" kern="1200" dirty="0" smtClean="0">
-              <a:solidFill>
-                <a:schemeClr val="bg1"/>
-              </a:solidFill>
-            </a:rPr>
-            <a:t>Estratégias de Escopo Organizacional</a:t>
-          </a:r>
-          <a:endParaRPr lang="pt-BR" sz="2500" kern="1200" dirty="0">
-            <a:solidFill>
-              <a:schemeClr val="bg1"/>
-            </a:solidFill>
-          </a:endParaRPr>
-        </a:p>
-      </dsp:txBody>
-      <dsp:txXfrm>
-        <a:off x="51330" y="1157809"/>
-        <a:ext cx="3059931" cy="948839"/>
-      </dsp:txXfrm>
-    </dsp:sp>
-    <dsp:sp modelId="{F3BDE4F4-7BE2-41A2-B6DB-9077B3E9C21C}">
-      <dsp:nvSpPr>
-        <dsp:cNvPr id="0" name=""/>
-        <dsp:cNvSpPr/>
-      </dsp:nvSpPr>
-      <dsp:spPr>
-        <a:xfrm rot="5400000">
-          <a:off x="5553183" y="-74888"/>
-          <a:ext cx="841199" cy="5622384"/>
-        </a:xfrm>
-        <a:prstGeom prst="round2SameRect">
-          <a:avLst/>
-        </a:prstGeom>
-        <a:solidFill>
-          <a:schemeClr val="accent1">
-            <a:alpha val="46000"/>
-          </a:schemeClr>
-        </a:solidFill>
-        <a:ln w="25400" cap="flat" cmpd="sng" algn="ctr">
-          <a:solidFill>
-            <a:schemeClr val="accent1">
-              <a:alpha val="90000"/>
-              <a:tint val="40000"/>
-              <a:hueOff val="0"/>
-              <a:satOff val="0"/>
-              <a:lumOff val="0"/>
-              <a:alphaOff val="0"/>
-            </a:schemeClr>
-          </a:solidFill>
-          <a:prstDash val="solid"/>
-        </a:ln>
-        <a:effectLst/>
-      </dsp:spPr>
-      <dsp:style>
-        <a:lnRef idx="2">
-          <a:scrgbClr r="0" g="0" b="0"/>
-        </a:lnRef>
-        <a:fillRef idx="1">
-          <a:scrgbClr r="0" g="0" b="0"/>
-        </a:fillRef>
-        <a:effectRef idx="0">
-          <a:scrgbClr r="0" g="0" b="0"/>
-        </a:effectRef>
-        <a:fontRef idx="minor"/>
-      </dsp:style>
-      <dsp:txBody>
-        <a:bodyPr spcFirstLastPara="0" vert="horz" wrap="square" lIns="106680" tIns="53340" rIns="106680" bIns="53340" numCol="1" spcCol="1270" anchor="ctr" anchorCtr="0">
-          <a:noAutofit/>
-        </a:bodyPr>
-        <a:lstStyle/>
-        <a:p>
-          <a:pPr marL="285750" lvl="1" indent="-285750" algn="l" defTabSz="1244600">
-            <a:lnSpc>
-              <a:spcPct val="90000"/>
-            </a:lnSpc>
-            <a:spcBef>
-              <a:spcPct val="0"/>
-            </a:spcBef>
-            <a:spcAft>
-              <a:spcPct val="15000"/>
-            </a:spcAft>
-            <a:buChar char="••"/>
-          </a:pPr>
-          <a:r>
-            <a:rPr lang="pt-BR" sz="2800" kern="1200" dirty="0" smtClean="0">
-              <a:solidFill>
-                <a:schemeClr val="bg1"/>
-              </a:solidFill>
-            </a:rPr>
-            <a:t>Aceleração, Alianças, Fusões</a:t>
-          </a:r>
-          <a:endParaRPr lang="pt-BR" sz="2800" kern="1200" dirty="0">
-            <a:solidFill>
-              <a:schemeClr val="bg1"/>
-            </a:solidFill>
-          </a:endParaRPr>
-        </a:p>
-      </dsp:txBody>
-      <dsp:txXfrm rot="-5400000">
-        <a:off x="3162591" y="2356768"/>
-        <a:ext cx="5581320" cy="759071"/>
-      </dsp:txXfrm>
-    </dsp:sp>
-    <dsp:sp modelId="{2A524A9B-0EA8-40FE-A47A-7E87EFB1A635}">
-      <dsp:nvSpPr>
-        <dsp:cNvPr id="0" name=""/>
-        <dsp:cNvSpPr/>
-      </dsp:nvSpPr>
-      <dsp:spPr>
-        <a:xfrm>
-          <a:off x="0" y="2210554"/>
-          <a:ext cx="3162591" cy="1051499"/>
-        </a:xfrm>
-        <a:prstGeom prst="roundRect">
-          <a:avLst/>
-        </a:prstGeom>
-        <a:solidFill>
-          <a:schemeClr val="accent1">
-            <a:alpha val="46000"/>
-          </a:schemeClr>
-        </a:solidFill>
-        <a:ln w="25400" cap="flat" cmpd="sng" algn="ctr">
-          <a:solidFill>
-            <a:schemeClr val="lt1">
-              <a:hueOff val="0"/>
-              <a:satOff val="0"/>
-              <a:lumOff val="0"/>
-              <a:alphaOff val="0"/>
-            </a:schemeClr>
-          </a:solidFill>
-          <a:prstDash val="solid"/>
-        </a:ln>
-        <a:effectLst/>
-      </dsp:spPr>
-      <dsp:style>
-        <a:lnRef idx="2">
-          <a:scrgbClr r="0" g="0" b="0"/>
-        </a:lnRef>
-        <a:fillRef idx="1">
-          <a:scrgbClr r="0" g="0" b="0"/>
-        </a:fillRef>
-        <a:effectRef idx="0">
-          <a:scrgbClr r="0" g="0" b="0"/>
-        </a:effectRef>
-        <a:fontRef idx="minor">
-          <a:schemeClr val="lt1"/>
-        </a:fontRef>
-      </dsp:style>
-      <dsp:txBody>
-        <a:bodyPr spcFirstLastPara="0" vert="horz" wrap="square" lIns="95250" tIns="47625" rIns="95250" bIns="47625" numCol="1" spcCol="1270" anchor="ctr" anchorCtr="0">
-          <a:noAutofit/>
-        </a:bodyPr>
-        <a:lstStyle/>
-        <a:p>
-          <a:pPr lvl="0" algn="ctr" defTabSz="1111250">
-            <a:lnSpc>
-              <a:spcPct val="90000"/>
-            </a:lnSpc>
-            <a:spcBef>
-              <a:spcPct val="0"/>
-            </a:spcBef>
-            <a:spcAft>
-              <a:spcPct val="35000"/>
-            </a:spcAft>
-          </a:pPr>
-          <a:r>
-            <a:rPr lang="pt-BR" sz="2500" kern="1200" dirty="0" smtClean="0">
-              <a:solidFill>
-                <a:schemeClr val="bg1"/>
-              </a:solidFill>
-            </a:rPr>
-            <a:t>Estratégias de Entrada de Mercado</a:t>
-          </a:r>
-          <a:endParaRPr lang="pt-BR" sz="2500" kern="1200" dirty="0">
-            <a:solidFill>
-              <a:schemeClr val="bg1"/>
-            </a:solidFill>
-          </a:endParaRPr>
-        </a:p>
-      </dsp:txBody>
-      <dsp:txXfrm>
-        <a:off x="51330" y="2261884"/>
-        <a:ext cx="3059931" cy="948839"/>
-      </dsp:txXfrm>
-    </dsp:sp>
-    <dsp:sp modelId="{CF554BA7-8537-42CC-8DE8-375356E525EE}">
-      <dsp:nvSpPr>
-        <dsp:cNvPr id="0" name=""/>
-        <dsp:cNvSpPr/>
-      </dsp:nvSpPr>
-      <dsp:spPr>
-        <a:xfrm rot="5400000">
-          <a:off x="5553183" y="1029186"/>
-          <a:ext cx="841199" cy="5622384"/>
-        </a:xfrm>
-        <a:prstGeom prst="round2SameRect">
-          <a:avLst/>
-        </a:prstGeom>
-        <a:solidFill>
-          <a:schemeClr val="accent1">
-            <a:alpha val="46000"/>
-          </a:schemeClr>
-        </a:solidFill>
-        <a:ln w="25400" cap="flat" cmpd="sng" algn="ctr">
-          <a:solidFill>
-            <a:schemeClr val="accent1">
-              <a:alpha val="90000"/>
-              <a:tint val="40000"/>
-              <a:hueOff val="0"/>
-              <a:satOff val="0"/>
-              <a:lumOff val="0"/>
-              <a:alphaOff val="0"/>
-            </a:schemeClr>
-          </a:solidFill>
-          <a:prstDash val="solid"/>
-        </a:ln>
-        <a:effectLst/>
-      </dsp:spPr>
-      <dsp:style>
-        <a:lnRef idx="2">
-          <a:scrgbClr r="0" g="0" b="0"/>
-        </a:lnRef>
-        <a:fillRef idx="1">
-          <a:scrgbClr r="0" g="0" b="0"/>
-        </a:fillRef>
-        <a:effectRef idx="0">
-          <a:scrgbClr r="0" g="0" b="0"/>
-        </a:effectRef>
-        <a:fontRef idx="minor"/>
-      </dsp:style>
-      <dsp:txBody>
-        <a:bodyPr spcFirstLastPara="0" vert="horz" wrap="square" lIns="106680" tIns="53340" rIns="106680" bIns="53340" numCol="1" spcCol="1270" anchor="ctr" anchorCtr="0">
-          <a:noAutofit/>
-        </a:bodyPr>
-        <a:lstStyle/>
-        <a:p>
-          <a:pPr marL="285750" lvl="1" indent="-285750" algn="l" defTabSz="1244600">
-            <a:lnSpc>
-              <a:spcPct val="90000"/>
-            </a:lnSpc>
-            <a:spcBef>
-              <a:spcPct val="0"/>
-            </a:spcBef>
-            <a:spcAft>
-              <a:spcPct val="15000"/>
-            </a:spcAft>
-            <a:buChar char="••"/>
-          </a:pPr>
-          <a:r>
-            <a:rPr lang="pt-BR" sz="2800" kern="1200" dirty="0" smtClean="0">
-              <a:solidFill>
-                <a:schemeClr val="bg1"/>
-              </a:solidFill>
-            </a:rPr>
-            <a:t>Liderança em custo, Diferenciação</a:t>
-          </a:r>
-          <a:endParaRPr lang="pt-BR" sz="2800" kern="1200" dirty="0">
-            <a:solidFill>
-              <a:schemeClr val="bg1"/>
-            </a:solidFill>
-          </a:endParaRPr>
-        </a:p>
-      </dsp:txBody>
-      <dsp:txXfrm rot="-5400000">
-        <a:off x="3162591" y="3460842"/>
-        <a:ext cx="5581320" cy="759071"/>
-      </dsp:txXfrm>
-    </dsp:sp>
-    <dsp:sp modelId="{896B29AC-37A8-4CDA-A2AF-69A070EA1311}">
-      <dsp:nvSpPr>
-        <dsp:cNvPr id="0" name=""/>
-        <dsp:cNvSpPr/>
-      </dsp:nvSpPr>
-      <dsp:spPr>
-        <a:xfrm>
-          <a:off x="0" y="3314628"/>
-          <a:ext cx="3162591" cy="1051499"/>
-        </a:xfrm>
-        <a:prstGeom prst="roundRect">
-          <a:avLst/>
-        </a:prstGeom>
-        <a:solidFill>
-          <a:schemeClr val="accent1">
-            <a:alpha val="46000"/>
-          </a:schemeClr>
-        </a:solidFill>
-        <a:ln w="25400" cap="flat" cmpd="sng" algn="ctr">
-          <a:solidFill>
-            <a:schemeClr val="lt1">
-              <a:hueOff val="0"/>
-              <a:satOff val="0"/>
-              <a:lumOff val="0"/>
-              <a:alphaOff val="0"/>
-            </a:schemeClr>
-          </a:solidFill>
-          <a:prstDash val="solid"/>
-        </a:ln>
-        <a:effectLst/>
-      </dsp:spPr>
-      <dsp:style>
-        <a:lnRef idx="2">
-          <a:scrgbClr r="0" g="0" b="0"/>
-        </a:lnRef>
-        <a:fillRef idx="1">
-          <a:scrgbClr r="0" g="0" b="0"/>
-        </a:fillRef>
-        <a:effectRef idx="0">
-          <a:scrgbClr r="0" g="0" b="0"/>
-        </a:effectRef>
-        <a:fontRef idx="minor">
-          <a:schemeClr val="lt1"/>
-        </a:fontRef>
-      </dsp:style>
-      <dsp:txBody>
-        <a:bodyPr spcFirstLastPara="0" vert="horz" wrap="square" lIns="95250" tIns="47625" rIns="95250" bIns="47625" numCol="1" spcCol="1270" anchor="ctr" anchorCtr="0">
-          <a:noAutofit/>
-        </a:bodyPr>
-        <a:lstStyle/>
-        <a:p>
-          <a:pPr lvl="0" algn="ctr" defTabSz="1111250">
-            <a:lnSpc>
-              <a:spcPct val="90000"/>
-            </a:lnSpc>
-            <a:spcBef>
-              <a:spcPct val="0"/>
-            </a:spcBef>
-            <a:spcAft>
-              <a:spcPct val="35000"/>
-            </a:spcAft>
-          </a:pPr>
-          <a:r>
-            <a:rPr lang="pt-BR" sz="2500" kern="1200" dirty="0" smtClean="0">
-              <a:solidFill>
-                <a:schemeClr val="bg1"/>
-              </a:solidFill>
-            </a:rPr>
-            <a:t>Estratégia Corporativa</a:t>
-          </a:r>
-          <a:endParaRPr lang="pt-BR" sz="2500" kern="1200" dirty="0">
-            <a:solidFill>
-              <a:schemeClr val="bg1"/>
-            </a:solidFill>
-          </a:endParaRPr>
-        </a:p>
-      </dsp:txBody>
-      <dsp:txXfrm>
-        <a:off x="51330" y="3365958"/>
-        <a:ext cx="3059931" cy="948839"/>
-      </dsp:txXfrm>
-    </dsp:sp>
-    <dsp:sp modelId="{0C25F599-2E82-4F49-B192-B59CAF50628E}">
-      <dsp:nvSpPr>
-        <dsp:cNvPr id="0" name=""/>
-        <dsp:cNvSpPr/>
-      </dsp:nvSpPr>
-      <dsp:spPr>
-        <a:xfrm rot="5400000">
-          <a:off x="5553183" y="2133260"/>
-          <a:ext cx="841199" cy="5622384"/>
-        </a:xfrm>
-        <a:prstGeom prst="round2SameRect">
-          <a:avLst/>
-        </a:prstGeom>
-        <a:solidFill>
-          <a:schemeClr val="accent1">
-            <a:alpha val="46000"/>
-          </a:schemeClr>
-        </a:solidFill>
-        <a:ln w="25400" cap="flat" cmpd="sng" algn="ctr">
-          <a:solidFill>
-            <a:schemeClr val="accent1">
-              <a:alpha val="90000"/>
-              <a:tint val="40000"/>
-              <a:hueOff val="0"/>
-              <a:satOff val="0"/>
-              <a:lumOff val="0"/>
-              <a:alphaOff val="0"/>
-            </a:schemeClr>
-          </a:solidFill>
-          <a:prstDash val="solid"/>
-        </a:ln>
-        <a:effectLst/>
-      </dsp:spPr>
-      <dsp:style>
-        <a:lnRef idx="2">
-          <a:scrgbClr r="0" g="0" b="0"/>
-        </a:lnRef>
-        <a:fillRef idx="1">
-          <a:scrgbClr r="0" g="0" b="0"/>
-        </a:fillRef>
-        <a:effectRef idx="0">
-          <a:scrgbClr r="0" g="0" b="0"/>
-        </a:effectRef>
-        <a:fontRef idx="minor"/>
-      </dsp:style>
-      <dsp:txBody>
-        <a:bodyPr spcFirstLastPara="0" vert="horz" wrap="square" lIns="106680" tIns="53340" rIns="106680" bIns="53340" numCol="1" spcCol="1270" anchor="ctr" anchorCtr="0">
-          <a:noAutofit/>
-        </a:bodyPr>
-        <a:lstStyle/>
-        <a:p>
-          <a:pPr marL="285750" lvl="1" indent="-285750" algn="l" defTabSz="1244600">
-            <a:lnSpc>
-              <a:spcPct val="90000"/>
-            </a:lnSpc>
-            <a:spcBef>
-              <a:spcPct val="0"/>
-            </a:spcBef>
-            <a:spcAft>
-              <a:spcPct val="15000"/>
-            </a:spcAft>
-            <a:buChar char="••"/>
-          </a:pPr>
-          <a:r>
-            <a:rPr lang="pt-BR" sz="2800" kern="1200" dirty="0" smtClean="0">
-              <a:solidFill>
-                <a:schemeClr val="bg1"/>
-              </a:solidFill>
-            </a:rPr>
-            <a:t>Produtos, Estrutura tecnológica</a:t>
-          </a:r>
-          <a:endParaRPr lang="pt-BR" sz="2800" kern="1200" dirty="0">
-            <a:solidFill>
-              <a:schemeClr val="bg1"/>
-            </a:solidFill>
-          </a:endParaRPr>
-        </a:p>
-      </dsp:txBody>
-      <dsp:txXfrm rot="-5400000">
-        <a:off x="3162591" y="4564916"/>
-        <a:ext cx="5581320" cy="759071"/>
-      </dsp:txXfrm>
-    </dsp:sp>
-    <dsp:sp modelId="{F48CEC02-FE9B-4CA2-ADC0-10BD5C6936C7}">
-      <dsp:nvSpPr>
-        <dsp:cNvPr id="0" name=""/>
-        <dsp:cNvSpPr/>
-      </dsp:nvSpPr>
-      <dsp:spPr>
-        <a:xfrm>
-          <a:off x="0" y="4418703"/>
-          <a:ext cx="3162591" cy="1051499"/>
-        </a:xfrm>
-        <a:prstGeom prst="roundRect">
-          <a:avLst/>
-        </a:prstGeom>
-        <a:solidFill>
-          <a:schemeClr val="accent1">
-            <a:alpha val="46000"/>
-          </a:schemeClr>
-        </a:solidFill>
-        <a:ln w="25400" cap="flat" cmpd="sng" algn="ctr">
-          <a:solidFill>
-            <a:schemeClr val="lt1">
-              <a:hueOff val="0"/>
-              <a:satOff val="0"/>
-              <a:lumOff val="0"/>
-              <a:alphaOff val="0"/>
-            </a:schemeClr>
-          </a:solidFill>
-          <a:prstDash val="solid"/>
-        </a:ln>
-        <a:effectLst/>
-      </dsp:spPr>
-      <dsp:style>
-        <a:lnRef idx="2">
-          <a:scrgbClr r="0" g="0" b="0"/>
-        </a:lnRef>
-        <a:fillRef idx="1">
-          <a:scrgbClr r="0" g="0" b="0"/>
-        </a:fillRef>
-        <a:effectRef idx="0">
-          <a:scrgbClr r="0" g="0" b="0"/>
-        </a:effectRef>
-        <a:fontRef idx="minor">
-          <a:schemeClr val="lt1"/>
-        </a:fontRef>
-      </dsp:style>
-      <dsp:txBody>
-        <a:bodyPr spcFirstLastPara="0" vert="horz" wrap="square" lIns="95250" tIns="47625" rIns="95250" bIns="47625" numCol="1" spcCol="1270" anchor="ctr" anchorCtr="0">
-          <a:noAutofit/>
-        </a:bodyPr>
-        <a:lstStyle/>
-        <a:p>
-          <a:pPr lvl="0" algn="ctr" defTabSz="1111250">
-            <a:lnSpc>
-              <a:spcPct val="90000"/>
-            </a:lnSpc>
-            <a:spcBef>
-              <a:spcPct val="0"/>
-            </a:spcBef>
-            <a:spcAft>
-              <a:spcPct val="35000"/>
-            </a:spcAft>
-          </a:pPr>
-          <a:r>
-            <a:rPr lang="pt-BR" sz="2500" kern="1200" dirty="0" smtClean="0">
-              <a:solidFill>
-                <a:schemeClr val="bg1"/>
-              </a:solidFill>
-            </a:rPr>
-            <a:t>Estratégias de Implementação</a:t>
-          </a:r>
-          <a:endParaRPr lang="pt-BR" sz="2500" kern="1200" dirty="0">
-            <a:solidFill>
-              <a:schemeClr val="bg1"/>
-            </a:solidFill>
-          </a:endParaRPr>
-        </a:p>
-      </dsp:txBody>
-      <dsp:txXfrm>
-        <a:off x="51330" y="4470033"/>
-        <a:ext cx="3059931" cy="948839"/>
-      </dsp:txXfrm>
-    </dsp:sp>
   </dsp:spTree>
 </dsp:drawing>
 </file>
@@ -22348,885 +18807,6 @@
       <dsp:cNvGrpSpPr/>
     </dsp:nvGrpSpPr>
     <dsp:grpSpPr/>
-    <dsp:sp modelId="{F5E68069-5C75-4F52-B3B6-076EA21298D7}">
-      <dsp:nvSpPr>
-        <dsp:cNvPr id="0" name=""/>
-        <dsp:cNvSpPr/>
-      </dsp:nvSpPr>
-      <dsp:spPr>
-        <a:xfrm rot="5400000">
-          <a:off x="5553183" y="-2283037"/>
-          <a:ext cx="841199" cy="5622384"/>
-        </a:xfrm>
-        <a:prstGeom prst="round2SameRect">
-          <a:avLst/>
-        </a:prstGeom>
-        <a:solidFill>
-          <a:schemeClr val="accent1">
-            <a:alpha val="20000"/>
-          </a:schemeClr>
-        </a:solidFill>
-        <a:ln w="25400" cap="flat" cmpd="sng" algn="ctr">
-          <a:solidFill>
-            <a:schemeClr val="accent1">
-              <a:alpha val="90000"/>
-              <a:tint val="40000"/>
-              <a:hueOff val="0"/>
-              <a:satOff val="0"/>
-              <a:lumOff val="0"/>
-              <a:alphaOff val="0"/>
-            </a:schemeClr>
-          </a:solidFill>
-          <a:prstDash val="solid"/>
-        </a:ln>
-        <a:effectLst/>
-      </dsp:spPr>
-      <dsp:style>
-        <a:lnRef idx="2">
-          <a:scrgbClr r="0" g="0" b="0"/>
-        </a:lnRef>
-        <a:fillRef idx="1">
-          <a:scrgbClr r="0" g="0" b="0"/>
-        </a:fillRef>
-        <a:effectRef idx="0">
-          <a:scrgbClr r="0" g="0" b="0"/>
-        </a:effectRef>
-        <a:fontRef idx="minor"/>
-      </dsp:style>
-      <dsp:txBody>
-        <a:bodyPr spcFirstLastPara="0" vert="horz" wrap="square" lIns="106680" tIns="53340" rIns="106680" bIns="53340" numCol="1" spcCol="1270" anchor="ctr" anchorCtr="0">
-          <a:noAutofit/>
-        </a:bodyPr>
-        <a:lstStyle/>
-        <a:p>
-          <a:pPr marL="114300" lvl="1" indent="-114300" algn="l" defTabSz="622300">
-            <a:lnSpc>
-              <a:spcPct val="90000"/>
-            </a:lnSpc>
-            <a:spcBef>
-              <a:spcPct val="0"/>
-            </a:spcBef>
-            <a:spcAft>
-              <a:spcPct val="15000"/>
-            </a:spcAft>
-            <a:buChar char="••"/>
-          </a:pPr>
-          <a:r>
-            <a:rPr lang="pt-BR" sz="1400" kern="1200" dirty="0" smtClean="0">
-              <a:solidFill>
-                <a:schemeClr val="bg1"/>
-              </a:solidFill>
-            </a:rPr>
-            <a:t>Negócio, Missão</a:t>
-          </a:r>
-          <a:r>
-            <a:rPr lang="pt-BR" sz="1400" kern="1200" dirty="0" smtClean="0">
-              <a:solidFill>
-                <a:schemeClr val="bg1"/>
-              </a:solidFill>
-            </a:rPr>
-            <a:t>, Visão, Valores </a:t>
-          </a:r>
-          <a:endParaRPr lang="pt-BR" sz="1400" kern="1200" dirty="0">
-            <a:solidFill>
-              <a:schemeClr val="bg1"/>
-            </a:solidFill>
-          </a:endParaRPr>
-        </a:p>
-        <a:p>
-          <a:pPr marL="114300" lvl="1" indent="-114300" algn="l" defTabSz="622300">
-            <a:lnSpc>
-              <a:spcPct val="90000"/>
-            </a:lnSpc>
-            <a:spcBef>
-              <a:spcPct val="0"/>
-            </a:spcBef>
-            <a:spcAft>
-              <a:spcPct val="15000"/>
-            </a:spcAft>
-            <a:buChar char="••"/>
-          </a:pPr>
-          <a:r>
-            <a:rPr lang="pt-BR" sz="1400" kern="1200" dirty="0" smtClean="0">
-              <a:solidFill>
-                <a:schemeClr val="bg1"/>
-              </a:solidFill>
-            </a:rPr>
-            <a:t>Pedra fundamental, Postura da Instituição</a:t>
-          </a:r>
-          <a:endParaRPr lang="pt-BR" sz="1400" kern="1200" dirty="0">
-            <a:solidFill>
-              <a:schemeClr val="bg1"/>
-            </a:solidFill>
-          </a:endParaRPr>
-        </a:p>
-        <a:p>
-          <a:pPr marL="114300" lvl="1" indent="-114300" algn="l" defTabSz="622300">
-            <a:lnSpc>
-              <a:spcPct val="90000"/>
-            </a:lnSpc>
-            <a:spcBef>
-              <a:spcPct val="0"/>
-            </a:spcBef>
-            <a:spcAft>
-              <a:spcPct val="15000"/>
-            </a:spcAft>
-            <a:buChar char="••"/>
-          </a:pPr>
-          <a:r>
-            <a:rPr lang="pt-BR" sz="1400" kern="1200" dirty="0" smtClean="0">
-              <a:solidFill>
-                <a:schemeClr val="bg1"/>
-              </a:solidFill>
-            </a:rPr>
-            <a:t>Não são Executáveis, apenas estabelecem direcionamento e “freios” às possibilidades</a:t>
-          </a:r>
-          <a:endParaRPr lang="pt-BR" sz="1400" kern="1200" dirty="0">
-            <a:solidFill>
-              <a:schemeClr val="bg1"/>
-            </a:solidFill>
-          </a:endParaRPr>
-        </a:p>
-      </dsp:txBody>
-      <dsp:txXfrm rot="-5400000">
-        <a:off x="3162591" y="148619"/>
-        <a:ext cx="5581320" cy="759071"/>
-      </dsp:txXfrm>
-    </dsp:sp>
-    <dsp:sp modelId="{404009E2-52E2-4FBD-8A06-2B3B9B79AB2A}">
-      <dsp:nvSpPr>
-        <dsp:cNvPr id="0" name=""/>
-        <dsp:cNvSpPr/>
-      </dsp:nvSpPr>
-      <dsp:spPr>
-        <a:xfrm>
-          <a:off x="0" y="2404"/>
-          <a:ext cx="3162591" cy="1051499"/>
-        </a:xfrm>
-        <a:prstGeom prst="roundRect">
-          <a:avLst/>
-        </a:prstGeom>
-        <a:solidFill>
-          <a:schemeClr val="accent1">
-            <a:alpha val="20000"/>
-          </a:schemeClr>
-        </a:solidFill>
-        <a:ln w="25400" cap="flat" cmpd="sng" algn="ctr">
-          <a:solidFill>
-            <a:schemeClr val="lt1">
-              <a:hueOff val="0"/>
-              <a:satOff val="0"/>
-              <a:lumOff val="0"/>
-              <a:alphaOff val="0"/>
-            </a:schemeClr>
-          </a:solidFill>
-          <a:prstDash val="solid"/>
-        </a:ln>
-        <a:effectLst/>
-      </dsp:spPr>
-      <dsp:style>
-        <a:lnRef idx="2">
-          <a:scrgbClr r="0" g="0" b="0"/>
-        </a:lnRef>
-        <a:fillRef idx="1">
-          <a:scrgbClr r="0" g="0" b="0"/>
-        </a:fillRef>
-        <a:effectRef idx="0">
-          <a:scrgbClr r="0" g="0" b="0"/>
-        </a:effectRef>
-        <a:fontRef idx="minor">
-          <a:schemeClr val="lt1"/>
-        </a:fontRef>
-      </dsp:style>
-      <dsp:txBody>
-        <a:bodyPr spcFirstLastPara="0" vert="horz" wrap="square" lIns="95250" tIns="47625" rIns="95250" bIns="47625" numCol="1" spcCol="1270" anchor="ctr" anchorCtr="0">
-          <a:noAutofit/>
-        </a:bodyPr>
-        <a:lstStyle/>
-        <a:p>
-          <a:pPr lvl="0" algn="ctr" defTabSz="1111250">
-            <a:lnSpc>
-              <a:spcPct val="90000"/>
-            </a:lnSpc>
-            <a:spcBef>
-              <a:spcPct val="0"/>
-            </a:spcBef>
-            <a:spcAft>
-              <a:spcPct val="35000"/>
-            </a:spcAft>
-          </a:pPr>
-          <a:r>
-            <a:rPr lang="pt-BR" sz="2500" kern="1200" dirty="0" smtClean="0">
-              <a:solidFill>
-                <a:schemeClr val="bg1"/>
-              </a:solidFill>
-            </a:rPr>
-            <a:t>Estratégias Direcionais</a:t>
-          </a:r>
-          <a:endParaRPr lang="pt-BR" sz="2500" kern="1200" dirty="0">
-            <a:solidFill>
-              <a:schemeClr val="bg1"/>
-            </a:solidFill>
-          </a:endParaRPr>
-        </a:p>
-      </dsp:txBody>
-      <dsp:txXfrm>
-        <a:off x="51330" y="53734"/>
-        <a:ext cx="3059931" cy="948839"/>
-      </dsp:txXfrm>
-    </dsp:sp>
-    <dsp:sp modelId="{E5206532-7C8F-4EFA-ADED-2A331D524BCC}">
-      <dsp:nvSpPr>
-        <dsp:cNvPr id="0" name=""/>
-        <dsp:cNvSpPr/>
-      </dsp:nvSpPr>
-      <dsp:spPr>
-        <a:xfrm rot="5400000">
-          <a:off x="5553183" y="-1178962"/>
-          <a:ext cx="841199" cy="5622384"/>
-        </a:xfrm>
-        <a:prstGeom prst="round2SameRect">
-          <a:avLst/>
-        </a:prstGeom>
-        <a:solidFill>
-          <a:schemeClr val="accent1">
-            <a:alpha val="90000"/>
-            <a:tint val="40000"/>
-            <a:hueOff val="0"/>
-            <a:satOff val="0"/>
-            <a:lumOff val="0"/>
-            <a:alphaOff val="0"/>
-          </a:schemeClr>
-        </a:solidFill>
-        <a:ln w="25400" cap="flat" cmpd="sng" algn="ctr">
-          <a:solidFill>
-            <a:schemeClr val="accent1">
-              <a:alpha val="90000"/>
-              <a:tint val="40000"/>
-              <a:hueOff val="0"/>
-              <a:satOff val="0"/>
-              <a:lumOff val="0"/>
-              <a:alphaOff val="0"/>
-            </a:schemeClr>
-          </a:solidFill>
-          <a:prstDash val="solid"/>
-        </a:ln>
-        <a:effectLst/>
-      </dsp:spPr>
-      <dsp:style>
-        <a:lnRef idx="2">
-          <a:scrgbClr r="0" g="0" b="0"/>
-        </a:lnRef>
-        <a:fillRef idx="1">
-          <a:scrgbClr r="0" g="0" b="0"/>
-        </a:fillRef>
-        <a:effectRef idx="0">
-          <a:scrgbClr r="0" g="0" b="0"/>
-        </a:effectRef>
-        <a:fontRef idx="minor"/>
-      </dsp:style>
-      <dsp:txBody>
-        <a:bodyPr spcFirstLastPara="0" vert="horz" wrap="square" lIns="106680" tIns="53340" rIns="106680" bIns="53340" numCol="1" spcCol="1270" anchor="ctr" anchorCtr="0">
-          <a:noAutofit/>
-        </a:bodyPr>
-        <a:lstStyle/>
-        <a:p>
-          <a:pPr marL="285750" lvl="1" indent="-285750" algn="l" defTabSz="1244600">
-            <a:lnSpc>
-              <a:spcPct val="90000"/>
-            </a:lnSpc>
-            <a:spcBef>
-              <a:spcPct val="0"/>
-            </a:spcBef>
-            <a:spcAft>
-              <a:spcPct val="15000"/>
-            </a:spcAft>
-            <a:buChar char="••"/>
-          </a:pPr>
-          <a:r>
-            <a:rPr lang="pt-BR" sz="2800" kern="1200" dirty="0" smtClean="0"/>
-            <a:t>Diversificação, Integração Vertical</a:t>
-          </a:r>
-          <a:endParaRPr lang="pt-BR" sz="2800" kern="1200" dirty="0"/>
-        </a:p>
-      </dsp:txBody>
-      <dsp:txXfrm rot="-5400000">
-        <a:off x="3162591" y="1252694"/>
-        <a:ext cx="5581320" cy="759071"/>
-      </dsp:txXfrm>
-    </dsp:sp>
-    <dsp:sp modelId="{B27C1B24-E235-4511-8BCB-482FBE1E642D}">
-      <dsp:nvSpPr>
-        <dsp:cNvPr id="0" name=""/>
-        <dsp:cNvSpPr/>
-      </dsp:nvSpPr>
-      <dsp:spPr>
-        <a:xfrm>
-          <a:off x="0" y="1106479"/>
-          <a:ext cx="3162591" cy="1051499"/>
-        </a:xfrm>
-        <a:prstGeom prst="roundRect">
-          <a:avLst/>
-        </a:prstGeom>
-        <a:solidFill>
-          <a:schemeClr val="accent1">
-            <a:hueOff val="0"/>
-            <a:satOff val="0"/>
-            <a:lumOff val="0"/>
-            <a:alphaOff val="0"/>
-          </a:schemeClr>
-        </a:solidFill>
-        <a:ln w="25400" cap="flat" cmpd="sng" algn="ctr">
-          <a:solidFill>
-            <a:schemeClr val="lt1">
-              <a:hueOff val="0"/>
-              <a:satOff val="0"/>
-              <a:lumOff val="0"/>
-              <a:alphaOff val="0"/>
-            </a:schemeClr>
-          </a:solidFill>
-          <a:prstDash val="solid"/>
-        </a:ln>
-        <a:effectLst/>
-      </dsp:spPr>
-      <dsp:style>
-        <a:lnRef idx="2">
-          <a:scrgbClr r="0" g="0" b="0"/>
-        </a:lnRef>
-        <a:fillRef idx="1">
-          <a:scrgbClr r="0" g="0" b="0"/>
-        </a:fillRef>
-        <a:effectRef idx="0">
-          <a:scrgbClr r="0" g="0" b="0"/>
-        </a:effectRef>
-        <a:fontRef idx="minor">
-          <a:schemeClr val="lt1"/>
-        </a:fontRef>
-      </dsp:style>
-      <dsp:txBody>
-        <a:bodyPr spcFirstLastPara="0" vert="horz" wrap="square" lIns="95250" tIns="47625" rIns="95250" bIns="47625" numCol="1" spcCol="1270" anchor="ctr" anchorCtr="0">
-          <a:noAutofit/>
-        </a:bodyPr>
-        <a:lstStyle/>
-        <a:p>
-          <a:pPr lvl="0" algn="ctr" defTabSz="1111250">
-            <a:lnSpc>
-              <a:spcPct val="90000"/>
-            </a:lnSpc>
-            <a:spcBef>
-              <a:spcPct val="0"/>
-            </a:spcBef>
-            <a:spcAft>
-              <a:spcPct val="35000"/>
-            </a:spcAft>
-          </a:pPr>
-          <a:r>
-            <a:rPr lang="pt-BR" sz="2500" kern="1200" dirty="0" smtClean="0"/>
-            <a:t>Estratégias de Escopo Organizacional</a:t>
-          </a:r>
-          <a:endParaRPr lang="pt-BR" sz="2500" kern="1200" dirty="0"/>
-        </a:p>
-      </dsp:txBody>
-      <dsp:txXfrm>
-        <a:off x="51330" y="1157809"/>
-        <a:ext cx="3059931" cy="948839"/>
-      </dsp:txXfrm>
-    </dsp:sp>
-    <dsp:sp modelId="{F3BDE4F4-7BE2-41A2-B6DB-9077B3E9C21C}">
-      <dsp:nvSpPr>
-        <dsp:cNvPr id="0" name=""/>
-        <dsp:cNvSpPr/>
-      </dsp:nvSpPr>
-      <dsp:spPr>
-        <a:xfrm rot="5400000">
-          <a:off x="5553183" y="-74888"/>
-          <a:ext cx="841199" cy="5622384"/>
-        </a:xfrm>
-        <a:prstGeom prst="round2SameRect">
-          <a:avLst/>
-        </a:prstGeom>
-        <a:solidFill>
-          <a:schemeClr val="accent1">
-            <a:alpha val="20000"/>
-          </a:schemeClr>
-        </a:solidFill>
-        <a:ln w="25400" cap="flat" cmpd="sng" algn="ctr">
-          <a:solidFill>
-            <a:schemeClr val="accent1">
-              <a:alpha val="90000"/>
-              <a:tint val="40000"/>
-              <a:hueOff val="0"/>
-              <a:satOff val="0"/>
-              <a:lumOff val="0"/>
-              <a:alphaOff val="0"/>
-            </a:schemeClr>
-          </a:solidFill>
-          <a:prstDash val="solid"/>
-        </a:ln>
-        <a:effectLst/>
-      </dsp:spPr>
-      <dsp:style>
-        <a:lnRef idx="2">
-          <a:scrgbClr r="0" g="0" b="0"/>
-        </a:lnRef>
-        <a:fillRef idx="1">
-          <a:scrgbClr r="0" g="0" b="0"/>
-        </a:fillRef>
-        <a:effectRef idx="0">
-          <a:scrgbClr r="0" g="0" b="0"/>
-        </a:effectRef>
-        <a:fontRef idx="minor"/>
-      </dsp:style>
-      <dsp:txBody>
-        <a:bodyPr spcFirstLastPara="0" vert="horz" wrap="square" lIns="106680" tIns="53340" rIns="106680" bIns="53340" numCol="1" spcCol="1270" anchor="ctr" anchorCtr="0">
-          <a:noAutofit/>
-        </a:bodyPr>
-        <a:lstStyle/>
-        <a:p>
-          <a:pPr marL="285750" lvl="1" indent="-285750" algn="l" defTabSz="1244600">
-            <a:lnSpc>
-              <a:spcPct val="90000"/>
-            </a:lnSpc>
-            <a:spcBef>
-              <a:spcPct val="0"/>
-            </a:spcBef>
-            <a:spcAft>
-              <a:spcPct val="15000"/>
-            </a:spcAft>
-            <a:buChar char="••"/>
-          </a:pPr>
-          <a:r>
-            <a:rPr lang="pt-BR" sz="2800" kern="1200" dirty="0" smtClean="0">
-              <a:solidFill>
-                <a:schemeClr val="bg1"/>
-              </a:solidFill>
-            </a:rPr>
-            <a:t>Aceleração, Alianças, Fusões</a:t>
-          </a:r>
-          <a:endParaRPr lang="pt-BR" sz="2800" kern="1200" dirty="0">
-            <a:solidFill>
-              <a:schemeClr val="bg1"/>
-            </a:solidFill>
-          </a:endParaRPr>
-        </a:p>
-      </dsp:txBody>
-      <dsp:txXfrm rot="-5400000">
-        <a:off x="3162591" y="2356768"/>
-        <a:ext cx="5581320" cy="759071"/>
-      </dsp:txXfrm>
-    </dsp:sp>
-    <dsp:sp modelId="{2A524A9B-0EA8-40FE-A47A-7E87EFB1A635}">
-      <dsp:nvSpPr>
-        <dsp:cNvPr id="0" name=""/>
-        <dsp:cNvSpPr/>
-      </dsp:nvSpPr>
-      <dsp:spPr>
-        <a:xfrm>
-          <a:off x="0" y="2210554"/>
-          <a:ext cx="3162591" cy="1051499"/>
-        </a:xfrm>
-        <a:prstGeom prst="roundRect">
-          <a:avLst/>
-        </a:prstGeom>
-        <a:solidFill>
-          <a:schemeClr val="accent1">
-            <a:alpha val="20000"/>
-          </a:schemeClr>
-        </a:solidFill>
-        <a:ln w="25400" cap="flat" cmpd="sng" algn="ctr">
-          <a:solidFill>
-            <a:schemeClr val="lt1">
-              <a:hueOff val="0"/>
-              <a:satOff val="0"/>
-              <a:lumOff val="0"/>
-              <a:alphaOff val="0"/>
-            </a:schemeClr>
-          </a:solidFill>
-          <a:prstDash val="solid"/>
-        </a:ln>
-        <a:effectLst/>
-      </dsp:spPr>
-      <dsp:style>
-        <a:lnRef idx="2">
-          <a:scrgbClr r="0" g="0" b="0"/>
-        </a:lnRef>
-        <a:fillRef idx="1">
-          <a:scrgbClr r="0" g="0" b="0"/>
-        </a:fillRef>
-        <a:effectRef idx="0">
-          <a:scrgbClr r="0" g="0" b="0"/>
-        </a:effectRef>
-        <a:fontRef idx="minor">
-          <a:schemeClr val="lt1"/>
-        </a:fontRef>
-      </dsp:style>
-      <dsp:txBody>
-        <a:bodyPr spcFirstLastPara="0" vert="horz" wrap="square" lIns="95250" tIns="47625" rIns="95250" bIns="47625" numCol="1" spcCol="1270" anchor="ctr" anchorCtr="0">
-          <a:noAutofit/>
-        </a:bodyPr>
-        <a:lstStyle/>
-        <a:p>
-          <a:pPr lvl="0" algn="ctr" defTabSz="1111250">
-            <a:lnSpc>
-              <a:spcPct val="90000"/>
-            </a:lnSpc>
-            <a:spcBef>
-              <a:spcPct val="0"/>
-            </a:spcBef>
-            <a:spcAft>
-              <a:spcPct val="35000"/>
-            </a:spcAft>
-          </a:pPr>
-          <a:r>
-            <a:rPr lang="pt-BR" sz="2500" kern="1200" dirty="0" smtClean="0">
-              <a:solidFill>
-                <a:schemeClr val="bg1"/>
-              </a:solidFill>
-            </a:rPr>
-            <a:t>Estratégias de Entrada de Mercado</a:t>
-          </a:r>
-          <a:endParaRPr lang="pt-BR" sz="2500" kern="1200" dirty="0">
-            <a:solidFill>
-              <a:schemeClr val="bg1"/>
-            </a:solidFill>
-          </a:endParaRPr>
-        </a:p>
-      </dsp:txBody>
-      <dsp:txXfrm>
-        <a:off x="51330" y="2261884"/>
-        <a:ext cx="3059931" cy="948839"/>
-      </dsp:txXfrm>
-    </dsp:sp>
-    <dsp:sp modelId="{CF554BA7-8537-42CC-8DE8-375356E525EE}">
-      <dsp:nvSpPr>
-        <dsp:cNvPr id="0" name=""/>
-        <dsp:cNvSpPr/>
-      </dsp:nvSpPr>
-      <dsp:spPr>
-        <a:xfrm rot="5400000">
-          <a:off x="5553183" y="1029186"/>
-          <a:ext cx="841199" cy="5622384"/>
-        </a:xfrm>
-        <a:prstGeom prst="round2SameRect">
-          <a:avLst/>
-        </a:prstGeom>
-        <a:solidFill>
-          <a:schemeClr val="accent1">
-            <a:alpha val="20000"/>
-          </a:schemeClr>
-        </a:solidFill>
-        <a:ln w="25400" cap="flat" cmpd="sng" algn="ctr">
-          <a:solidFill>
-            <a:schemeClr val="accent1">
-              <a:alpha val="90000"/>
-              <a:tint val="40000"/>
-              <a:hueOff val="0"/>
-              <a:satOff val="0"/>
-              <a:lumOff val="0"/>
-              <a:alphaOff val="0"/>
-            </a:schemeClr>
-          </a:solidFill>
-          <a:prstDash val="solid"/>
-        </a:ln>
-        <a:effectLst/>
-      </dsp:spPr>
-      <dsp:style>
-        <a:lnRef idx="2">
-          <a:scrgbClr r="0" g="0" b="0"/>
-        </a:lnRef>
-        <a:fillRef idx="1">
-          <a:scrgbClr r="0" g="0" b="0"/>
-        </a:fillRef>
-        <a:effectRef idx="0">
-          <a:scrgbClr r="0" g="0" b="0"/>
-        </a:effectRef>
-        <a:fontRef idx="minor"/>
-      </dsp:style>
-      <dsp:txBody>
-        <a:bodyPr spcFirstLastPara="0" vert="horz" wrap="square" lIns="106680" tIns="53340" rIns="106680" bIns="53340" numCol="1" spcCol="1270" anchor="ctr" anchorCtr="0">
-          <a:noAutofit/>
-        </a:bodyPr>
-        <a:lstStyle/>
-        <a:p>
-          <a:pPr marL="285750" lvl="1" indent="-285750" algn="l" defTabSz="1244600">
-            <a:lnSpc>
-              <a:spcPct val="90000"/>
-            </a:lnSpc>
-            <a:spcBef>
-              <a:spcPct val="0"/>
-            </a:spcBef>
-            <a:spcAft>
-              <a:spcPct val="15000"/>
-            </a:spcAft>
-            <a:buChar char="••"/>
-          </a:pPr>
-          <a:r>
-            <a:rPr lang="pt-BR" sz="2800" kern="1200" dirty="0" smtClean="0">
-              <a:solidFill>
-                <a:schemeClr val="bg1"/>
-              </a:solidFill>
-            </a:rPr>
-            <a:t>Liderança em custo, Diferenciação</a:t>
-          </a:r>
-          <a:endParaRPr lang="pt-BR" sz="2800" kern="1200" dirty="0">
-            <a:solidFill>
-              <a:schemeClr val="bg1"/>
-            </a:solidFill>
-          </a:endParaRPr>
-        </a:p>
-      </dsp:txBody>
-      <dsp:txXfrm rot="-5400000">
-        <a:off x="3162591" y="3460842"/>
-        <a:ext cx="5581320" cy="759071"/>
-      </dsp:txXfrm>
-    </dsp:sp>
-    <dsp:sp modelId="{896B29AC-37A8-4CDA-A2AF-69A070EA1311}">
-      <dsp:nvSpPr>
-        <dsp:cNvPr id="0" name=""/>
-        <dsp:cNvSpPr/>
-      </dsp:nvSpPr>
-      <dsp:spPr>
-        <a:xfrm>
-          <a:off x="0" y="3314628"/>
-          <a:ext cx="3162591" cy="1051499"/>
-        </a:xfrm>
-        <a:prstGeom prst="roundRect">
-          <a:avLst/>
-        </a:prstGeom>
-        <a:solidFill>
-          <a:schemeClr val="accent1">
-            <a:alpha val="20000"/>
-          </a:schemeClr>
-        </a:solidFill>
-        <a:ln w="25400" cap="flat" cmpd="sng" algn="ctr">
-          <a:solidFill>
-            <a:schemeClr val="lt1">
-              <a:hueOff val="0"/>
-              <a:satOff val="0"/>
-              <a:lumOff val="0"/>
-              <a:alphaOff val="0"/>
-            </a:schemeClr>
-          </a:solidFill>
-          <a:prstDash val="solid"/>
-        </a:ln>
-        <a:effectLst/>
-      </dsp:spPr>
-      <dsp:style>
-        <a:lnRef idx="2">
-          <a:scrgbClr r="0" g="0" b="0"/>
-        </a:lnRef>
-        <a:fillRef idx="1">
-          <a:scrgbClr r="0" g="0" b="0"/>
-        </a:fillRef>
-        <a:effectRef idx="0">
-          <a:scrgbClr r="0" g="0" b="0"/>
-        </a:effectRef>
-        <a:fontRef idx="minor">
-          <a:schemeClr val="lt1"/>
-        </a:fontRef>
-      </dsp:style>
-      <dsp:txBody>
-        <a:bodyPr spcFirstLastPara="0" vert="horz" wrap="square" lIns="95250" tIns="47625" rIns="95250" bIns="47625" numCol="1" spcCol="1270" anchor="ctr" anchorCtr="0">
-          <a:noAutofit/>
-        </a:bodyPr>
-        <a:lstStyle/>
-        <a:p>
-          <a:pPr lvl="0" algn="ctr" defTabSz="1111250">
-            <a:lnSpc>
-              <a:spcPct val="90000"/>
-            </a:lnSpc>
-            <a:spcBef>
-              <a:spcPct val="0"/>
-            </a:spcBef>
-            <a:spcAft>
-              <a:spcPct val="35000"/>
-            </a:spcAft>
-          </a:pPr>
-          <a:r>
-            <a:rPr lang="pt-BR" sz="2500" kern="1200" dirty="0" smtClean="0">
-              <a:solidFill>
-                <a:schemeClr val="bg1"/>
-              </a:solidFill>
-            </a:rPr>
-            <a:t>Estratégia Corporativa</a:t>
-          </a:r>
-          <a:endParaRPr lang="pt-BR" sz="2500" kern="1200" dirty="0">
-            <a:solidFill>
-              <a:schemeClr val="bg1"/>
-            </a:solidFill>
-          </a:endParaRPr>
-        </a:p>
-      </dsp:txBody>
-      <dsp:txXfrm>
-        <a:off x="51330" y="3365958"/>
-        <a:ext cx="3059931" cy="948839"/>
-      </dsp:txXfrm>
-    </dsp:sp>
-    <dsp:sp modelId="{0C25F599-2E82-4F49-B192-B59CAF50628E}">
-      <dsp:nvSpPr>
-        <dsp:cNvPr id="0" name=""/>
-        <dsp:cNvSpPr/>
-      </dsp:nvSpPr>
-      <dsp:spPr>
-        <a:xfrm rot="5400000">
-          <a:off x="5553183" y="2133260"/>
-          <a:ext cx="841199" cy="5622384"/>
-        </a:xfrm>
-        <a:prstGeom prst="round2SameRect">
-          <a:avLst/>
-        </a:prstGeom>
-        <a:solidFill>
-          <a:schemeClr val="accent1">
-            <a:alpha val="20000"/>
-          </a:schemeClr>
-        </a:solidFill>
-        <a:ln w="25400" cap="flat" cmpd="sng" algn="ctr">
-          <a:solidFill>
-            <a:schemeClr val="accent1">
-              <a:alpha val="90000"/>
-              <a:tint val="40000"/>
-              <a:hueOff val="0"/>
-              <a:satOff val="0"/>
-              <a:lumOff val="0"/>
-              <a:alphaOff val="0"/>
-            </a:schemeClr>
-          </a:solidFill>
-          <a:prstDash val="solid"/>
-        </a:ln>
-        <a:effectLst/>
-      </dsp:spPr>
-      <dsp:style>
-        <a:lnRef idx="2">
-          <a:scrgbClr r="0" g="0" b="0"/>
-        </a:lnRef>
-        <a:fillRef idx="1">
-          <a:scrgbClr r="0" g="0" b="0"/>
-        </a:fillRef>
-        <a:effectRef idx="0">
-          <a:scrgbClr r="0" g="0" b="0"/>
-        </a:effectRef>
-        <a:fontRef idx="minor"/>
-      </dsp:style>
-      <dsp:txBody>
-        <a:bodyPr spcFirstLastPara="0" vert="horz" wrap="square" lIns="106680" tIns="53340" rIns="106680" bIns="53340" numCol="1" spcCol="1270" anchor="ctr" anchorCtr="0">
-          <a:noAutofit/>
-        </a:bodyPr>
-        <a:lstStyle/>
-        <a:p>
-          <a:pPr marL="285750" lvl="1" indent="-285750" algn="l" defTabSz="1244600">
-            <a:lnSpc>
-              <a:spcPct val="90000"/>
-            </a:lnSpc>
-            <a:spcBef>
-              <a:spcPct val="0"/>
-            </a:spcBef>
-            <a:spcAft>
-              <a:spcPct val="15000"/>
-            </a:spcAft>
-            <a:buChar char="••"/>
-          </a:pPr>
-          <a:r>
-            <a:rPr lang="pt-BR" sz="2800" kern="1200" dirty="0" smtClean="0">
-              <a:solidFill>
-                <a:schemeClr val="bg1"/>
-              </a:solidFill>
-            </a:rPr>
-            <a:t>Produtos, Estrutura tecnológica</a:t>
-          </a:r>
-          <a:endParaRPr lang="pt-BR" sz="2800" kern="1200" dirty="0">
-            <a:solidFill>
-              <a:schemeClr val="bg1"/>
-            </a:solidFill>
-          </a:endParaRPr>
-        </a:p>
-      </dsp:txBody>
-      <dsp:txXfrm rot="-5400000">
-        <a:off x="3162591" y="4564916"/>
-        <a:ext cx="5581320" cy="759071"/>
-      </dsp:txXfrm>
-    </dsp:sp>
-    <dsp:sp modelId="{F48CEC02-FE9B-4CA2-ADC0-10BD5C6936C7}">
-      <dsp:nvSpPr>
-        <dsp:cNvPr id="0" name=""/>
-        <dsp:cNvSpPr/>
-      </dsp:nvSpPr>
-      <dsp:spPr>
-        <a:xfrm>
-          <a:off x="0" y="4418703"/>
-          <a:ext cx="3162591" cy="1051499"/>
-        </a:xfrm>
-        <a:prstGeom prst="roundRect">
-          <a:avLst/>
-        </a:prstGeom>
-        <a:solidFill>
-          <a:schemeClr val="accent1">
-            <a:alpha val="20000"/>
-          </a:schemeClr>
-        </a:solidFill>
-        <a:ln w="25400" cap="flat" cmpd="sng" algn="ctr">
-          <a:solidFill>
-            <a:schemeClr val="lt1">
-              <a:hueOff val="0"/>
-              <a:satOff val="0"/>
-              <a:lumOff val="0"/>
-              <a:alphaOff val="0"/>
-            </a:schemeClr>
-          </a:solidFill>
-          <a:prstDash val="solid"/>
-        </a:ln>
-        <a:effectLst/>
-      </dsp:spPr>
-      <dsp:style>
-        <a:lnRef idx="2">
-          <a:scrgbClr r="0" g="0" b="0"/>
-        </a:lnRef>
-        <a:fillRef idx="1">
-          <a:scrgbClr r="0" g="0" b="0"/>
-        </a:fillRef>
-        <a:effectRef idx="0">
-          <a:scrgbClr r="0" g="0" b="0"/>
-        </a:effectRef>
-        <a:fontRef idx="minor">
-          <a:schemeClr val="lt1"/>
-        </a:fontRef>
-      </dsp:style>
-      <dsp:txBody>
-        <a:bodyPr spcFirstLastPara="0" vert="horz" wrap="square" lIns="95250" tIns="47625" rIns="95250" bIns="47625" numCol="1" spcCol="1270" anchor="ctr" anchorCtr="0">
-          <a:noAutofit/>
-        </a:bodyPr>
-        <a:lstStyle/>
-        <a:p>
-          <a:pPr lvl="0" algn="ctr" defTabSz="1111250">
-            <a:lnSpc>
-              <a:spcPct val="90000"/>
-            </a:lnSpc>
-            <a:spcBef>
-              <a:spcPct val="0"/>
-            </a:spcBef>
-            <a:spcAft>
-              <a:spcPct val="35000"/>
-            </a:spcAft>
-          </a:pPr>
-          <a:r>
-            <a:rPr lang="pt-BR" sz="2500" kern="1200" dirty="0" smtClean="0">
-              <a:solidFill>
-                <a:schemeClr val="bg1"/>
-              </a:solidFill>
-            </a:rPr>
-            <a:t>Estratégias de Implementação</a:t>
-          </a:r>
-          <a:endParaRPr lang="pt-BR" sz="2500" kern="1200" dirty="0">
-            <a:solidFill>
-              <a:schemeClr val="bg1"/>
-            </a:solidFill>
-          </a:endParaRPr>
-        </a:p>
-      </dsp:txBody>
-      <dsp:txXfrm>
-        <a:off x="51330" y="4470033"/>
-        <a:ext cx="3059931" cy="948839"/>
-      </dsp:txXfrm>
-    </dsp:sp>
   </dsp:spTree>
 </dsp:drawing>
 </file>
@@ -23239,391 +18819,6 @@
       <dsp:cNvGrpSpPr/>
     </dsp:nvGrpSpPr>
     <dsp:grpSpPr/>
-    <dsp:sp modelId="{E2FB3DC6-D714-4CEE-B3AE-01C4F5748058}">
-      <dsp:nvSpPr>
-        <dsp:cNvPr id="0" name=""/>
-        <dsp:cNvSpPr/>
-      </dsp:nvSpPr>
-      <dsp:spPr>
-        <a:xfrm>
-          <a:off x="1067" y="2363704"/>
-          <a:ext cx="2082459" cy="832983"/>
-        </a:xfrm>
-        <a:prstGeom prst="homePlate">
-          <a:avLst/>
-        </a:prstGeom>
-        <a:solidFill>
-          <a:schemeClr val="accent1">
-            <a:hueOff val="0"/>
-            <a:satOff val="0"/>
-            <a:lumOff val="0"/>
-            <a:alphaOff val="0"/>
-          </a:schemeClr>
-        </a:solidFill>
-        <a:ln w="25400" cap="flat" cmpd="sng" algn="ctr">
-          <a:solidFill>
-            <a:schemeClr val="lt1">
-              <a:hueOff val="0"/>
-              <a:satOff val="0"/>
-              <a:lumOff val="0"/>
-              <a:alphaOff val="0"/>
-            </a:schemeClr>
-          </a:solidFill>
-          <a:prstDash val="solid"/>
-        </a:ln>
-        <a:effectLst/>
-      </dsp:spPr>
-      <dsp:style>
-        <a:lnRef idx="2">
-          <a:scrgbClr r="0" g="0" b="0"/>
-        </a:lnRef>
-        <a:fillRef idx="1">
-          <a:scrgbClr r="0" g="0" b="0"/>
-        </a:fillRef>
-        <a:effectRef idx="0">
-          <a:scrgbClr r="0" g="0" b="0"/>
-        </a:effectRef>
-        <a:fontRef idx="minor">
-          <a:schemeClr val="lt1"/>
-        </a:fontRef>
-      </dsp:style>
-      <dsp:txBody>
-        <a:bodyPr spcFirstLastPara="0" vert="horz" wrap="square" lIns="74676" tIns="37338" rIns="18669" bIns="37338" numCol="1" spcCol="1270" anchor="ctr" anchorCtr="0">
-          <a:noAutofit/>
-        </a:bodyPr>
-        <a:lstStyle/>
-        <a:p>
-          <a:pPr lvl="0" algn="ctr" defTabSz="622300">
-            <a:lnSpc>
-              <a:spcPct val="90000"/>
-            </a:lnSpc>
-            <a:spcBef>
-              <a:spcPct val="0"/>
-            </a:spcBef>
-            <a:spcAft>
-              <a:spcPct val="35000"/>
-            </a:spcAft>
-          </a:pPr>
-          <a:r>
-            <a:rPr lang="pt-BR" sz="1400" kern="1200" dirty="0" smtClean="0"/>
-            <a:t>Extração</a:t>
-          </a:r>
-          <a:endParaRPr lang="pt-BR" sz="1400" kern="1200" dirty="0"/>
-        </a:p>
-      </dsp:txBody>
-      <dsp:txXfrm>
-        <a:off x="1067" y="2363704"/>
-        <a:ext cx="1874213" cy="832983"/>
-      </dsp:txXfrm>
-    </dsp:sp>
-    <dsp:sp modelId="{5DCB9D27-2E32-4768-B48A-2A66EC4A9168}">
-      <dsp:nvSpPr>
-        <dsp:cNvPr id="0" name=""/>
-        <dsp:cNvSpPr/>
-      </dsp:nvSpPr>
-      <dsp:spPr>
-        <a:xfrm>
-          <a:off x="1667035" y="2363704"/>
-          <a:ext cx="2082459" cy="832983"/>
-        </a:xfrm>
-        <a:prstGeom prst="chevron">
-          <a:avLst/>
-        </a:prstGeom>
-        <a:solidFill>
-          <a:schemeClr val="accent1">
-            <a:hueOff val="0"/>
-            <a:satOff val="0"/>
-            <a:lumOff val="0"/>
-            <a:alphaOff val="0"/>
-          </a:schemeClr>
-        </a:solidFill>
-        <a:ln w="25400" cap="flat" cmpd="sng" algn="ctr">
-          <a:solidFill>
-            <a:schemeClr val="lt1">
-              <a:hueOff val="0"/>
-              <a:satOff val="0"/>
-              <a:lumOff val="0"/>
-              <a:alphaOff val="0"/>
-            </a:schemeClr>
-          </a:solidFill>
-          <a:prstDash val="solid"/>
-        </a:ln>
-        <a:effectLst/>
-      </dsp:spPr>
-      <dsp:style>
-        <a:lnRef idx="2">
-          <a:scrgbClr r="0" g="0" b="0"/>
-        </a:lnRef>
-        <a:fillRef idx="1">
-          <a:scrgbClr r="0" g="0" b="0"/>
-        </a:fillRef>
-        <a:effectRef idx="0">
-          <a:scrgbClr r="0" g="0" b="0"/>
-        </a:effectRef>
-        <a:fontRef idx="minor">
-          <a:schemeClr val="lt1"/>
-        </a:fontRef>
-      </dsp:style>
-      <dsp:txBody>
-        <a:bodyPr spcFirstLastPara="0" vert="horz" wrap="square" lIns="56007" tIns="37338" rIns="18669" bIns="37338" numCol="1" spcCol="1270" anchor="ctr" anchorCtr="0">
-          <a:noAutofit/>
-        </a:bodyPr>
-        <a:lstStyle/>
-        <a:p>
-          <a:pPr lvl="0" algn="ctr" defTabSz="622300">
-            <a:lnSpc>
-              <a:spcPct val="90000"/>
-            </a:lnSpc>
-            <a:spcBef>
-              <a:spcPct val="0"/>
-            </a:spcBef>
-            <a:spcAft>
-              <a:spcPct val="35000"/>
-            </a:spcAft>
-          </a:pPr>
-          <a:r>
-            <a:rPr lang="pt-BR" sz="1400" kern="1200" dirty="0" smtClean="0"/>
-            <a:t>Transformação da Matéria-prima</a:t>
-          </a:r>
-          <a:endParaRPr lang="pt-BR" sz="1400" kern="1200" dirty="0"/>
-        </a:p>
-      </dsp:txBody>
-      <dsp:txXfrm>
-        <a:off x="2083527" y="2363704"/>
-        <a:ext cx="1249476" cy="832983"/>
-      </dsp:txXfrm>
-    </dsp:sp>
-    <dsp:sp modelId="{10AD822A-A1DD-47FF-B365-DD77B4DD26AD}">
-      <dsp:nvSpPr>
-        <dsp:cNvPr id="0" name=""/>
-        <dsp:cNvSpPr/>
-      </dsp:nvSpPr>
-      <dsp:spPr>
-        <a:xfrm>
-          <a:off x="3333002" y="2363704"/>
-          <a:ext cx="2082459" cy="832983"/>
-        </a:xfrm>
-        <a:prstGeom prst="chevron">
-          <a:avLst/>
-        </a:prstGeom>
-        <a:solidFill>
-          <a:schemeClr val="accent1">
-            <a:hueOff val="0"/>
-            <a:satOff val="0"/>
-            <a:lumOff val="0"/>
-            <a:alphaOff val="0"/>
-          </a:schemeClr>
-        </a:solidFill>
-        <a:ln w="25400" cap="flat" cmpd="sng" algn="ctr">
-          <a:solidFill>
-            <a:schemeClr val="lt1">
-              <a:hueOff val="0"/>
-              <a:satOff val="0"/>
-              <a:lumOff val="0"/>
-              <a:alphaOff val="0"/>
-            </a:schemeClr>
-          </a:solidFill>
-          <a:prstDash val="solid"/>
-        </a:ln>
-        <a:effectLst/>
-      </dsp:spPr>
-      <dsp:style>
-        <a:lnRef idx="2">
-          <a:scrgbClr r="0" g="0" b="0"/>
-        </a:lnRef>
-        <a:fillRef idx="1">
-          <a:scrgbClr r="0" g="0" b="0"/>
-        </a:fillRef>
-        <a:effectRef idx="0">
-          <a:scrgbClr r="0" g="0" b="0"/>
-        </a:effectRef>
-        <a:fontRef idx="minor">
-          <a:schemeClr val="lt1"/>
-        </a:fontRef>
-      </dsp:style>
-      <dsp:txBody>
-        <a:bodyPr spcFirstLastPara="0" vert="horz" wrap="square" lIns="56007" tIns="37338" rIns="18669" bIns="37338" numCol="1" spcCol="1270" anchor="ctr" anchorCtr="0">
-          <a:noAutofit/>
-        </a:bodyPr>
-        <a:lstStyle/>
-        <a:p>
-          <a:pPr lvl="0" algn="ctr" defTabSz="622300">
-            <a:lnSpc>
-              <a:spcPct val="90000"/>
-            </a:lnSpc>
-            <a:spcBef>
-              <a:spcPct val="0"/>
-            </a:spcBef>
-            <a:spcAft>
-              <a:spcPct val="35000"/>
-            </a:spcAft>
-          </a:pPr>
-          <a:r>
-            <a:rPr lang="pt-BR" sz="1400" kern="1200" dirty="0" smtClean="0"/>
-            <a:t>Concepção</a:t>
-          </a:r>
-          <a:endParaRPr lang="pt-BR" sz="1400" kern="1200" dirty="0"/>
-        </a:p>
-      </dsp:txBody>
-      <dsp:txXfrm>
-        <a:off x="3749494" y="2363704"/>
-        <a:ext cx="1249476" cy="832983"/>
-      </dsp:txXfrm>
-    </dsp:sp>
-    <dsp:sp modelId="{11B18F0B-2C27-4183-8A01-5A0CEBBD9945}">
-      <dsp:nvSpPr>
-        <dsp:cNvPr id="0" name=""/>
-        <dsp:cNvSpPr/>
-      </dsp:nvSpPr>
-      <dsp:spPr>
-        <a:xfrm>
-          <a:off x="4998969" y="2363704"/>
-          <a:ext cx="2082459" cy="832983"/>
-        </a:xfrm>
-        <a:prstGeom prst="chevron">
-          <a:avLst/>
-        </a:prstGeom>
-        <a:solidFill>
-          <a:schemeClr val="accent1">
-            <a:hueOff val="0"/>
-            <a:satOff val="0"/>
-            <a:lumOff val="0"/>
-            <a:alphaOff val="0"/>
-          </a:schemeClr>
-        </a:solidFill>
-        <a:ln w="25400" cap="flat" cmpd="sng" algn="ctr">
-          <a:solidFill>
-            <a:schemeClr val="lt1">
-              <a:hueOff val="0"/>
-              <a:satOff val="0"/>
-              <a:lumOff val="0"/>
-              <a:alphaOff val="0"/>
-            </a:schemeClr>
-          </a:solidFill>
-          <a:prstDash val="solid"/>
-        </a:ln>
-        <a:effectLst/>
-      </dsp:spPr>
-      <dsp:style>
-        <a:lnRef idx="2">
-          <a:scrgbClr r="0" g="0" b="0"/>
-        </a:lnRef>
-        <a:fillRef idx="1">
-          <a:scrgbClr r="0" g="0" b="0"/>
-        </a:fillRef>
-        <a:effectRef idx="0">
-          <a:scrgbClr r="0" g="0" b="0"/>
-        </a:effectRef>
-        <a:fontRef idx="minor">
-          <a:schemeClr val="lt1"/>
-        </a:fontRef>
-      </dsp:style>
-      <dsp:txBody>
-        <a:bodyPr spcFirstLastPara="0" vert="horz" wrap="square" lIns="56007" tIns="37338" rIns="18669" bIns="37338" numCol="1" spcCol="1270" anchor="ctr" anchorCtr="0">
-          <a:noAutofit/>
-        </a:bodyPr>
-        <a:lstStyle/>
-        <a:p>
-          <a:pPr lvl="0" algn="ctr" defTabSz="622300">
-            <a:lnSpc>
-              <a:spcPct val="90000"/>
-            </a:lnSpc>
-            <a:spcBef>
-              <a:spcPct val="0"/>
-            </a:spcBef>
-            <a:spcAft>
-              <a:spcPct val="35000"/>
-            </a:spcAft>
-          </a:pPr>
-          <a:r>
-            <a:rPr lang="pt-BR" sz="1400" kern="1200" dirty="0" smtClean="0"/>
-            <a:t>Produção</a:t>
-          </a:r>
-          <a:endParaRPr lang="pt-BR" sz="1400" kern="1200" dirty="0"/>
-        </a:p>
-      </dsp:txBody>
-      <dsp:txXfrm>
-        <a:off x="5415461" y="2363704"/>
-        <a:ext cx="1249476" cy="832983"/>
-      </dsp:txXfrm>
-    </dsp:sp>
-    <dsp:sp modelId="{F5E57CB3-CC5C-4E24-B695-A72F10D57062}">
-      <dsp:nvSpPr>
-        <dsp:cNvPr id="0" name=""/>
-        <dsp:cNvSpPr/>
-      </dsp:nvSpPr>
-      <dsp:spPr>
-        <a:xfrm>
-          <a:off x="6664936" y="2363704"/>
-          <a:ext cx="2082459" cy="832983"/>
-        </a:xfrm>
-        <a:prstGeom prst="chevron">
-          <a:avLst/>
-        </a:prstGeom>
-        <a:solidFill>
-          <a:schemeClr val="accent1">
-            <a:hueOff val="0"/>
-            <a:satOff val="0"/>
-            <a:lumOff val="0"/>
-            <a:alphaOff val="0"/>
-          </a:schemeClr>
-        </a:solidFill>
-        <a:ln w="25400" cap="flat" cmpd="sng" algn="ctr">
-          <a:solidFill>
-            <a:schemeClr val="lt1">
-              <a:hueOff val="0"/>
-              <a:satOff val="0"/>
-              <a:lumOff val="0"/>
-              <a:alphaOff val="0"/>
-            </a:schemeClr>
-          </a:solidFill>
-          <a:prstDash val="solid"/>
-        </a:ln>
-        <a:effectLst/>
-      </dsp:spPr>
-      <dsp:style>
-        <a:lnRef idx="2">
-          <a:scrgbClr r="0" g="0" b="0"/>
-        </a:lnRef>
-        <a:fillRef idx="1">
-          <a:scrgbClr r="0" g="0" b="0"/>
-        </a:fillRef>
-        <a:effectRef idx="0">
-          <a:scrgbClr r="0" g="0" b="0"/>
-        </a:effectRef>
-        <a:fontRef idx="minor">
-          <a:schemeClr val="lt1"/>
-        </a:fontRef>
-      </dsp:style>
-      <dsp:txBody>
-        <a:bodyPr spcFirstLastPara="0" vert="horz" wrap="square" lIns="56007" tIns="37338" rIns="18669" bIns="37338" numCol="1" spcCol="1270" anchor="ctr" anchorCtr="0">
-          <a:noAutofit/>
-        </a:bodyPr>
-        <a:lstStyle/>
-        <a:p>
-          <a:pPr lvl="0" algn="ctr" defTabSz="622300">
-            <a:lnSpc>
-              <a:spcPct val="90000"/>
-            </a:lnSpc>
-            <a:spcBef>
-              <a:spcPct val="0"/>
-            </a:spcBef>
-            <a:spcAft>
-              <a:spcPct val="35000"/>
-            </a:spcAft>
-          </a:pPr>
-          <a:r>
-            <a:rPr lang="pt-BR" sz="1400" kern="1200" dirty="0" smtClean="0"/>
-            <a:t>Venda</a:t>
-          </a:r>
-          <a:endParaRPr lang="pt-BR" sz="1400" kern="1200" dirty="0"/>
-        </a:p>
-      </dsp:txBody>
-      <dsp:txXfrm>
-        <a:off x="7081428" y="2363704"/>
-        <a:ext cx="1249476" cy="832983"/>
-      </dsp:txXfrm>
-    </dsp:sp>
   </dsp:spTree>
 </dsp:drawing>
 </file>
@@ -23636,338 +18831,6 @@
       <dsp:cNvGrpSpPr/>
     </dsp:nvGrpSpPr>
     <dsp:grpSpPr/>
-    <dsp:sp modelId="{E78F7487-5A3A-48CA-85D8-C3CE7EE0D84C}">
-      <dsp:nvSpPr>
-        <dsp:cNvPr id="0" name=""/>
-        <dsp:cNvSpPr/>
-      </dsp:nvSpPr>
-      <dsp:spPr>
-        <a:xfrm>
-          <a:off x="2032000" y="0"/>
-          <a:ext cx="2032000" cy="2032000"/>
-        </a:xfrm>
-        <a:prstGeom prst="triangle">
-          <a:avLst/>
-        </a:prstGeom>
-        <a:solidFill>
-          <a:schemeClr val="accent1">
-            <a:hueOff val="0"/>
-            <a:satOff val="0"/>
-            <a:lumOff val="0"/>
-            <a:alphaOff val="0"/>
-          </a:schemeClr>
-        </a:solidFill>
-        <a:ln w="25400" cap="flat" cmpd="sng" algn="ctr">
-          <a:solidFill>
-            <a:schemeClr val="lt1">
-              <a:hueOff val="0"/>
-              <a:satOff val="0"/>
-              <a:lumOff val="0"/>
-              <a:alphaOff val="0"/>
-            </a:schemeClr>
-          </a:solidFill>
-          <a:prstDash val="solid"/>
-        </a:ln>
-        <a:effectLst/>
-      </dsp:spPr>
-      <dsp:style>
-        <a:lnRef idx="2">
-          <a:scrgbClr r="0" g="0" b="0"/>
-        </a:lnRef>
-        <a:fillRef idx="1">
-          <a:scrgbClr r="0" g="0" b="0"/>
-        </a:fillRef>
-        <a:effectRef idx="0">
-          <a:scrgbClr r="0" g="0" b="0"/>
-        </a:effectRef>
-        <a:fontRef idx="minor">
-          <a:schemeClr val="lt1"/>
-        </a:fontRef>
-      </dsp:style>
-      <dsp:txBody>
-        <a:bodyPr spcFirstLastPara="0" vert="horz" wrap="square" lIns="57150" tIns="57150" rIns="57150" bIns="57150" numCol="1" spcCol="1270" anchor="ctr" anchorCtr="0">
-          <a:noAutofit/>
-        </a:bodyPr>
-        <a:lstStyle/>
-        <a:p>
-          <a:pPr lvl="0" algn="ctr" defTabSz="666750">
-            <a:lnSpc>
-              <a:spcPct val="90000"/>
-            </a:lnSpc>
-            <a:spcBef>
-              <a:spcPct val="0"/>
-            </a:spcBef>
-            <a:spcAft>
-              <a:spcPct val="35000"/>
-            </a:spcAft>
-          </a:pPr>
-          <a:r>
-            <a:rPr lang="pt-BR" sz="1500" kern="1200" dirty="0" err="1" smtClean="0"/>
-            <a:t>HotMail</a:t>
-          </a:r>
-          <a:endParaRPr lang="pt-BR" sz="1500" kern="1200" dirty="0"/>
-        </a:p>
-      </dsp:txBody>
-      <dsp:txXfrm>
-        <a:off x="2540000" y="1016000"/>
-        <a:ext cx="1016000" cy="1016000"/>
-      </dsp:txXfrm>
-    </dsp:sp>
-    <dsp:sp modelId="{1C6A6C70-95C4-4130-9512-1CDA32E28B0B}">
-      <dsp:nvSpPr>
-        <dsp:cNvPr id="0" name=""/>
-        <dsp:cNvSpPr/>
-      </dsp:nvSpPr>
-      <dsp:spPr>
-        <a:xfrm>
-          <a:off x="1016000" y="2032000"/>
-          <a:ext cx="2032000" cy="2032000"/>
-        </a:xfrm>
-        <a:prstGeom prst="triangle">
-          <a:avLst/>
-        </a:prstGeom>
-        <a:solidFill>
-          <a:schemeClr val="accent1">
-            <a:hueOff val="0"/>
-            <a:satOff val="0"/>
-            <a:lumOff val="0"/>
-            <a:alphaOff val="0"/>
-          </a:schemeClr>
-        </a:solidFill>
-        <a:ln w="25400" cap="flat" cmpd="sng" algn="ctr">
-          <a:solidFill>
-            <a:schemeClr val="lt1">
-              <a:hueOff val="0"/>
-              <a:satOff val="0"/>
-              <a:lumOff val="0"/>
-              <a:alphaOff val="0"/>
-            </a:schemeClr>
-          </a:solidFill>
-          <a:prstDash val="solid"/>
-        </a:ln>
-        <a:effectLst/>
-      </dsp:spPr>
-      <dsp:style>
-        <a:lnRef idx="2">
-          <a:scrgbClr r="0" g="0" b="0"/>
-        </a:lnRef>
-        <a:fillRef idx="1">
-          <a:scrgbClr r="0" g="0" b="0"/>
-        </a:fillRef>
-        <a:effectRef idx="0">
-          <a:scrgbClr r="0" g="0" b="0"/>
-        </a:effectRef>
-        <a:fontRef idx="minor">
-          <a:schemeClr val="lt1"/>
-        </a:fontRef>
-      </dsp:style>
-      <dsp:txBody>
-        <a:bodyPr spcFirstLastPara="0" vert="horz" wrap="square" lIns="57150" tIns="57150" rIns="57150" bIns="57150" numCol="1" spcCol="1270" anchor="ctr" anchorCtr="0">
-          <a:noAutofit/>
-        </a:bodyPr>
-        <a:lstStyle/>
-        <a:p>
-          <a:pPr lvl="0" algn="ctr" defTabSz="666750">
-            <a:lnSpc>
-              <a:spcPct val="90000"/>
-            </a:lnSpc>
-            <a:spcBef>
-              <a:spcPct val="0"/>
-            </a:spcBef>
-            <a:spcAft>
-              <a:spcPct val="35000"/>
-            </a:spcAft>
-          </a:pPr>
-          <a:r>
-            <a:rPr lang="pt-BR" sz="1500" kern="1200" smtClean="0"/>
-            <a:t>Skype</a:t>
-          </a:r>
-          <a:endParaRPr lang="pt-BR" sz="1500" kern="1200" dirty="0"/>
-        </a:p>
-      </dsp:txBody>
-      <dsp:txXfrm>
-        <a:off x="1524000" y="3048000"/>
-        <a:ext cx="1016000" cy="1016000"/>
-      </dsp:txXfrm>
-    </dsp:sp>
-    <dsp:sp modelId="{42CE9E7E-D308-4A1E-AC05-6D15951EA01D}">
-      <dsp:nvSpPr>
-        <dsp:cNvPr id="0" name=""/>
-        <dsp:cNvSpPr/>
-      </dsp:nvSpPr>
-      <dsp:spPr>
-        <a:xfrm rot="10800000">
-          <a:off x="2032000" y="2032000"/>
-          <a:ext cx="2032000" cy="2032000"/>
-        </a:xfrm>
-        <a:prstGeom prst="triangle">
-          <a:avLst/>
-        </a:prstGeom>
-        <a:gradFill rotWithShape="1">
-          <a:gsLst>
-            <a:gs pos="0">
-              <a:schemeClr val="accent3">
-                <a:shade val="51000"/>
-                <a:satMod val="130000"/>
-              </a:schemeClr>
-            </a:gs>
-            <a:gs pos="80000">
-              <a:schemeClr val="accent3">
-                <a:shade val="93000"/>
-                <a:satMod val="130000"/>
-              </a:schemeClr>
-            </a:gs>
-            <a:gs pos="100000">
-              <a:schemeClr val="accent3">
-                <a:shade val="94000"/>
-                <a:satMod val="135000"/>
-              </a:schemeClr>
-            </a:gs>
-          </a:gsLst>
-          <a:lin ang="16200000" scaled="0"/>
-        </a:gradFill>
-        <a:ln>
-          <a:noFill/>
-        </a:ln>
-        <a:effectLst>
-          <a:outerShdw blurRad="40000" dist="23000" dir="5400000" rotWithShape="0">
-            <a:srgbClr val="000000">
-              <a:alpha val="35000"/>
-            </a:srgbClr>
-          </a:outerShdw>
-        </a:effectLst>
-        <a:scene3d>
-          <a:camera prst="orthographicFront">
-            <a:rot lat="0" lon="0" rev="0"/>
-          </a:camera>
-          <a:lightRig rig="threePt" dir="t">
-            <a:rot lat="0" lon="0" rev="1200000"/>
-          </a:lightRig>
-        </a:scene3d>
-        <a:sp3d>
-          <a:bevelT w="63500" h="25400"/>
-        </a:sp3d>
-      </dsp:spPr>
-      <dsp:style>
-        <a:lnRef idx="0">
-          <a:schemeClr val="accent3"/>
-        </a:lnRef>
-        <a:fillRef idx="3">
-          <a:schemeClr val="accent3"/>
-        </a:fillRef>
-        <a:effectRef idx="3">
-          <a:schemeClr val="accent3"/>
-        </a:effectRef>
-        <a:fontRef idx="minor">
-          <a:schemeClr val="lt1"/>
-        </a:fontRef>
-      </dsp:style>
-      <dsp:txBody>
-        <a:bodyPr spcFirstLastPara="0" vert="horz" wrap="square" lIns="57150" tIns="57150" rIns="57150" bIns="57150" numCol="1" spcCol="1270" anchor="ctr" anchorCtr="0">
-          <a:noAutofit/>
-        </a:bodyPr>
-        <a:lstStyle/>
-        <a:p>
-          <a:pPr lvl="0" algn="ctr" defTabSz="666750">
-            <a:lnSpc>
-              <a:spcPct val="90000"/>
-            </a:lnSpc>
-            <a:spcBef>
-              <a:spcPct val="0"/>
-            </a:spcBef>
-            <a:spcAft>
-              <a:spcPct val="35000"/>
-            </a:spcAft>
-          </a:pPr>
-          <a:r>
-            <a:rPr lang="pt-BR" sz="1500" b="1" kern="1200" dirty="0" smtClean="0"/>
-            <a:t>Microsoft</a:t>
-          </a:r>
-          <a:endParaRPr lang="pt-BR" sz="1500" b="1" kern="1200" dirty="0"/>
-        </a:p>
-      </dsp:txBody>
-      <dsp:txXfrm rot="10800000">
-        <a:off x="2540000" y="2032000"/>
-        <a:ext cx="1016000" cy="1016000"/>
-      </dsp:txXfrm>
-    </dsp:sp>
-    <dsp:sp modelId="{807B0EEA-6F61-4822-8854-C5280B34A5E5}">
-      <dsp:nvSpPr>
-        <dsp:cNvPr id="0" name=""/>
-        <dsp:cNvSpPr/>
-      </dsp:nvSpPr>
-      <dsp:spPr>
-        <a:xfrm>
-          <a:off x="3048000" y="2032000"/>
-          <a:ext cx="2032000" cy="2032000"/>
-        </a:xfrm>
-        <a:prstGeom prst="triangle">
-          <a:avLst/>
-        </a:prstGeom>
-        <a:solidFill>
-          <a:schemeClr val="accent1">
-            <a:hueOff val="0"/>
-            <a:satOff val="0"/>
-            <a:lumOff val="0"/>
-            <a:alphaOff val="0"/>
-          </a:schemeClr>
-        </a:solidFill>
-        <a:ln w="25400" cap="flat" cmpd="sng" algn="ctr">
-          <a:solidFill>
-            <a:schemeClr val="lt1">
-              <a:hueOff val="0"/>
-              <a:satOff val="0"/>
-              <a:lumOff val="0"/>
-              <a:alphaOff val="0"/>
-            </a:schemeClr>
-          </a:solidFill>
-          <a:prstDash val="solid"/>
-        </a:ln>
-        <a:effectLst/>
-      </dsp:spPr>
-      <dsp:style>
-        <a:lnRef idx="2">
-          <a:scrgbClr r="0" g="0" b="0"/>
-        </a:lnRef>
-        <a:fillRef idx="1">
-          <a:scrgbClr r="0" g="0" b="0"/>
-        </a:fillRef>
-        <a:effectRef idx="0">
-          <a:scrgbClr r="0" g="0" b="0"/>
-        </a:effectRef>
-        <a:fontRef idx="minor">
-          <a:schemeClr val="lt1"/>
-        </a:fontRef>
-      </dsp:style>
-      <dsp:txBody>
-        <a:bodyPr spcFirstLastPara="0" vert="horz" wrap="square" lIns="57150" tIns="57150" rIns="57150" bIns="57150" numCol="1" spcCol="1270" anchor="ctr" anchorCtr="0">
-          <a:noAutofit/>
-        </a:bodyPr>
-        <a:lstStyle/>
-        <a:p>
-          <a:pPr lvl="0" algn="ctr" defTabSz="666750">
-            <a:lnSpc>
-              <a:spcPct val="90000"/>
-            </a:lnSpc>
-            <a:spcBef>
-              <a:spcPct val="0"/>
-            </a:spcBef>
-            <a:spcAft>
-              <a:spcPct val="35000"/>
-            </a:spcAft>
-          </a:pPr>
-          <a:r>
-            <a:rPr lang="pt-BR" sz="1500" kern="1200" dirty="0" err="1" smtClean="0"/>
-            <a:t>Forehought</a:t>
-          </a:r>
-          <a:endParaRPr lang="pt-BR" sz="1500" kern="1200" dirty="0"/>
-        </a:p>
-      </dsp:txBody>
-      <dsp:txXfrm>
-        <a:off x="3556000" y="3048000"/>
-        <a:ext cx="1016000" cy="1016000"/>
-      </dsp:txXfrm>
-    </dsp:sp>
   </dsp:spTree>
 </dsp:drawing>
 </file>
@@ -40895,7 +35758,7 @@
           <a:p>
             <a:fld id="{22FF2C2B-E6FE-4B40-8FEC-059ACBF2FDAF}" type="datetimeFigureOut">
               <a:rPr lang="pt-BR" smtClean="0"/>
-              <a:t>10/04/2012</a:t>
+              <a:t>15/04/2012</a:t>
             </a:fld>
             <a:endParaRPr lang="pt-BR"/>
           </a:p>
@@ -41344,7 +36207,7 @@
           <a:p>
             <a:fld id="{832D22F9-ED1D-4ED7-B6EB-0D54C48D0846}" type="datetimeFigureOut">
               <a:rPr lang="pt-BR" smtClean="0"/>
-              <a:t>10/04/2012</a:t>
+              <a:t>15/04/2012</a:t>
             </a:fld>
             <a:endParaRPr lang="pt-BR"/>
           </a:p>
@@ -41514,7 +36377,7 @@
           <a:p>
             <a:fld id="{832D22F9-ED1D-4ED7-B6EB-0D54C48D0846}" type="datetimeFigureOut">
               <a:rPr lang="pt-BR" smtClean="0"/>
-              <a:t>10/04/2012</a:t>
+              <a:t>15/04/2012</a:t>
             </a:fld>
             <a:endParaRPr lang="pt-BR"/>
           </a:p>
@@ -41694,7 +36557,7 @@
           <a:p>
             <a:fld id="{832D22F9-ED1D-4ED7-B6EB-0D54C48D0846}" type="datetimeFigureOut">
               <a:rPr lang="pt-BR" smtClean="0"/>
-              <a:t>10/04/2012</a:t>
+              <a:t>15/04/2012</a:t>
             </a:fld>
             <a:endParaRPr lang="pt-BR"/>
           </a:p>
@@ -41864,7 +36727,7 @@
           <a:p>
             <a:fld id="{832D22F9-ED1D-4ED7-B6EB-0D54C48D0846}" type="datetimeFigureOut">
               <a:rPr lang="pt-BR" smtClean="0"/>
-              <a:t>10/04/2012</a:t>
+              <a:t>15/04/2012</a:t>
             </a:fld>
             <a:endParaRPr lang="pt-BR"/>
           </a:p>
@@ -42110,7 +36973,7 @@
           <a:p>
             <a:fld id="{832D22F9-ED1D-4ED7-B6EB-0D54C48D0846}" type="datetimeFigureOut">
               <a:rPr lang="pt-BR" smtClean="0"/>
-              <a:t>10/04/2012</a:t>
+              <a:t>15/04/2012</a:t>
             </a:fld>
             <a:endParaRPr lang="pt-BR"/>
           </a:p>
@@ -42398,7 +37261,7 @@
           <a:p>
             <a:fld id="{832D22F9-ED1D-4ED7-B6EB-0D54C48D0846}" type="datetimeFigureOut">
               <a:rPr lang="pt-BR" smtClean="0"/>
-              <a:t>10/04/2012</a:t>
+              <a:t>15/04/2012</a:t>
             </a:fld>
             <a:endParaRPr lang="pt-BR"/>
           </a:p>
@@ -42820,7 +37683,7 @@
           <a:p>
             <a:fld id="{832D22F9-ED1D-4ED7-B6EB-0D54C48D0846}" type="datetimeFigureOut">
               <a:rPr lang="pt-BR" smtClean="0"/>
-              <a:t>10/04/2012</a:t>
+              <a:t>15/04/2012</a:t>
             </a:fld>
             <a:endParaRPr lang="pt-BR"/>
           </a:p>
@@ -42938,7 +37801,7 @@
           <a:p>
             <a:fld id="{832D22F9-ED1D-4ED7-B6EB-0D54C48D0846}" type="datetimeFigureOut">
               <a:rPr lang="pt-BR" smtClean="0"/>
-              <a:t>10/04/2012</a:t>
+              <a:t>15/04/2012</a:t>
             </a:fld>
             <a:endParaRPr lang="pt-BR"/>
           </a:p>
@@ -43033,7 +37896,7 @@
           <a:p>
             <a:fld id="{832D22F9-ED1D-4ED7-B6EB-0D54C48D0846}" type="datetimeFigureOut">
               <a:rPr lang="pt-BR" smtClean="0"/>
-              <a:t>10/04/2012</a:t>
+              <a:t>15/04/2012</a:t>
             </a:fld>
             <a:endParaRPr lang="pt-BR"/>
           </a:p>
@@ -43310,7 +38173,7 @@
           <a:p>
             <a:fld id="{832D22F9-ED1D-4ED7-B6EB-0D54C48D0846}" type="datetimeFigureOut">
               <a:rPr lang="pt-BR" smtClean="0"/>
-              <a:t>10/04/2012</a:t>
+              <a:t>15/04/2012</a:t>
             </a:fld>
             <a:endParaRPr lang="pt-BR"/>
           </a:p>
@@ -43563,7 +38426,7 @@
           <a:p>
             <a:fld id="{832D22F9-ED1D-4ED7-B6EB-0D54C48D0846}" type="datetimeFigureOut">
               <a:rPr lang="pt-BR" smtClean="0"/>
-              <a:t>10/04/2012</a:t>
+              <a:t>15/04/2012</a:t>
             </a:fld>
             <a:endParaRPr lang="pt-BR"/>
           </a:p>
@@ -43776,7 +38639,7 @@
           <a:p>
             <a:fld id="{832D22F9-ED1D-4ED7-B6EB-0D54C48D0846}" type="datetimeFigureOut">
               <a:rPr lang="pt-BR" smtClean="0"/>
-              <a:t>10/04/2012</a:t>
+              <a:t>15/04/2012</a:t>
             </a:fld>
             <a:endParaRPr lang="pt-BR"/>
           </a:p>
@@ -44805,7 +39668,6 @@
               <a:rPr lang="pt-BR" sz="1600" dirty="0"/>
               <a:t>Pensemos estrategicamente</a:t>
             </a:r>
-            <a:endParaRPr lang="pt-BR" sz="1600" dirty="0"/>
           </a:p>
         </p:txBody>
       </p:sp>
@@ -45178,11 +40040,7 @@
           <a:p>
             <a:r>
               <a:rPr lang="pt-BR" dirty="0" smtClean="0"/>
-              <a:t>Só funciona em </a:t>
-            </a:r>
-            <a:r>
-              <a:rPr lang="pt-BR" dirty="0" smtClean="0"/>
-              <a:t>cascata (Completa)</a:t>
+              <a:t>Só funciona em cascata (Completa)</a:t>
             </a:r>
             <a:endParaRPr lang="pt-BR" b="1" dirty="0"/>
           </a:p>
@@ -45377,7 +40235,6 @@
               <a:rPr lang="pt-BR" dirty="0" smtClean="0"/>
               <a:t>Contínuo</a:t>
             </a:r>
-            <a:endParaRPr lang="pt-BR" dirty="0" smtClean="0"/>
           </a:p>
           <a:p>
             <a:r>
@@ -47599,11 +42456,7 @@
             <a:pPr lvl="1"/>
             <a:r>
               <a:rPr lang="pt-BR" sz="2000" dirty="0" smtClean="0"/>
-              <a:t>Sem ele é impossível fazer a gestão do planejamento estratégico</a:t>
-            </a:r>
-            <a:r>
-              <a:rPr lang="pt-BR" sz="2000" dirty="0" smtClean="0"/>
-              <a:t>.</a:t>
+              <a:t>Sem ele é impossível fazer a gestão do planejamento estratégico.</a:t>
             </a:r>
           </a:p>
           <a:p>
@@ -48909,13 +43762,15 @@
       <p:cxnSp>
         <p:nvCxnSpPr>
           <p:cNvPr id="61" name="Conector de seta reta 60"/>
-          <p:cNvCxnSpPr/>
+          <p:cNvCxnSpPr>
+            <a:stCxn id="62" idx="6"/>
+          </p:cNvCxnSpPr>
           <p:nvPr/>
         </p:nvCxnSpPr>
         <p:spPr>
           <a:xfrm>
-            <a:off x="2787288" y="1449290"/>
-            <a:ext cx="1193693" cy="29625"/>
+            <a:off x="2931304" y="1485294"/>
+            <a:ext cx="1049677" cy="72608"/>
           </a:xfrm>
           <a:prstGeom prst="straightConnector1">
             <a:avLst/>
@@ -49069,6 +43924,40 @@
           </a:p>
         </p:txBody>
       </p:sp>
+      <p:cxnSp>
+        <p:nvCxnSpPr>
+          <p:cNvPr id="59" name="Conector de seta reta 58"/>
+          <p:cNvCxnSpPr/>
+          <p:nvPr/>
+        </p:nvCxnSpPr>
+        <p:spPr>
+          <a:xfrm>
+            <a:off x="3980981" y="1561652"/>
+            <a:ext cx="1137975" cy="281524"/>
+          </a:xfrm>
+          <a:prstGeom prst="straightConnector1">
+            <a:avLst/>
+          </a:prstGeom>
+          <a:ln w="25400">
+            <a:prstDash val="dash"/>
+            <a:tailEnd type="none"/>
+          </a:ln>
+        </p:spPr>
+        <p:style>
+          <a:lnRef idx="1">
+            <a:schemeClr val="accent1"/>
+          </a:lnRef>
+          <a:fillRef idx="0">
+            <a:schemeClr val="accent1"/>
+          </a:fillRef>
+          <a:effectRef idx="0">
+            <a:schemeClr val="accent1"/>
+          </a:effectRef>
+          <a:fontRef idx="minor">
+            <a:schemeClr val="tx1"/>
+          </a:fontRef>
+        </p:style>
+      </p:cxnSp>
       <p:sp>
         <p:nvSpPr>
           <p:cNvPr id="67" name="Elipse 66"/>
@@ -49077,8 +43966,8 @@
         </p:nvSpPr>
         <p:spPr>
           <a:xfrm>
-            <a:off x="3874304" y="1382232"/>
-            <a:ext cx="216024" cy="216024"/>
+            <a:off x="3892117" y="1476850"/>
+            <a:ext cx="121632" cy="144016"/>
           </a:xfrm>
           <a:prstGeom prst="ellipse">
             <a:avLst/>
@@ -49110,39 +43999,6 @@
           </a:p>
         </p:txBody>
       </p:sp>
-      <p:cxnSp>
-        <p:nvCxnSpPr>
-          <p:cNvPr id="69" name="Conector reto 68"/>
-          <p:cNvCxnSpPr/>
-          <p:nvPr/>
-        </p:nvCxnSpPr>
-        <p:spPr>
-          <a:xfrm>
-            <a:off x="3980981" y="1478915"/>
-            <a:ext cx="1137975" cy="252855"/>
-          </a:xfrm>
-          <a:prstGeom prst="line">
-            <a:avLst/>
-          </a:prstGeom>
-          <a:ln w="25400">
-            <a:prstDash val="dash"/>
-          </a:ln>
-        </p:spPr>
-        <p:style>
-          <a:lnRef idx="1">
-            <a:schemeClr val="accent1"/>
-          </a:lnRef>
-          <a:fillRef idx="0">
-            <a:schemeClr val="accent1"/>
-          </a:fillRef>
-          <a:effectRef idx="0">
-            <a:schemeClr val="accent1"/>
-          </a:effectRef>
-          <a:fontRef idx="minor">
-            <a:schemeClr val="tx1"/>
-          </a:fontRef>
-        </p:style>
-      </p:cxnSp>
     </p:spTree>
     <p:extLst>
       <p:ext uri="{BB962C8B-B14F-4D97-AF65-F5344CB8AC3E}">
@@ -49277,15 +44133,7 @@
             <a:pPr lvl="1"/>
             <a:r>
               <a:rPr lang="pt-BR" dirty="0" smtClean="0"/>
-              <a:t>Quando começam a “sentir dor” demoram mais para se </a:t>
-            </a:r>
-            <a:r>
-              <a:rPr lang="pt-BR" dirty="0" smtClean="0"/>
-              <a:t>acostumar </a:t>
-            </a:r>
-            <a:r>
-              <a:rPr lang="pt-BR" dirty="0" smtClean="0"/>
-              <a:t>ao plano.</a:t>
+              <a:t>Quando começam a “sentir dor” demoram mais para se acostumar ao plano.</a:t>
             </a:r>
             <a:endParaRPr lang="pt-BR" dirty="0"/>
           </a:p>
@@ -50961,7 +45809,6 @@
               <a:rPr lang="pt-BR" dirty="0"/>
               <a:t>Estratégias Direcionais</a:t>
             </a:r>
-            <a:endParaRPr lang="pt-BR" dirty="0"/>
           </a:p>
         </p:txBody>
       </p:sp>
@@ -51399,7 +46246,6 @@
               <a:rPr lang="pt-BR" dirty="0" smtClean="0"/>
               <a:t>Missão</a:t>
             </a:r>
-            <a:endParaRPr lang="pt-BR" dirty="0" smtClean="0"/>
           </a:p>
           <a:p>
             <a:pPr lvl="1"/>
@@ -52079,11 +46925,7 @@
             </a:r>
             <a:r>
               <a:rPr lang="pt-BR" sz="1600" dirty="0" smtClean="0"/>
-              <a:t>” </a:t>
-            </a:r>
-            <a:r>
-              <a:rPr lang="pt-BR" sz="1600" dirty="0" smtClean="0"/>
-              <a:t>para você levar a licitação</a:t>
+              <a:t>” para você levar a licitação</a:t>
             </a:r>
             <a:endParaRPr lang="pt-BR" sz="1600" dirty="0"/>
           </a:p>
@@ -52557,11 +47399,7 @@
             </a:r>
             <a:r>
               <a:rPr lang="pt-BR" dirty="0" smtClean="0"/>
-              <a:t>oncentra todas as fases da produção de uma matéria-prima, da extração até a colocação do produto final no </a:t>
-            </a:r>
-            <a:r>
-              <a:rPr lang="pt-BR" dirty="0" smtClean="0"/>
-              <a:t>mercado</a:t>
+              <a:t>oncentra todas as fases da produção de uma matéria-prima, da extração até a colocação do produto final no mercado</a:t>
             </a:r>
           </a:p>
           <a:p>
@@ -55110,7 +49948,6 @@
               <a:rPr lang="pt-BR" dirty="0"/>
               <a:t>em planejamento e gestão de projetos.</a:t>
             </a:r>
-            <a:endParaRPr lang="pt-BR" dirty="0"/>
           </a:p>
         </p:txBody>
       </p:sp>

--- a/Gestao Estrategica TI/Estrategia Empresarial/Meu estudo.pptx
+++ b/Gestao Estrategica TI/Estrategia Empresarial/Meu estudo.pptx
@@ -10167,31 +10167,31 @@
     </dgm:pt>
   </dgm:ptLst>
   <dgm:cxnLst>
+    <dgm:cxn modelId="{657D20CD-D118-48DE-861C-C81C88487F62}" type="presOf" srcId="{5F6E9507-E9C4-48B5-BE39-92B528C9CD28}" destId="{896B29AC-37A8-4CDA-A2AF-69A070EA1311}" srcOrd="0" destOrd="0" presId="urn:microsoft.com/office/officeart/2005/8/layout/vList5"/>
+    <dgm:cxn modelId="{A8775C05-1922-4F7A-844C-F43DE18013B3}" srcId="{72FE2D84-F11C-4F04-A071-5FE2E42A5FA0}" destId="{3C4B0C0B-ADB8-4E4B-932E-236B8B45C506}" srcOrd="4" destOrd="0" parTransId="{3959525E-59E8-4AC8-81E9-EE8D453DDB69}" sibTransId="{37BF4AA7-CD87-4F35-B830-3D5AE5045BCA}"/>
+    <dgm:cxn modelId="{178F2964-D56A-486A-895B-55F5ADBCAC70}" srcId="{72FE2D84-F11C-4F04-A071-5FE2E42A5FA0}" destId="{5F6E9507-E9C4-48B5-BE39-92B528C9CD28}" srcOrd="3" destOrd="0" parTransId="{D268F6FD-2B34-4399-8ACE-3E755C8B1A90}" sibTransId="{9D3340FB-407F-4E90-ADE6-537A6F879836}"/>
+    <dgm:cxn modelId="{C0BCE0C6-B782-4473-A2C9-3F46F4034897}" type="presOf" srcId="{29624614-86CC-49F8-895B-53F42FF4351F}" destId="{404009E2-52E2-4FBD-8A06-2B3B9B79AB2A}" srcOrd="0" destOrd="0" presId="urn:microsoft.com/office/officeart/2005/8/layout/vList5"/>
+    <dgm:cxn modelId="{B20C1574-C7C1-4F76-A73B-40CF0D2F0828}" type="presOf" srcId="{F86C4A92-F069-4440-81D2-A8F820D2CBEC}" destId="{B27C1B24-E235-4511-8BCB-482FBE1E642D}" srcOrd="0" destOrd="0" presId="urn:microsoft.com/office/officeart/2005/8/layout/vList5"/>
+    <dgm:cxn modelId="{CEFADC55-8ED4-4821-AE47-E1400A2E4AD9}" srcId="{29624614-86CC-49F8-895B-53F42FF4351F}" destId="{9B098DAA-F9A2-4784-9F39-73585BC8E5A5}" srcOrd="2" destOrd="0" parTransId="{BBED1482-56BA-4529-A9B6-3D0EDDA5B211}" sibTransId="{841AAFC2-F24B-4BD6-8120-9F8878D46F3C}"/>
+    <dgm:cxn modelId="{9C0275D5-31F1-4906-ABA5-D6BEF400372A}" srcId="{F86C4A92-F069-4440-81D2-A8F820D2CBEC}" destId="{C5204820-2E29-4D23-B968-ED4BBF16FE38}" srcOrd="0" destOrd="0" parTransId="{54B08E49-35F8-4DCD-B046-3F36C603BFEE}" sibTransId="{E04BEDAA-490A-4350-804F-E4311EE217DD}"/>
+    <dgm:cxn modelId="{A972344A-6BF8-4F6A-9C20-EF1CF7D28302}" srcId="{72FE2D84-F11C-4F04-A071-5FE2E42A5FA0}" destId="{29624614-86CC-49F8-895B-53F42FF4351F}" srcOrd="0" destOrd="0" parTransId="{E08C3CF6-CC5D-4556-924B-43021B51E7FC}" sibTransId="{C00213DE-DD48-4615-8631-3BB0674B34F1}"/>
+    <dgm:cxn modelId="{EDB1D709-42AA-4822-BCA3-D20E578A3EE9}" type="presOf" srcId="{3C4B0C0B-ADB8-4E4B-932E-236B8B45C506}" destId="{F48CEC02-FE9B-4CA2-ADC0-10BD5C6936C7}" srcOrd="0" destOrd="0" presId="urn:microsoft.com/office/officeart/2005/8/layout/vList5"/>
+    <dgm:cxn modelId="{59D36D82-68AE-4C23-AA0F-65902B37CFFE}" type="presOf" srcId="{0B8A6F9C-084F-49E5-BE2E-9C7BE29265A7}" destId="{CF554BA7-8537-42CC-8DE8-375356E525EE}" srcOrd="0" destOrd="0" presId="urn:microsoft.com/office/officeart/2005/8/layout/vList5"/>
     <dgm:cxn modelId="{F6F6B686-7B20-4B44-8A42-4A7A6D60469A}" type="presOf" srcId="{4B502B79-2676-4FF7-91F9-42DAF0AD80CF}" destId="{0C25F599-2E82-4F49-B192-B59CAF50628E}" srcOrd="0" destOrd="0" presId="urn:microsoft.com/office/officeart/2005/8/layout/vList5"/>
+    <dgm:cxn modelId="{B5DA490F-AB7E-4D01-A45B-7F94EBFBC239}" type="presOf" srcId="{27F6A0D5-F716-40F2-A11C-BA891D5493FD}" destId="{F5E68069-5C75-4F52-B3B6-076EA21298D7}" srcOrd="0" destOrd="0" presId="urn:microsoft.com/office/officeart/2005/8/layout/vList5"/>
     <dgm:cxn modelId="{64F09020-309D-428C-BE1B-CE03053579F3}" srcId="{72FE2D84-F11C-4F04-A071-5FE2E42A5FA0}" destId="{F86C4A92-F069-4440-81D2-A8F820D2CBEC}" srcOrd="1" destOrd="0" parTransId="{3491CAA4-B7C7-4BE2-BEC1-D3E0377D05C5}" sibTransId="{2EE1A6A3-3DBB-479E-88D9-72ADB068701E}"/>
+    <dgm:cxn modelId="{DFC89609-F978-478E-8A29-235CE9BAADB8}" srcId="{3C4B0C0B-ADB8-4E4B-932E-236B8B45C506}" destId="{4B502B79-2676-4FF7-91F9-42DAF0AD80CF}" srcOrd="0" destOrd="0" parTransId="{CA083685-5232-4987-BD71-95E3CBFF35B8}" sibTransId="{A3751BCB-59C3-450F-8047-203484DB3E75}"/>
+    <dgm:cxn modelId="{5C99E565-3A09-4543-B01C-DAD43F532D92}" srcId="{3E188B9D-ABBD-4EEE-BA62-C68173A55066}" destId="{5BEFC331-3A31-4C98-9F1E-37089477266F}" srcOrd="0" destOrd="0" parTransId="{C98A95BA-0A82-4F69-BCBF-CE757CE835D1}" sibTransId="{AA0EA059-30CE-4677-94AF-3A9C42984A8B}"/>
+    <dgm:cxn modelId="{67AC60E3-7DDC-49C0-80F8-027BB7EAE54E}" type="presOf" srcId="{72FE2D84-F11C-4F04-A071-5FE2E42A5FA0}" destId="{CAA7098C-9373-48A6-89B8-2CA204F7A109}" srcOrd="0" destOrd="0" presId="urn:microsoft.com/office/officeart/2005/8/layout/vList5"/>
+    <dgm:cxn modelId="{39DBA0D9-9ABC-4ECF-94A6-0F183492F4B4}" type="presOf" srcId="{5BEFC331-3A31-4C98-9F1E-37089477266F}" destId="{F3BDE4F4-7BE2-41A2-B6DB-9077B3E9C21C}" srcOrd="0" destOrd="0" presId="urn:microsoft.com/office/officeart/2005/8/layout/vList5"/>
+    <dgm:cxn modelId="{450CB440-6FA2-4D97-BCE3-0368EEDEBF86}" type="presOf" srcId="{9B098DAA-F9A2-4784-9F39-73585BC8E5A5}" destId="{F5E68069-5C75-4F52-B3B6-076EA21298D7}" srcOrd="0" destOrd="2" presId="urn:microsoft.com/office/officeart/2005/8/layout/vList5"/>
+    <dgm:cxn modelId="{2BCE6349-D3D0-4491-B990-4F38CF07E3B7}" type="presOf" srcId="{1A9695E4-561B-4D75-8F9C-4EC662C43318}" destId="{F5E68069-5C75-4F52-B3B6-076EA21298D7}" srcOrd="0" destOrd="1" presId="urn:microsoft.com/office/officeart/2005/8/layout/vList5"/>
+    <dgm:cxn modelId="{AE60FC95-8620-4902-B5D5-1FD09C6473C8}" type="presOf" srcId="{C5204820-2E29-4D23-B968-ED4BBF16FE38}" destId="{E5206532-7C8F-4EFA-ADED-2A331D524BCC}" srcOrd="0" destOrd="0" presId="urn:microsoft.com/office/officeart/2005/8/layout/vList5"/>
+    <dgm:cxn modelId="{D7006A4D-9778-4FC6-84FD-F9BC6E3C0201}" type="presOf" srcId="{3E188B9D-ABBD-4EEE-BA62-C68173A55066}" destId="{2A524A9B-0EA8-40FE-A47A-7E87EFB1A635}" srcOrd="0" destOrd="0" presId="urn:microsoft.com/office/officeart/2005/8/layout/vList5"/>
+    <dgm:cxn modelId="{48C37A8D-A51B-4080-97A2-98678222C0D1}" srcId="{5F6E9507-E9C4-48B5-BE39-92B528C9CD28}" destId="{0B8A6F9C-084F-49E5-BE2E-9C7BE29265A7}" srcOrd="0" destOrd="0" parTransId="{511153F8-ADB5-429C-A462-0007A5144440}" sibTransId="{BA59A3E4-A5A9-475E-9B03-F10FD4BF32FF}"/>
     <dgm:cxn modelId="{DCA45962-B2A7-4B3B-93DB-3F0472C03174}" srcId="{29624614-86CC-49F8-895B-53F42FF4351F}" destId="{27F6A0D5-F716-40F2-A11C-BA891D5493FD}" srcOrd="0" destOrd="0" parTransId="{F1AF8107-523E-479D-AAA8-98B5DE6915BF}" sibTransId="{4193C63A-A727-4E60-8CE7-D51B913B07E3}"/>
     <dgm:cxn modelId="{D4BEE6AD-D0F1-4DCC-AA1B-DE1DD8C13B5C}" srcId="{72FE2D84-F11C-4F04-A071-5FE2E42A5FA0}" destId="{3E188B9D-ABBD-4EEE-BA62-C68173A55066}" srcOrd="2" destOrd="0" parTransId="{95FB7486-8889-4CA9-A041-854FDAFF1A56}" sibTransId="{F02641B1-209D-493F-8335-D0C49A8DAA42}"/>
-    <dgm:cxn modelId="{5C99E565-3A09-4543-B01C-DAD43F532D92}" srcId="{3E188B9D-ABBD-4EEE-BA62-C68173A55066}" destId="{5BEFC331-3A31-4C98-9F1E-37089477266F}" srcOrd="0" destOrd="0" parTransId="{C98A95BA-0A82-4F69-BCBF-CE757CE835D1}" sibTransId="{AA0EA059-30CE-4677-94AF-3A9C42984A8B}"/>
-    <dgm:cxn modelId="{A8775C05-1922-4F7A-844C-F43DE18013B3}" srcId="{72FE2D84-F11C-4F04-A071-5FE2E42A5FA0}" destId="{3C4B0C0B-ADB8-4E4B-932E-236B8B45C506}" srcOrd="4" destOrd="0" parTransId="{3959525E-59E8-4AC8-81E9-EE8D453DDB69}" sibTransId="{37BF4AA7-CD87-4F35-B830-3D5AE5045BCA}"/>
-    <dgm:cxn modelId="{59D36D82-68AE-4C23-AA0F-65902B37CFFE}" type="presOf" srcId="{0B8A6F9C-084F-49E5-BE2E-9C7BE29265A7}" destId="{CF554BA7-8537-42CC-8DE8-375356E525EE}" srcOrd="0" destOrd="0" presId="urn:microsoft.com/office/officeart/2005/8/layout/vList5"/>
-    <dgm:cxn modelId="{9C0275D5-31F1-4906-ABA5-D6BEF400372A}" srcId="{F86C4A92-F069-4440-81D2-A8F820D2CBEC}" destId="{C5204820-2E29-4D23-B968-ED4BBF16FE38}" srcOrd="0" destOrd="0" parTransId="{54B08E49-35F8-4DCD-B046-3F36C603BFEE}" sibTransId="{E04BEDAA-490A-4350-804F-E4311EE217DD}"/>
-    <dgm:cxn modelId="{AE60FC95-8620-4902-B5D5-1FD09C6473C8}" type="presOf" srcId="{C5204820-2E29-4D23-B968-ED4BBF16FE38}" destId="{E5206532-7C8F-4EFA-ADED-2A331D524BCC}" srcOrd="0" destOrd="0" presId="urn:microsoft.com/office/officeart/2005/8/layout/vList5"/>
-    <dgm:cxn modelId="{D7006A4D-9778-4FC6-84FD-F9BC6E3C0201}" type="presOf" srcId="{3E188B9D-ABBD-4EEE-BA62-C68173A55066}" destId="{2A524A9B-0EA8-40FE-A47A-7E87EFB1A635}" srcOrd="0" destOrd="0" presId="urn:microsoft.com/office/officeart/2005/8/layout/vList5"/>
-    <dgm:cxn modelId="{A972344A-6BF8-4F6A-9C20-EF1CF7D28302}" srcId="{72FE2D84-F11C-4F04-A071-5FE2E42A5FA0}" destId="{29624614-86CC-49F8-895B-53F42FF4351F}" srcOrd="0" destOrd="0" parTransId="{E08C3CF6-CC5D-4556-924B-43021B51E7FC}" sibTransId="{C00213DE-DD48-4615-8631-3BB0674B34F1}"/>
-    <dgm:cxn modelId="{C0BCE0C6-B782-4473-A2C9-3F46F4034897}" type="presOf" srcId="{29624614-86CC-49F8-895B-53F42FF4351F}" destId="{404009E2-52E2-4FBD-8A06-2B3B9B79AB2A}" srcOrd="0" destOrd="0" presId="urn:microsoft.com/office/officeart/2005/8/layout/vList5"/>
-    <dgm:cxn modelId="{48C37A8D-A51B-4080-97A2-98678222C0D1}" srcId="{5F6E9507-E9C4-48B5-BE39-92B528C9CD28}" destId="{0B8A6F9C-084F-49E5-BE2E-9C7BE29265A7}" srcOrd="0" destOrd="0" parTransId="{511153F8-ADB5-429C-A462-0007A5144440}" sibTransId="{BA59A3E4-A5A9-475E-9B03-F10FD4BF32FF}"/>
-    <dgm:cxn modelId="{2BCE6349-D3D0-4491-B990-4F38CF07E3B7}" type="presOf" srcId="{1A9695E4-561B-4D75-8F9C-4EC662C43318}" destId="{F5E68069-5C75-4F52-B3B6-076EA21298D7}" srcOrd="0" destOrd="1" presId="urn:microsoft.com/office/officeart/2005/8/layout/vList5"/>
-    <dgm:cxn modelId="{178F2964-D56A-486A-895B-55F5ADBCAC70}" srcId="{72FE2D84-F11C-4F04-A071-5FE2E42A5FA0}" destId="{5F6E9507-E9C4-48B5-BE39-92B528C9CD28}" srcOrd="3" destOrd="0" parTransId="{D268F6FD-2B34-4399-8ACE-3E755C8B1A90}" sibTransId="{9D3340FB-407F-4E90-ADE6-537A6F879836}"/>
     <dgm:cxn modelId="{A4A212A0-0EB8-4A63-866F-A9293B1B968F}" srcId="{29624614-86CC-49F8-895B-53F42FF4351F}" destId="{1A9695E4-561B-4D75-8F9C-4EC662C43318}" srcOrd="1" destOrd="0" parTransId="{1DF50571-3911-448F-B56D-7FFCAB6AA85B}" sibTransId="{AF00FA8F-4591-45C7-964F-4901532E9BEC}"/>
-    <dgm:cxn modelId="{DFC89609-F978-478E-8A29-235CE9BAADB8}" srcId="{3C4B0C0B-ADB8-4E4B-932E-236B8B45C506}" destId="{4B502B79-2676-4FF7-91F9-42DAF0AD80CF}" srcOrd="0" destOrd="0" parTransId="{CA083685-5232-4987-BD71-95E3CBFF35B8}" sibTransId="{A3751BCB-59C3-450F-8047-203484DB3E75}"/>
-    <dgm:cxn modelId="{657D20CD-D118-48DE-861C-C81C88487F62}" type="presOf" srcId="{5F6E9507-E9C4-48B5-BE39-92B528C9CD28}" destId="{896B29AC-37A8-4CDA-A2AF-69A070EA1311}" srcOrd="0" destOrd="0" presId="urn:microsoft.com/office/officeart/2005/8/layout/vList5"/>
-    <dgm:cxn modelId="{EDB1D709-42AA-4822-BCA3-D20E578A3EE9}" type="presOf" srcId="{3C4B0C0B-ADB8-4E4B-932E-236B8B45C506}" destId="{F48CEC02-FE9B-4CA2-ADC0-10BD5C6936C7}" srcOrd="0" destOrd="0" presId="urn:microsoft.com/office/officeart/2005/8/layout/vList5"/>
-    <dgm:cxn modelId="{67AC60E3-7DDC-49C0-80F8-027BB7EAE54E}" type="presOf" srcId="{72FE2D84-F11C-4F04-A071-5FE2E42A5FA0}" destId="{CAA7098C-9373-48A6-89B8-2CA204F7A109}" srcOrd="0" destOrd="0" presId="urn:microsoft.com/office/officeart/2005/8/layout/vList5"/>
-    <dgm:cxn modelId="{450CB440-6FA2-4D97-BCE3-0368EEDEBF86}" type="presOf" srcId="{9B098DAA-F9A2-4784-9F39-73585BC8E5A5}" destId="{F5E68069-5C75-4F52-B3B6-076EA21298D7}" srcOrd="0" destOrd="2" presId="urn:microsoft.com/office/officeart/2005/8/layout/vList5"/>
-    <dgm:cxn modelId="{B20C1574-C7C1-4F76-A73B-40CF0D2F0828}" type="presOf" srcId="{F86C4A92-F069-4440-81D2-A8F820D2CBEC}" destId="{B27C1B24-E235-4511-8BCB-482FBE1E642D}" srcOrd="0" destOrd="0" presId="urn:microsoft.com/office/officeart/2005/8/layout/vList5"/>
-    <dgm:cxn modelId="{B5DA490F-AB7E-4D01-A45B-7F94EBFBC239}" type="presOf" srcId="{27F6A0D5-F716-40F2-A11C-BA891D5493FD}" destId="{F5E68069-5C75-4F52-B3B6-076EA21298D7}" srcOrd="0" destOrd="0" presId="urn:microsoft.com/office/officeart/2005/8/layout/vList5"/>
-    <dgm:cxn modelId="{39DBA0D9-9ABC-4ECF-94A6-0F183492F4B4}" type="presOf" srcId="{5BEFC331-3A31-4C98-9F1E-37089477266F}" destId="{F3BDE4F4-7BE2-41A2-B6DB-9077B3E9C21C}" srcOrd="0" destOrd="0" presId="urn:microsoft.com/office/officeart/2005/8/layout/vList5"/>
-    <dgm:cxn modelId="{CEFADC55-8ED4-4821-AE47-E1400A2E4AD9}" srcId="{29624614-86CC-49F8-895B-53F42FF4351F}" destId="{9B098DAA-F9A2-4784-9F39-73585BC8E5A5}" srcOrd="2" destOrd="0" parTransId="{BBED1482-56BA-4529-A9B6-3D0EDDA5B211}" sibTransId="{841AAFC2-F24B-4BD6-8120-9F8878D46F3C}"/>
     <dgm:cxn modelId="{16CB791E-9535-4027-AFB1-127F6C49FD8C}" type="presParOf" srcId="{CAA7098C-9373-48A6-89B8-2CA204F7A109}" destId="{92265B3B-669C-4072-BDFF-F2127508F0E4}" srcOrd="0" destOrd="0" presId="urn:microsoft.com/office/officeart/2005/8/layout/vList5"/>
     <dgm:cxn modelId="{A6826F5E-7DCF-46DD-8736-9591B778011F}" type="presParOf" srcId="{92265B3B-669C-4072-BDFF-F2127508F0E4}" destId="{404009E2-52E2-4FBD-8A06-2B3B9B79AB2A}" srcOrd="0" destOrd="0" presId="urn:microsoft.com/office/officeart/2005/8/layout/vList5"/>
     <dgm:cxn modelId="{661A13F0-3651-4E93-8642-7404BB1D5AB1}" type="presParOf" srcId="{92265B3B-669C-4072-BDFF-F2127508F0E4}" destId="{F5E68069-5C75-4F52-B3B6-076EA21298D7}" srcOrd="1" destOrd="0" presId="urn:microsoft.com/office/officeart/2005/8/layout/vList5"/>
@@ -11054,31 +11054,31 @@
     </dgm:pt>
   </dgm:ptLst>
   <dgm:cxnLst>
+    <dgm:cxn modelId="{A5E07F83-C379-4D53-AB54-1EC3F5797E47}" type="presOf" srcId="{9B098DAA-F9A2-4784-9F39-73585BC8E5A5}" destId="{F5E68069-5C75-4F52-B3B6-076EA21298D7}" srcOrd="0" destOrd="2" presId="urn:microsoft.com/office/officeart/2005/8/layout/vList5"/>
+    <dgm:cxn modelId="{1DF12EEC-ECDA-4257-9921-7137C763F70A}" type="presOf" srcId="{3E188B9D-ABBD-4EEE-BA62-C68173A55066}" destId="{2A524A9B-0EA8-40FE-A47A-7E87EFB1A635}" srcOrd="0" destOrd="0" presId="urn:microsoft.com/office/officeart/2005/8/layout/vList5"/>
+    <dgm:cxn modelId="{A8775C05-1922-4F7A-844C-F43DE18013B3}" srcId="{72FE2D84-F11C-4F04-A071-5FE2E42A5FA0}" destId="{3C4B0C0B-ADB8-4E4B-932E-236B8B45C506}" srcOrd="4" destOrd="0" parTransId="{3959525E-59E8-4AC8-81E9-EE8D453DDB69}" sibTransId="{37BF4AA7-CD87-4F35-B830-3D5AE5045BCA}"/>
+    <dgm:cxn modelId="{178F2964-D56A-486A-895B-55F5ADBCAC70}" srcId="{72FE2D84-F11C-4F04-A071-5FE2E42A5FA0}" destId="{5F6E9507-E9C4-48B5-BE39-92B528C9CD28}" srcOrd="3" destOrd="0" parTransId="{D268F6FD-2B34-4399-8ACE-3E755C8B1A90}" sibTransId="{9D3340FB-407F-4E90-ADE6-537A6F879836}"/>
+    <dgm:cxn modelId="{279542D8-883E-43C9-BA78-729EE0BDEBB0}" type="presOf" srcId="{3C4B0C0B-ADB8-4E4B-932E-236B8B45C506}" destId="{F48CEC02-FE9B-4CA2-ADC0-10BD5C6936C7}" srcOrd="0" destOrd="0" presId="urn:microsoft.com/office/officeart/2005/8/layout/vList5"/>
+    <dgm:cxn modelId="{DE2F6CF4-1C94-44C6-AE2D-1E335C6297C4}" type="presOf" srcId="{5F6E9507-E9C4-48B5-BE39-92B528C9CD28}" destId="{896B29AC-37A8-4CDA-A2AF-69A070EA1311}" srcOrd="0" destOrd="0" presId="urn:microsoft.com/office/officeart/2005/8/layout/vList5"/>
+    <dgm:cxn modelId="{4969821D-8253-4B81-A60C-0CC6C299E352}" type="presOf" srcId="{C5204820-2E29-4D23-B968-ED4BBF16FE38}" destId="{E5206532-7C8F-4EFA-ADED-2A331D524BCC}" srcOrd="0" destOrd="0" presId="urn:microsoft.com/office/officeart/2005/8/layout/vList5"/>
+    <dgm:cxn modelId="{CEFADC55-8ED4-4821-AE47-E1400A2E4AD9}" srcId="{29624614-86CC-49F8-895B-53F42FF4351F}" destId="{9B098DAA-F9A2-4784-9F39-73585BC8E5A5}" srcOrd="2" destOrd="0" parTransId="{BBED1482-56BA-4529-A9B6-3D0EDDA5B211}" sibTransId="{841AAFC2-F24B-4BD6-8120-9F8878D46F3C}"/>
+    <dgm:cxn modelId="{B54E4942-FB2C-473F-B144-F3CE70A6615B}" type="presOf" srcId="{F86C4A92-F069-4440-81D2-A8F820D2CBEC}" destId="{B27C1B24-E235-4511-8BCB-482FBE1E642D}" srcOrd="0" destOrd="0" presId="urn:microsoft.com/office/officeart/2005/8/layout/vList5"/>
+    <dgm:cxn modelId="{334A99CD-35A1-40C1-9717-1E2323749A4F}" type="presOf" srcId="{27F6A0D5-F716-40F2-A11C-BA891D5493FD}" destId="{F5E68069-5C75-4F52-B3B6-076EA21298D7}" srcOrd="0" destOrd="0" presId="urn:microsoft.com/office/officeart/2005/8/layout/vList5"/>
+    <dgm:cxn modelId="{BFB3AE1B-F5BB-4F66-BF2F-A1A4682B9B5E}" type="presOf" srcId="{29624614-86CC-49F8-895B-53F42FF4351F}" destId="{404009E2-52E2-4FBD-8A06-2B3B9B79AB2A}" srcOrd="0" destOrd="0" presId="urn:microsoft.com/office/officeart/2005/8/layout/vList5"/>
+    <dgm:cxn modelId="{9C0275D5-31F1-4906-ABA5-D6BEF400372A}" srcId="{F86C4A92-F069-4440-81D2-A8F820D2CBEC}" destId="{C5204820-2E29-4D23-B968-ED4BBF16FE38}" srcOrd="0" destOrd="0" parTransId="{54B08E49-35F8-4DCD-B046-3F36C603BFEE}" sibTransId="{E04BEDAA-490A-4350-804F-E4311EE217DD}"/>
+    <dgm:cxn modelId="{A972344A-6BF8-4F6A-9C20-EF1CF7D28302}" srcId="{72FE2D84-F11C-4F04-A071-5FE2E42A5FA0}" destId="{29624614-86CC-49F8-895B-53F42FF4351F}" srcOrd="0" destOrd="0" parTransId="{E08C3CF6-CC5D-4556-924B-43021B51E7FC}" sibTransId="{C00213DE-DD48-4615-8631-3BB0674B34F1}"/>
     <dgm:cxn modelId="{64F09020-309D-428C-BE1B-CE03053579F3}" srcId="{72FE2D84-F11C-4F04-A071-5FE2E42A5FA0}" destId="{F86C4A92-F069-4440-81D2-A8F820D2CBEC}" srcOrd="1" destOrd="0" parTransId="{3491CAA4-B7C7-4BE2-BEC1-D3E0377D05C5}" sibTransId="{2EE1A6A3-3DBB-479E-88D9-72ADB068701E}"/>
+    <dgm:cxn modelId="{DFC89609-F978-478E-8A29-235CE9BAADB8}" srcId="{3C4B0C0B-ADB8-4E4B-932E-236B8B45C506}" destId="{4B502B79-2676-4FF7-91F9-42DAF0AD80CF}" srcOrd="0" destOrd="0" parTransId="{CA083685-5232-4987-BD71-95E3CBFF35B8}" sibTransId="{A3751BCB-59C3-450F-8047-203484DB3E75}"/>
+    <dgm:cxn modelId="{725A800B-BA6A-4DAD-BE68-98B6C095B74B}" type="presOf" srcId="{1A9695E4-561B-4D75-8F9C-4EC662C43318}" destId="{F5E68069-5C75-4F52-B3B6-076EA21298D7}" srcOrd="0" destOrd="1" presId="urn:microsoft.com/office/officeart/2005/8/layout/vList5"/>
+    <dgm:cxn modelId="{D161091B-D074-4BB1-945B-451B2D770110}" type="presOf" srcId="{0B8A6F9C-084F-49E5-BE2E-9C7BE29265A7}" destId="{CF554BA7-8537-42CC-8DE8-375356E525EE}" srcOrd="0" destOrd="0" presId="urn:microsoft.com/office/officeart/2005/8/layout/vList5"/>
+    <dgm:cxn modelId="{24663115-B952-43C4-9D85-4A0A780AF38A}" type="presOf" srcId="{72FE2D84-F11C-4F04-A071-5FE2E42A5FA0}" destId="{CAA7098C-9373-48A6-89B8-2CA204F7A109}" srcOrd="0" destOrd="0" presId="urn:microsoft.com/office/officeart/2005/8/layout/vList5"/>
+    <dgm:cxn modelId="{360544E2-D584-4829-A4D3-D3031B069142}" type="presOf" srcId="{5BEFC331-3A31-4C98-9F1E-37089477266F}" destId="{F3BDE4F4-7BE2-41A2-B6DB-9077B3E9C21C}" srcOrd="0" destOrd="0" presId="urn:microsoft.com/office/officeart/2005/8/layout/vList5"/>
+    <dgm:cxn modelId="{5C99E565-3A09-4543-B01C-DAD43F532D92}" srcId="{3E188B9D-ABBD-4EEE-BA62-C68173A55066}" destId="{5BEFC331-3A31-4C98-9F1E-37089477266F}" srcOrd="0" destOrd="0" parTransId="{C98A95BA-0A82-4F69-BCBF-CE757CE835D1}" sibTransId="{AA0EA059-30CE-4677-94AF-3A9C42984A8B}"/>
+    <dgm:cxn modelId="{804DA39E-29C9-4BAC-AAE6-3704795F62D5}" type="presOf" srcId="{4B502B79-2676-4FF7-91F9-42DAF0AD80CF}" destId="{0C25F599-2E82-4F49-B192-B59CAF50628E}" srcOrd="0" destOrd="0" presId="urn:microsoft.com/office/officeart/2005/8/layout/vList5"/>
+    <dgm:cxn modelId="{48C37A8D-A51B-4080-97A2-98678222C0D1}" srcId="{5F6E9507-E9C4-48B5-BE39-92B528C9CD28}" destId="{0B8A6F9C-084F-49E5-BE2E-9C7BE29265A7}" srcOrd="0" destOrd="0" parTransId="{511153F8-ADB5-429C-A462-0007A5144440}" sibTransId="{BA59A3E4-A5A9-475E-9B03-F10FD4BF32FF}"/>
     <dgm:cxn modelId="{DCA45962-B2A7-4B3B-93DB-3F0472C03174}" srcId="{29624614-86CC-49F8-895B-53F42FF4351F}" destId="{27F6A0D5-F716-40F2-A11C-BA891D5493FD}" srcOrd="0" destOrd="0" parTransId="{F1AF8107-523E-479D-AAA8-98B5DE6915BF}" sibTransId="{4193C63A-A727-4E60-8CE7-D51B913B07E3}"/>
     <dgm:cxn modelId="{D4BEE6AD-D0F1-4DCC-AA1B-DE1DD8C13B5C}" srcId="{72FE2D84-F11C-4F04-A071-5FE2E42A5FA0}" destId="{3E188B9D-ABBD-4EEE-BA62-C68173A55066}" srcOrd="2" destOrd="0" parTransId="{95FB7486-8889-4CA9-A041-854FDAFF1A56}" sibTransId="{F02641B1-209D-493F-8335-D0C49A8DAA42}"/>
-    <dgm:cxn modelId="{1DF12EEC-ECDA-4257-9921-7137C763F70A}" type="presOf" srcId="{3E188B9D-ABBD-4EEE-BA62-C68173A55066}" destId="{2A524A9B-0EA8-40FE-A47A-7E87EFB1A635}" srcOrd="0" destOrd="0" presId="urn:microsoft.com/office/officeart/2005/8/layout/vList5"/>
-    <dgm:cxn modelId="{5C99E565-3A09-4543-B01C-DAD43F532D92}" srcId="{3E188B9D-ABBD-4EEE-BA62-C68173A55066}" destId="{5BEFC331-3A31-4C98-9F1E-37089477266F}" srcOrd="0" destOrd="0" parTransId="{C98A95BA-0A82-4F69-BCBF-CE757CE835D1}" sibTransId="{AA0EA059-30CE-4677-94AF-3A9C42984A8B}"/>
-    <dgm:cxn modelId="{A8775C05-1922-4F7A-844C-F43DE18013B3}" srcId="{72FE2D84-F11C-4F04-A071-5FE2E42A5FA0}" destId="{3C4B0C0B-ADB8-4E4B-932E-236B8B45C506}" srcOrd="4" destOrd="0" parTransId="{3959525E-59E8-4AC8-81E9-EE8D453DDB69}" sibTransId="{37BF4AA7-CD87-4F35-B830-3D5AE5045BCA}"/>
-    <dgm:cxn modelId="{BFB3AE1B-F5BB-4F66-BF2F-A1A4682B9B5E}" type="presOf" srcId="{29624614-86CC-49F8-895B-53F42FF4351F}" destId="{404009E2-52E2-4FBD-8A06-2B3B9B79AB2A}" srcOrd="0" destOrd="0" presId="urn:microsoft.com/office/officeart/2005/8/layout/vList5"/>
-    <dgm:cxn modelId="{9C0275D5-31F1-4906-ABA5-D6BEF400372A}" srcId="{F86C4A92-F069-4440-81D2-A8F820D2CBEC}" destId="{C5204820-2E29-4D23-B968-ED4BBF16FE38}" srcOrd="0" destOrd="0" parTransId="{54B08E49-35F8-4DCD-B046-3F36C603BFEE}" sibTransId="{E04BEDAA-490A-4350-804F-E4311EE217DD}"/>
-    <dgm:cxn modelId="{804DA39E-29C9-4BAC-AAE6-3704795F62D5}" type="presOf" srcId="{4B502B79-2676-4FF7-91F9-42DAF0AD80CF}" destId="{0C25F599-2E82-4F49-B192-B59CAF50628E}" srcOrd="0" destOrd="0" presId="urn:microsoft.com/office/officeart/2005/8/layout/vList5"/>
-    <dgm:cxn modelId="{A972344A-6BF8-4F6A-9C20-EF1CF7D28302}" srcId="{72FE2D84-F11C-4F04-A071-5FE2E42A5FA0}" destId="{29624614-86CC-49F8-895B-53F42FF4351F}" srcOrd="0" destOrd="0" parTransId="{E08C3CF6-CC5D-4556-924B-43021B51E7FC}" sibTransId="{C00213DE-DD48-4615-8631-3BB0674B34F1}"/>
-    <dgm:cxn modelId="{48C37A8D-A51B-4080-97A2-98678222C0D1}" srcId="{5F6E9507-E9C4-48B5-BE39-92B528C9CD28}" destId="{0B8A6F9C-084F-49E5-BE2E-9C7BE29265A7}" srcOrd="0" destOrd="0" parTransId="{511153F8-ADB5-429C-A462-0007A5144440}" sibTransId="{BA59A3E4-A5A9-475E-9B03-F10FD4BF32FF}"/>
-    <dgm:cxn modelId="{DE2F6CF4-1C94-44C6-AE2D-1E335C6297C4}" type="presOf" srcId="{5F6E9507-E9C4-48B5-BE39-92B528C9CD28}" destId="{896B29AC-37A8-4CDA-A2AF-69A070EA1311}" srcOrd="0" destOrd="0" presId="urn:microsoft.com/office/officeart/2005/8/layout/vList5"/>
-    <dgm:cxn modelId="{360544E2-D584-4829-A4D3-D3031B069142}" type="presOf" srcId="{5BEFC331-3A31-4C98-9F1E-37089477266F}" destId="{F3BDE4F4-7BE2-41A2-B6DB-9077B3E9C21C}" srcOrd="0" destOrd="0" presId="urn:microsoft.com/office/officeart/2005/8/layout/vList5"/>
-    <dgm:cxn modelId="{178F2964-D56A-486A-895B-55F5ADBCAC70}" srcId="{72FE2D84-F11C-4F04-A071-5FE2E42A5FA0}" destId="{5F6E9507-E9C4-48B5-BE39-92B528C9CD28}" srcOrd="3" destOrd="0" parTransId="{D268F6FD-2B34-4399-8ACE-3E755C8B1A90}" sibTransId="{9D3340FB-407F-4E90-ADE6-537A6F879836}"/>
-    <dgm:cxn modelId="{4969821D-8253-4B81-A60C-0CC6C299E352}" type="presOf" srcId="{C5204820-2E29-4D23-B968-ED4BBF16FE38}" destId="{E5206532-7C8F-4EFA-ADED-2A331D524BCC}" srcOrd="0" destOrd="0" presId="urn:microsoft.com/office/officeart/2005/8/layout/vList5"/>
-    <dgm:cxn modelId="{334A99CD-35A1-40C1-9717-1E2323749A4F}" type="presOf" srcId="{27F6A0D5-F716-40F2-A11C-BA891D5493FD}" destId="{F5E68069-5C75-4F52-B3B6-076EA21298D7}" srcOrd="0" destOrd="0" presId="urn:microsoft.com/office/officeart/2005/8/layout/vList5"/>
-    <dgm:cxn modelId="{A5E07F83-C379-4D53-AB54-1EC3F5797E47}" type="presOf" srcId="{9B098DAA-F9A2-4784-9F39-73585BC8E5A5}" destId="{F5E68069-5C75-4F52-B3B6-076EA21298D7}" srcOrd="0" destOrd="2" presId="urn:microsoft.com/office/officeart/2005/8/layout/vList5"/>
-    <dgm:cxn modelId="{279542D8-883E-43C9-BA78-729EE0BDEBB0}" type="presOf" srcId="{3C4B0C0B-ADB8-4E4B-932E-236B8B45C506}" destId="{F48CEC02-FE9B-4CA2-ADC0-10BD5C6936C7}" srcOrd="0" destOrd="0" presId="urn:microsoft.com/office/officeart/2005/8/layout/vList5"/>
     <dgm:cxn modelId="{A4A212A0-0EB8-4A63-866F-A9293B1B968F}" srcId="{29624614-86CC-49F8-895B-53F42FF4351F}" destId="{1A9695E4-561B-4D75-8F9C-4EC662C43318}" srcOrd="1" destOrd="0" parTransId="{1DF50571-3911-448F-B56D-7FFCAB6AA85B}" sibTransId="{AF00FA8F-4591-45C7-964F-4901532E9BEC}"/>
-    <dgm:cxn modelId="{DFC89609-F978-478E-8A29-235CE9BAADB8}" srcId="{3C4B0C0B-ADB8-4E4B-932E-236B8B45C506}" destId="{4B502B79-2676-4FF7-91F9-42DAF0AD80CF}" srcOrd="0" destOrd="0" parTransId="{CA083685-5232-4987-BD71-95E3CBFF35B8}" sibTransId="{A3751BCB-59C3-450F-8047-203484DB3E75}"/>
-    <dgm:cxn modelId="{D161091B-D074-4BB1-945B-451B2D770110}" type="presOf" srcId="{0B8A6F9C-084F-49E5-BE2E-9C7BE29265A7}" destId="{CF554BA7-8537-42CC-8DE8-375356E525EE}" srcOrd="0" destOrd="0" presId="urn:microsoft.com/office/officeart/2005/8/layout/vList5"/>
-    <dgm:cxn modelId="{B54E4942-FB2C-473F-B144-F3CE70A6615B}" type="presOf" srcId="{F86C4A92-F069-4440-81D2-A8F820D2CBEC}" destId="{B27C1B24-E235-4511-8BCB-482FBE1E642D}" srcOrd="0" destOrd="0" presId="urn:microsoft.com/office/officeart/2005/8/layout/vList5"/>
-    <dgm:cxn modelId="{24663115-B952-43C4-9D85-4A0A780AF38A}" type="presOf" srcId="{72FE2D84-F11C-4F04-A071-5FE2E42A5FA0}" destId="{CAA7098C-9373-48A6-89B8-2CA204F7A109}" srcOrd="0" destOrd="0" presId="urn:microsoft.com/office/officeart/2005/8/layout/vList5"/>
-    <dgm:cxn modelId="{CEFADC55-8ED4-4821-AE47-E1400A2E4AD9}" srcId="{29624614-86CC-49F8-895B-53F42FF4351F}" destId="{9B098DAA-F9A2-4784-9F39-73585BC8E5A5}" srcOrd="2" destOrd="0" parTransId="{BBED1482-56BA-4529-A9B6-3D0EDDA5B211}" sibTransId="{841AAFC2-F24B-4BD6-8120-9F8878D46F3C}"/>
-    <dgm:cxn modelId="{725A800B-BA6A-4DAD-BE68-98B6C095B74B}" type="presOf" srcId="{1A9695E4-561B-4D75-8F9C-4EC662C43318}" destId="{F5E68069-5C75-4F52-B3B6-076EA21298D7}" srcOrd="0" destOrd="1" presId="urn:microsoft.com/office/officeart/2005/8/layout/vList5"/>
     <dgm:cxn modelId="{6231B20D-D93A-460C-AD5F-71D06F441492}" type="presParOf" srcId="{CAA7098C-9373-48A6-89B8-2CA204F7A109}" destId="{92265B3B-669C-4072-BDFF-F2127508F0E4}" srcOrd="0" destOrd="0" presId="urn:microsoft.com/office/officeart/2005/8/layout/vList5"/>
     <dgm:cxn modelId="{B72380BE-28AA-4567-B625-5361475F8B2A}" type="presParOf" srcId="{92265B3B-669C-4072-BDFF-F2127508F0E4}" destId="{404009E2-52E2-4FBD-8A06-2B3B9B79AB2A}" srcOrd="0" destOrd="0" presId="urn:microsoft.com/office/officeart/2005/8/layout/vList5"/>
     <dgm:cxn modelId="{70AA2060-20E5-4E03-AB84-546BCB8704E7}" type="presParOf" srcId="{92265B3B-669C-4072-BDFF-F2127508F0E4}" destId="{F5E68069-5C75-4F52-B3B6-076EA21298D7}" srcOrd="1" destOrd="0" presId="urn:microsoft.com/office/officeart/2005/8/layout/vList5"/>
@@ -12729,9 +12729,9 @@
     <dgm:cxn modelId="{552E6BBD-A908-4ACA-9317-DBDDA09634CC}" srcId="{3FD4EA5B-D059-468E-8D4C-3B02488660E8}" destId="{68CF70DF-4E9F-4CEC-9417-CF1ED9040394}" srcOrd="0" destOrd="0" parTransId="{88FEA8FD-ABFA-4E1E-AF66-84DFEF12EB44}" sibTransId="{04C34C7C-AF98-43B4-9E42-BF203B15F221}"/>
     <dgm:cxn modelId="{A620426D-93FB-41BF-8AA8-F71BE0471ABA}" srcId="{0AF89721-18BE-4B3E-AF64-7A92C8182040}" destId="{AB50E648-6CF4-4D7F-802C-BC94735C508A}" srcOrd="1" destOrd="0" parTransId="{A979AB73-DFBA-4769-A386-D0E867749888}" sibTransId="{F474CCAE-685C-4D58-988A-AD72C2C18057}"/>
     <dgm:cxn modelId="{E07EFB6B-F09F-4D87-8F63-C54040EF1BB0}" type="presOf" srcId="{FD2F3CB5-5A47-4E9D-BDA6-515F6FC62656}" destId="{4AFBEAF3-51DE-440B-B4D8-84AE3A75344A}" srcOrd="0" destOrd="0" presId="urn:microsoft.com/office/officeart/2005/8/layout/target2"/>
-    <dgm:cxn modelId="{28F9035A-108C-4EF4-94DC-354BCDA8809D}" srcId="{0AF89721-18BE-4B3E-AF64-7A92C8182040}" destId="{61AF90E0-6659-4287-AF60-8E4E62606A72}" srcOrd="0" destOrd="0" parTransId="{46875B98-B76F-4321-B2DE-18CCC65CCDBC}" sibTransId="{B8EA2A67-0D51-4FB1-A4FF-E122E2E95FFC}"/>
     <dgm:cxn modelId="{3CC0B765-EFBE-4878-AAD5-287C8FABB93A}" type="presOf" srcId="{68CF70DF-4E9F-4CEC-9417-CF1ED9040394}" destId="{B21EA3F0-827F-495C-9160-844DF3BD41DC}" srcOrd="0" destOrd="0" presId="urn:microsoft.com/office/officeart/2005/8/layout/target2"/>
     <dgm:cxn modelId="{7C507A9C-96B1-4D3B-81F2-E71CD00CF53F}" type="presOf" srcId="{D15090DC-16A1-4B19-AB5B-1B81A974BA9B}" destId="{FE7C91A5-98BA-4D0B-9179-914B9BB3B50A}" srcOrd="0" destOrd="0" presId="urn:microsoft.com/office/officeart/2005/8/layout/target2"/>
+    <dgm:cxn modelId="{28F9035A-108C-4EF4-94DC-354BCDA8809D}" srcId="{0AF89721-18BE-4B3E-AF64-7A92C8182040}" destId="{61AF90E0-6659-4287-AF60-8E4E62606A72}" srcOrd="0" destOrd="0" parTransId="{46875B98-B76F-4321-B2DE-18CCC65CCDBC}" sibTransId="{B8EA2A67-0D51-4FB1-A4FF-E122E2E95FFC}"/>
     <dgm:cxn modelId="{417D9624-4EC5-4C66-98B2-F614C20C8C3E}" type="presOf" srcId="{0AF89721-18BE-4B3E-AF64-7A92C8182040}" destId="{153E78D2-DA40-402B-B7F3-9F1B75094352}" srcOrd="0" destOrd="0" presId="urn:microsoft.com/office/officeart/2005/8/layout/target2"/>
     <dgm:cxn modelId="{7C9B91F5-C79A-4BFE-A886-0812AD880711}" type="presParOf" srcId="{AFD1D351-8397-4685-92E5-63EA13BBF638}" destId="{B9455D32-4FA6-478B-9DDF-BC17341D25C2}" srcOrd="0" destOrd="0" presId="urn:microsoft.com/office/officeart/2005/8/layout/target2"/>
     <dgm:cxn modelId="{DF2A4D37-626A-45BD-A14A-9B5320A5972C}" type="presParOf" srcId="{B9455D32-4FA6-478B-9DDF-BC17341D25C2}" destId="{B21EA3F0-827F-495C-9160-844DF3BD41DC}" srcOrd="0" destOrd="0" presId="urn:microsoft.com/office/officeart/2005/8/layout/target2"/>
@@ -15490,31 +15490,31 @@
     </dgm:pt>
   </dgm:ptLst>
   <dgm:cxnLst>
+    <dgm:cxn modelId="{67530C00-D407-4DB4-995C-DAD89996109B}" type="presOf" srcId="{C5204820-2E29-4D23-B968-ED4BBF16FE38}" destId="{E5206532-7C8F-4EFA-ADED-2A331D524BCC}" srcOrd="0" destOrd="0" presId="urn:microsoft.com/office/officeart/2005/8/layout/vList5"/>
+    <dgm:cxn modelId="{8209E55A-BC62-42B6-AC92-974A3C67CFB6}" type="presOf" srcId="{4B502B79-2676-4FF7-91F9-42DAF0AD80CF}" destId="{0C25F599-2E82-4F49-B192-B59CAF50628E}" srcOrd="0" destOrd="0" presId="urn:microsoft.com/office/officeart/2005/8/layout/vList5"/>
+    <dgm:cxn modelId="{E59B2F15-9458-4ADF-89D0-95EE5CF30C6A}" type="presOf" srcId="{5F6E9507-E9C4-48B5-BE39-92B528C9CD28}" destId="{896B29AC-37A8-4CDA-A2AF-69A070EA1311}" srcOrd="0" destOrd="0" presId="urn:microsoft.com/office/officeart/2005/8/layout/vList5"/>
+    <dgm:cxn modelId="{BCDAD06B-5231-4B74-A77B-62D5FE33EB66}" type="presOf" srcId="{9B098DAA-F9A2-4784-9F39-73585BC8E5A5}" destId="{F5E68069-5C75-4F52-B3B6-076EA21298D7}" srcOrd="0" destOrd="2" presId="urn:microsoft.com/office/officeart/2005/8/layout/vList5"/>
+    <dgm:cxn modelId="{59A92CB1-6FB0-44B6-9802-F23590D2AF45}" type="presOf" srcId="{29624614-86CC-49F8-895B-53F42FF4351F}" destId="{404009E2-52E2-4FBD-8A06-2B3B9B79AB2A}" srcOrd="0" destOrd="0" presId="urn:microsoft.com/office/officeart/2005/8/layout/vList5"/>
+    <dgm:cxn modelId="{383B6AB3-32C4-4EF2-A331-23DD193ED348}" type="presOf" srcId="{F86C4A92-F069-4440-81D2-A8F820D2CBEC}" destId="{B27C1B24-E235-4511-8BCB-482FBE1E642D}" srcOrd="0" destOrd="0" presId="urn:microsoft.com/office/officeart/2005/8/layout/vList5"/>
+    <dgm:cxn modelId="{23C939F9-0ABA-47C8-AAAA-2A57F257CED7}" type="presOf" srcId="{1A9695E4-561B-4D75-8F9C-4EC662C43318}" destId="{F5E68069-5C75-4F52-B3B6-076EA21298D7}" srcOrd="0" destOrd="1" presId="urn:microsoft.com/office/officeart/2005/8/layout/vList5"/>
+    <dgm:cxn modelId="{8EFD3B55-1934-420D-9907-392FF7B8B180}" type="presOf" srcId="{0B8A6F9C-084F-49E5-BE2E-9C7BE29265A7}" destId="{CF554BA7-8537-42CC-8DE8-375356E525EE}" srcOrd="0" destOrd="0" presId="urn:microsoft.com/office/officeart/2005/8/layout/vList5"/>
+    <dgm:cxn modelId="{DFC89609-F978-478E-8A29-235CE9BAADB8}" srcId="{3C4B0C0B-ADB8-4E4B-932E-236B8B45C506}" destId="{4B502B79-2676-4FF7-91F9-42DAF0AD80CF}" srcOrd="0" destOrd="0" parTransId="{CA083685-5232-4987-BD71-95E3CBFF35B8}" sibTransId="{A3751BCB-59C3-450F-8047-203484DB3E75}"/>
+    <dgm:cxn modelId="{48C37A8D-A51B-4080-97A2-98678222C0D1}" srcId="{5F6E9507-E9C4-48B5-BE39-92B528C9CD28}" destId="{0B8A6F9C-084F-49E5-BE2E-9C7BE29265A7}" srcOrd="0" destOrd="0" parTransId="{511153F8-ADB5-429C-A462-0007A5144440}" sibTransId="{BA59A3E4-A5A9-475E-9B03-F10FD4BF32FF}"/>
+    <dgm:cxn modelId="{3C54C1F7-4462-473E-98F7-9502DB8FA290}" type="presOf" srcId="{27F6A0D5-F716-40F2-A11C-BA891D5493FD}" destId="{F5E68069-5C75-4F52-B3B6-076EA21298D7}" srcOrd="0" destOrd="0" presId="urn:microsoft.com/office/officeart/2005/8/layout/vList5"/>
+    <dgm:cxn modelId="{178F2964-D56A-486A-895B-55F5ADBCAC70}" srcId="{72FE2D84-F11C-4F04-A071-5FE2E42A5FA0}" destId="{5F6E9507-E9C4-48B5-BE39-92B528C9CD28}" srcOrd="3" destOrd="0" parTransId="{D268F6FD-2B34-4399-8ACE-3E755C8B1A90}" sibTransId="{9D3340FB-407F-4E90-ADE6-537A6F879836}"/>
+    <dgm:cxn modelId="{68B08545-6B70-47D5-A9BD-97CEC981F2D7}" type="presOf" srcId="{5BEFC331-3A31-4C98-9F1E-37089477266F}" destId="{F3BDE4F4-7BE2-41A2-B6DB-9077B3E9C21C}" srcOrd="0" destOrd="0" presId="urn:microsoft.com/office/officeart/2005/8/layout/vList5"/>
+    <dgm:cxn modelId="{A4A212A0-0EB8-4A63-866F-A9293B1B968F}" srcId="{29624614-86CC-49F8-895B-53F42FF4351F}" destId="{1A9695E4-561B-4D75-8F9C-4EC662C43318}" srcOrd="1" destOrd="0" parTransId="{1DF50571-3911-448F-B56D-7FFCAB6AA85B}" sibTransId="{AF00FA8F-4591-45C7-964F-4901532E9BEC}"/>
+    <dgm:cxn modelId="{DCA45962-B2A7-4B3B-93DB-3F0472C03174}" srcId="{29624614-86CC-49F8-895B-53F42FF4351F}" destId="{27F6A0D5-F716-40F2-A11C-BA891D5493FD}" srcOrd="0" destOrd="0" parTransId="{F1AF8107-523E-479D-AAA8-98B5DE6915BF}" sibTransId="{4193C63A-A727-4E60-8CE7-D51B913B07E3}"/>
+    <dgm:cxn modelId="{8796A767-D365-46D8-A207-74CC8C282F20}" type="presOf" srcId="{72FE2D84-F11C-4F04-A071-5FE2E42A5FA0}" destId="{CAA7098C-9373-48A6-89B8-2CA204F7A109}" srcOrd="0" destOrd="0" presId="urn:microsoft.com/office/officeart/2005/8/layout/vList5"/>
+    <dgm:cxn modelId="{A972344A-6BF8-4F6A-9C20-EF1CF7D28302}" srcId="{72FE2D84-F11C-4F04-A071-5FE2E42A5FA0}" destId="{29624614-86CC-49F8-895B-53F42FF4351F}" srcOrd="0" destOrd="0" parTransId="{E08C3CF6-CC5D-4556-924B-43021B51E7FC}" sibTransId="{C00213DE-DD48-4615-8631-3BB0674B34F1}"/>
+    <dgm:cxn modelId="{E02E3A9A-FA15-44B6-B9AA-6178E92454F9}" type="presOf" srcId="{3E188B9D-ABBD-4EEE-BA62-C68173A55066}" destId="{2A524A9B-0EA8-40FE-A47A-7E87EFB1A635}" srcOrd="0" destOrd="0" presId="urn:microsoft.com/office/officeart/2005/8/layout/vList5"/>
+    <dgm:cxn modelId="{D4BEE6AD-D0F1-4DCC-AA1B-DE1DD8C13B5C}" srcId="{72FE2D84-F11C-4F04-A071-5FE2E42A5FA0}" destId="{3E188B9D-ABBD-4EEE-BA62-C68173A55066}" srcOrd="2" destOrd="0" parTransId="{95FB7486-8889-4CA9-A041-854FDAFF1A56}" sibTransId="{F02641B1-209D-493F-8335-D0C49A8DAA42}"/>
+    <dgm:cxn modelId="{A8775C05-1922-4F7A-844C-F43DE18013B3}" srcId="{72FE2D84-F11C-4F04-A071-5FE2E42A5FA0}" destId="{3C4B0C0B-ADB8-4E4B-932E-236B8B45C506}" srcOrd="4" destOrd="0" parTransId="{3959525E-59E8-4AC8-81E9-EE8D453DDB69}" sibTransId="{37BF4AA7-CD87-4F35-B830-3D5AE5045BCA}"/>
+    <dgm:cxn modelId="{9C0275D5-31F1-4906-ABA5-D6BEF400372A}" srcId="{F86C4A92-F069-4440-81D2-A8F820D2CBEC}" destId="{C5204820-2E29-4D23-B968-ED4BBF16FE38}" srcOrd="0" destOrd="0" parTransId="{54B08E49-35F8-4DCD-B046-3F36C603BFEE}" sibTransId="{E04BEDAA-490A-4350-804F-E4311EE217DD}"/>
+    <dgm:cxn modelId="{CEFADC55-8ED4-4821-AE47-E1400A2E4AD9}" srcId="{29624614-86CC-49F8-895B-53F42FF4351F}" destId="{9B098DAA-F9A2-4784-9F39-73585BC8E5A5}" srcOrd="2" destOrd="0" parTransId="{BBED1482-56BA-4529-A9B6-3D0EDDA5B211}" sibTransId="{841AAFC2-F24B-4BD6-8120-9F8878D46F3C}"/>
     <dgm:cxn modelId="{64F09020-309D-428C-BE1B-CE03053579F3}" srcId="{72FE2D84-F11C-4F04-A071-5FE2E42A5FA0}" destId="{F86C4A92-F069-4440-81D2-A8F820D2CBEC}" srcOrd="1" destOrd="0" parTransId="{3491CAA4-B7C7-4BE2-BEC1-D3E0377D05C5}" sibTransId="{2EE1A6A3-3DBB-479E-88D9-72ADB068701E}"/>
-    <dgm:cxn modelId="{DCA45962-B2A7-4B3B-93DB-3F0472C03174}" srcId="{29624614-86CC-49F8-895B-53F42FF4351F}" destId="{27F6A0D5-F716-40F2-A11C-BA891D5493FD}" srcOrd="0" destOrd="0" parTransId="{F1AF8107-523E-479D-AAA8-98B5DE6915BF}" sibTransId="{4193C63A-A727-4E60-8CE7-D51B913B07E3}"/>
-    <dgm:cxn modelId="{23C939F9-0ABA-47C8-AAAA-2A57F257CED7}" type="presOf" srcId="{1A9695E4-561B-4D75-8F9C-4EC662C43318}" destId="{F5E68069-5C75-4F52-B3B6-076EA21298D7}" srcOrd="0" destOrd="1" presId="urn:microsoft.com/office/officeart/2005/8/layout/vList5"/>
-    <dgm:cxn modelId="{D4BEE6AD-D0F1-4DCC-AA1B-DE1DD8C13B5C}" srcId="{72FE2D84-F11C-4F04-A071-5FE2E42A5FA0}" destId="{3E188B9D-ABBD-4EEE-BA62-C68173A55066}" srcOrd="2" destOrd="0" parTransId="{95FB7486-8889-4CA9-A041-854FDAFF1A56}" sibTransId="{F02641B1-209D-493F-8335-D0C49A8DAA42}"/>
     <dgm:cxn modelId="{5C99E565-3A09-4543-B01C-DAD43F532D92}" srcId="{3E188B9D-ABBD-4EEE-BA62-C68173A55066}" destId="{5BEFC331-3A31-4C98-9F1E-37089477266F}" srcOrd="0" destOrd="0" parTransId="{C98A95BA-0A82-4F69-BCBF-CE757CE835D1}" sibTransId="{AA0EA059-30CE-4677-94AF-3A9C42984A8B}"/>
-    <dgm:cxn modelId="{A8775C05-1922-4F7A-844C-F43DE18013B3}" srcId="{72FE2D84-F11C-4F04-A071-5FE2E42A5FA0}" destId="{3C4B0C0B-ADB8-4E4B-932E-236B8B45C506}" srcOrd="4" destOrd="0" parTransId="{3959525E-59E8-4AC8-81E9-EE8D453DDB69}" sibTransId="{37BF4AA7-CD87-4F35-B830-3D5AE5045BCA}"/>
-    <dgm:cxn modelId="{8EFD3B55-1934-420D-9907-392FF7B8B180}" type="presOf" srcId="{0B8A6F9C-084F-49E5-BE2E-9C7BE29265A7}" destId="{CF554BA7-8537-42CC-8DE8-375356E525EE}" srcOrd="0" destOrd="0" presId="urn:microsoft.com/office/officeart/2005/8/layout/vList5"/>
-    <dgm:cxn modelId="{BCDAD06B-5231-4B74-A77B-62D5FE33EB66}" type="presOf" srcId="{9B098DAA-F9A2-4784-9F39-73585BC8E5A5}" destId="{F5E68069-5C75-4F52-B3B6-076EA21298D7}" srcOrd="0" destOrd="2" presId="urn:microsoft.com/office/officeart/2005/8/layout/vList5"/>
-    <dgm:cxn modelId="{E59B2F15-9458-4ADF-89D0-95EE5CF30C6A}" type="presOf" srcId="{5F6E9507-E9C4-48B5-BE39-92B528C9CD28}" destId="{896B29AC-37A8-4CDA-A2AF-69A070EA1311}" srcOrd="0" destOrd="0" presId="urn:microsoft.com/office/officeart/2005/8/layout/vList5"/>
-    <dgm:cxn modelId="{8209E55A-BC62-42B6-AC92-974A3C67CFB6}" type="presOf" srcId="{4B502B79-2676-4FF7-91F9-42DAF0AD80CF}" destId="{0C25F599-2E82-4F49-B192-B59CAF50628E}" srcOrd="0" destOrd="0" presId="urn:microsoft.com/office/officeart/2005/8/layout/vList5"/>
-    <dgm:cxn modelId="{59A92CB1-6FB0-44B6-9802-F23590D2AF45}" type="presOf" srcId="{29624614-86CC-49F8-895B-53F42FF4351F}" destId="{404009E2-52E2-4FBD-8A06-2B3B9B79AB2A}" srcOrd="0" destOrd="0" presId="urn:microsoft.com/office/officeart/2005/8/layout/vList5"/>
-    <dgm:cxn modelId="{9C0275D5-31F1-4906-ABA5-D6BEF400372A}" srcId="{F86C4A92-F069-4440-81D2-A8F820D2CBEC}" destId="{C5204820-2E29-4D23-B968-ED4BBF16FE38}" srcOrd="0" destOrd="0" parTransId="{54B08E49-35F8-4DCD-B046-3F36C603BFEE}" sibTransId="{E04BEDAA-490A-4350-804F-E4311EE217DD}"/>
-    <dgm:cxn modelId="{E02E3A9A-FA15-44B6-B9AA-6178E92454F9}" type="presOf" srcId="{3E188B9D-ABBD-4EEE-BA62-C68173A55066}" destId="{2A524A9B-0EA8-40FE-A47A-7E87EFB1A635}" srcOrd="0" destOrd="0" presId="urn:microsoft.com/office/officeart/2005/8/layout/vList5"/>
-    <dgm:cxn modelId="{A972344A-6BF8-4F6A-9C20-EF1CF7D28302}" srcId="{72FE2D84-F11C-4F04-A071-5FE2E42A5FA0}" destId="{29624614-86CC-49F8-895B-53F42FF4351F}" srcOrd="0" destOrd="0" parTransId="{E08C3CF6-CC5D-4556-924B-43021B51E7FC}" sibTransId="{C00213DE-DD48-4615-8631-3BB0674B34F1}"/>
-    <dgm:cxn modelId="{383B6AB3-32C4-4EF2-A331-23DD193ED348}" type="presOf" srcId="{F86C4A92-F069-4440-81D2-A8F820D2CBEC}" destId="{B27C1B24-E235-4511-8BCB-482FBE1E642D}" srcOrd="0" destOrd="0" presId="urn:microsoft.com/office/officeart/2005/8/layout/vList5"/>
-    <dgm:cxn modelId="{48C37A8D-A51B-4080-97A2-98678222C0D1}" srcId="{5F6E9507-E9C4-48B5-BE39-92B528C9CD28}" destId="{0B8A6F9C-084F-49E5-BE2E-9C7BE29265A7}" srcOrd="0" destOrd="0" parTransId="{511153F8-ADB5-429C-A462-0007A5144440}" sibTransId="{BA59A3E4-A5A9-475E-9B03-F10FD4BF32FF}"/>
-    <dgm:cxn modelId="{178F2964-D56A-486A-895B-55F5ADBCAC70}" srcId="{72FE2D84-F11C-4F04-A071-5FE2E42A5FA0}" destId="{5F6E9507-E9C4-48B5-BE39-92B528C9CD28}" srcOrd="3" destOrd="0" parTransId="{D268F6FD-2B34-4399-8ACE-3E755C8B1A90}" sibTransId="{9D3340FB-407F-4E90-ADE6-537A6F879836}"/>
-    <dgm:cxn modelId="{A4A212A0-0EB8-4A63-866F-A9293B1B968F}" srcId="{29624614-86CC-49F8-895B-53F42FF4351F}" destId="{1A9695E4-561B-4D75-8F9C-4EC662C43318}" srcOrd="1" destOrd="0" parTransId="{1DF50571-3911-448F-B56D-7FFCAB6AA85B}" sibTransId="{AF00FA8F-4591-45C7-964F-4901532E9BEC}"/>
-    <dgm:cxn modelId="{DFC89609-F978-478E-8A29-235CE9BAADB8}" srcId="{3C4B0C0B-ADB8-4E4B-932E-236B8B45C506}" destId="{4B502B79-2676-4FF7-91F9-42DAF0AD80CF}" srcOrd="0" destOrd="0" parTransId="{CA083685-5232-4987-BD71-95E3CBFF35B8}" sibTransId="{A3751BCB-59C3-450F-8047-203484DB3E75}"/>
-    <dgm:cxn modelId="{68B08545-6B70-47D5-A9BD-97CEC981F2D7}" type="presOf" srcId="{5BEFC331-3A31-4C98-9F1E-37089477266F}" destId="{F3BDE4F4-7BE2-41A2-B6DB-9077B3E9C21C}" srcOrd="0" destOrd="0" presId="urn:microsoft.com/office/officeart/2005/8/layout/vList5"/>
-    <dgm:cxn modelId="{3C54C1F7-4462-473E-98F7-9502DB8FA290}" type="presOf" srcId="{27F6A0D5-F716-40F2-A11C-BA891D5493FD}" destId="{F5E68069-5C75-4F52-B3B6-076EA21298D7}" srcOrd="0" destOrd="0" presId="urn:microsoft.com/office/officeart/2005/8/layout/vList5"/>
     <dgm:cxn modelId="{507593A1-771A-43C0-985A-A9F03B2E786D}" type="presOf" srcId="{3C4B0C0B-ADB8-4E4B-932E-236B8B45C506}" destId="{F48CEC02-FE9B-4CA2-ADC0-10BD5C6936C7}" srcOrd="0" destOrd="0" presId="urn:microsoft.com/office/officeart/2005/8/layout/vList5"/>
-    <dgm:cxn modelId="{CEFADC55-8ED4-4821-AE47-E1400A2E4AD9}" srcId="{29624614-86CC-49F8-895B-53F42FF4351F}" destId="{9B098DAA-F9A2-4784-9F39-73585BC8E5A5}" srcOrd="2" destOrd="0" parTransId="{BBED1482-56BA-4529-A9B6-3D0EDDA5B211}" sibTransId="{841AAFC2-F24B-4BD6-8120-9F8878D46F3C}"/>
-    <dgm:cxn modelId="{67530C00-D407-4DB4-995C-DAD89996109B}" type="presOf" srcId="{C5204820-2E29-4D23-B968-ED4BBF16FE38}" destId="{E5206532-7C8F-4EFA-ADED-2A331D524BCC}" srcOrd="0" destOrd="0" presId="urn:microsoft.com/office/officeart/2005/8/layout/vList5"/>
-    <dgm:cxn modelId="{8796A767-D365-46D8-A207-74CC8C282F20}" type="presOf" srcId="{72FE2D84-F11C-4F04-A071-5FE2E42A5FA0}" destId="{CAA7098C-9373-48A6-89B8-2CA204F7A109}" srcOrd="0" destOrd="0" presId="urn:microsoft.com/office/officeart/2005/8/layout/vList5"/>
     <dgm:cxn modelId="{97E4CDF1-A0D9-4430-8928-96C9FF2679FA}" type="presParOf" srcId="{CAA7098C-9373-48A6-89B8-2CA204F7A109}" destId="{92265B3B-669C-4072-BDFF-F2127508F0E4}" srcOrd="0" destOrd="0" presId="urn:microsoft.com/office/officeart/2005/8/layout/vList5"/>
     <dgm:cxn modelId="{3E323A85-2882-46C5-A2B6-D8953FD10DE5}" type="presParOf" srcId="{92265B3B-669C-4072-BDFF-F2127508F0E4}" destId="{404009E2-52E2-4FBD-8A06-2B3B9B79AB2A}" srcOrd="0" destOrd="0" presId="urn:microsoft.com/office/officeart/2005/8/layout/vList5"/>
     <dgm:cxn modelId="{00EA42BF-608F-4598-9FC8-13DFD032C0F1}" type="presParOf" srcId="{92265B3B-669C-4072-BDFF-F2127508F0E4}" destId="{F5E68069-5C75-4F52-B3B6-076EA21298D7}" srcOrd="1" destOrd="0" presId="urn:microsoft.com/office/officeart/2005/8/layout/vList5"/>
@@ -18795,6 +18795,861 @@
       <dsp:cNvGrpSpPr/>
     </dsp:nvGrpSpPr>
     <dsp:grpSpPr/>
+    <dsp:sp modelId="{F5E68069-5C75-4F52-B3B6-076EA21298D7}">
+      <dsp:nvSpPr>
+        <dsp:cNvPr id="0" name=""/>
+        <dsp:cNvSpPr/>
+      </dsp:nvSpPr>
+      <dsp:spPr>
+        <a:xfrm rot="5400000">
+          <a:off x="5553183" y="-2283037"/>
+          <a:ext cx="841199" cy="5622384"/>
+        </a:xfrm>
+        <a:prstGeom prst="round2SameRect">
+          <a:avLst/>
+        </a:prstGeom>
+        <a:solidFill>
+          <a:schemeClr val="accent1">
+            <a:alpha val="90000"/>
+            <a:tint val="40000"/>
+            <a:hueOff val="0"/>
+            <a:satOff val="0"/>
+            <a:lumOff val="0"/>
+            <a:alphaOff val="0"/>
+          </a:schemeClr>
+        </a:solidFill>
+        <a:ln w="25400" cap="flat" cmpd="sng" algn="ctr">
+          <a:solidFill>
+            <a:schemeClr val="accent1">
+              <a:alpha val="90000"/>
+              <a:tint val="40000"/>
+              <a:hueOff val="0"/>
+              <a:satOff val="0"/>
+              <a:lumOff val="0"/>
+              <a:alphaOff val="0"/>
+            </a:schemeClr>
+          </a:solidFill>
+          <a:prstDash val="solid"/>
+        </a:ln>
+        <a:effectLst/>
+      </dsp:spPr>
+      <dsp:style>
+        <a:lnRef idx="2">
+          <a:scrgbClr r="0" g="0" b="0"/>
+        </a:lnRef>
+        <a:fillRef idx="1">
+          <a:scrgbClr r="0" g="0" b="0"/>
+        </a:fillRef>
+        <a:effectRef idx="0">
+          <a:scrgbClr r="0" g="0" b="0"/>
+        </a:effectRef>
+        <a:fontRef idx="minor"/>
+      </dsp:style>
+      <dsp:txBody>
+        <a:bodyPr spcFirstLastPara="0" vert="horz" wrap="square" lIns="106680" tIns="53340" rIns="106680" bIns="53340" numCol="1" spcCol="1270" anchor="ctr" anchorCtr="0">
+          <a:noAutofit/>
+        </a:bodyPr>
+        <a:lstStyle/>
+        <a:p>
+          <a:pPr marL="114300" lvl="1" indent="-114300" algn="l" defTabSz="622300">
+            <a:lnSpc>
+              <a:spcPct val="90000"/>
+            </a:lnSpc>
+            <a:spcBef>
+              <a:spcPct val="0"/>
+            </a:spcBef>
+            <a:spcAft>
+              <a:spcPct val="15000"/>
+            </a:spcAft>
+            <a:buChar char="••"/>
+          </a:pPr>
+          <a:r>
+            <a:rPr lang="pt-BR" sz="1400" kern="1200" dirty="0" smtClean="0"/>
+            <a:t>Negócio, Missão, Visão, Valores </a:t>
+          </a:r>
+          <a:endParaRPr lang="pt-BR" sz="1400" kern="1200" dirty="0"/>
+        </a:p>
+        <a:p>
+          <a:pPr marL="114300" lvl="1" indent="-114300" algn="l" defTabSz="622300">
+            <a:lnSpc>
+              <a:spcPct val="90000"/>
+            </a:lnSpc>
+            <a:spcBef>
+              <a:spcPct val="0"/>
+            </a:spcBef>
+            <a:spcAft>
+              <a:spcPct val="15000"/>
+            </a:spcAft>
+            <a:buChar char="••"/>
+          </a:pPr>
+          <a:r>
+            <a:rPr lang="pt-BR" sz="1400" kern="1200" dirty="0" smtClean="0"/>
+            <a:t>Pedra fundamental, Postura da Instituição</a:t>
+          </a:r>
+          <a:endParaRPr lang="pt-BR" sz="1400" kern="1200" dirty="0"/>
+        </a:p>
+        <a:p>
+          <a:pPr marL="114300" lvl="1" indent="-114300" algn="l" defTabSz="622300">
+            <a:lnSpc>
+              <a:spcPct val="90000"/>
+            </a:lnSpc>
+            <a:spcBef>
+              <a:spcPct val="0"/>
+            </a:spcBef>
+            <a:spcAft>
+              <a:spcPct val="15000"/>
+            </a:spcAft>
+            <a:buChar char="••"/>
+          </a:pPr>
+          <a:r>
+            <a:rPr lang="pt-BR" sz="1400" kern="1200" dirty="0" smtClean="0"/>
+            <a:t>Não são Executáveis, apenas estabelecem direcionamento e “freios” às possibilidades</a:t>
+          </a:r>
+          <a:endParaRPr lang="pt-BR" sz="1400" kern="1200" dirty="0"/>
+        </a:p>
+      </dsp:txBody>
+      <dsp:txXfrm rot="-5400000">
+        <a:off x="3162591" y="148619"/>
+        <a:ext cx="5581320" cy="759071"/>
+      </dsp:txXfrm>
+    </dsp:sp>
+    <dsp:sp modelId="{404009E2-52E2-4FBD-8A06-2B3B9B79AB2A}">
+      <dsp:nvSpPr>
+        <dsp:cNvPr id="0" name=""/>
+        <dsp:cNvSpPr/>
+      </dsp:nvSpPr>
+      <dsp:spPr>
+        <a:xfrm>
+          <a:off x="0" y="2404"/>
+          <a:ext cx="3162591" cy="1051499"/>
+        </a:xfrm>
+        <a:prstGeom prst="roundRect">
+          <a:avLst/>
+        </a:prstGeom>
+        <a:solidFill>
+          <a:schemeClr val="accent1">
+            <a:hueOff val="0"/>
+            <a:satOff val="0"/>
+            <a:lumOff val="0"/>
+            <a:alphaOff val="0"/>
+          </a:schemeClr>
+        </a:solidFill>
+        <a:ln w="25400" cap="flat" cmpd="sng" algn="ctr">
+          <a:solidFill>
+            <a:schemeClr val="lt1">
+              <a:hueOff val="0"/>
+              <a:satOff val="0"/>
+              <a:lumOff val="0"/>
+              <a:alphaOff val="0"/>
+            </a:schemeClr>
+          </a:solidFill>
+          <a:prstDash val="solid"/>
+        </a:ln>
+        <a:effectLst/>
+      </dsp:spPr>
+      <dsp:style>
+        <a:lnRef idx="2">
+          <a:scrgbClr r="0" g="0" b="0"/>
+        </a:lnRef>
+        <a:fillRef idx="1">
+          <a:scrgbClr r="0" g="0" b="0"/>
+        </a:fillRef>
+        <a:effectRef idx="0">
+          <a:scrgbClr r="0" g="0" b="0"/>
+        </a:effectRef>
+        <a:fontRef idx="minor">
+          <a:schemeClr val="lt1"/>
+        </a:fontRef>
+      </dsp:style>
+      <dsp:txBody>
+        <a:bodyPr spcFirstLastPara="0" vert="horz" wrap="square" lIns="95250" tIns="47625" rIns="95250" bIns="47625" numCol="1" spcCol="1270" anchor="ctr" anchorCtr="0">
+          <a:noAutofit/>
+        </a:bodyPr>
+        <a:lstStyle/>
+        <a:p>
+          <a:pPr lvl="0" algn="ctr" defTabSz="1111250">
+            <a:lnSpc>
+              <a:spcPct val="90000"/>
+            </a:lnSpc>
+            <a:spcBef>
+              <a:spcPct val="0"/>
+            </a:spcBef>
+            <a:spcAft>
+              <a:spcPct val="35000"/>
+            </a:spcAft>
+          </a:pPr>
+          <a:r>
+            <a:rPr lang="pt-BR" sz="2500" kern="1200" dirty="0" smtClean="0"/>
+            <a:t>Estratégias Direcionais</a:t>
+          </a:r>
+          <a:endParaRPr lang="pt-BR" sz="2500" kern="1200" dirty="0"/>
+        </a:p>
+      </dsp:txBody>
+      <dsp:txXfrm>
+        <a:off x="51330" y="53734"/>
+        <a:ext cx="3059931" cy="948839"/>
+      </dsp:txXfrm>
+    </dsp:sp>
+    <dsp:sp modelId="{E5206532-7C8F-4EFA-ADED-2A331D524BCC}">
+      <dsp:nvSpPr>
+        <dsp:cNvPr id="0" name=""/>
+        <dsp:cNvSpPr/>
+      </dsp:nvSpPr>
+      <dsp:spPr>
+        <a:xfrm rot="5400000">
+          <a:off x="5553183" y="-1178962"/>
+          <a:ext cx="841199" cy="5622384"/>
+        </a:xfrm>
+        <a:prstGeom prst="round2SameRect">
+          <a:avLst/>
+        </a:prstGeom>
+        <a:solidFill>
+          <a:schemeClr val="accent1">
+            <a:alpha val="46000"/>
+          </a:schemeClr>
+        </a:solidFill>
+        <a:ln w="25400" cap="flat" cmpd="sng" algn="ctr">
+          <a:solidFill>
+            <a:schemeClr val="accent1">
+              <a:alpha val="90000"/>
+              <a:tint val="40000"/>
+              <a:hueOff val="0"/>
+              <a:satOff val="0"/>
+              <a:lumOff val="0"/>
+              <a:alphaOff val="0"/>
+            </a:schemeClr>
+          </a:solidFill>
+          <a:prstDash val="solid"/>
+        </a:ln>
+        <a:effectLst/>
+      </dsp:spPr>
+      <dsp:style>
+        <a:lnRef idx="2">
+          <a:scrgbClr r="0" g="0" b="0"/>
+        </a:lnRef>
+        <a:fillRef idx="1">
+          <a:scrgbClr r="0" g="0" b="0"/>
+        </a:fillRef>
+        <a:effectRef idx="0">
+          <a:scrgbClr r="0" g="0" b="0"/>
+        </a:effectRef>
+        <a:fontRef idx="minor"/>
+      </dsp:style>
+      <dsp:txBody>
+        <a:bodyPr spcFirstLastPara="0" vert="horz" wrap="square" lIns="106680" tIns="53340" rIns="106680" bIns="53340" numCol="1" spcCol="1270" anchor="ctr" anchorCtr="0">
+          <a:noAutofit/>
+        </a:bodyPr>
+        <a:lstStyle/>
+        <a:p>
+          <a:pPr marL="285750" lvl="1" indent="-285750" algn="l" defTabSz="1244600">
+            <a:lnSpc>
+              <a:spcPct val="90000"/>
+            </a:lnSpc>
+            <a:spcBef>
+              <a:spcPct val="0"/>
+            </a:spcBef>
+            <a:spcAft>
+              <a:spcPct val="15000"/>
+            </a:spcAft>
+            <a:buChar char="••"/>
+          </a:pPr>
+          <a:r>
+            <a:rPr lang="pt-BR" sz="2800" kern="1200" dirty="0" smtClean="0">
+              <a:solidFill>
+                <a:schemeClr val="bg1"/>
+              </a:solidFill>
+            </a:rPr>
+            <a:t>Diversificação, Integração Vertical</a:t>
+          </a:r>
+          <a:endParaRPr lang="pt-BR" sz="2800" kern="1200" dirty="0">
+            <a:solidFill>
+              <a:schemeClr val="bg1"/>
+            </a:solidFill>
+          </a:endParaRPr>
+        </a:p>
+      </dsp:txBody>
+      <dsp:txXfrm rot="-5400000">
+        <a:off x="3162591" y="1252694"/>
+        <a:ext cx="5581320" cy="759071"/>
+      </dsp:txXfrm>
+    </dsp:sp>
+    <dsp:sp modelId="{B27C1B24-E235-4511-8BCB-482FBE1E642D}">
+      <dsp:nvSpPr>
+        <dsp:cNvPr id="0" name=""/>
+        <dsp:cNvSpPr/>
+      </dsp:nvSpPr>
+      <dsp:spPr>
+        <a:xfrm>
+          <a:off x="0" y="1106479"/>
+          <a:ext cx="3162591" cy="1051499"/>
+        </a:xfrm>
+        <a:prstGeom prst="roundRect">
+          <a:avLst/>
+        </a:prstGeom>
+        <a:solidFill>
+          <a:schemeClr val="accent1">
+            <a:alpha val="46000"/>
+          </a:schemeClr>
+        </a:solidFill>
+        <a:ln w="25400" cap="flat" cmpd="sng" algn="ctr">
+          <a:solidFill>
+            <a:schemeClr val="lt1">
+              <a:hueOff val="0"/>
+              <a:satOff val="0"/>
+              <a:lumOff val="0"/>
+              <a:alphaOff val="0"/>
+            </a:schemeClr>
+          </a:solidFill>
+          <a:prstDash val="solid"/>
+        </a:ln>
+        <a:effectLst/>
+      </dsp:spPr>
+      <dsp:style>
+        <a:lnRef idx="2">
+          <a:scrgbClr r="0" g="0" b="0"/>
+        </a:lnRef>
+        <a:fillRef idx="1">
+          <a:scrgbClr r="0" g="0" b="0"/>
+        </a:fillRef>
+        <a:effectRef idx="0">
+          <a:scrgbClr r="0" g="0" b="0"/>
+        </a:effectRef>
+        <a:fontRef idx="minor">
+          <a:schemeClr val="lt1"/>
+        </a:fontRef>
+      </dsp:style>
+      <dsp:txBody>
+        <a:bodyPr spcFirstLastPara="0" vert="horz" wrap="square" lIns="95250" tIns="47625" rIns="95250" bIns="47625" numCol="1" spcCol="1270" anchor="ctr" anchorCtr="0">
+          <a:noAutofit/>
+        </a:bodyPr>
+        <a:lstStyle/>
+        <a:p>
+          <a:pPr lvl="0" algn="ctr" defTabSz="1111250">
+            <a:lnSpc>
+              <a:spcPct val="90000"/>
+            </a:lnSpc>
+            <a:spcBef>
+              <a:spcPct val="0"/>
+            </a:spcBef>
+            <a:spcAft>
+              <a:spcPct val="35000"/>
+            </a:spcAft>
+          </a:pPr>
+          <a:r>
+            <a:rPr lang="pt-BR" sz="2500" kern="1200" dirty="0" smtClean="0">
+              <a:solidFill>
+                <a:schemeClr val="bg1"/>
+              </a:solidFill>
+            </a:rPr>
+            <a:t>Estratégias de Escopo Organizacional</a:t>
+          </a:r>
+          <a:endParaRPr lang="pt-BR" sz="2500" kern="1200" dirty="0">
+            <a:solidFill>
+              <a:schemeClr val="bg1"/>
+            </a:solidFill>
+          </a:endParaRPr>
+        </a:p>
+      </dsp:txBody>
+      <dsp:txXfrm>
+        <a:off x="51330" y="1157809"/>
+        <a:ext cx="3059931" cy="948839"/>
+      </dsp:txXfrm>
+    </dsp:sp>
+    <dsp:sp modelId="{F3BDE4F4-7BE2-41A2-B6DB-9077B3E9C21C}">
+      <dsp:nvSpPr>
+        <dsp:cNvPr id="0" name=""/>
+        <dsp:cNvSpPr/>
+      </dsp:nvSpPr>
+      <dsp:spPr>
+        <a:xfrm rot="5400000">
+          <a:off x="5553183" y="-74888"/>
+          <a:ext cx="841199" cy="5622384"/>
+        </a:xfrm>
+        <a:prstGeom prst="round2SameRect">
+          <a:avLst/>
+        </a:prstGeom>
+        <a:solidFill>
+          <a:schemeClr val="accent1">
+            <a:alpha val="46000"/>
+          </a:schemeClr>
+        </a:solidFill>
+        <a:ln w="25400" cap="flat" cmpd="sng" algn="ctr">
+          <a:solidFill>
+            <a:schemeClr val="accent1">
+              <a:alpha val="90000"/>
+              <a:tint val="40000"/>
+              <a:hueOff val="0"/>
+              <a:satOff val="0"/>
+              <a:lumOff val="0"/>
+              <a:alphaOff val="0"/>
+            </a:schemeClr>
+          </a:solidFill>
+          <a:prstDash val="solid"/>
+        </a:ln>
+        <a:effectLst/>
+      </dsp:spPr>
+      <dsp:style>
+        <a:lnRef idx="2">
+          <a:scrgbClr r="0" g="0" b="0"/>
+        </a:lnRef>
+        <a:fillRef idx="1">
+          <a:scrgbClr r="0" g="0" b="0"/>
+        </a:fillRef>
+        <a:effectRef idx="0">
+          <a:scrgbClr r="0" g="0" b="0"/>
+        </a:effectRef>
+        <a:fontRef idx="minor"/>
+      </dsp:style>
+      <dsp:txBody>
+        <a:bodyPr spcFirstLastPara="0" vert="horz" wrap="square" lIns="106680" tIns="53340" rIns="106680" bIns="53340" numCol="1" spcCol="1270" anchor="ctr" anchorCtr="0">
+          <a:noAutofit/>
+        </a:bodyPr>
+        <a:lstStyle/>
+        <a:p>
+          <a:pPr marL="285750" lvl="1" indent="-285750" algn="l" defTabSz="1244600">
+            <a:lnSpc>
+              <a:spcPct val="90000"/>
+            </a:lnSpc>
+            <a:spcBef>
+              <a:spcPct val="0"/>
+            </a:spcBef>
+            <a:spcAft>
+              <a:spcPct val="15000"/>
+            </a:spcAft>
+            <a:buChar char="••"/>
+          </a:pPr>
+          <a:r>
+            <a:rPr lang="pt-BR" sz="2800" kern="1200" dirty="0" smtClean="0">
+              <a:solidFill>
+                <a:schemeClr val="bg1"/>
+              </a:solidFill>
+            </a:rPr>
+            <a:t>Aceleração, Alianças, Fusões</a:t>
+          </a:r>
+          <a:endParaRPr lang="pt-BR" sz="2800" kern="1200" dirty="0">
+            <a:solidFill>
+              <a:schemeClr val="bg1"/>
+            </a:solidFill>
+          </a:endParaRPr>
+        </a:p>
+      </dsp:txBody>
+      <dsp:txXfrm rot="-5400000">
+        <a:off x="3162591" y="2356768"/>
+        <a:ext cx="5581320" cy="759071"/>
+      </dsp:txXfrm>
+    </dsp:sp>
+    <dsp:sp modelId="{2A524A9B-0EA8-40FE-A47A-7E87EFB1A635}">
+      <dsp:nvSpPr>
+        <dsp:cNvPr id="0" name=""/>
+        <dsp:cNvSpPr/>
+      </dsp:nvSpPr>
+      <dsp:spPr>
+        <a:xfrm>
+          <a:off x="0" y="2210554"/>
+          <a:ext cx="3162591" cy="1051499"/>
+        </a:xfrm>
+        <a:prstGeom prst="roundRect">
+          <a:avLst/>
+        </a:prstGeom>
+        <a:solidFill>
+          <a:schemeClr val="accent1">
+            <a:alpha val="46000"/>
+          </a:schemeClr>
+        </a:solidFill>
+        <a:ln w="25400" cap="flat" cmpd="sng" algn="ctr">
+          <a:solidFill>
+            <a:schemeClr val="lt1">
+              <a:hueOff val="0"/>
+              <a:satOff val="0"/>
+              <a:lumOff val="0"/>
+              <a:alphaOff val="0"/>
+            </a:schemeClr>
+          </a:solidFill>
+          <a:prstDash val="solid"/>
+        </a:ln>
+        <a:effectLst/>
+      </dsp:spPr>
+      <dsp:style>
+        <a:lnRef idx="2">
+          <a:scrgbClr r="0" g="0" b="0"/>
+        </a:lnRef>
+        <a:fillRef idx="1">
+          <a:scrgbClr r="0" g="0" b="0"/>
+        </a:fillRef>
+        <a:effectRef idx="0">
+          <a:scrgbClr r="0" g="0" b="0"/>
+        </a:effectRef>
+        <a:fontRef idx="minor">
+          <a:schemeClr val="lt1"/>
+        </a:fontRef>
+      </dsp:style>
+      <dsp:txBody>
+        <a:bodyPr spcFirstLastPara="0" vert="horz" wrap="square" lIns="95250" tIns="47625" rIns="95250" bIns="47625" numCol="1" spcCol="1270" anchor="ctr" anchorCtr="0">
+          <a:noAutofit/>
+        </a:bodyPr>
+        <a:lstStyle/>
+        <a:p>
+          <a:pPr lvl="0" algn="ctr" defTabSz="1111250">
+            <a:lnSpc>
+              <a:spcPct val="90000"/>
+            </a:lnSpc>
+            <a:spcBef>
+              <a:spcPct val="0"/>
+            </a:spcBef>
+            <a:spcAft>
+              <a:spcPct val="35000"/>
+            </a:spcAft>
+          </a:pPr>
+          <a:r>
+            <a:rPr lang="pt-BR" sz="2500" kern="1200" dirty="0" smtClean="0">
+              <a:solidFill>
+                <a:schemeClr val="bg1"/>
+              </a:solidFill>
+            </a:rPr>
+            <a:t>Estratégias de Entrada de Mercado</a:t>
+          </a:r>
+          <a:endParaRPr lang="pt-BR" sz="2500" kern="1200" dirty="0">
+            <a:solidFill>
+              <a:schemeClr val="bg1"/>
+            </a:solidFill>
+          </a:endParaRPr>
+        </a:p>
+      </dsp:txBody>
+      <dsp:txXfrm>
+        <a:off x="51330" y="2261884"/>
+        <a:ext cx="3059931" cy="948839"/>
+      </dsp:txXfrm>
+    </dsp:sp>
+    <dsp:sp modelId="{CF554BA7-8537-42CC-8DE8-375356E525EE}">
+      <dsp:nvSpPr>
+        <dsp:cNvPr id="0" name=""/>
+        <dsp:cNvSpPr/>
+      </dsp:nvSpPr>
+      <dsp:spPr>
+        <a:xfrm rot="5400000">
+          <a:off x="5553183" y="1029186"/>
+          <a:ext cx="841199" cy="5622384"/>
+        </a:xfrm>
+        <a:prstGeom prst="round2SameRect">
+          <a:avLst/>
+        </a:prstGeom>
+        <a:solidFill>
+          <a:schemeClr val="accent1">
+            <a:alpha val="46000"/>
+          </a:schemeClr>
+        </a:solidFill>
+        <a:ln w="25400" cap="flat" cmpd="sng" algn="ctr">
+          <a:solidFill>
+            <a:schemeClr val="accent1">
+              <a:alpha val="90000"/>
+              <a:tint val="40000"/>
+              <a:hueOff val="0"/>
+              <a:satOff val="0"/>
+              <a:lumOff val="0"/>
+              <a:alphaOff val="0"/>
+            </a:schemeClr>
+          </a:solidFill>
+          <a:prstDash val="solid"/>
+        </a:ln>
+        <a:effectLst/>
+      </dsp:spPr>
+      <dsp:style>
+        <a:lnRef idx="2">
+          <a:scrgbClr r="0" g="0" b="0"/>
+        </a:lnRef>
+        <a:fillRef idx="1">
+          <a:scrgbClr r="0" g="0" b="0"/>
+        </a:fillRef>
+        <a:effectRef idx="0">
+          <a:scrgbClr r="0" g="0" b="0"/>
+        </a:effectRef>
+        <a:fontRef idx="minor"/>
+      </dsp:style>
+      <dsp:txBody>
+        <a:bodyPr spcFirstLastPara="0" vert="horz" wrap="square" lIns="106680" tIns="53340" rIns="106680" bIns="53340" numCol="1" spcCol="1270" anchor="ctr" anchorCtr="0">
+          <a:noAutofit/>
+        </a:bodyPr>
+        <a:lstStyle/>
+        <a:p>
+          <a:pPr marL="285750" lvl="1" indent="-285750" algn="l" defTabSz="1244600">
+            <a:lnSpc>
+              <a:spcPct val="90000"/>
+            </a:lnSpc>
+            <a:spcBef>
+              <a:spcPct val="0"/>
+            </a:spcBef>
+            <a:spcAft>
+              <a:spcPct val="15000"/>
+            </a:spcAft>
+            <a:buChar char="••"/>
+          </a:pPr>
+          <a:r>
+            <a:rPr lang="pt-BR" sz="2800" kern="1200" dirty="0" smtClean="0">
+              <a:solidFill>
+                <a:schemeClr val="bg1"/>
+              </a:solidFill>
+            </a:rPr>
+            <a:t>Liderança em custo, Diferenciação</a:t>
+          </a:r>
+          <a:endParaRPr lang="pt-BR" sz="2800" kern="1200" dirty="0">
+            <a:solidFill>
+              <a:schemeClr val="bg1"/>
+            </a:solidFill>
+          </a:endParaRPr>
+        </a:p>
+      </dsp:txBody>
+      <dsp:txXfrm rot="-5400000">
+        <a:off x="3162591" y="3460842"/>
+        <a:ext cx="5581320" cy="759071"/>
+      </dsp:txXfrm>
+    </dsp:sp>
+    <dsp:sp modelId="{896B29AC-37A8-4CDA-A2AF-69A070EA1311}">
+      <dsp:nvSpPr>
+        <dsp:cNvPr id="0" name=""/>
+        <dsp:cNvSpPr/>
+      </dsp:nvSpPr>
+      <dsp:spPr>
+        <a:xfrm>
+          <a:off x="0" y="3314628"/>
+          <a:ext cx="3162591" cy="1051499"/>
+        </a:xfrm>
+        <a:prstGeom prst="roundRect">
+          <a:avLst/>
+        </a:prstGeom>
+        <a:solidFill>
+          <a:schemeClr val="accent1">
+            <a:alpha val="46000"/>
+          </a:schemeClr>
+        </a:solidFill>
+        <a:ln w="25400" cap="flat" cmpd="sng" algn="ctr">
+          <a:solidFill>
+            <a:schemeClr val="lt1">
+              <a:hueOff val="0"/>
+              <a:satOff val="0"/>
+              <a:lumOff val="0"/>
+              <a:alphaOff val="0"/>
+            </a:schemeClr>
+          </a:solidFill>
+          <a:prstDash val="solid"/>
+        </a:ln>
+        <a:effectLst/>
+      </dsp:spPr>
+      <dsp:style>
+        <a:lnRef idx="2">
+          <a:scrgbClr r="0" g="0" b="0"/>
+        </a:lnRef>
+        <a:fillRef idx="1">
+          <a:scrgbClr r="0" g="0" b="0"/>
+        </a:fillRef>
+        <a:effectRef idx="0">
+          <a:scrgbClr r="0" g="0" b="0"/>
+        </a:effectRef>
+        <a:fontRef idx="minor">
+          <a:schemeClr val="lt1"/>
+        </a:fontRef>
+      </dsp:style>
+      <dsp:txBody>
+        <a:bodyPr spcFirstLastPara="0" vert="horz" wrap="square" lIns="95250" tIns="47625" rIns="95250" bIns="47625" numCol="1" spcCol="1270" anchor="ctr" anchorCtr="0">
+          <a:noAutofit/>
+        </a:bodyPr>
+        <a:lstStyle/>
+        <a:p>
+          <a:pPr lvl="0" algn="ctr" defTabSz="1111250">
+            <a:lnSpc>
+              <a:spcPct val="90000"/>
+            </a:lnSpc>
+            <a:spcBef>
+              <a:spcPct val="0"/>
+            </a:spcBef>
+            <a:spcAft>
+              <a:spcPct val="35000"/>
+            </a:spcAft>
+          </a:pPr>
+          <a:r>
+            <a:rPr lang="pt-BR" sz="2500" kern="1200" dirty="0" smtClean="0">
+              <a:solidFill>
+                <a:schemeClr val="bg1"/>
+              </a:solidFill>
+            </a:rPr>
+            <a:t>Estratégia Corporativa</a:t>
+          </a:r>
+          <a:endParaRPr lang="pt-BR" sz="2500" kern="1200" dirty="0">
+            <a:solidFill>
+              <a:schemeClr val="bg1"/>
+            </a:solidFill>
+          </a:endParaRPr>
+        </a:p>
+      </dsp:txBody>
+      <dsp:txXfrm>
+        <a:off x="51330" y="3365958"/>
+        <a:ext cx="3059931" cy="948839"/>
+      </dsp:txXfrm>
+    </dsp:sp>
+    <dsp:sp modelId="{0C25F599-2E82-4F49-B192-B59CAF50628E}">
+      <dsp:nvSpPr>
+        <dsp:cNvPr id="0" name=""/>
+        <dsp:cNvSpPr/>
+      </dsp:nvSpPr>
+      <dsp:spPr>
+        <a:xfrm rot="5400000">
+          <a:off x="5553183" y="2133260"/>
+          <a:ext cx="841199" cy="5622384"/>
+        </a:xfrm>
+        <a:prstGeom prst="round2SameRect">
+          <a:avLst/>
+        </a:prstGeom>
+        <a:solidFill>
+          <a:schemeClr val="accent1">
+            <a:alpha val="46000"/>
+          </a:schemeClr>
+        </a:solidFill>
+        <a:ln w="25400" cap="flat" cmpd="sng" algn="ctr">
+          <a:solidFill>
+            <a:schemeClr val="accent1">
+              <a:alpha val="90000"/>
+              <a:tint val="40000"/>
+              <a:hueOff val="0"/>
+              <a:satOff val="0"/>
+              <a:lumOff val="0"/>
+              <a:alphaOff val="0"/>
+            </a:schemeClr>
+          </a:solidFill>
+          <a:prstDash val="solid"/>
+        </a:ln>
+        <a:effectLst/>
+      </dsp:spPr>
+      <dsp:style>
+        <a:lnRef idx="2">
+          <a:scrgbClr r="0" g="0" b="0"/>
+        </a:lnRef>
+        <a:fillRef idx="1">
+          <a:scrgbClr r="0" g="0" b="0"/>
+        </a:fillRef>
+        <a:effectRef idx="0">
+          <a:scrgbClr r="0" g="0" b="0"/>
+        </a:effectRef>
+        <a:fontRef idx="minor"/>
+      </dsp:style>
+      <dsp:txBody>
+        <a:bodyPr spcFirstLastPara="0" vert="horz" wrap="square" lIns="106680" tIns="53340" rIns="106680" bIns="53340" numCol="1" spcCol="1270" anchor="ctr" anchorCtr="0">
+          <a:noAutofit/>
+        </a:bodyPr>
+        <a:lstStyle/>
+        <a:p>
+          <a:pPr marL="285750" lvl="1" indent="-285750" algn="l" defTabSz="1244600">
+            <a:lnSpc>
+              <a:spcPct val="90000"/>
+            </a:lnSpc>
+            <a:spcBef>
+              <a:spcPct val="0"/>
+            </a:spcBef>
+            <a:spcAft>
+              <a:spcPct val="15000"/>
+            </a:spcAft>
+            <a:buChar char="••"/>
+          </a:pPr>
+          <a:r>
+            <a:rPr lang="pt-BR" sz="2800" kern="1200" dirty="0" smtClean="0">
+              <a:solidFill>
+                <a:schemeClr val="bg1"/>
+              </a:solidFill>
+            </a:rPr>
+            <a:t>Produtos, Estrutura tecnológica</a:t>
+          </a:r>
+          <a:endParaRPr lang="pt-BR" sz="2800" kern="1200" dirty="0">
+            <a:solidFill>
+              <a:schemeClr val="bg1"/>
+            </a:solidFill>
+          </a:endParaRPr>
+        </a:p>
+      </dsp:txBody>
+      <dsp:txXfrm rot="-5400000">
+        <a:off x="3162591" y="4564916"/>
+        <a:ext cx="5581320" cy="759071"/>
+      </dsp:txXfrm>
+    </dsp:sp>
+    <dsp:sp modelId="{F48CEC02-FE9B-4CA2-ADC0-10BD5C6936C7}">
+      <dsp:nvSpPr>
+        <dsp:cNvPr id="0" name=""/>
+        <dsp:cNvSpPr/>
+      </dsp:nvSpPr>
+      <dsp:spPr>
+        <a:xfrm>
+          <a:off x="0" y="4418703"/>
+          <a:ext cx="3162591" cy="1051499"/>
+        </a:xfrm>
+        <a:prstGeom prst="roundRect">
+          <a:avLst/>
+        </a:prstGeom>
+        <a:solidFill>
+          <a:schemeClr val="accent1">
+            <a:alpha val="46000"/>
+          </a:schemeClr>
+        </a:solidFill>
+        <a:ln w="25400" cap="flat" cmpd="sng" algn="ctr">
+          <a:solidFill>
+            <a:schemeClr val="lt1">
+              <a:hueOff val="0"/>
+              <a:satOff val="0"/>
+              <a:lumOff val="0"/>
+              <a:alphaOff val="0"/>
+            </a:schemeClr>
+          </a:solidFill>
+          <a:prstDash val="solid"/>
+        </a:ln>
+        <a:effectLst/>
+      </dsp:spPr>
+      <dsp:style>
+        <a:lnRef idx="2">
+          <a:scrgbClr r="0" g="0" b="0"/>
+        </a:lnRef>
+        <a:fillRef idx="1">
+          <a:scrgbClr r="0" g="0" b="0"/>
+        </a:fillRef>
+        <a:effectRef idx="0">
+          <a:scrgbClr r="0" g="0" b="0"/>
+        </a:effectRef>
+        <a:fontRef idx="minor">
+          <a:schemeClr val="lt1"/>
+        </a:fontRef>
+      </dsp:style>
+      <dsp:txBody>
+        <a:bodyPr spcFirstLastPara="0" vert="horz" wrap="square" lIns="95250" tIns="47625" rIns="95250" bIns="47625" numCol="1" spcCol="1270" anchor="ctr" anchorCtr="0">
+          <a:noAutofit/>
+        </a:bodyPr>
+        <a:lstStyle/>
+        <a:p>
+          <a:pPr lvl="0" algn="ctr" defTabSz="1111250">
+            <a:lnSpc>
+              <a:spcPct val="90000"/>
+            </a:lnSpc>
+            <a:spcBef>
+              <a:spcPct val="0"/>
+            </a:spcBef>
+            <a:spcAft>
+              <a:spcPct val="35000"/>
+            </a:spcAft>
+          </a:pPr>
+          <a:r>
+            <a:rPr lang="pt-BR" sz="2500" kern="1200" dirty="0" smtClean="0">
+              <a:solidFill>
+                <a:schemeClr val="bg1"/>
+              </a:solidFill>
+            </a:rPr>
+            <a:t>Estratégias de Implementação</a:t>
+          </a:r>
+          <a:endParaRPr lang="pt-BR" sz="2500" kern="1200" dirty="0">
+            <a:solidFill>
+              <a:schemeClr val="bg1"/>
+            </a:solidFill>
+          </a:endParaRPr>
+        </a:p>
+      </dsp:txBody>
+      <dsp:txXfrm>
+        <a:off x="51330" y="4470033"/>
+        <a:ext cx="3059931" cy="948839"/>
+      </dsp:txXfrm>
+    </dsp:sp>
   </dsp:spTree>
 </dsp:drawing>
 </file>
@@ -18807,6 +19662,877 @@
       <dsp:cNvGrpSpPr/>
     </dsp:nvGrpSpPr>
     <dsp:grpSpPr/>
+    <dsp:sp modelId="{F5E68069-5C75-4F52-B3B6-076EA21298D7}">
+      <dsp:nvSpPr>
+        <dsp:cNvPr id="0" name=""/>
+        <dsp:cNvSpPr/>
+      </dsp:nvSpPr>
+      <dsp:spPr>
+        <a:xfrm rot="5400000">
+          <a:off x="5553183" y="-2283037"/>
+          <a:ext cx="841199" cy="5622384"/>
+        </a:xfrm>
+        <a:prstGeom prst="round2SameRect">
+          <a:avLst/>
+        </a:prstGeom>
+        <a:solidFill>
+          <a:schemeClr val="accent1">
+            <a:alpha val="20000"/>
+          </a:schemeClr>
+        </a:solidFill>
+        <a:ln w="25400" cap="flat" cmpd="sng" algn="ctr">
+          <a:solidFill>
+            <a:schemeClr val="accent1">
+              <a:alpha val="90000"/>
+              <a:tint val="40000"/>
+              <a:hueOff val="0"/>
+              <a:satOff val="0"/>
+              <a:lumOff val="0"/>
+              <a:alphaOff val="0"/>
+            </a:schemeClr>
+          </a:solidFill>
+          <a:prstDash val="solid"/>
+        </a:ln>
+        <a:effectLst/>
+      </dsp:spPr>
+      <dsp:style>
+        <a:lnRef idx="2">
+          <a:scrgbClr r="0" g="0" b="0"/>
+        </a:lnRef>
+        <a:fillRef idx="1">
+          <a:scrgbClr r="0" g="0" b="0"/>
+        </a:fillRef>
+        <a:effectRef idx="0">
+          <a:scrgbClr r="0" g="0" b="0"/>
+        </a:effectRef>
+        <a:fontRef idx="minor"/>
+      </dsp:style>
+      <dsp:txBody>
+        <a:bodyPr spcFirstLastPara="0" vert="horz" wrap="square" lIns="106680" tIns="53340" rIns="106680" bIns="53340" numCol="1" spcCol="1270" anchor="ctr" anchorCtr="0">
+          <a:noAutofit/>
+        </a:bodyPr>
+        <a:lstStyle/>
+        <a:p>
+          <a:pPr marL="114300" lvl="1" indent="-114300" algn="l" defTabSz="622300">
+            <a:lnSpc>
+              <a:spcPct val="90000"/>
+            </a:lnSpc>
+            <a:spcBef>
+              <a:spcPct val="0"/>
+            </a:spcBef>
+            <a:spcAft>
+              <a:spcPct val="15000"/>
+            </a:spcAft>
+            <a:buChar char="••"/>
+          </a:pPr>
+          <a:r>
+            <a:rPr lang="pt-BR" sz="1400" kern="1200" dirty="0" smtClean="0">
+              <a:solidFill>
+                <a:schemeClr val="bg1"/>
+              </a:solidFill>
+            </a:rPr>
+            <a:t>Negócio, Missão, Visão, Valores </a:t>
+          </a:r>
+          <a:endParaRPr lang="pt-BR" sz="1400" kern="1200" dirty="0">
+            <a:solidFill>
+              <a:schemeClr val="bg1"/>
+            </a:solidFill>
+          </a:endParaRPr>
+        </a:p>
+        <a:p>
+          <a:pPr marL="114300" lvl="1" indent="-114300" algn="l" defTabSz="622300">
+            <a:lnSpc>
+              <a:spcPct val="90000"/>
+            </a:lnSpc>
+            <a:spcBef>
+              <a:spcPct val="0"/>
+            </a:spcBef>
+            <a:spcAft>
+              <a:spcPct val="15000"/>
+            </a:spcAft>
+            <a:buChar char="••"/>
+          </a:pPr>
+          <a:r>
+            <a:rPr lang="pt-BR" sz="1400" kern="1200" dirty="0" smtClean="0">
+              <a:solidFill>
+                <a:schemeClr val="bg1"/>
+              </a:solidFill>
+            </a:rPr>
+            <a:t>Pedra fundamental, Postura da Instituição</a:t>
+          </a:r>
+          <a:endParaRPr lang="pt-BR" sz="1400" kern="1200" dirty="0">
+            <a:solidFill>
+              <a:schemeClr val="bg1"/>
+            </a:solidFill>
+          </a:endParaRPr>
+        </a:p>
+        <a:p>
+          <a:pPr marL="114300" lvl="1" indent="-114300" algn="l" defTabSz="622300">
+            <a:lnSpc>
+              <a:spcPct val="90000"/>
+            </a:lnSpc>
+            <a:spcBef>
+              <a:spcPct val="0"/>
+            </a:spcBef>
+            <a:spcAft>
+              <a:spcPct val="15000"/>
+            </a:spcAft>
+            <a:buChar char="••"/>
+          </a:pPr>
+          <a:r>
+            <a:rPr lang="pt-BR" sz="1400" kern="1200" dirty="0" smtClean="0">
+              <a:solidFill>
+                <a:schemeClr val="bg1"/>
+              </a:solidFill>
+            </a:rPr>
+            <a:t>Não são Executáveis, apenas estabelecem direcionamento e “freios” às possibilidades</a:t>
+          </a:r>
+          <a:endParaRPr lang="pt-BR" sz="1400" kern="1200" dirty="0">
+            <a:solidFill>
+              <a:schemeClr val="bg1"/>
+            </a:solidFill>
+          </a:endParaRPr>
+        </a:p>
+      </dsp:txBody>
+      <dsp:txXfrm rot="-5400000">
+        <a:off x="3162591" y="148619"/>
+        <a:ext cx="5581320" cy="759071"/>
+      </dsp:txXfrm>
+    </dsp:sp>
+    <dsp:sp modelId="{404009E2-52E2-4FBD-8A06-2B3B9B79AB2A}">
+      <dsp:nvSpPr>
+        <dsp:cNvPr id="0" name=""/>
+        <dsp:cNvSpPr/>
+      </dsp:nvSpPr>
+      <dsp:spPr>
+        <a:xfrm>
+          <a:off x="0" y="2404"/>
+          <a:ext cx="3162591" cy="1051499"/>
+        </a:xfrm>
+        <a:prstGeom prst="roundRect">
+          <a:avLst/>
+        </a:prstGeom>
+        <a:solidFill>
+          <a:schemeClr val="accent1">
+            <a:alpha val="20000"/>
+          </a:schemeClr>
+        </a:solidFill>
+        <a:ln w="25400" cap="flat" cmpd="sng" algn="ctr">
+          <a:solidFill>
+            <a:schemeClr val="lt1">
+              <a:hueOff val="0"/>
+              <a:satOff val="0"/>
+              <a:lumOff val="0"/>
+              <a:alphaOff val="0"/>
+            </a:schemeClr>
+          </a:solidFill>
+          <a:prstDash val="solid"/>
+        </a:ln>
+        <a:effectLst/>
+      </dsp:spPr>
+      <dsp:style>
+        <a:lnRef idx="2">
+          <a:scrgbClr r="0" g="0" b="0"/>
+        </a:lnRef>
+        <a:fillRef idx="1">
+          <a:scrgbClr r="0" g="0" b="0"/>
+        </a:fillRef>
+        <a:effectRef idx="0">
+          <a:scrgbClr r="0" g="0" b="0"/>
+        </a:effectRef>
+        <a:fontRef idx="minor">
+          <a:schemeClr val="lt1"/>
+        </a:fontRef>
+      </dsp:style>
+      <dsp:txBody>
+        <a:bodyPr spcFirstLastPara="0" vert="horz" wrap="square" lIns="95250" tIns="47625" rIns="95250" bIns="47625" numCol="1" spcCol="1270" anchor="ctr" anchorCtr="0">
+          <a:noAutofit/>
+        </a:bodyPr>
+        <a:lstStyle/>
+        <a:p>
+          <a:pPr lvl="0" algn="ctr" defTabSz="1111250">
+            <a:lnSpc>
+              <a:spcPct val="90000"/>
+            </a:lnSpc>
+            <a:spcBef>
+              <a:spcPct val="0"/>
+            </a:spcBef>
+            <a:spcAft>
+              <a:spcPct val="35000"/>
+            </a:spcAft>
+          </a:pPr>
+          <a:r>
+            <a:rPr lang="pt-BR" sz="2500" kern="1200" dirty="0" smtClean="0">
+              <a:solidFill>
+                <a:schemeClr val="bg1"/>
+              </a:solidFill>
+            </a:rPr>
+            <a:t>Estratégias Direcionais</a:t>
+          </a:r>
+          <a:endParaRPr lang="pt-BR" sz="2500" kern="1200" dirty="0">
+            <a:solidFill>
+              <a:schemeClr val="bg1"/>
+            </a:solidFill>
+          </a:endParaRPr>
+        </a:p>
+      </dsp:txBody>
+      <dsp:txXfrm>
+        <a:off x="51330" y="53734"/>
+        <a:ext cx="3059931" cy="948839"/>
+      </dsp:txXfrm>
+    </dsp:sp>
+    <dsp:sp modelId="{E5206532-7C8F-4EFA-ADED-2A331D524BCC}">
+      <dsp:nvSpPr>
+        <dsp:cNvPr id="0" name=""/>
+        <dsp:cNvSpPr/>
+      </dsp:nvSpPr>
+      <dsp:spPr>
+        <a:xfrm rot="5400000">
+          <a:off x="5553183" y="-1178962"/>
+          <a:ext cx="841199" cy="5622384"/>
+        </a:xfrm>
+        <a:prstGeom prst="round2SameRect">
+          <a:avLst/>
+        </a:prstGeom>
+        <a:solidFill>
+          <a:schemeClr val="accent1">
+            <a:alpha val="90000"/>
+            <a:tint val="40000"/>
+            <a:hueOff val="0"/>
+            <a:satOff val="0"/>
+            <a:lumOff val="0"/>
+            <a:alphaOff val="0"/>
+          </a:schemeClr>
+        </a:solidFill>
+        <a:ln w="25400" cap="flat" cmpd="sng" algn="ctr">
+          <a:solidFill>
+            <a:schemeClr val="accent1">
+              <a:alpha val="90000"/>
+              <a:tint val="40000"/>
+              <a:hueOff val="0"/>
+              <a:satOff val="0"/>
+              <a:lumOff val="0"/>
+              <a:alphaOff val="0"/>
+            </a:schemeClr>
+          </a:solidFill>
+          <a:prstDash val="solid"/>
+        </a:ln>
+        <a:effectLst/>
+      </dsp:spPr>
+      <dsp:style>
+        <a:lnRef idx="2">
+          <a:scrgbClr r="0" g="0" b="0"/>
+        </a:lnRef>
+        <a:fillRef idx="1">
+          <a:scrgbClr r="0" g="0" b="0"/>
+        </a:fillRef>
+        <a:effectRef idx="0">
+          <a:scrgbClr r="0" g="0" b="0"/>
+        </a:effectRef>
+        <a:fontRef idx="minor"/>
+      </dsp:style>
+      <dsp:txBody>
+        <a:bodyPr spcFirstLastPara="0" vert="horz" wrap="square" lIns="106680" tIns="53340" rIns="106680" bIns="53340" numCol="1" spcCol="1270" anchor="ctr" anchorCtr="0">
+          <a:noAutofit/>
+        </a:bodyPr>
+        <a:lstStyle/>
+        <a:p>
+          <a:pPr marL="285750" lvl="1" indent="-285750" algn="l" defTabSz="1244600">
+            <a:lnSpc>
+              <a:spcPct val="90000"/>
+            </a:lnSpc>
+            <a:spcBef>
+              <a:spcPct val="0"/>
+            </a:spcBef>
+            <a:spcAft>
+              <a:spcPct val="15000"/>
+            </a:spcAft>
+            <a:buChar char="••"/>
+          </a:pPr>
+          <a:r>
+            <a:rPr lang="pt-BR" sz="2800" kern="1200" dirty="0" smtClean="0"/>
+            <a:t>Diversificação, Integração Vertical</a:t>
+          </a:r>
+          <a:endParaRPr lang="pt-BR" sz="2800" kern="1200" dirty="0"/>
+        </a:p>
+      </dsp:txBody>
+      <dsp:txXfrm rot="-5400000">
+        <a:off x="3162591" y="1252694"/>
+        <a:ext cx="5581320" cy="759071"/>
+      </dsp:txXfrm>
+    </dsp:sp>
+    <dsp:sp modelId="{B27C1B24-E235-4511-8BCB-482FBE1E642D}">
+      <dsp:nvSpPr>
+        <dsp:cNvPr id="0" name=""/>
+        <dsp:cNvSpPr/>
+      </dsp:nvSpPr>
+      <dsp:spPr>
+        <a:xfrm>
+          <a:off x="0" y="1106479"/>
+          <a:ext cx="3162591" cy="1051499"/>
+        </a:xfrm>
+        <a:prstGeom prst="roundRect">
+          <a:avLst/>
+        </a:prstGeom>
+        <a:solidFill>
+          <a:schemeClr val="accent1">
+            <a:hueOff val="0"/>
+            <a:satOff val="0"/>
+            <a:lumOff val="0"/>
+            <a:alphaOff val="0"/>
+          </a:schemeClr>
+        </a:solidFill>
+        <a:ln w="25400" cap="flat" cmpd="sng" algn="ctr">
+          <a:solidFill>
+            <a:schemeClr val="lt1">
+              <a:hueOff val="0"/>
+              <a:satOff val="0"/>
+              <a:lumOff val="0"/>
+              <a:alphaOff val="0"/>
+            </a:schemeClr>
+          </a:solidFill>
+          <a:prstDash val="solid"/>
+        </a:ln>
+        <a:effectLst/>
+      </dsp:spPr>
+      <dsp:style>
+        <a:lnRef idx="2">
+          <a:scrgbClr r="0" g="0" b="0"/>
+        </a:lnRef>
+        <a:fillRef idx="1">
+          <a:scrgbClr r="0" g="0" b="0"/>
+        </a:fillRef>
+        <a:effectRef idx="0">
+          <a:scrgbClr r="0" g="0" b="0"/>
+        </a:effectRef>
+        <a:fontRef idx="minor">
+          <a:schemeClr val="lt1"/>
+        </a:fontRef>
+      </dsp:style>
+      <dsp:txBody>
+        <a:bodyPr spcFirstLastPara="0" vert="horz" wrap="square" lIns="95250" tIns="47625" rIns="95250" bIns="47625" numCol="1" spcCol="1270" anchor="ctr" anchorCtr="0">
+          <a:noAutofit/>
+        </a:bodyPr>
+        <a:lstStyle/>
+        <a:p>
+          <a:pPr lvl="0" algn="ctr" defTabSz="1111250">
+            <a:lnSpc>
+              <a:spcPct val="90000"/>
+            </a:lnSpc>
+            <a:spcBef>
+              <a:spcPct val="0"/>
+            </a:spcBef>
+            <a:spcAft>
+              <a:spcPct val="35000"/>
+            </a:spcAft>
+          </a:pPr>
+          <a:r>
+            <a:rPr lang="pt-BR" sz="2500" kern="1200" dirty="0" smtClean="0"/>
+            <a:t>Estratégias de Escopo Organizacional</a:t>
+          </a:r>
+          <a:endParaRPr lang="pt-BR" sz="2500" kern="1200" dirty="0"/>
+        </a:p>
+      </dsp:txBody>
+      <dsp:txXfrm>
+        <a:off x="51330" y="1157809"/>
+        <a:ext cx="3059931" cy="948839"/>
+      </dsp:txXfrm>
+    </dsp:sp>
+    <dsp:sp modelId="{F3BDE4F4-7BE2-41A2-B6DB-9077B3E9C21C}">
+      <dsp:nvSpPr>
+        <dsp:cNvPr id="0" name=""/>
+        <dsp:cNvSpPr/>
+      </dsp:nvSpPr>
+      <dsp:spPr>
+        <a:xfrm rot="5400000">
+          <a:off x="5553183" y="-74888"/>
+          <a:ext cx="841199" cy="5622384"/>
+        </a:xfrm>
+        <a:prstGeom prst="round2SameRect">
+          <a:avLst/>
+        </a:prstGeom>
+        <a:solidFill>
+          <a:schemeClr val="accent1">
+            <a:alpha val="20000"/>
+          </a:schemeClr>
+        </a:solidFill>
+        <a:ln w="25400" cap="flat" cmpd="sng" algn="ctr">
+          <a:solidFill>
+            <a:schemeClr val="accent1">
+              <a:alpha val="90000"/>
+              <a:tint val="40000"/>
+              <a:hueOff val="0"/>
+              <a:satOff val="0"/>
+              <a:lumOff val="0"/>
+              <a:alphaOff val="0"/>
+            </a:schemeClr>
+          </a:solidFill>
+          <a:prstDash val="solid"/>
+        </a:ln>
+        <a:effectLst/>
+      </dsp:spPr>
+      <dsp:style>
+        <a:lnRef idx="2">
+          <a:scrgbClr r="0" g="0" b="0"/>
+        </a:lnRef>
+        <a:fillRef idx="1">
+          <a:scrgbClr r="0" g="0" b="0"/>
+        </a:fillRef>
+        <a:effectRef idx="0">
+          <a:scrgbClr r="0" g="0" b="0"/>
+        </a:effectRef>
+        <a:fontRef idx="minor"/>
+      </dsp:style>
+      <dsp:txBody>
+        <a:bodyPr spcFirstLastPara="0" vert="horz" wrap="square" lIns="106680" tIns="53340" rIns="106680" bIns="53340" numCol="1" spcCol="1270" anchor="ctr" anchorCtr="0">
+          <a:noAutofit/>
+        </a:bodyPr>
+        <a:lstStyle/>
+        <a:p>
+          <a:pPr marL="285750" lvl="1" indent="-285750" algn="l" defTabSz="1244600">
+            <a:lnSpc>
+              <a:spcPct val="90000"/>
+            </a:lnSpc>
+            <a:spcBef>
+              <a:spcPct val="0"/>
+            </a:spcBef>
+            <a:spcAft>
+              <a:spcPct val="15000"/>
+            </a:spcAft>
+            <a:buChar char="••"/>
+          </a:pPr>
+          <a:r>
+            <a:rPr lang="pt-BR" sz="2800" kern="1200" dirty="0" smtClean="0">
+              <a:solidFill>
+                <a:schemeClr val="bg1"/>
+              </a:solidFill>
+            </a:rPr>
+            <a:t>Aceleração, Alianças, Fusões</a:t>
+          </a:r>
+          <a:endParaRPr lang="pt-BR" sz="2800" kern="1200" dirty="0">
+            <a:solidFill>
+              <a:schemeClr val="bg1"/>
+            </a:solidFill>
+          </a:endParaRPr>
+        </a:p>
+      </dsp:txBody>
+      <dsp:txXfrm rot="-5400000">
+        <a:off x="3162591" y="2356768"/>
+        <a:ext cx="5581320" cy="759071"/>
+      </dsp:txXfrm>
+    </dsp:sp>
+    <dsp:sp modelId="{2A524A9B-0EA8-40FE-A47A-7E87EFB1A635}">
+      <dsp:nvSpPr>
+        <dsp:cNvPr id="0" name=""/>
+        <dsp:cNvSpPr/>
+      </dsp:nvSpPr>
+      <dsp:spPr>
+        <a:xfrm>
+          <a:off x="0" y="2210554"/>
+          <a:ext cx="3162591" cy="1051499"/>
+        </a:xfrm>
+        <a:prstGeom prst="roundRect">
+          <a:avLst/>
+        </a:prstGeom>
+        <a:solidFill>
+          <a:schemeClr val="accent1">
+            <a:alpha val="20000"/>
+          </a:schemeClr>
+        </a:solidFill>
+        <a:ln w="25400" cap="flat" cmpd="sng" algn="ctr">
+          <a:solidFill>
+            <a:schemeClr val="lt1">
+              <a:hueOff val="0"/>
+              <a:satOff val="0"/>
+              <a:lumOff val="0"/>
+              <a:alphaOff val="0"/>
+            </a:schemeClr>
+          </a:solidFill>
+          <a:prstDash val="solid"/>
+        </a:ln>
+        <a:effectLst/>
+      </dsp:spPr>
+      <dsp:style>
+        <a:lnRef idx="2">
+          <a:scrgbClr r="0" g="0" b="0"/>
+        </a:lnRef>
+        <a:fillRef idx="1">
+          <a:scrgbClr r="0" g="0" b="0"/>
+        </a:fillRef>
+        <a:effectRef idx="0">
+          <a:scrgbClr r="0" g="0" b="0"/>
+        </a:effectRef>
+        <a:fontRef idx="minor">
+          <a:schemeClr val="lt1"/>
+        </a:fontRef>
+      </dsp:style>
+      <dsp:txBody>
+        <a:bodyPr spcFirstLastPara="0" vert="horz" wrap="square" lIns="95250" tIns="47625" rIns="95250" bIns="47625" numCol="1" spcCol="1270" anchor="ctr" anchorCtr="0">
+          <a:noAutofit/>
+        </a:bodyPr>
+        <a:lstStyle/>
+        <a:p>
+          <a:pPr lvl="0" algn="ctr" defTabSz="1111250">
+            <a:lnSpc>
+              <a:spcPct val="90000"/>
+            </a:lnSpc>
+            <a:spcBef>
+              <a:spcPct val="0"/>
+            </a:spcBef>
+            <a:spcAft>
+              <a:spcPct val="35000"/>
+            </a:spcAft>
+          </a:pPr>
+          <a:r>
+            <a:rPr lang="pt-BR" sz="2500" kern="1200" dirty="0" smtClean="0">
+              <a:solidFill>
+                <a:schemeClr val="bg1"/>
+              </a:solidFill>
+            </a:rPr>
+            <a:t>Estratégias de Entrada de Mercado</a:t>
+          </a:r>
+          <a:endParaRPr lang="pt-BR" sz="2500" kern="1200" dirty="0">
+            <a:solidFill>
+              <a:schemeClr val="bg1"/>
+            </a:solidFill>
+          </a:endParaRPr>
+        </a:p>
+      </dsp:txBody>
+      <dsp:txXfrm>
+        <a:off x="51330" y="2261884"/>
+        <a:ext cx="3059931" cy="948839"/>
+      </dsp:txXfrm>
+    </dsp:sp>
+    <dsp:sp modelId="{CF554BA7-8537-42CC-8DE8-375356E525EE}">
+      <dsp:nvSpPr>
+        <dsp:cNvPr id="0" name=""/>
+        <dsp:cNvSpPr/>
+      </dsp:nvSpPr>
+      <dsp:spPr>
+        <a:xfrm rot="5400000">
+          <a:off x="5553183" y="1029186"/>
+          <a:ext cx="841199" cy="5622384"/>
+        </a:xfrm>
+        <a:prstGeom prst="round2SameRect">
+          <a:avLst/>
+        </a:prstGeom>
+        <a:solidFill>
+          <a:schemeClr val="accent1">
+            <a:alpha val="20000"/>
+          </a:schemeClr>
+        </a:solidFill>
+        <a:ln w="25400" cap="flat" cmpd="sng" algn="ctr">
+          <a:solidFill>
+            <a:schemeClr val="accent1">
+              <a:alpha val="90000"/>
+              <a:tint val="40000"/>
+              <a:hueOff val="0"/>
+              <a:satOff val="0"/>
+              <a:lumOff val="0"/>
+              <a:alphaOff val="0"/>
+            </a:schemeClr>
+          </a:solidFill>
+          <a:prstDash val="solid"/>
+        </a:ln>
+        <a:effectLst/>
+      </dsp:spPr>
+      <dsp:style>
+        <a:lnRef idx="2">
+          <a:scrgbClr r="0" g="0" b="0"/>
+        </a:lnRef>
+        <a:fillRef idx="1">
+          <a:scrgbClr r="0" g="0" b="0"/>
+        </a:fillRef>
+        <a:effectRef idx="0">
+          <a:scrgbClr r="0" g="0" b="0"/>
+        </a:effectRef>
+        <a:fontRef idx="minor"/>
+      </dsp:style>
+      <dsp:txBody>
+        <a:bodyPr spcFirstLastPara="0" vert="horz" wrap="square" lIns="106680" tIns="53340" rIns="106680" bIns="53340" numCol="1" spcCol="1270" anchor="ctr" anchorCtr="0">
+          <a:noAutofit/>
+        </a:bodyPr>
+        <a:lstStyle/>
+        <a:p>
+          <a:pPr marL="285750" lvl="1" indent="-285750" algn="l" defTabSz="1244600">
+            <a:lnSpc>
+              <a:spcPct val="90000"/>
+            </a:lnSpc>
+            <a:spcBef>
+              <a:spcPct val="0"/>
+            </a:spcBef>
+            <a:spcAft>
+              <a:spcPct val="15000"/>
+            </a:spcAft>
+            <a:buChar char="••"/>
+          </a:pPr>
+          <a:r>
+            <a:rPr lang="pt-BR" sz="2800" kern="1200" dirty="0" smtClean="0">
+              <a:solidFill>
+                <a:schemeClr val="bg1"/>
+              </a:solidFill>
+            </a:rPr>
+            <a:t>Liderança em custo, Diferenciação</a:t>
+          </a:r>
+          <a:endParaRPr lang="pt-BR" sz="2800" kern="1200" dirty="0">
+            <a:solidFill>
+              <a:schemeClr val="bg1"/>
+            </a:solidFill>
+          </a:endParaRPr>
+        </a:p>
+      </dsp:txBody>
+      <dsp:txXfrm rot="-5400000">
+        <a:off x="3162591" y="3460842"/>
+        <a:ext cx="5581320" cy="759071"/>
+      </dsp:txXfrm>
+    </dsp:sp>
+    <dsp:sp modelId="{896B29AC-37A8-4CDA-A2AF-69A070EA1311}">
+      <dsp:nvSpPr>
+        <dsp:cNvPr id="0" name=""/>
+        <dsp:cNvSpPr/>
+      </dsp:nvSpPr>
+      <dsp:spPr>
+        <a:xfrm>
+          <a:off x="0" y="3314628"/>
+          <a:ext cx="3162591" cy="1051499"/>
+        </a:xfrm>
+        <a:prstGeom prst="roundRect">
+          <a:avLst/>
+        </a:prstGeom>
+        <a:solidFill>
+          <a:schemeClr val="accent1">
+            <a:alpha val="20000"/>
+          </a:schemeClr>
+        </a:solidFill>
+        <a:ln w="25400" cap="flat" cmpd="sng" algn="ctr">
+          <a:solidFill>
+            <a:schemeClr val="lt1">
+              <a:hueOff val="0"/>
+              <a:satOff val="0"/>
+              <a:lumOff val="0"/>
+              <a:alphaOff val="0"/>
+            </a:schemeClr>
+          </a:solidFill>
+          <a:prstDash val="solid"/>
+        </a:ln>
+        <a:effectLst/>
+      </dsp:spPr>
+      <dsp:style>
+        <a:lnRef idx="2">
+          <a:scrgbClr r="0" g="0" b="0"/>
+        </a:lnRef>
+        <a:fillRef idx="1">
+          <a:scrgbClr r="0" g="0" b="0"/>
+        </a:fillRef>
+        <a:effectRef idx="0">
+          <a:scrgbClr r="0" g="0" b="0"/>
+        </a:effectRef>
+        <a:fontRef idx="minor">
+          <a:schemeClr val="lt1"/>
+        </a:fontRef>
+      </dsp:style>
+      <dsp:txBody>
+        <a:bodyPr spcFirstLastPara="0" vert="horz" wrap="square" lIns="95250" tIns="47625" rIns="95250" bIns="47625" numCol="1" spcCol="1270" anchor="ctr" anchorCtr="0">
+          <a:noAutofit/>
+        </a:bodyPr>
+        <a:lstStyle/>
+        <a:p>
+          <a:pPr lvl="0" algn="ctr" defTabSz="1111250">
+            <a:lnSpc>
+              <a:spcPct val="90000"/>
+            </a:lnSpc>
+            <a:spcBef>
+              <a:spcPct val="0"/>
+            </a:spcBef>
+            <a:spcAft>
+              <a:spcPct val="35000"/>
+            </a:spcAft>
+          </a:pPr>
+          <a:r>
+            <a:rPr lang="pt-BR" sz="2500" kern="1200" dirty="0" smtClean="0">
+              <a:solidFill>
+                <a:schemeClr val="bg1"/>
+              </a:solidFill>
+            </a:rPr>
+            <a:t>Estratégia Corporativa</a:t>
+          </a:r>
+          <a:endParaRPr lang="pt-BR" sz="2500" kern="1200" dirty="0">
+            <a:solidFill>
+              <a:schemeClr val="bg1"/>
+            </a:solidFill>
+          </a:endParaRPr>
+        </a:p>
+      </dsp:txBody>
+      <dsp:txXfrm>
+        <a:off x="51330" y="3365958"/>
+        <a:ext cx="3059931" cy="948839"/>
+      </dsp:txXfrm>
+    </dsp:sp>
+    <dsp:sp modelId="{0C25F599-2E82-4F49-B192-B59CAF50628E}">
+      <dsp:nvSpPr>
+        <dsp:cNvPr id="0" name=""/>
+        <dsp:cNvSpPr/>
+      </dsp:nvSpPr>
+      <dsp:spPr>
+        <a:xfrm rot="5400000">
+          <a:off x="5553183" y="2133260"/>
+          <a:ext cx="841199" cy="5622384"/>
+        </a:xfrm>
+        <a:prstGeom prst="round2SameRect">
+          <a:avLst/>
+        </a:prstGeom>
+        <a:solidFill>
+          <a:schemeClr val="accent1">
+            <a:alpha val="20000"/>
+          </a:schemeClr>
+        </a:solidFill>
+        <a:ln w="25400" cap="flat" cmpd="sng" algn="ctr">
+          <a:solidFill>
+            <a:schemeClr val="accent1">
+              <a:alpha val="90000"/>
+              <a:tint val="40000"/>
+              <a:hueOff val="0"/>
+              <a:satOff val="0"/>
+              <a:lumOff val="0"/>
+              <a:alphaOff val="0"/>
+            </a:schemeClr>
+          </a:solidFill>
+          <a:prstDash val="solid"/>
+        </a:ln>
+        <a:effectLst/>
+      </dsp:spPr>
+      <dsp:style>
+        <a:lnRef idx="2">
+          <a:scrgbClr r="0" g="0" b="0"/>
+        </a:lnRef>
+        <a:fillRef idx="1">
+          <a:scrgbClr r="0" g="0" b="0"/>
+        </a:fillRef>
+        <a:effectRef idx="0">
+          <a:scrgbClr r="0" g="0" b="0"/>
+        </a:effectRef>
+        <a:fontRef idx="minor"/>
+      </dsp:style>
+      <dsp:txBody>
+        <a:bodyPr spcFirstLastPara="0" vert="horz" wrap="square" lIns="106680" tIns="53340" rIns="106680" bIns="53340" numCol="1" spcCol="1270" anchor="ctr" anchorCtr="0">
+          <a:noAutofit/>
+        </a:bodyPr>
+        <a:lstStyle/>
+        <a:p>
+          <a:pPr marL="285750" lvl="1" indent="-285750" algn="l" defTabSz="1244600">
+            <a:lnSpc>
+              <a:spcPct val="90000"/>
+            </a:lnSpc>
+            <a:spcBef>
+              <a:spcPct val="0"/>
+            </a:spcBef>
+            <a:spcAft>
+              <a:spcPct val="15000"/>
+            </a:spcAft>
+            <a:buChar char="••"/>
+          </a:pPr>
+          <a:r>
+            <a:rPr lang="pt-BR" sz="2800" kern="1200" dirty="0" smtClean="0">
+              <a:solidFill>
+                <a:schemeClr val="bg1"/>
+              </a:solidFill>
+            </a:rPr>
+            <a:t>Produtos, Estrutura tecnológica</a:t>
+          </a:r>
+          <a:endParaRPr lang="pt-BR" sz="2800" kern="1200" dirty="0">
+            <a:solidFill>
+              <a:schemeClr val="bg1"/>
+            </a:solidFill>
+          </a:endParaRPr>
+        </a:p>
+      </dsp:txBody>
+      <dsp:txXfrm rot="-5400000">
+        <a:off x="3162591" y="4564916"/>
+        <a:ext cx="5581320" cy="759071"/>
+      </dsp:txXfrm>
+    </dsp:sp>
+    <dsp:sp modelId="{F48CEC02-FE9B-4CA2-ADC0-10BD5C6936C7}">
+      <dsp:nvSpPr>
+        <dsp:cNvPr id="0" name=""/>
+        <dsp:cNvSpPr/>
+      </dsp:nvSpPr>
+      <dsp:spPr>
+        <a:xfrm>
+          <a:off x="0" y="4418703"/>
+          <a:ext cx="3162591" cy="1051499"/>
+        </a:xfrm>
+        <a:prstGeom prst="roundRect">
+          <a:avLst/>
+        </a:prstGeom>
+        <a:solidFill>
+          <a:schemeClr val="accent1">
+            <a:alpha val="20000"/>
+          </a:schemeClr>
+        </a:solidFill>
+        <a:ln w="25400" cap="flat" cmpd="sng" algn="ctr">
+          <a:solidFill>
+            <a:schemeClr val="lt1">
+              <a:hueOff val="0"/>
+              <a:satOff val="0"/>
+              <a:lumOff val="0"/>
+              <a:alphaOff val="0"/>
+            </a:schemeClr>
+          </a:solidFill>
+          <a:prstDash val="solid"/>
+        </a:ln>
+        <a:effectLst/>
+      </dsp:spPr>
+      <dsp:style>
+        <a:lnRef idx="2">
+          <a:scrgbClr r="0" g="0" b="0"/>
+        </a:lnRef>
+        <a:fillRef idx="1">
+          <a:scrgbClr r="0" g="0" b="0"/>
+        </a:fillRef>
+        <a:effectRef idx="0">
+          <a:scrgbClr r="0" g="0" b="0"/>
+        </a:effectRef>
+        <a:fontRef idx="minor">
+          <a:schemeClr val="lt1"/>
+        </a:fontRef>
+      </dsp:style>
+      <dsp:txBody>
+        <a:bodyPr spcFirstLastPara="0" vert="horz" wrap="square" lIns="95250" tIns="47625" rIns="95250" bIns="47625" numCol="1" spcCol="1270" anchor="ctr" anchorCtr="0">
+          <a:noAutofit/>
+        </a:bodyPr>
+        <a:lstStyle/>
+        <a:p>
+          <a:pPr lvl="0" algn="ctr" defTabSz="1111250">
+            <a:lnSpc>
+              <a:spcPct val="90000"/>
+            </a:lnSpc>
+            <a:spcBef>
+              <a:spcPct val="0"/>
+            </a:spcBef>
+            <a:spcAft>
+              <a:spcPct val="35000"/>
+            </a:spcAft>
+          </a:pPr>
+          <a:r>
+            <a:rPr lang="pt-BR" sz="2500" kern="1200" dirty="0" smtClean="0">
+              <a:solidFill>
+                <a:schemeClr val="bg1"/>
+              </a:solidFill>
+            </a:rPr>
+            <a:t>Estratégias de Implementação</a:t>
+          </a:r>
+          <a:endParaRPr lang="pt-BR" sz="2500" kern="1200" dirty="0">
+            <a:solidFill>
+              <a:schemeClr val="bg1"/>
+            </a:solidFill>
+          </a:endParaRPr>
+        </a:p>
+      </dsp:txBody>
+      <dsp:txXfrm>
+        <a:off x="51330" y="4470033"/>
+        <a:ext cx="3059931" cy="948839"/>
+      </dsp:txXfrm>
+    </dsp:sp>
   </dsp:spTree>
 </dsp:drawing>
 </file>
@@ -35758,7 +37484,7 @@
           <a:p>
             <a:fld id="{22FF2C2B-E6FE-4B40-8FEC-059ACBF2FDAF}" type="datetimeFigureOut">
               <a:rPr lang="pt-BR" smtClean="0"/>
-              <a:t>15/04/2012</a:t>
+              <a:t>16/04/2012</a:t>
             </a:fld>
             <a:endParaRPr lang="pt-BR"/>
           </a:p>
@@ -36207,7 +37933,7 @@
           <a:p>
             <a:fld id="{832D22F9-ED1D-4ED7-B6EB-0D54C48D0846}" type="datetimeFigureOut">
               <a:rPr lang="pt-BR" smtClean="0"/>
-              <a:t>15/04/2012</a:t>
+              <a:t>16/04/2012</a:t>
             </a:fld>
             <a:endParaRPr lang="pt-BR"/>
           </a:p>
@@ -36377,7 +38103,7 @@
           <a:p>
             <a:fld id="{832D22F9-ED1D-4ED7-B6EB-0D54C48D0846}" type="datetimeFigureOut">
               <a:rPr lang="pt-BR" smtClean="0"/>
-              <a:t>15/04/2012</a:t>
+              <a:t>16/04/2012</a:t>
             </a:fld>
             <a:endParaRPr lang="pt-BR"/>
           </a:p>
@@ -36557,7 +38283,7 @@
           <a:p>
             <a:fld id="{832D22F9-ED1D-4ED7-B6EB-0D54C48D0846}" type="datetimeFigureOut">
               <a:rPr lang="pt-BR" smtClean="0"/>
-              <a:t>15/04/2012</a:t>
+              <a:t>16/04/2012</a:t>
             </a:fld>
             <a:endParaRPr lang="pt-BR"/>
           </a:p>
@@ -36727,7 +38453,7 @@
           <a:p>
             <a:fld id="{832D22F9-ED1D-4ED7-B6EB-0D54C48D0846}" type="datetimeFigureOut">
               <a:rPr lang="pt-BR" smtClean="0"/>
-              <a:t>15/04/2012</a:t>
+              <a:t>16/04/2012</a:t>
             </a:fld>
             <a:endParaRPr lang="pt-BR"/>
           </a:p>
@@ -36973,7 +38699,7 @@
           <a:p>
             <a:fld id="{832D22F9-ED1D-4ED7-B6EB-0D54C48D0846}" type="datetimeFigureOut">
               <a:rPr lang="pt-BR" smtClean="0"/>
-              <a:t>15/04/2012</a:t>
+              <a:t>16/04/2012</a:t>
             </a:fld>
             <a:endParaRPr lang="pt-BR"/>
           </a:p>
@@ -37261,7 +38987,7 @@
           <a:p>
             <a:fld id="{832D22F9-ED1D-4ED7-B6EB-0D54C48D0846}" type="datetimeFigureOut">
               <a:rPr lang="pt-BR" smtClean="0"/>
-              <a:t>15/04/2012</a:t>
+              <a:t>16/04/2012</a:t>
             </a:fld>
             <a:endParaRPr lang="pt-BR"/>
           </a:p>
@@ -37683,7 +39409,7 @@
           <a:p>
             <a:fld id="{832D22F9-ED1D-4ED7-B6EB-0D54C48D0846}" type="datetimeFigureOut">
               <a:rPr lang="pt-BR" smtClean="0"/>
-              <a:t>15/04/2012</a:t>
+              <a:t>16/04/2012</a:t>
             </a:fld>
             <a:endParaRPr lang="pt-BR"/>
           </a:p>
@@ -37801,7 +39527,7 @@
           <a:p>
             <a:fld id="{832D22F9-ED1D-4ED7-B6EB-0D54C48D0846}" type="datetimeFigureOut">
               <a:rPr lang="pt-BR" smtClean="0"/>
-              <a:t>15/04/2012</a:t>
+              <a:t>16/04/2012</a:t>
             </a:fld>
             <a:endParaRPr lang="pt-BR"/>
           </a:p>
@@ -37896,7 +39622,7 @@
           <a:p>
             <a:fld id="{832D22F9-ED1D-4ED7-B6EB-0D54C48D0846}" type="datetimeFigureOut">
               <a:rPr lang="pt-BR" smtClean="0"/>
-              <a:t>15/04/2012</a:t>
+              <a:t>16/04/2012</a:t>
             </a:fld>
             <a:endParaRPr lang="pt-BR"/>
           </a:p>
@@ -38173,7 +39899,7 @@
           <a:p>
             <a:fld id="{832D22F9-ED1D-4ED7-B6EB-0D54C48D0846}" type="datetimeFigureOut">
               <a:rPr lang="pt-BR" smtClean="0"/>
-              <a:t>15/04/2012</a:t>
+              <a:t>16/04/2012</a:t>
             </a:fld>
             <a:endParaRPr lang="pt-BR"/>
           </a:p>
@@ -38426,7 +40152,7 @@
           <a:p>
             <a:fld id="{832D22F9-ED1D-4ED7-B6EB-0D54C48D0846}" type="datetimeFigureOut">
               <a:rPr lang="pt-BR" smtClean="0"/>
-              <a:t>15/04/2012</a:t>
+              <a:t>16/04/2012</a:t>
             </a:fld>
             <a:endParaRPr lang="pt-BR"/>
           </a:p>
@@ -38639,7 +40365,7 @@
           <a:p>
             <a:fld id="{832D22F9-ED1D-4ED7-B6EB-0D54C48D0846}" type="datetimeFigureOut">
               <a:rPr lang="pt-BR" smtClean="0"/>
-              <a:t>15/04/2012</a:t>
+              <a:t>16/04/2012</a:t>
             </a:fld>
             <a:endParaRPr lang="pt-BR"/>
           </a:p>
@@ -46303,8 +48029,16 @@
           <a:p>
             <a:pPr lvl="1"/>
             <a:r>
+              <a:rPr lang="pt-BR" smtClean="0"/>
+              <a:t>Tornam-se </a:t>
+            </a:r>
+            <a:r>
+              <a:rPr lang="pt-BR" smtClean="0"/>
+              <a:t>camisas de força</a:t>
+            </a:r>
+            <a:r>
               <a:rPr lang="pt-BR" dirty="0" smtClean="0"/>
-              <a:t>Tornam-se camisas-de-força. </a:t>
+              <a:t>. </a:t>
             </a:r>
           </a:p>
           <a:p>
